--- a/presentation.pptx
+++ b/presentation.pptx
@@ -2947,13 +2947,20 @@
             <p:ph type="ctrTitle"/>
           </p:nvPr>
         </p:nvSpPr>
-        <p:spPr/>
-        <p:txBody>
-          <a:bodyPr/>
+        <p:spPr>
+          <a:xfrm>
+            <a:off x="1524000" y="1582738"/>
+            <a:ext cx="9144000" cy="2387600"/>
+          </a:xfrm>
+        </p:spPr>
+        <p:txBody>
+          <a:bodyPr>
+            <a:normAutofit fontScale="90000"/>
+          </a:bodyPr>
           <a:p>
             <a:r>
               <a:rPr lang="en-US" altLang="ru-RU"/>
-              <a:t>Презентэйшн</a:t>
+              <a:t>Разработка защищенного видеочата на основе стандарта WebRTC</a:t>
             </a:r>
             <a:endParaRPr lang="en-US" altLang="ru-RU"/>
           </a:p>
@@ -2969,15 +2976,95 @@
             <p:ph type="subTitle" idx="1"/>
           </p:nvPr>
         </p:nvSpPr>
-        <p:spPr/>
-        <p:txBody>
-          <a:bodyPr/>
-          <a:p>
+        <p:spPr>
+          <a:xfrm>
+            <a:off x="731520" y="4800600"/>
+            <a:ext cx="5231765" cy="1655445"/>
+          </a:xfrm>
+        </p:spPr>
+        <p:txBody>
+          <a:bodyPr>
+            <a:normAutofit lnSpcReduction="10000"/>
+          </a:bodyPr>
+          <a:p>
+            <a:pPr algn="l"/>
             <a:r>
               <a:rPr lang="" altLang="en-US"/>
-              <a:t>для диплома</a:t>
+              <a:t>Научный руководитель</a:t>
             </a:r>
             <a:endParaRPr lang="" altLang="en-US"/>
+          </a:p>
+          <a:p>
+            <a:pPr algn="l"/>
+            <a:r>
+              <a:rPr lang="" altLang="en-US"/>
+              <a:t>к.т.н. , доцент</a:t>
+            </a:r>
+            <a:endParaRPr lang="" altLang="en-US"/>
+          </a:p>
+          <a:p>
+            <a:pPr algn="l"/>
+            <a:r>
+              <a:rPr lang="" altLang="en-US"/>
+              <a:t>Ревякина Елена Александровна</a:t>
+            </a:r>
+            <a:endParaRPr lang="" altLang="en-US"/>
+          </a:p>
+        </p:txBody>
+      </p:sp>
+      <p:sp>
+        <p:nvSpPr>
+          <p:cNvPr id="4" name="Текстовое поле 3"/>
+          <p:cNvSpPr txBox="1"/>
+          <p:nvPr/>
+        </p:nvSpPr>
+        <p:spPr>
+          <a:xfrm>
+            <a:off x="5963285" y="4800600"/>
+            <a:ext cx="5357495" cy="1198880"/>
+          </a:xfrm>
+          <a:prstGeom prst="rect">
+            <a:avLst/>
+          </a:prstGeom>
+          <a:noFill/>
+        </p:spPr>
+        <p:txBody>
+          <a:bodyPr wrap="square" rtlCol="0" anchor="t">
+            <a:spAutoFit/>
+          </a:bodyPr>
+          <a:p>
+            <a:pPr algn="r"/>
+            <a:r>
+              <a:rPr lang="" altLang="en-US" sz="2400">
+                <a:sym typeface="+mn-ea"/>
+              </a:rPr>
+              <a:t>Выполнил</a:t>
+            </a:r>
+            <a:endParaRPr lang="" altLang="en-US" sz="2400">
+              <a:sym typeface="+mn-ea"/>
+            </a:endParaRPr>
+          </a:p>
+          <a:p>
+            <a:pPr algn="r"/>
+            <a:r>
+              <a:rPr lang="" altLang="en-US" sz="2400">
+                <a:sym typeface="+mn-ea"/>
+              </a:rPr>
+              <a:t>студент группы ВКБ62</a:t>
+            </a:r>
+            <a:endParaRPr lang="en-US" altLang="en-US" sz="2400"/>
+          </a:p>
+          <a:p>
+            <a:pPr algn="r"/>
+            <a:r>
+              <a:rPr lang="" altLang="en-US" sz="2400">
+                <a:sym typeface="+mn-ea"/>
+              </a:rPr>
+              <a:t>Стариков Владислав Эдуардович</a:t>
+            </a:r>
+            <a:endParaRPr lang="" altLang="en-US" sz="2400">
+              <a:sym typeface="+mn-ea"/>
+            </a:endParaRPr>
           </a:p>
         </p:txBody>
       </p:sp>
@@ -3135,7 +3222,7 @@
               <a:t>) предназначен для обхода ограничения "Симметричный NAT" путём открытия соединения с TURN сервером и ретрансляции всей информации через этот сервер. </a:t>
             </a:r>
             <a:r>
-              <a:rPr lang="" sz="2500"/>
+              <a:rPr lang="en-US" sz="2500"/>
               <a:t>Cоздается </a:t>
             </a:r>
             <a:r>
@@ -3143,7 +3230,7 @@
               <a:t>соединение с TURN сервером и </a:t>
             </a:r>
             <a:r>
-              <a:rPr lang="" sz="2500"/>
+              <a:rPr lang="en-US" sz="2500"/>
               <a:t>сообщается </a:t>
             </a:r>
             <a:r>
@@ -3151,7 +3238,7 @@
               <a:t>всем узлам слать пакеты этому серверу, которые затем будут переправлены </a:t>
             </a:r>
             <a:r>
-              <a:rPr lang="" sz="2500"/>
+              <a:rPr lang="en-US" sz="2500"/>
               <a:t>участникам системы</a:t>
             </a:r>
             <a:r>
@@ -3261,10 +3348,10 @@
           <a:bodyPr/>
           <a:p>
             <a:r>
-              <a:rPr lang="" altLang="en-US"/>
+              <a:rPr lang="en-US" altLang="en-US"/>
               <a:t>Угрозы при работе с webRTC	</a:t>
             </a:r>
-            <a:endParaRPr lang="" altLang="en-US"/>
+            <a:endParaRPr lang="en-US" altLang="en-US"/>
           </a:p>
         </p:txBody>
       </p:sp>
@@ -3289,14 +3376,14 @@
             <a:r>
               <a:rPr lang="ru-RU" altLang="en-US">
                 <a:solidFill>
-                  <a:schemeClr val="tx1"/>
+                  <a:schemeClr val="bg1"/>
                 </a:solidFill>
               </a:rPr>
               <a:t>Незашифрованные медиа-данные или другие данные могут быть перехвачены по пути между браузерами, или между браузером и сервером.</a:t>
             </a:r>
             <a:endParaRPr lang="ru-RU" altLang="en-US">
               <a:solidFill>
-                <a:schemeClr val="tx1"/>
+                <a:schemeClr val="bg1"/>
               </a:solidFill>
             </a:endParaRPr>
           </a:p>
@@ -3335,12 +3422,8 @@
           <a:bodyPr/>
           <a:p>
             <a:r>
-              <a:rPr lang="" altLang="en-US"/>
-              <a:t>Безопасность</a:t>
-            </a:r>
-            <a:r>
               <a:rPr lang="en-US" altLang="en-US"/>
-              <a:t>	</a:t>
+              <a:t>Безопасность	</a:t>
             </a:r>
             <a:endParaRPr lang="en-US" altLang="en-US"/>
           </a:p>
@@ -3364,14 +3447,14 @@
               </a:lnSpc>
             </a:pPr>
             <a:r>
-              <a:rPr lang="" altLang="ru-RU">
+              <a:rPr lang="en-US" altLang="ru-RU">
                 <a:solidFill>
                   <a:schemeClr val="tx1"/>
                 </a:solidFill>
               </a:rPr>
               <a:t>Работает только по HTTPS</a:t>
             </a:r>
-            <a:endParaRPr lang="" altLang="ru-RU">
+            <a:endParaRPr lang="en-US" altLang="ru-RU">
               <a:solidFill>
                 <a:schemeClr val="tx1"/>
               </a:solidFill>
@@ -3384,14 +3467,14 @@
               </a:lnSpc>
             </a:pPr>
             <a:r>
-              <a:rPr lang="" altLang="ru-RU">
+              <a:rPr lang="en-US" altLang="ru-RU">
                 <a:solidFill>
                   <a:schemeClr val="tx1"/>
                 </a:solidFill>
               </a:rPr>
               <a:t>Медиа потоки шифруются (DTLS и SRTP)</a:t>
             </a:r>
-            <a:endParaRPr lang="" altLang="ru-RU">
+            <a:endParaRPr lang="en-US" altLang="ru-RU">
               <a:solidFill>
                 <a:schemeClr val="tx1"/>
               </a:solidFill>
@@ -3404,14 +3487,14 @@
               </a:lnSpc>
             </a:pPr>
             <a:r>
-              <a:rPr lang="" altLang="ru-RU">
+              <a:rPr lang="en-US" altLang="ru-RU">
                 <a:solidFill>
                   <a:schemeClr val="tx1"/>
                 </a:solidFill>
               </a:rPr>
               <a:t>Технология не требует установки плагинов</a:t>
             </a:r>
-            <a:endParaRPr lang="" altLang="ru-RU">
+            <a:endParaRPr lang="en-US" altLang="ru-RU">
               <a:solidFill>
                 <a:schemeClr val="tx1"/>
               </a:solidFill>
@@ -3424,14 +3507,14 @@
               </a:lnSpc>
             </a:pPr>
             <a:r>
-              <a:rPr lang="" altLang="ru-RU">
+              <a:rPr lang="en-US" altLang="ru-RU">
                 <a:solidFill>
                   <a:schemeClr val="tx1"/>
                 </a:solidFill>
               </a:rPr>
               <a:t>Не получится сделать шпионское приложение</a:t>
             </a:r>
-            <a:endParaRPr lang="" altLang="ru-RU">
+            <a:endParaRPr lang="en-US" altLang="ru-RU">
               <a:solidFill>
                 <a:schemeClr val="tx1"/>
               </a:solidFill>
@@ -3479,7 +3562,7 @@
               </a:rPr>
               <a:t>Стек технологий</a:t>
             </a:r>
-            <a:endParaRPr lang="" altLang="en-US">
+            <a:endParaRPr lang="en-US" altLang="en-US">
               <a:sym typeface="+mn-ea"/>
             </a:endParaRPr>
           </a:p>
@@ -3503,10 +3586,10 @@
               </a:lnSpc>
             </a:pPr>
             <a:r>
-              <a:rPr lang="" altLang="ru-RU"/>
+              <a:rPr lang="en-US" altLang="ru-RU"/>
               <a:t>JavaScript - язык программированния</a:t>
             </a:r>
-            <a:endParaRPr lang="" altLang="ru-RU"/>
+            <a:endParaRPr lang="en-US" altLang="ru-RU"/>
           </a:p>
           <a:p>
             <a:pPr>
@@ -3517,10 +3600,10 @@
               <a:buChar char="•"/>
             </a:pPr>
             <a:r>
-              <a:rPr lang="" altLang="ru-RU"/>
+              <a:rPr lang="en-US" altLang="ru-RU"/>
               <a:t>Vue.js - фреймворк для создания интерфейсов</a:t>
             </a:r>
-            <a:endParaRPr lang="" altLang="ru-RU"/>
+            <a:endParaRPr lang="en-US" altLang="ru-RU"/>
           </a:p>
           <a:p>
             <a:pPr>
@@ -3531,7 +3614,7 @@
               <a:buChar char="•"/>
             </a:pPr>
             <a:r>
-              <a:rPr lang="" altLang="ru-RU"/>
+              <a:rPr lang="en-US" altLang="ru-RU"/>
               <a:t>Node.js </a:t>
             </a:r>
             <a:r>
@@ -3540,7 +3623,7 @@
               </a:rPr>
               <a:t>- язык программированния</a:t>
             </a:r>
-            <a:endParaRPr lang="" altLang="ru-RU"/>
+            <a:endParaRPr lang="en-US" altLang="ru-RU"/>
           </a:p>
         </p:txBody>
       </p:sp>
@@ -3577,10 +3660,10 @@
           <a:bodyPr/>
           <a:p>
             <a:r>
-              <a:rPr lang="" altLang="en-US"/>
+              <a:rPr lang="en-US" altLang="en-US"/>
               <a:t>Требования при работе с ПО</a:t>
             </a:r>
-            <a:endParaRPr lang="" altLang="en-US"/>
+            <a:endParaRPr lang="en-US" altLang="en-US"/>
           </a:p>
         </p:txBody>
       </p:sp>
@@ -3603,10 +3686,10 @@
               <a:buNone/>
             </a:pPr>
             <a:r>
-              <a:rPr lang="" altLang="en-US"/>
+              <a:rPr lang="en-US" altLang="en-US"/>
               <a:t>Для пользования продуктом необходимо лишь установить браузер и иметь сетевое соединение.</a:t>
             </a:r>
-            <a:endParaRPr lang="" altLang="en-US"/>
+            <a:endParaRPr lang="en-US" altLang="en-US"/>
           </a:p>
           <a:p>
             <a:pPr marL="0" indent="0">
@@ -3615,7 +3698,7 @@
               </a:lnSpc>
               <a:buNone/>
             </a:pPr>
-            <a:endParaRPr lang="" altLang="en-US"/>
+            <a:endParaRPr lang="en-US" altLang="en-US"/>
           </a:p>
           <a:p>
             <a:pPr marL="0" indent="0">
@@ -3625,10 +3708,10 @@
               <a:buNone/>
             </a:pPr>
             <a:r>
-              <a:rPr lang="" altLang="en-US"/>
+              <a:rPr lang="en-US" altLang="en-US"/>
               <a:t>Поддержка в браузерах:</a:t>
             </a:r>
-            <a:endParaRPr lang="" altLang="en-US"/>
+            <a:endParaRPr lang="en-US" altLang="en-US"/>
           </a:p>
           <a:p>
             <a:pPr marL="0" indent="0">
@@ -3637,7 +3720,7 @@
               </a:lnSpc>
               <a:buNone/>
             </a:pPr>
-            <a:endParaRPr lang="" altLang="en-US"/>
+            <a:endParaRPr lang="en-US" altLang="en-US"/>
           </a:p>
         </p:txBody>
       </p:sp>
@@ -3679,14 +3762,14 @@
                         <a:buNone/>
                       </a:pPr>
                       <a:r>
-                        <a:rPr lang="" altLang="ru-RU" sz="2500">
+                        <a:rPr lang="en-US" altLang="ru-RU" sz="2500">
                           <a:solidFill>
                             <a:schemeClr val="tx1"/>
                           </a:solidFill>
                         </a:rPr>
                         <a:t>Chrome</a:t>
                       </a:r>
-                      <a:endParaRPr lang="" altLang="ru-RU" sz="2500">
+                      <a:endParaRPr lang="en-US" altLang="ru-RU" sz="2500">
                         <a:solidFill>
                           <a:schemeClr val="tx1"/>
                         </a:solidFill>
@@ -3705,14 +3788,14 @@
                         <a:buNone/>
                       </a:pPr>
                       <a:r>
-                        <a:rPr lang="" altLang="ru-RU" sz="2500">
+                        <a:rPr lang="en-US" altLang="ru-RU" sz="2500">
                           <a:solidFill>
                             <a:schemeClr val="tx1"/>
                           </a:solidFill>
                         </a:rPr>
                         <a:t>Safari</a:t>
                       </a:r>
-                      <a:endParaRPr lang="" altLang="ru-RU" sz="2500">
+                      <a:endParaRPr lang="en-US" altLang="ru-RU" sz="2500">
                         <a:solidFill>
                           <a:schemeClr val="tx1"/>
                         </a:solidFill>
@@ -3731,14 +3814,14 @@
                         <a:buNone/>
                       </a:pPr>
                       <a:r>
-                        <a:rPr lang="" altLang="ru-RU" sz="2500">
+                        <a:rPr lang="en-US" altLang="ru-RU" sz="2500">
                           <a:solidFill>
                             <a:schemeClr val="tx1"/>
                           </a:solidFill>
                         </a:rPr>
                         <a:t>Firefox</a:t>
                       </a:r>
-                      <a:endParaRPr lang="" altLang="ru-RU" sz="2500">
+                      <a:endParaRPr lang="en-US" altLang="ru-RU" sz="2500">
                         <a:solidFill>
                           <a:schemeClr val="tx1"/>
                         </a:solidFill>
@@ -3757,14 +3840,14 @@
                         <a:buNone/>
                       </a:pPr>
                       <a:r>
-                        <a:rPr lang="" altLang="ru-RU" sz="2500">
+                        <a:rPr lang="en-US" altLang="ru-RU" sz="2500">
                           <a:solidFill>
                             <a:schemeClr val="tx1"/>
                           </a:solidFill>
                         </a:rPr>
                         <a:t>Opera</a:t>
                       </a:r>
-                      <a:endParaRPr lang="" altLang="ru-RU" sz="2500">
+                      <a:endParaRPr lang="en-US" altLang="ru-RU" sz="2500">
                         <a:solidFill>
                           <a:schemeClr val="tx1"/>
                         </a:solidFill>
@@ -3785,14 +3868,14 @@
                         <a:buNone/>
                       </a:pPr>
                       <a:r>
-                        <a:rPr lang="" altLang="ru-RU" sz="2500">
+                        <a:rPr lang="en-US" altLang="ru-RU" sz="2500">
                           <a:solidFill>
                             <a:schemeClr val="tx1"/>
                           </a:solidFill>
                         </a:rPr>
                         <a:t>23+</a:t>
                       </a:r>
-                      <a:endParaRPr lang="" altLang="ru-RU" sz="2500">
+                      <a:endParaRPr lang="en-US" altLang="ru-RU" sz="2500">
                         <a:solidFill>
                           <a:schemeClr val="tx1"/>
                         </a:solidFill>
@@ -3811,14 +3894,14 @@
                         <a:buNone/>
                       </a:pPr>
                       <a:r>
-                        <a:rPr lang="" altLang="ru-RU" sz="2500">
+                        <a:rPr lang="en-US" altLang="ru-RU" sz="2500">
                           <a:solidFill>
                             <a:schemeClr val="tx1"/>
                           </a:solidFill>
                         </a:rPr>
                         <a:t>11+</a:t>
                       </a:r>
-                      <a:endParaRPr lang="" altLang="ru-RU" sz="2500">
+                      <a:endParaRPr lang="en-US" altLang="ru-RU" sz="2500">
                         <a:solidFill>
                           <a:schemeClr val="tx1"/>
                         </a:solidFill>
@@ -3837,14 +3920,14 @@
                         <a:buNone/>
                       </a:pPr>
                       <a:r>
-                        <a:rPr lang="" altLang="ru-RU" sz="2500">
+                        <a:rPr lang="en-US" altLang="ru-RU" sz="2500">
                           <a:solidFill>
                             <a:schemeClr val="tx1"/>
                           </a:solidFill>
                         </a:rPr>
                         <a:t>38+</a:t>
                       </a:r>
-                      <a:endParaRPr lang="" altLang="ru-RU" sz="2500">
+                      <a:endParaRPr lang="en-US" altLang="ru-RU" sz="2500">
                         <a:solidFill>
                           <a:schemeClr val="tx1"/>
                         </a:solidFill>
@@ -3863,14 +3946,14 @@
                         <a:buNone/>
                       </a:pPr>
                       <a:r>
-                        <a:rPr lang="" altLang="ru-RU" sz="2500">
+                        <a:rPr lang="en-US" altLang="ru-RU" sz="2500">
                           <a:solidFill>
                             <a:schemeClr val="tx1"/>
                           </a:solidFill>
                         </a:rPr>
                         <a:t>12+</a:t>
                       </a:r>
-                      <a:endParaRPr lang="" altLang="ru-RU" sz="2500">
+                      <a:endParaRPr lang="en-US" altLang="ru-RU" sz="2500">
                         <a:solidFill>
                           <a:schemeClr val="tx1"/>
                         </a:solidFill>
@@ -3919,10 +4002,10 @@
           <a:bodyPr/>
           <a:p>
             <a:r>
-              <a:rPr lang="" altLang="en-US"/>
+              <a:rPr lang="en-US" altLang="en-US"/>
               <a:t>Интерфейс приложения</a:t>
             </a:r>
-            <a:endParaRPr lang="" altLang="en-US"/>
+            <a:endParaRPr lang="en-US" altLang="en-US"/>
           </a:p>
         </p:txBody>
       </p:sp>
@@ -4051,10 +4134,10 @@
           <a:bodyPr/>
           <a:p>
             <a:r>
-              <a:rPr lang="" altLang="en-US"/>
+              <a:rPr lang="en-US" altLang="en-US"/>
               <a:t>Открытие сокет-соединения</a:t>
             </a:r>
-            <a:endParaRPr lang="" altLang="en-US"/>
+            <a:endParaRPr lang="en-US" altLang="en-US"/>
           </a:p>
         </p:txBody>
       </p:sp>
@@ -4117,10 +4200,10 @@
           <a:bodyPr/>
           <a:p>
             <a:r>
-              <a:rPr lang="" altLang="ru-RU"/>
+              <a:rPr lang="en-US" altLang="ru-RU"/>
               <a:t>Цель, объект, предмет</a:t>
             </a:r>
-            <a:endParaRPr lang="" altLang="ru-RU"/>
+            <a:endParaRPr lang="en-US" altLang="ru-RU"/>
           </a:p>
         </p:txBody>
       </p:sp>
@@ -4147,7 +4230,7 @@
               <a:buNone/>
             </a:pPr>
             <a:r>
-              <a:rPr lang="" altLang="ru-RU" sz="2500"/>
+              <a:rPr lang="en-US" altLang="ru-RU" sz="2500"/>
               <a:t>Цель - создание программного продукта на основании </a:t>
             </a:r>
             <a:r>
@@ -4157,10 +4240,10 @@
               <a:t>webRTC стандарта </a:t>
             </a:r>
             <a:r>
-              <a:rPr lang="" altLang="ru-RU" sz="2500"/>
+              <a:rPr lang="en-US" altLang="ru-RU" sz="2500"/>
               <a:t>для установления соединения  и обмена информацией между конечными пользователями.</a:t>
             </a:r>
-            <a:endParaRPr lang="" altLang="ru-RU" sz="2500"/>
+            <a:endParaRPr lang="en-US" altLang="ru-RU" sz="2500"/>
           </a:p>
           <a:p>
             <a:pPr marL="0" indent="0">
@@ -4182,7 +4265,7 @@
               <a:t>бъ</a:t>
             </a:r>
             <a:r>
-              <a:rPr lang="" altLang="en-US" sz="2500">
+              <a:rPr lang="en-US" altLang="en-US" sz="2500">
                 <a:sym typeface="+mn-ea"/>
               </a:rPr>
               <a:t>е</a:t>
@@ -4194,12 +4277,12 @@
               <a:t>кт </a:t>
             </a:r>
             <a:r>
-              <a:rPr lang="" altLang="en-US" sz="2500">
+              <a:rPr lang="en-US" altLang="en-US" sz="2500">
                 <a:sym typeface="+mn-ea"/>
               </a:rPr>
               <a:t>- онлайн конференция</a:t>
             </a:r>
-            <a:endParaRPr lang="" altLang="en-US" sz="2500">
+            <a:endParaRPr lang="en-US" altLang="en-US" sz="2500">
               <a:sym typeface="+mn-ea"/>
             </a:endParaRPr>
           </a:p>
@@ -4228,7 +4311,7 @@
               </a:rPr>
               <a:t>- области применения использования данного стандарта при реализации программных продуктов</a:t>
             </a:r>
-            <a:endParaRPr lang="" altLang="ru-RU" sz="2500"/>
+            <a:endParaRPr lang="en-US" altLang="ru-RU" sz="2500"/>
           </a:p>
         </p:txBody>
       </p:sp>
@@ -4265,10 +4348,10 @@
           <a:bodyPr/>
           <a:p>
             <a:r>
-              <a:rPr lang="" altLang="en-US"/>
+              <a:rPr lang="en-US" altLang="en-US"/>
               <a:t>Подключение backend части</a:t>
             </a:r>
-            <a:endParaRPr lang="" altLang="en-US"/>
+            <a:endParaRPr lang="en-US" altLang="en-US"/>
           </a:p>
         </p:txBody>
       </p:sp>
@@ -4333,10 +4416,10 @@
           </a:bodyPr>
           <a:p>
             <a:r>
-              <a:rPr lang="" altLang="en-US"/>
+              <a:rPr lang="en-US" altLang="en-US"/>
               <a:t>Работа с состоянием на стороне клиента</a:t>
             </a:r>
-            <a:endParaRPr lang="" altLang="en-US"/>
+            <a:endParaRPr lang="en-US" altLang="en-US"/>
           </a:p>
         </p:txBody>
       </p:sp>
@@ -4401,11 +4484,11 @@
           </a:bodyPr>
           <a:p>
             <a:r>
-              <a:rPr lang="" altLang="en-US"/>
+              <a:rPr lang="en-US" altLang="en-US"/>
               <a:t>Определение разметки </a:t>
             </a:r>
             <a:br>
-              <a:rPr lang="" altLang="en-US"/>
+              <a:rPr lang="en-US" altLang="en-US"/>
             </a:br>
             <a:r>
               <a:rPr lang="en-US" altLang="en-US">
@@ -4414,10 +4497,10 @@
               <a:t>видео-чата </a:t>
             </a:r>
             <a:r>
-              <a:rPr lang="" altLang="en-US"/>
+              <a:rPr lang="en-US" altLang="en-US"/>
               <a:t>компонента</a:t>
             </a:r>
-            <a:endParaRPr lang="" altLang="en-US"/>
+            <a:endParaRPr lang="en-US" altLang="en-US"/>
           </a:p>
         </p:txBody>
       </p:sp>
@@ -4482,10 +4565,10 @@
           </a:bodyPr>
           <a:p>
             <a:r>
-              <a:rPr lang="" altLang="en-US"/>
+              <a:rPr lang="en-US" altLang="en-US"/>
               <a:t>Работа  приложения по протоколу ICE</a:t>
             </a:r>
-            <a:endParaRPr lang="" altLang="en-US"/>
+            <a:endParaRPr lang="en-US" altLang="en-US"/>
           </a:p>
         </p:txBody>
       </p:sp>
@@ -4550,10 +4633,10 @@
           </a:bodyPr>
           <a:p>
             <a:r>
-              <a:rPr lang="" altLang="en-US"/>
+              <a:rPr lang="en-US" altLang="en-US"/>
               <a:t>Заключение	</a:t>
             </a:r>
-            <a:endParaRPr lang="" altLang="en-US"/>
+            <a:endParaRPr lang="en-US" altLang="en-US"/>
           </a:p>
         </p:txBody>
       </p:sp>
@@ -4582,7 +4665,7 @@
               <a:t>Разработанный </a:t>
             </a:r>
             <a:r>
-              <a:rPr lang="" altLang="ru-RU"/>
+              <a:rPr lang="en-US" altLang="ru-RU"/>
               <a:t>продукт </a:t>
             </a:r>
             <a:r>
@@ -4599,7 +4682,7 @@
               <a:buNone/>
             </a:pPr>
             <a:r>
-              <a:rPr lang="" altLang="ru-RU"/>
+              <a:rPr lang="en-US" altLang="ru-RU"/>
               <a:t>Нет необходимости </a:t>
             </a:r>
             <a:r>
@@ -4607,10 +4690,10 @@
               <a:t>устанавливать дополнительного ПО, сервис является кроссплатформенным, поддерживается большинством браузеров</a:t>
             </a:r>
             <a:r>
-              <a:rPr lang="" altLang="ru-RU"/>
+              <a:rPr lang="en-US" altLang="ru-RU"/>
               <a:t>.</a:t>
             </a:r>
-            <a:endParaRPr lang="" altLang="ru-RU"/>
+            <a:endParaRPr lang="en-US" altLang="ru-RU"/>
           </a:p>
         </p:txBody>
       </p:sp>
@@ -4654,7 +4737,7 @@
               </a:rPr>
               <a:t>WebRTC (Web Real-Time Communications) </a:t>
             </a:r>
-            <a:endParaRPr lang="" altLang="ru-RU">
+            <a:endParaRPr lang="en-US" altLang="ru-RU">
               <a:sym typeface="+mn-ea"/>
             </a:endParaRPr>
           </a:p>
@@ -4692,7 +4775,7 @@
               <a:t>WebRTC - </a:t>
             </a:r>
             <a:r>
-              <a:rPr lang="" altLang="ru-RU" sz="2500"/>
+              <a:rPr lang="en-US" altLang="ru-RU" sz="2500"/>
               <a:t>стандарт</a:t>
             </a:r>
             <a:r>
@@ -4700,7 +4783,7 @@
               <a:t>, </a:t>
             </a:r>
             <a:r>
-              <a:rPr lang="" altLang="ru-RU" sz="2500"/>
+              <a:rPr lang="en-US" altLang="ru-RU" sz="2500"/>
               <a:t>позволяющий</a:t>
             </a:r>
             <a:r>
@@ -4708,7 +4791,7 @@
               <a:t>  построить соединение в режиме узел-узел</a:t>
             </a:r>
             <a:r>
-              <a:rPr lang="" altLang="ru-RU" sz="2500"/>
+              <a:rPr lang="en-US" altLang="ru-RU" sz="2500"/>
               <a:t>, </a:t>
             </a:r>
             <a:r>
@@ -4824,10 +4907,10 @@
           <a:bodyPr/>
           <a:p>
             <a:r>
-              <a:rPr lang="" altLang="ru-RU"/>
+              <a:rPr lang="en-US" altLang="ru-RU"/>
               <a:t>Протоколы WebRTC - ICE</a:t>
             </a:r>
-            <a:endParaRPr lang="" altLang="ru-RU"/>
+            <a:endParaRPr lang="en-US" altLang="ru-RU"/>
           </a:p>
         </p:txBody>
       </p:sp>
@@ -4879,7 +4962,7 @@
               <a:t>) </a:t>
             </a:r>
             <a:r>
-              <a:rPr lang="" altLang="ru-RU" sz="2500"/>
+              <a:rPr lang="en-US" altLang="ru-RU" sz="2500"/>
               <a:t>-</a:t>
             </a:r>
             <a:r>
@@ -4887,7 +4970,7 @@
               <a:t> "Установка интерактивного подключения" представляет собой каркас, позволяющий веб-браузеру соединяться с узлами. </a:t>
             </a:r>
             <a:r>
-              <a:rPr lang="" altLang="ru-RU" sz="2500"/>
+              <a:rPr lang="en-US" altLang="ru-RU" sz="2500"/>
               <a:t>Соединение </a:t>
             </a:r>
             <a:r>
@@ -4897,7 +4980,7 @@
               <a:t>должно обойти межсетевые экраны, </a:t>
             </a:r>
             <a:r>
-              <a:rPr lang="" altLang="ru-RU" sz="2500">
+              <a:rPr lang="en-US" altLang="ru-RU" sz="2500">
                 <a:sym typeface="+mn-ea"/>
               </a:rPr>
               <a:t>препятствующие</a:t>
@@ -4909,7 +4992,7 @@
               <a:t> открытию соединений, </a:t>
             </a:r>
             <a:r>
-              <a:rPr lang="" altLang="ru-RU" sz="2500">
+              <a:rPr lang="en-US" altLang="ru-RU" sz="2500">
                 <a:sym typeface="+mn-ea"/>
               </a:rPr>
               <a:t>предоставить </a:t>
@@ -4921,7 +5004,7 @@
               <a:t>уникальный </a:t>
             </a:r>
             <a:r>
-              <a:rPr lang="" altLang="ru-RU" sz="2500">
+              <a:rPr lang="en-US" altLang="ru-RU" sz="2500">
                 <a:sym typeface="+mn-ea"/>
               </a:rPr>
               <a:t>IP-</a:t>
@@ -4933,7 +5016,7 @@
               <a:t>адре</a:t>
             </a:r>
             <a:r>
-              <a:rPr lang="" altLang="ru-RU" sz="2500">
+              <a:rPr lang="en-US" altLang="ru-RU" sz="2500">
                 <a:sym typeface="+mn-ea"/>
               </a:rPr>
               <a:t>с </a:t>
@@ -5045,12 +5128,12 @@
               <a:buNone/>
             </a:pPr>
             <a:r>
-              <a:rPr lang="" altLang="ru-RU" sz="2500">
+              <a:rPr lang="en-US" altLang="ru-RU" sz="2500">
                 <a:sym typeface="+mn-ea"/>
               </a:rPr>
               <a:t>NAT используется для того, чтобы дать устройству публичный IP-адрес.</a:t>
             </a:r>
-            <a:endParaRPr lang="" altLang="ru-RU" sz="2500">
+            <a:endParaRPr lang="en-US" altLang="ru-RU" sz="2500">
               <a:sym typeface="+mn-ea"/>
             </a:endParaRPr>
           </a:p>
@@ -5075,16 +5158,16 @@
               <a:buNone/>
             </a:pPr>
             <a:r>
-              <a:rPr lang="" altLang="ru-RU" sz="2500">
+              <a:rPr lang="en-US" altLang="ru-RU" sz="2500">
                 <a:solidFill>
-                  <a:srgbClr val="FF0000"/>
+                  <a:schemeClr val="bg1"/>
                 </a:solidFill>
               </a:rPr>
               <a:t>У нат есть ограничение "Симметричный NAT". Это будет подводкой к тому, зачем нам нужен TURN. Тут можно описать и ругие проблемы NAT</a:t>
             </a:r>
-            <a:endParaRPr lang="" altLang="ru-RU" sz="2500">
+            <a:endParaRPr lang="en-US" altLang="ru-RU" sz="2500">
               <a:solidFill>
-                <a:srgbClr val="FF0000"/>
+                <a:schemeClr val="bg1"/>
               </a:solidFill>
             </a:endParaRPr>
           </a:p>
@@ -5358,7 +5441,7 @@
               <a:t>) </a:t>
             </a:r>
             <a:r>
-              <a:rPr lang="" sz="2500"/>
+              <a:rPr lang="en-US" sz="2500"/>
               <a:t>-</a:t>
             </a:r>
             <a:r>
@@ -5366,7 +5449,7 @@
               <a:t> это протокол для нахождения и определения публичного адреса </a:t>
             </a:r>
             <a:r>
-              <a:rPr lang="" sz="2500"/>
+              <a:rPr lang="en-US" sz="2500"/>
               <a:t>устройства </a:t>
             </a:r>
             <a:r>

--- a/presentation.pptx
+++ b/presentation.pptx
@@ -9,26 +9,24 @@
     <p:sldId id="257" r:id="rId4"/>
     <p:sldId id="258" r:id="rId5"/>
     <p:sldId id="283" r:id="rId6"/>
-    <p:sldId id="260" r:id="rId7"/>
-    <p:sldId id="259" r:id="rId8"/>
-    <p:sldId id="267" r:id="rId9"/>
-    <p:sldId id="263" r:id="rId10"/>
-    <p:sldId id="265" r:id="rId11"/>
-    <p:sldId id="264" r:id="rId12"/>
-    <p:sldId id="266" r:id="rId13"/>
-    <p:sldId id="268" r:id="rId14"/>
-    <p:sldId id="284" r:id="rId15"/>
-    <p:sldId id="288" r:id="rId16"/>
-    <p:sldId id="272" r:id="rId17"/>
-    <p:sldId id="275" r:id="rId18"/>
-    <p:sldId id="274" r:id="rId19"/>
-    <p:sldId id="276" r:id="rId20"/>
-    <p:sldId id="278" r:id="rId21"/>
-    <p:sldId id="279" r:id="rId22"/>
-    <p:sldId id="280" r:id="rId23"/>
-    <p:sldId id="282" r:id="rId24"/>
-    <p:sldId id="281" r:id="rId25"/>
-    <p:sldId id="287" r:id="rId26"/>
+    <p:sldId id="267" r:id="rId7"/>
+    <p:sldId id="265" r:id="rId8"/>
+    <p:sldId id="264" r:id="rId9"/>
+    <p:sldId id="266" r:id="rId10"/>
+    <p:sldId id="268" r:id="rId11"/>
+    <p:sldId id="288" r:id="rId12"/>
+    <p:sldId id="272" r:id="rId13"/>
+    <p:sldId id="275" r:id="rId14"/>
+    <p:sldId id="274" r:id="rId15"/>
+    <p:sldId id="276" r:id="rId16"/>
+    <p:sldId id="304" r:id="rId17"/>
+    <p:sldId id="278" r:id="rId18"/>
+    <p:sldId id="305" r:id="rId19"/>
+    <p:sldId id="280" r:id="rId20"/>
+    <p:sldId id="306" r:id="rId21"/>
+    <p:sldId id="281" r:id="rId22"/>
+    <p:sldId id="307" r:id="rId23"/>
+    <p:sldId id="287" r:id="rId24"/>
   </p:sldIdLst>
   <p:sldSz cx="12192000" cy="6858000"/>
   <p:notesSz cx="6858000" cy="9144000"/>
@@ -3101,39 +3099,106 @@
           <a:bodyPr/>
           <a:p>
             <a:r>
-              <a:rPr lang="en-US" altLang="ru-RU"/>
-              <a:t>Протоколы WebRTC - STUN</a:t>
-            </a:r>
-            <a:endParaRPr lang="en-US" altLang="ru-RU"/>
-          </a:p>
-        </p:txBody>
-      </p:sp>
-      <p:pic>
-        <p:nvPicPr>
-          <p:cNvPr id="4" name="Замещающее содержимое 3"/>
-          <p:cNvPicPr>
-            <a:picLocks noChangeAspect="1"/>
-          </p:cNvPicPr>
+              <a:rPr lang="en-US" altLang="en-US"/>
+              <a:t>Безопасность	</a:t>
+            </a:r>
+            <a:endParaRPr lang="en-US" altLang="en-US"/>
+          </a:p>
+        </p:txBody>
+      </p:sp>
+      <p:sp>
+        <p:nvSpPr>
+          <p:cNvPr id="3" name="Замещающее содержимое 2"/>
+          <p:cNvSpPr/>
           <p:nvPr>
             <p:ph idx="1"/>
           </p:nvPr>
-        </p:nvPicPr>
-        <p:blipFill>
-          <a:blip r:embed="rId1"/>
-          <a:stretch>
-            <a:fillRect/>
-          </a:stretch>
-        </p:blipFill>
-        <p:spPr>
-          <a:xfrm>
-            <a:off x="3991610" y="1475740"/>
-            <a:ext cx="3463290" cy="5054600"/>
-          </a:xfrm>
-          <a:prstGeom prst="rect">
-            <a:avLst/>
-          </a:prstGeom>
-        </p:spPr>
-      </p:pic>
+        </p:nvSpPr>
+        <p:spPr/>
+        <p:txBody>
+          <a:bodyPr/>
+          <a:p>
+            <a:pPr>
+              <a:lnSpc>
+                <a:spcPct val="150000"/>
+              </a:lnSpc>
+            </a:pPr>
+            <a:r>
+              <a:rPr lang="en-US" altLang="ru-RU">
+                <a:solidFill>
+                  <a:schemeClr val="tx1"/>
+                </a:solidFill>
+              </a:rPr>
+              <a:t>Работает только по HTTPS</a:t>
+            </a:r>
+            <a:endParaRPr lang="en-US" altLang="ru-RU">
+              <a:solidFill>
+                <a:schemeClr val="tx1"/>
+              </a:solidFill>
+            </a:endParaRPr>
+          </a:p>
+          <a:p>
+            <a:pPr>
+              <a:lnSpc>
+                <a:spcPct val="150000"/>
+              </a:lnSpc>
+            </a:pPr>
+            <a:r>
+              <a:rPr lang="en-US" altLang="ru-RU">
+                <a:solidFill>
+                  <a:schemeClr val="tx1"/>
+                </a:solidFill>
+              </a:rPr>
+              <a:t>Медиа потоки шифруются (DTLS и SRTP)</a:t>
+            </a:r>
+            <a:endParaRPr lang="en-US" altLang="ru-RU">
+              <a:solidFill>
+                <a:schemeClr val="tx1"/>
+              </a:solidFill>
+            </a:endParaRPr>
+          </a:p>
+          <a:p>
+            <a:pPr>
+              <a:lnSpc>
+                <a:spcPct val="150000"/>
+              </a:lnSpc>
+            </a:pPr>
+            <a:r>
+              <a:rPr lang="en-US" altLang="ru-RU">
+                <a:solidFill>
+                  <a:schemeClr val="tx1"/>
+                </a:solidFill>
+              </a:rPr>
+              <a:t>Технология не требует установки плагинов</a:t>
+            </a:r>
+            <a:endParaRPr lang="en-US" altLang="ru-RU">
+              <a:solidFill>
+                <a:schemeClr val="tx1"/>
+              </a:solidFill>
+            </a:endParaRPr>
+          </a:p>
+          <a:p>
+            <a:pPr>
+              <a:lnSpc>
+                <a:spcPct val="150000"/>
+              </a:lnSpc>
+            </a:pPr>
+            <a:r>
+              <a:rPr lang="en-US" altLang="ru-RU">
+                <a:solidFill>
+                  <a:schemeClr val="tx1"/>
+                </a:solidFill>
+              </a:rPr>
+              <a:t>Не получится сделать шпионское приложение</a:t>
+            </a:r>
+            <a:endParaRPr lang="en-US" altLang="ru-RU">
+              <a:solidFill>
+                <a:schemeClr val="tx1"/>
+              </a:solidFill>
+            </a:endParaRPr>
+          </a:p>
+        </p:txBody>
+      </p:sp>
     </p:spTree>
   </p:cSld>
   <p:clrMapOvr>
@@ -3164,88 +3229,78 @@
         </p:nvSpPr>
         <p:spPr/>
         <p:txBody>
-          <a:bodyPr/>
-          <a:p>
-            <a:r>
-              <a:rPr lang="en-US" altLang="ru-RU"/>
-              <a:t>Протоколы WebRTC - TURN</a:t>
-            </a:r>
-            <a:endParaRPr lang="en-US" altLang="ru-RU"/>
-          </a:p>
-        </p:txBody>
-      </p:sp>
-      <p:sp>
-        <p:nvSpPr>
-          <p:cNvPr id="3" name="Замещающее содержимое 2"/>
-          <p:cNvSpPr>
-            <a:spLocks noGrp="1"/>
-          </p:cNvSpPr>
+          <a:bodyPr>
+            <a:normAutofit/>
+          </a:bodyPr>
+          <a:p>
+            <a:r>
+              <a:rPr lang="en-US" altLang="ru-RU">
+                <a:sym typeface="+mn-ea"/>
+              </a:rPr>
+              <a:t>Стек технологий</a:t>
+            </a:r>
+            <a:endParaRPr lang="en-US" altLang="en-US">
+              <a:sym typeface="+mn-ea"/>
+            </a:endParaRPr>
+          </a:p>
+        </p:txBody>
+      </p:sp>
+      <p:sp>
+        <p:nvSpPr>
+          <p:cNvPr id="7" name="Замещающее содержимое 6"/>
+          <p:cNvSpPr/>
           <p:nvPr>
             <p:ph idx="1"/>
           </p:nvPr>
         </p:nvSpPr>
-        <p:spPr>
-          <a:xfrm>
-            <a:off x="838200" y="1825625"/>
-            <a:ext cx="11106150" cy="4351655"/>
-          </a:xfrm>
-        </p:spPr>
-        <p:txBody>
-          <a:bodyPr>
-            <a:noAutofit/>
-          </a:bodyPr>
-          <a:p>
-            <a:pPr marL="0" indent="0">
+        <p:spPr/>
+        <p:txBody>
+          <a:bodyPr/>
+          <a:p>
+            <a:pPr>
               <a:lnSpc>
                 <a:spcPct val="150000"/>
               </a:lnSpc>
-              <a:buNone/>
             </a:pPr>
             <a:r>
-              <a:rPr sz="2500">
+              <a:rPr lang="en-US" altLang="ru-RU"/>
+              <a:t>JavaScript - язык программированния</a:t>
+            </a:r>
+            <a:endParaRPr lang="en-US" altLang="ru-RU"/>
+          </a:p>
+          <a:p>
+            <a:pPr>
+              <a:lnSpc>
+                <a:spcPct val="150000"/>
+              </a:lnSpc>
+              <a:buFont typeface="Arial" panose="020B0604020202020204" pitchFamily="34" charset="0"/>
+              <a:buChar char="•"/>
+            </a:pPr>
+            <a:r>
+              <a:rPr lang="en-US" altLang="ru-RU"/>
+              <a:t>Vue.js - фреймворк для создания интерфейсов</a:t>
+            </a:r>
+            <a:endParaRPr lang="en-US" altLang="ru-RU"/>
+          </a:p>
+          <a:p>
+            <a:pPr>
+              <a:lnSpc>
+                <a:spcPct val="150000"/>
+              </a:lnSpc>
+              <a:buFont typeface="Arial" panose="020B0604020202020204" pitchFamily="34" charset="0"/>
+              <a:buChar char="•"/>
+            </a:pPr>
+            <a:r>
+              <a:rPr lang="en-US" altLang="ru-RU"/>
+              <a:t>Node.js </a:t>
+            </a:r>
+            <a:r>
+              <a:rPr lang="en-US" altLang="ru-RU">
                 <a:sym typeface="+mn-ea"/>
               </a:rPr>
-              <a:t>TURN </a:t>
-            </a:r>
-            <a:r>
-              <a:rPr sz="2500"/>
-              <a:t>(</a:t>
-            </a:r>
-            <a:r>
-              <a:rPr sz="2500">
-                <a:sym typeface="+mn-ea"/>
-              </a:rPr>
-              <a:t>Traversal Using Relays around NAT </a:t>
-            </a:r>
-            <a:r>
-              <a:rPr sz="2500"/>
-              <a:t>) предназначен для обхода ограничения "Симметричный NAT" путём открытия соединения с TURN сервером и ретрансляции всей информации через этот сервер. </a:t>
-            </a:r>
-            <a:r>
-              <a:rPr lang="en-US" sz="2500"/>
-              <a:t>Cоздается </a:t>
-            </a:r>
-            <a:r>
-              <a:rPr sz="2500"/>
-              <a:t>соединение с TURN сервером и </a:t>
-            </a:r>
-            <a:r>
-              <a:rPr lang="en-US" sz="2500"/>
-              <a:t>сообщается </a:t>
-            </a:r>
-            <a:r>
-              <a:rPr sz="2500"/>
-              <a:t>всем узлам слать пакеты этому серверу, которые затем будут переправлены </a:t>
-            </a:r>
-            <a:r>
-              <a:rPr lang="en-US" sz="2500"/>
-              <a:t>участникам системы</a:t>
-            </a:r>
-            <a:r>
-              <a:rPr sz="2500"/>
-              <a:t>. </a:t>
-            </a:r>
-            <a:endParaRPr sz="2500"/>
+              <a:t>- язык программированния</a:t>
+            </a:r>
+            <a:endParaRPr lang="en-US" altLang="ru-RU"/>
           </a:p>
         </p:txBody>
       </p:sp>
@@ -3258,384 +3313,6 @@
 </file>
 
 <file path=ppt/slides/slide12.xml><?xml version="1.0" encoding="utf-8"?>
-<p:sld xmlns:a="http://schemas.openxmlformats.org/drawingml/2006/main" xmlns:r="http://schemas.openxmlformats.org/officeDocument/2006/relationships" xmlns:p="http://schemas.openxmlformats.org/presentationml/2006/main">
-  <p:cSld>
-    <p:spTree>
-      <p:nvGrpSpPr>
-        <p:cNvPr id="1" name=""/>
-        <p:cNvGrpSpPr/>
-        <p:nvPr/>
-      </p:nvGrpSpPr>
-      <p:grpSpPr/>
-      <p:sp>
-        <p:nvSpPr>
-          <p:cNvPr id="2" name="Заголовок 1"/>
-          <p:cNvSpPr>
-            <a:spLocks noGrp="1"/>
-          </p:cNvSpPr>
-          <p:nvPr>
-            <p:ph type="title"/>
-          </p:nvPr>
-        </p:nvSpPr>
-        <p:spPr/>
-        <p:txBody>
-          <a:bodyPr/>
-          <a:p>
-            <a:r>
-              <a:rPr lang="en-US" altLang="ru-RU"/>
-              <a:t>Протоколы WebRTC - TURN</a:t>
-            </a:r>
-            <a:endParaRPr lang="en-US" altLang="ru-RU"/>
-          </a:p>
-        </p:txBody>
-      </p:sp>
-      <p:pic>
-        <p:nvPicPr>
-          <p:cNvPr id="5" name="Замещающее содержимое 4"/>
-          <p:cNvPicPr>
-            <a:picLocks noChangeAspect="1"/>
-          </p:cNvPicPr>
-          <p:nvPr>
-            <p:ph idx="1"/>
-          </p:nvPr>
-        </p:nvPicPr>
-        <p:blipFill>
-          <a:blip r:embed="rId1"/>
-          <a:stretch>
-            <a:fillRect/>
-          </a:stretch>
-        </p:blipFill>
-        <p:spPr>
-          <a:xfrm>
-            <a:off x="3571875" y="1597660"/>
-            <a:ext cx="5048250" cy="5082540"/>
-          </a:xfrm>
-          <a:prstGeom prst="rect">
-            <a:avLst/>
-          </a:prstGeom>
-        </p:spPr>
-      </p:pic>
-    </p:spTree>
-  </p:cSld>
-  <p:clrMapOvr>
-    <a:masterClrMapping/>
-  </p:clrMapOvr>
-</p:sld>
-</file>
-
-<file path=ppt/slides/slide13.xml><?xml version="1.0" encoding="utf-8"?>
-<p:sld xmlns:a="http://schemas.openxmlformats.org/drawingml/2006/main" xmlns:r="http://schemas.openxmlformats.org/officeDocument/2006/relationships" xmlns:p="http://schemas.openxmlformats.org/presentationml/2006/main">
-  <p:cSld>
-    <p:spTree>
-      <p:nvGrpSpPr>
-        <p:cNvPr id="1" name=""/>
-        <p:cNvGrpSpPr/>
-        <p:nvPr/>
-      </p:nvGrpSpPr>
-      <p:grpSpPr/>
-      <p:sp>
-        <p:nvSpPr>
-          <p:cNvPr id="2" name="Заголовок 1"/>
-          <p:cNvSpPr>
-            <a:spLocks noGrp="1"/>
-          </p:cNvSpPr>
-          <p:nvPr>
-            <p:ph type="title"/>
-          </p:nvPr>
-        </p:nvSpPr>
-        <p:spPr/>
-        <p:txBody>
-          <a:bodyPr/>
-          <a:p>
-            <a:r>
-              <a:rPr lang="en-US" altLang="en-US"/>
-              <a:t>Угрозы при работе с webRTC	</a:t>
-            </a:r>
-            <a:endParaRPr lang="en-US" altLang="en-US"/>
-          </a:p>
-        </p:txBody>
-      </p:sp>
-      <p:sp>
-        <p:nvSpPr>
-          <p:cNvPr id="3" name="Замещающее содержимое 2"/>
-          <p:cNvSpPr/>
-          <p:nvPr>
-            <p:ph idx="1"/>
-          </p:nvPr>
-        </p:nvSpPr>
-        <p:spPr/>
-        <p:txBody>
-          <a:bodyPr/>
-          <a:p>
-            <a:pPr marL="0" indent="0">
-              <a:lnSpc>
-                <a:spcPct val="150000"/>
-              </a:lnSpc>
-              <a:buNone/>
-            </a:pPr>
-            <a:r>
-              <a:rPr lang="ru-RU" altLang="en-US">
-                <a:solidFill>
-                  <a:schemeClr val="bg1"/>
-                </a:solidFill>
-              </a:rPr>
-              <a:t>Незашифрованные медиа-данные или другие данные могут быть перехвачены по пути между браузерами, или между браузером и сервером.</a:t>
-            </a:r>
-            <a:endParaRPr lang="ru-RU" altLang="en-US">
-              <a:solidFill>
-                <a:schemeClr val="bg1"/>
-              </a:solidFill>
-            </a:endParaRPr>
-          </a:p>
-        </p:txBody>
-      </p:sp>
-    </p:spTree>
-  </p:cSld>
-  <p:clrMapOvr>
-    <a:masterClrMapping/>
-  </p:clrMapOvr>
-</p:sld>
-</file>
-
-<file path=ppt/slides/slide14.xml><?xml version="1.0" encoding="utf-8"?>
-<p:sld xmlns:a="http://schemas.openxmlformats.org/drawingml/2006/main" xmlns:r="http://schemas.openxmlformats.org/officeDocument/2006/relationships" xmlns:p="http://schemas.openxmlformats.org/presentationml/2006/main">
-  <p:cSld>
-    <p:spTree>
-      <p:nvGrpSpPr>
-        <p:cNvPr id="1" name=""/>
-        <p:cNvGrpSpPr/>
-        <p:nvPr/>
-      </p:nvGrpSpPr>
-      <p:grpSpPr/>
-      <p:sp>
-        <p:nvSpPr>
-          <p:cNvPr id="2" name="Заголовок 1"/>
-          <p:cNvSpPr>
-            <a:spLocks noGrp="1"/>
-          </p:cNvSpPr>
-          <p:nvPr>
-            <p:ph type="title"/>
-          </p:nvPr>
-        </p:nvSpPr>
-        <p:spPr/>
-        <p:txBody>
-          <a:bodyPr/>
-          <a:p>
-            <a:r>
-              <a:rPr lang="en-US" altLang="en-US"/>
-              <a:t>Безопасность	</a:t>
-            </a:r>
-            <a:endParaRPr lang="en-US" altLang="en-US"/>
-          </a:p>
-        </p:txBody>
-      </p:sp>
-      <p:sp>
-        <p:nvSpPr>
-          <p:cNvPr id="3" name="Замещающее содержимое 2"/>
-          <p:cNvSpPr/>
-          <p:nvPr>
-            <p:ph idx="1"/>
-          </p:nvPr>
-        </p:nvSpPr>
-        <p:spPr/>
-        <p:txBody>
-          <a:bodyPr/>
-          <a:p>
-            <a:pPr>
-              <a:lnSpc>
-                <a:spcPct val="150000"/>
-              </a:lnSpc>
-            </a:pPr>
-            <a:r>
-              <a:rPr lang="en-US" altLang="ru-RU">
-                <a:solidFill>
-                  <a:schemeClr val="tx1"/>
-                </a:solidFill>
-              </a:rPr>
-              <a:t>Работает только по HTTPS</a:t>
-            </a:r>
-            <a:endParaRPr lang="en-US" altLang="ru-RU">
-              <a:solidFill>
-                <a:schemeClr val="tx1"/>
-              </a:solidFill>
-            </a:endParaRPr>
-          </a:p>
-          <a:p>
-            <a:pPr>
-              <a:lnSpc>
-                <a:spcPct val="150000"/>
-              </a:lnSpc>
-            </a:pPr>
-            <a:r>
-              <a:rPr lang="en-US" altLang="ru-RU">
-                <a:solidFill>
-                  <a:schemeClr val="tx1"/>
-                </a:solidFill>
-              </a:rPr>
-              <a:t>Медиа потоки шифруются (DTLS и SRTP)</a:t>
-            </a:r>
-            <a:endParaRPr lang="en-US" altLang="ru-RU">
-              <a:solidFill>
-                <a:schemeClr val="tx1"/>
-              </a:solidFill>
-            </a:endParaRPr>
-          </a:p>
-          <a:p>
-            <a:pPr>
-              <a:lnSpc>
-                <a:spcPct val="150000"/>
-              </a:lnSpc>
-            </a:pPr>
-            <a:r>
-              <a:rPr lang="en-US" altLang="ru-RU">
-                <a:solidFill>
-                  <a:schemeClr val="tx1"/>
-                </a:solidFill>
-              </a:rPr>
-              <a:t>Технология не требует установки плагинов</a:t>
-            </a:r>
-            <a:endParaRPr lang="en-US" altLang="ru-RU">
-              <a:solidFill>
-                <a:schemeClr val="tx1"/>
-              </a:solidFill>
-            </a:endParaRPr>
-          </a:p>
-          <a:p>
-            <a:pPr>
-              <a:lnSpc>
-                <a:spcPct val="150000"/>
-              </a:lnSpc>
-            </a:pPr>
-            <a:r>
-              <a:rPr lang="en-US" altLang="ru-RU">
-                <a:solidFill>
-                  <a:schemeClr val="tx1"/>
-                </a:solidFill>
-              </a:rPr>
-              <a:t>Не получится сделать шпионское приложение</a:t>
-            </a:r>
-            <a:endParaRPr lang="en-US" altLang="ru-RU">
-              <a:solidFill>
-                <a:schemeClr val="tx1"/>
-              </a:solidFill>
-            </a:endParaRPr>
-          </a:p>
-        </p:txBody>
-      </p:sp>
-    </p:spTree>
-  </p:cSld>
-  <p:clrMapOvr>
-    <a:masterClrMapping/>
-  </p:clrMapOvr>
-</p:sld>
-</file>
-
-<file path=ppt/slides/slide15.xml><?xml version="1.0" encoding="utf-8"?>
-<p:sld xmlns:a="http://schemas.openxmlformats.org/drawingml/2006/main" xmlns:r="http://schemas.openxmlformats.org/officeDocument/2006/relationships" xmlns:p="http://schemas.openxmlformats.org/presentationml/2006/main">
-  <p:cSld>
-    <p:spTree>
-      <p:nvGrpSpPr>
-        <p:cNvPr id="1" name=""/>
-        <p:cNvGrpSpPr/>
-        <p:nvPr/>
-      </p:nvGrpSpPr>
-      <p:grpSpPr/>
-      <p:sp>
-        <p:nvSpPr>
-          <p:cNvPr id="2" name="Заголовок 1"/>
-          <p:cNvSpPr>
-            <a:spLocks noGrp="1"/>
-          </p:cNvSpPr>
-          <p:nvPr>
-            <p:ph type="title"/>
-          </p:nvPr>
-        </p:nvSpPr>
-        <p:spPr/>
-        <p:txBody>
-          <a:bodyPr>
-            <a:normAutofit/>
-          </a:bodyPr>
-          <a:p>
-            <a:r>
-              <a:rPr lang="en-US" altLang="ru-RU">
-                <a:sym typeface="+mn-ea"/>
-              </a:rPr>
-              <a:t>Стек технологий</a:t>
-            </a:r>
-            <a:endParaRPr lang="en-US" altLang="en-US">
-              <a:sym typeface="+mn-ea"/>
-            </a:endParaRPr>
-          </a:p>
-        </p:txBody>
-      </p:sp>
-      <p:sp>
-        <p:nvSpPr>
-          <p:cNvPr id="7" name="Замещающее содержимое 6"/>
-          <p:cNvSpPr/>
-          <p:nvPr>
-            <p:ph idx="1"/>
-          </p:nvPr>
-        </p:nvSpPr>
-        <p:spPr/>
-        <p:txBody>
-          <a:bodyPr/>
-          <a:p>
-            <a:pPr>
-              <a:lnSpc>
-                <a:spcPct val="150000"/>
-              </a:lnSpc>
-            </a:pPr>
-            <a:r>
-              <a:rPr lang="en-US" altLang="ru-RU"/>
-              <a:t>JavaScript - язык программированния</a:t>
-            </a:r>
-            <a:endParaRPr lang="en-US" altLang="ru-RU"/>
-          </a:p>
-          <a:p>
-            <a:pPr>
-              <a:lnSpc>
-                <a:spcPct val="150000"/>
-              </a:lnSpc>
-              <a:buFont typeface="Arial" panose="020B0604020202020204" pitchFamily="34" charset="0"/>
-              <a:buChar char="•"/>
-            </a:pPr>
-            <a:r>
-              <a:rPr lang="en-US" altLang="ru-RU"/>
-              <a:t>Vue.js - фреймворк для создания интерфейсов</a:t>
-            </a:r>
-            <a:endParaRPr lang="en-US" altLang="ru-RU"/>
-          </a:p>
-          <a:p>
-            <a:pPr>
-              <a:lnSpc>
-                <a:spcPct val="150000"/>
-              </a:lnSpc>
-              <a:buFont typeface="Arial" panose="020B0604020202020204" pitchFamily="34" charset="0"/>
-              <a:buChar char="•"/>
-            </a:pPr>
-            <a:r>
-              <a:rPr lang="en-US" altLang="ru-RU"/>
-              <a:t>Node.js </a:t>
-            </a:r>
-            <a:r>
-              <a:rPr lang="en-US" altLang="ru-RU">
-                <a:sym typeface="+mn-ea"/>
-              </a:rPr>
-              <a:t>- язык программированния</a:t>
-            </a:r>
-            <a:endParaRPr lang="en-US" altLang="ru-RU"/>
-          </a:p>
-        </p:txBody>
-      </p:sp>
-    </p:spTree>
-  </p:cSld>
-  <p:clrMapOvr>
-    <a:masterClrMapping/>
-  </p:clrMapOvr>
-</p:sld>
-</file>
-
-<file path=ppt/slides/slide16.xml><?xml version="1.0" encoding="utf-8"?>
 <p:sld xmlns:a="http://schemas.openxmlformats.org/drawingml/2006/main" xmlns:r="http://schemas.openxmlformats.org/officeDocument/2006/relationships" xmlns:p="http://schemas.openxmlformats.org/presentationml/2006/main">
   <p:cSld>
     <p:spTree>
@@ -3977,7 +3654,7 @@
 </p:sld>
 </file>
 
-<file path=ppt/slides/slide17.xml><?xml version="1.0" encoding="utf-8"?>
+<file path=ppt/slides/slide13.xml><?xml version="1.0" encoding="utf-8"?>
 <p:sld xmlns:a="http://schemas.openxmlformats.org/drawingml/2006/main" xmlns:r="http://schemas.openxmlformats.org/officeDocument/2006/relationships" xmlns:p="http://schemas.openxmlformats.org/presentationml/2006/main">
   <p:cSld>
     <p:spTree>
@@ -4043,7 +3720,7 @@
 </p:sld>
 </file>
 
-<file path=ppt/slides/slide18.xml><?xml version="1.0" encoding="utf-8"?>
+<file path=ppt/slides/slide14.xml><?xml version="1.0" encoding="utf-8"?>
 <p:sld xmlns:a="http://schemas.openxmlformats.org/drawingml/2006/main" xmlns:r="http://schemas.openxmlformats.org/officeDocument/2006/relationships" xmlns:p="http://schemas.openxmlformats.org/presentationml/2006/main">
   <p:cSld>
     <p:spTree>
@@ -4077,7 +3754,7 @@
       </p:sp>
       <p:pic>
         <p:nvPicPr>
-          <p:cNvPr id="5" name="Замещающее содержимое 4"/>
+          <p:cNvPr id="4" name="Изображение 3"/>
           <p:cNvPicPr>
             <a:picLocks noChangeAspect="1"/>
           </p:cNvPicPr>
@@ -4093,12 +3770,16 @@
         </p:blipFill>
         <p:spPr>
           <a:xfrm>
-            <a:off x="3202305" y="1379220"/>
-            <a:ext cx="5787390" cy="5342255"/>
+            <a:off x="3339465" y="2032635"/>
+            <a:ext cx="4958080" cy="4351655"/>
           </a:xfrm>
           <a:prstGeom prst="rect">
             <a:avLst/>
           </a:prstGeom>
+          <a:noFill/>
+          <a:ln>
+            <a:noFill/>
+          </a:ln>
         </p:spPr>
       </p:pic>
     </p:spTree>
@@ -4109,7 +3790,7 @@
 </p:sld>
 </file>
 
-<file path=ppt/slides/slide19.xml><?xml version="1.0" encoding="utf-8"?>
+<file path=ppt/slides/slide15.xml><?xml version="1.0" encoding="utf-8"?>
 <p:sld xmlns:a="http://schemas.openxmlformats.org/drawingml/2006/main" xmlns:r="http://schemas.openxmlformats.org/officeDocument/2006/relationships" xmlns:p="http://schemas.openxmlformats.org/presentationml/2006/main">
   <p:cSld>
     <p:spTree>
@@ -4134,16 +3815,16 @@
           <a:bodyPr/>
           <a:p>
             <a:r>
-              <a:rPr lang="en-US" altLang="en-US"/>
-              <a:t>Открытие сокет-соединения</a:t>
-            </a:r>
-            <a:endParaRPr lang="en-US" altLang="en-US"/>
+              <a:rPr lang="" altLang="en-US"/>
+              <a:t>Создание p2p соединения</a:t>
+            </a:r>
+            <a:endParaRPr lang="" altLang="en-US"/>
           </a:p>
         </p:txBody>
       </p:sp>
       <p:pic>
         <p:nvPicPr>
-          <p:cNvPr id="4" name="Замещающее содержимое 3"/>
+          <p:cNvPr id="45" name="Изображение 15"/>
           <p:cNvPicPr>
             <a:picLocks noChangeAspect="1"/>
           </p:cNvPicPr>
@@ -4159,12 +3840,16 @@
         </p:blipFill>
         <p:spPr>
           <a:xfrm>
-            <a:off x="838200" y="2105025"/>
-            <a:ext cx="8295640" cy="4314190"/>
+            <a:off x="838200" y="1691005"/>
+            <a:ext cx="5274945" cy="3525520"/>
           </a:xfrm>
           <a:prstGeom prst="rect">
             <a:avLst/>
           </a:prstGeom>
+          <a:noFill/>
+          <a:ln>
+            <a:noFill/>
+          </a:ln>
         </p:spPr>
       </p:pic>
     </p:spTree>
@@ -4175,7 +3860,7 @@
 </p:sld>
 </file>
 
-<file path=ppt/slides/slide2.xml><?xml version="1.0" encoding="utf-8"?>
+<file path=ppt/slides/slide16.xml><?xml version="1.0" encoding="utf-8"?>
 <p:sld xmlns:a="http://schemas.openxmlformats.org/drawingml/2006/main" xmlns:r="http://schemas.openxmlformats.org/officeDocument/2006/relationships" xmlns:p="http://schemas.openxmlformats.org/presentationml/2006/main">
   <p:cSld>
     <p:spTree>
@@ -4200,164 +3885,16 @@
           <a:bodyPr/>
           <a:p>
             <a:r>
-              <a:rPr lang="en-US" altLang="ru-RU"/>
-              <a:t>Цель, объект, предмет</a:t>
-            </a:r>
-            <a:endParaRPr lang="en-US" altLang="ru-RU"/>
-          </a:p>
-        </p:txBody>
-      </p:sp>
-      <p:sp>
-        <p:nvSpPr>
-          <p:cNvPr id="3" name="Замещающее содержимое 2"/>
-          <p:cNvSpPr>
-            <a:spLocks noGrp="1"/>
-          </p:cNvSpPr>
-          <p:nvPr>
-            <p:ph idx="1"/>
-          </p:nvPr>
-        </p:nvSpPr>
-        <p:spPr/>
-        <p:txBody>
-          <a:bodyPr>
-            <a:normAutofit/>
-          </a:bodyPr>
-          <a:p>
-            <a:pPr marL="0" indent="0">
-              <a:lnSpc>
-                <a:spcPct val="150000"/>
-              </a:lnSpc>
-              <a:buNone/>
-            </a:pPr>
-            <a:r>
-              <a:rPr lang="en-US" altLang="ru-RU" sz="2500"/>
-              <a:t>Цель - создание программного продукта на основании </a:t>
-            </a:r>
-            <a:r>
-              <a:rPr lang="en-US" altLang="ru-RU" sz="2500">
-                <a:sym typeface="+mn-ea"/>
-              </a:rPr>
-              <a:t>webRTC стандарта </a:t>
-            </a:r>
-            <a:r>
-              <a:rPr lang="en-US" altLang="ru-RU" sz="2500"/>
-              <a:t>для установления соединения  и обмена информацией между конечными пользователями.</a:t>
-            </a:r>
-            <a:endParaRPr lang="en-US" altLang="ru-RU" sz="2500"/>
-          </a:p>
-          <a:p>
-            <a:pPr marL="0" indent="0">
-              <a:lnSpc>
-                <a:spcPct val="150000"/>
-              </a:lnSpc>
-              <a:buNone/>
-            </a:pPr>
-            <a:r>
-              <a:rPr lang="en-US" altLang="en-US" sz="2500">
-                <a:sym typeface="+mn-ea"/>
-              </a:rPr>
-              <a:t>О</a:t>
-            </a:r>
-            <a:r>
-              <a:rPr lang="en-US" altLang="ru-RU" sz="2500">
-                <a:sym typeface="+mn-ea"/>
-              </a:rPr>
-              <a:t>бъ</a:t>
-            </a:r>
-            <a:r>
-              <a:rPr lang="en-US" altLang="en-US" sz="2500">
-                <a:sym typeface="+mn-ea"/>
-              </a:rPr>
-              <a:t>е</a:t>
-            </a:r>
-            <a:r>
-              <a:rPr lang="en-US" altLang="ru-RU" sz="2500">
-                <a:sym typeface="+mn-ea"/>
-              </a:rPr>
-              <a:t>кт </a:t>
-            </a:r>
-            <a:r>
-              <a:rPr lang="en-US" altLang="en-US" sz="2500">
-                <a:sym typeface="+mn-ea"/>
-              </a:rPr>
-              <a:t>- онлайн конференция</a:t>
-            </a:r>
-            <a:endParaRPr lang="en-US" altLang="en-US" sz="2500">
-              <a:sym typeface="+mn-ea"/>
-            </a:endParaRPr>
-          </a:p>
-          <a:p>
-            <a:pPr marL="0" indent="0">
-              <a:lnSpc>
-                <a:spcPct val="150000"/>
-              </a:lnSpc>
-              <a:buNone/>
-            </a:pPr>
-            <a:r>
-              <a:rPr lang="en-US" altLang="en-US" sz="2500">
-                <a:sym typeface="+mn-ea"/>
-              </a:rPr>
-              <a:t>П</a:t>
-            </a:r>
-            <a:r>
-              <a:rPr lang="en-US" altLang="ru-RU" sz="2500">
-                <a:sym typeface="+mn-ea"/>
-              </a:rPr>
-              <a:t>редмет </a:t>
-            </a:r>
-            <a:r>
-              <a:rPr lang="en-US" altLang="en-US" sz="2500">
-                <a:sym typeface="+mn-ea"/>
-              </a:rPr>
-              <a:t>- области применения использования данного стандарта при реализации программных продуктов</a:t>
-            </a:r>
-            <a:endParaRPr lang="en-US" altLang="ru-RU" sz="2500"/>
-          </a:p>
-        </p:txBody>
-      </p:sp>
-    </p:spTree>
-  </p:cSld>
-  <p:clrMapOvr>
-    <a:masterClrMapping/>
-  </p:clrMapOvr>
-</p:sld>
-</file>
-
-<file path=ppt/slides/slide20.xml><?xml version="1.0" encoding="utf-8"?>
-<p:sld xmlns:a="http://schemas.openxmlformats.org/drawingml/2006/main" xmlns:r="http://schemas.openxmlformats.org/officeDocument/2006/relationships" xmlns:p="http://schemas.openxmlformats.org/presentationml/2006/main">
-  <p:cSld>
-    <p:spTree>
-      <p:nvGrpSpPr>
-        <p:cNvPr id="1" name=""/>
-        <p:cNvGrpSpPr/>
-        <p:nvPr/>
-      </p:nvGrpSpPr>
-      <p:grpSpPr/>
-      <p:sp>
-        <p:nvSpPr>
-          <p:cNvPr id="2" name="Заголовок 1"/>
-          <p:cNvSpPr>
-            <a:spLocks noGrp="1"/>
-          </p:cNvSpPr>
-          <p:nvPr>
-            <p:ph type="title"/>
-          </p:nvPr>
-        </p:nvSpPr>
-        <p:spPr/>
-        <p:txBody>
-          <a:bodyPr/>
-          <a:p>
-            <a:r>
-              <a:rPr lang="en-US" altLang="en-US"/>
-              <a:t>Подключение backend части</a:t>
-            </a:r>
-            <a:endParaRPr lang="en-US" altLang="en-US"/>
+              <a:rPr lang="" altLang="en-US"/>
+              <a:t>Создание и установка SDP</a:t>
+            </a:r>
+            <a:endParaRPr lang="" altLang="en-US"/>
           </a:p>
         </p:txBody>
       </p:sp>
       <p:pic>
         <p:nvPicPr>
-          <p:cNvPr id="5" name="Замещающее содержимое 4"/>
+          <p:cNvPr id="48" name="Изображение 16"/>
           <p:cNvPicPr>
             <a:picLocks noChangeAspect="1"/>
           </p:cNvPicPr>
@@ -4373,12 +3910,16 @@
         </p:blipFill>
         <p:spPr>
           <a:xfrm>
-            <a:off x="838200" y="1960245"/>
-            <a:ext cx="7123430" cy="3183890"/>
+            <a:off x="838200" y="1691005"/>
+            <a:ext cx="5242560" cy="3500120"/>
           </a:xfrm>
           <a:prstGeom prst="rect">
             <a:avLst/>
           </a:prstGeom>
+          <a:noFill/>
+          <a:ln>
+            <a:noFill/>
+          </a:ln>
         </p:spPr>
       </p:pic>
     </p:spTree>
@@ -4389,7 +3930,77 @@
 </p:sld>
 </file>
 
-<file path=ppt/slides/slide21.xml><?xml version="1.0" encoding="utf-8"?>
+<file path=ppt/slides/slide17.xml><?xml version="1.0" encoding="utf-8"?>
+<p:sld xmlns:a="http://schemas.openxmlformats.org/drawingml/2006/main" xmlns:r="http://schemas.openxmlformats.org/officeDocument/2006/relationships" xmlns:p="http://schemas.openxmlformats.org/presentationml/2006/main">
+  <p:cSld>
+    <p:spTree>
+      <p:nvGrpSpPr>
+        <p:cNvPr id="1" name=""/>
+        <p:cNvGrpSpPr/>
+        <p:nvPr/>
+      </p:nvGrpSpPr>
+      <p:grpSpPr/>
+      <p:sp>
+        <p:nvSpPr>
+          <p:cNvPr id="2" name="Заголовок 1"/>
+          <p:cNvSpPr>
+            <a:spLocks noGrp="1"/>
+          </p:cNvSpPr>
+          <p:nvPr>
+            <p:ph type="title"/>
+          </p:nvPr>
+        </p:nvSpPr>
+        <p:spPr/>
+        <p:txBody>
+          <a:bodyPr/>
+          <a:p>
+            <a:r>
+              <a:rPr lang="" altLang="en-US"/>
+              <a:t>Работа с потоками</a:t>
+            </a:r>
+            <a:endParaRPr lang="" altLang="en-US"/>
+          </a:p>
+        </p:txBody>
+      </p:sp>
+      <p:pic>
+        <p:nvPicPr>
+          <p:cNvPr id="51" name="Изображение 18"/>
+          <p:cNvPicPr>
+            <a:picLocks noChangeAspect="1"/>
+          </p:cNvPicPr>
+          <p:nvPr>
+            <p:ph idx="1"/>
+          </p:nvPr>
+        </p:nvPicPr>
+        <p:blipFill>
+          <a:blip r:embed="rId1"/>
+          <a:stretch>
+            <a:fillRect/>
+          </a:stretch>
+        </p:blipFill>
+        <p:spPr>
+          <a:xfrm>
+            <a:off x="838200" y="1691005"/>
+            <a:ext cx="6538595" cy="1590040"/>
+          </a:xfrm>
+          <a:prstGeom prst="rect">
+            <a:avLst/>
+          </a:prstGeom>
+          <a:noFill/>
+          <a:ln>
+            <a:noFill/>
+          </a:ln>
+        </p:spPr>
+      </p:pic>
+    </p:spTree>
+  </p:cSld>
+  <p:clrMapOvr>
+    <a:masterClrMapping/>
+  </p:clrMapOvr>
+</p:sld>
+</file>
+
+<file path=ppt/slides/slide18.xml><?xml version="1.0" encoding="utf-8"?>
 <p:sld xmlns:a="http://schemas.openxmlformats.org/drawingml/2006/main" xmlns:r="http://schemas.openxmlformats.org/officeDocument/2006/relationships" xmlns:p="http://schemas.openxmlformats.org/presentationml/2006/main">
   <p:cSld>
     <p:spTree>
@@ -4457,7 +4068,7 @@
 </p:sld>
 </file>
 
-<file path=ppt/slides/slide22.xml><?xml version="1.0" encoding="utf-8"?>
+<file path=ppt/slides/slide19.xml><?xml version="1.0" encoding="utf-8"?>
 <p:sld xmlns:a="http://schemas.openxmlformats.org/drawingml/2006/main" xmlns:r="http://schemas.openxmlformats.org/officeDocument/2006/relationships" xmlns:p="http://schemas.openxmlformats.org/presentationml/2006/main">
   <p:cSld>
     <p:spTree>
@@ -4485,20 +4096,7 @@
           <a:p>
             <a:r>
               <a:rPr lang="en-US" altLang="en-US"/>
-              <a:t>Определение разметки </a:t>
-            </a:r>
-            <a:br>
-              <a:rPr lang="en-US" altLang="en-US"/>
-            </a:br>
-            <a:r>
-              <a:rPr lang="en-US" altLang="en-US">
-                <a:sym typeface="+mn-ea"/>
-              </a:rPr>
-              <a:t>видео-чата </a:t>
-            </a:r>
-            <a:r>
-              <a:rPr lang="en-US" altLang="en-US"/>
-              <a:t>компонента</a:t>
+              <a:t>Работа с состоянием на стороне клиента</a:t>
             </a:r>
             <a:endParaRPr lang="en-US" altLang="en-US"/>
           </a:p>
@@ -4506,7 +4104,7 @@
       </p:sp>
       <p:pic>
         <p:nvPicPr>
-          <p:cNvPr id="5" name="Замещающее содержимое 4"/>
+          <p:cNvPr id="4" name="Замещающее содержимое 3"/>
           <p:cNvPicPr>
             <a:picLocks noChangeAspect="1"/>
           </p:cNvPicPr>
@@ -4522,8 +4120,8 @@
         </p:blipFill>
         <p:spPr>
           <a:xfrm>
-            <a:off x="838200" y="1803400"/>
-            <a:ext cx="7826375" cy="4781550"/>
+            <a:off x="838200" y="1844675"/>
+            <a:ext cx="7065010" cy="4660265"/>
           </a:xfrm>
           <a:prstGeom prst="rect">
             <a:avLst/>
@@ -4538,7 +4136,7 @@
 </p:sld>
 </file>
 
-<file path=ppt/slides/slide23.xml><?xml version="1.0" encoding="utf-8"?>
+<file path=ppt/slides/slide2.xml><?xml version="1.0" encoding="utf-8"?>
 <p:sld xmlns:a="http://schemas.openxmlformats.org/drawingml/2006/main" xmlns:r="http://schemas.openxmlformats.org/officeDocument/2006/relationships" xmlns:p="http://schemas.openxmlformats.org/presentationml/2006/main">
   <p:cSld>
     <p:spTree>
@@ -4560,13 +4158,987 @@
         </p:nvSpPr>
         <p:spPr/>
         <p:txBody>
+          <a:bodyPr/>
+          <a:p>
+            <a:r>
+              <a:rPr lang="en-US" altLang="ru-RU"/>
+              <a:t>Цель, объект, предмет</a:t>
+            </a:r>
+            <a:endParaRPr lang="en-US" altLang="ru-RU"/>
+          </a:p>
+        </p:txBody>
+      </p:sp>
+      <p:sp>
+        <p:nvSpPr>
+          <p:cNvPr id="3" name="Замещающее содержимое 2"/>
+          <p:cNvSpPr>
+            <a:spLocks noGrp="1"/>
+          </p:cNvSpPr>
+          <p:nvPr>
+            <p:ph idx="1"/>
+          </p:nvPr>
+        </p:nvSpPr>
+        <p:spPr/>
+        <p:txBody>
           <a:bodyPr>
             <a:normAutofit/>
           </a:bodyPr>
           <a:p>
+            <a:pPr marL="0" indent="0">
+              <a:lnSpc>
+                <a:spcPct val="150000"/>
+              </a:lnSpc>
+              <a:buNone/>
+            </a:pPr>
+            <a:r>
+              <a:rPr lang="en-US" altLang="ru-RU" sz="2500"/>
+              <a:t>Цель - создание программного продукта на основании </a:t>
+            </a:r>
+            <a:r>
+              <a:rPr lang="en-US" altLang="ru-RU" sz="2500">
+                <a:sym typeface="+mn-ea"/>
+              </a:rPr>
+              <a:t>webRTC стандарта </a:t>
+            </a:r>
+            <a:r>
+              <a:rPr lang="en-US" altLang="ru-RU" sz="2500"/>
+              <a:t>для установления соединения  и обмена информацией между конечными пользователями.</a:t>
+            </a:r>
+            <a:endParaRPr lang="en-US" altLang="ru-RU" sz="2500"/>
+          </a:p>
+          <a:p>
+            <a:pPr marL="0" indent="0">
+              <a:lnSpc>
+                <a:spcPct val="150000"/>
+              </a:lnSpc>
+              <a:buNone/>
+            </a:pPr>
+            <a:r>
+              <a:rPr lang="en-US" altLang="en-US" sz="2500">
+                <a:sym typeface="+mn-ea"/>
+              </a:rPr>
+              <a:t>О</a:t>
+            </a:r>
+            <a:r>
+              <a:rPr lang="en-US" altLang="ru-RU" sz="2500">
+                <a:sym typeface="+mn-ea"/>
+              </a:rPr>
+              <a:t>бъ</a:t>
+            </a:r>
+            <a:r>
+              <a:rPr lang="en-US" altLang="en-US" sz="2500">
+                <a:sym typeface="+mn-ea"/>
+              </a:rPr>
+              <a:t>е</a:t>
+            </a:r>
+            <a:r>
+              <a:rPr lang="en-US" altLang="ru-RU" sz="2500">
+                <a:sym typeface="+mn-ea"/>
+              </a:rPr>
+              <a:t>кт </a:t>
+            </a:r>
+            <a:r>
+              <a:rPr lang="en-US" altLang="en-US" sz="2500">
+                <a:sym typeface="+mn-ea"/>
+              </a:rPr>
+              <a:t>- онлайн конференция</a:t>
+            </a:r>
+            <a:endParaRPr lang="en-US" altLang="en-US" sz="2500">
+              <a:sym typeface="+mn-ea"/>
+            </a:endParaRPr>
+          </a:p>
+          <a:p>
+            <a:pPr marL="0" indent="0">
+              <a:lnSpc>
+                <a:spcPct val="150000"/>
+              </a:lnSpc>
+              <a:buNone/>
+            </a:pPr>
+            <a:r>
+              <a:rPr lang="en-US" altLang="en-US" sz="2500">
+                <a:sym typeface="+mn-ea"/>
+              </a:rPr>
+              <a:t>П</a:t>
+            </a:r>
+            <a:r>
+              <a:rPr lang="en-US" altLang="ru-RU" sz="2500">
+                <a:sym typeface="+mn-ea"/>
+              </a:rPr>
+              <a:t>редмет </a:t>
+            </a:r>
+            <a:r>
+              <a:rPr lang="en-US" altLang="en-US" sz="2500">
+                <a:sym typeface="+mn-ea"/>
+              </a:rPr>
+              <a:t>- области применения использования данного стандарта при реализации программных продуктов</a:t>
+            </a:r>
+            <a:endParaRPr lang="en-US" altLang="ru-RU" sz="2500"/>
+          </a:p>
+        </p:txBody>
+      </p:sp>
+    </p:spTree>
+  </p:cSld>
+  <p:clrMapOvr>
+    <a:masterClrMapping/>
+  </p:clrMapOvr>
+</p:sld>
+</file>
+
+<file path=ppt/slides/slide20.xml><?xml version="1.0" encoding="utf-8"?>
+<p:sld xmlns:a="http://schemas.openxmlformats.org/drawingml/2006/main" xmlns:r="http://schemas.openxmlformats.org/officeDocument/2006/relationships" xmlns:p="http://schemas.openxmlformats.org/presentationml/2006/main">
+  <p:cSld>
+    <p:spTree>
+      <p:nvGrpSpPr>
+        <p:cNvPr id="1" name=""/>
+        <p:cNvGrpSpPr/>
+        <p:nvPr/>
+      </p:nvGrpSpPr>
+      <p:grpSpPr/>
+      <p:sp>
+        <p:nvSpPr>
+          <p:cNvPr id="2" name="Заголовок 1"/>
+          <p:cNvSpPr>
+            <a:spLocks noGrp="1"/>
+          </p:cNvSpPr>
+          <p:nvPr>
+            <p:ph type="title"/>
+          </p:nvPr>
+        </p:nvSpPr>
+        <p:spPr/>
+        <p:txBody>
+          <a:bodyPr>
+            <a:normAutofit fontScale="90000"/>
+          </a:bodyPr>
+          <a:p>
             <a:r>
               <a:rPr lang="en-US" altLang="en-US"/>
-              <a:t>Работа  приложения по протоколу ICE</a:t>
+              <a:t>Сравнение приложения с популярными сервисами</a:t>
+            </a:r>
+            <a:endParaRPr lang="en-US" altLang="en-US"/>
+          </a:p>
+        </p:txBody>
+      </p:sp>
+      <p:graphicFrame>
+        <p:nvGraphicFramePr>
+          <p:cNvPr id="6" name="Замещающее содержимое 5"/>
+          <p:cNvGraphicFramePr/>
+          <p:nvPr>
+            <p:ph idx="1"/>
+          </p:nvPr>
+        </p:nvGraphicFramePr>
+        <p:xfrm>
+          <a:off x="838200" y="1825625"/>
+          <a:ext cx="10515600" cy="4084320"/>
+        </p:xfrm>
+        <a:graphic>
+          <a:graphicData uri="http://schemas.openxmlformats.org/drawingml/2006/table">
+            <a:tbl>
+              <a:tblPr firstRow="1" bandRow="1">
+                <a:tableStyleId>{5C22544A-7EE6-4342-B048-85BDC9FD1C3A}</a:tableStyleId>
+              </a:tblPr>
+              <a:tblGrid>
+                <a:gridCol w="2628900"/>
+                <a:gridCol w="2628900"/>
+                <a:gridCol w="2628900"/>
+                <a:gridCol w="2628900"/>
+              </a:tblGrid>
+              <a:tr h="510540">
+                <a:tc>
+                  <a:txBody>
+                    <a:bodyPr/>
+                    <a:p>
+                      <a:pPr indent="0">
+                        <a:buNone/>
+                      </a:pPr>
+                      <a:r>
+                        <a:rPr lang="en-US" sz="1400" b="0">
+                          <a:latin typeface="Times New Roman" panose="02020603050405020304" charset="0"/>
+                          <a:cs typeface="Times New Roman" panose="02020603050405020304" charset="0"/>
+                        </a:rPr>
+                        <a:t>Критерии</a:t>
+                      </a:r>
+                      <a:endParaRPr lang="en-US" altLang="en-US" sz="1400" b="0">
+                        <a:latin typeface="Times New Roman" panose="02020603050405020304" charset="0"/>
+                        <a:ea typeface="Times New Roman" panose="02020603050405020304" charset="0"/>
+                        <a:cs typeface="Times New Roman" panose="02020603050405020304" charset="0"/>
+                      </a:endParaRPr>
+                    </a:p>
+                  </a:txBody>
+                  <a:tcPr marL="68580" marR="68580" marT="0" marB="0" vert="horz" anchor="t" anchorCtr="0"/>
+                </a:tc>
+                <a:tc>
+                  <a:txBody>
+                    <a:bodyPr/>
+                    <a:p>
+                      <a:pPr indent="0">
+                        <a:buNone/>
+                      </a:pPr>
+                      <a:r>
+                        <a:rPr lang="en-US" sz="1400" b="0">
+                          <a:latin typeface="Times New Roman" panose="02020603050405020304" charset="0"/>
+                          <a:cs typeface="Times New Roman" panose="02020603050405020304" charset="0"/>
+                        </a:rPr>
+                        <a:t>Видео чат</a:t>
+                      </a:r>
+                      <a:endParaRPr lang="en-US" altLang="en-US" sz="1400" b="0">
+                        <a:latin typeface="Times New Roman" panose="02020603050405020304" charset="0"/>
+                        <a:ea typeface="Times New Roman" panose="02020603050405020304" charset="0"/>
+                        <a:cs typeface="Times New Roman" panose="02020603050405020304" charset="0"/>
+                      </a:endParaRPr>
+                    </a:p>
+                  </a:txBody>
+                  <a:tcPr marL="68580" marR="68580" marT="0" marB="0" vert="horz" anchor="t" anchorCtr="0"/>
+                </a:tc>
+                <a:tc>
+                  <a:txBody>
+                    <a:bodyPr/>
+                    <a:p>
+                      <a:pPr indent="0">
+                        <a:buNone/>
+                      </a:pPr>
+                      <a:r>
+                        <a:rPr lang="en-US" sz="1400" b="0">
+                          <a:latin typeface="Times New Roman" panose="02020603050405020304" charset="0"/>
+                          <a:cs typeface="Times New Roman" panose="02020603050405020304" charset="0"/>
+                        </a:rPr>
+                        <a:t>Skype</a:t>
+                      </a:r>
+                      <a:endParaRPr lang="en-US" altLang="en-US" sz="1400" b="0">
+                        <a:latin typeface="Times New Roman" panose="02020603050405020304" charset="0"/>
+                        <a:ea typeface="Times New Roman" panose="02020603050405020304" charset="0"/>
+                        <a:cs typeface="Times New Roman" panose="02020603050405020304" charset="0"/>
+                      </a:endParaRPr>
+                    </a:p>
+                  </a:txBody>
+                  <a:tcPr marL="68580" marR="68580" marT="0" marB="0" vert="horz" anchor="t" anchorCtr="0"/>
+                </a:tc>
+                <a:tc>
+                  <a:txBody>
+                    <a:bodyPr/>
+                    <a:p>
+                      <a:pPr indent="0">
+                        <a:buNone/>
+                      </a:pPr>
+                      <a:r>
+                        <a:rPr lang="en-US" sz="1400" b="0">
+                          <a:latin typeface="Times New Roman" panose="02020603050405020304" charset="0"/>
+                          <a:cs typeface="Times New Roman" panose="02020603050405020304" charset="0"/>
+                        </a:rPr>
+                        <a:t>Google Hangouts</a:t>
+                      </a:r>
+                      <a:endParaRPr lang="en-US" altLang="en-US" sz="1400" b="0">
+                        <a:latin typeface="Times New Roman" panose="02020603050405020304" charset="0"/>
+                        <a:ea typeface="Times New Roman" panose="02020603050405020304" charset="0"/>
+                        <a:cs typeface="Times New Roman" panose="02020603050405020304" charset="0"/>
+                      </a:endParaRPr>
+                    </a:p>
+                  </a:txBody>
+                  <a:tcPr marL="68580" marR="68580" marT="0" marB="0" vert="horz" anchor="t" anchorCtr="0"/>
+                </a:tc>
+              </a:tr>
+              <a:tr h="510540">
+                <a:tc>
+                  <a:txBody>
+                    <a:bodyPr/>
+                    <a:p>
+                      <a:pPr indent="0">
+                        <a:buNone/>
+                      </a:pPr>
+                      <a:r>
+                        <a:rPr lang="en-US" sz="1400" b="0">
+                          <a:latin typeface="Times New Roman" panose="02020603050405020304" charset="0"/>
+                          <a:cs typeface="Times New Roman" panose="02020603050405020304" charset="0"/>
+                        </a:rPr>
+                        <a:t>Задержка</a:t>
+                      </a:r>
+                      <a:endParaRPr lang="en-US" altLang="en-US" sz="1400" b="0">
+                        <a:latin typeface="Times New Roman" panose="02020603050405020304" charset="0"/>
+                        <a:ea typeface="Times New Roman" panose="02020603050405020304" charset="0"/>
+                        <a:cs typeface="Times New Roman" panose="02020603050405020304" charset="0"/>
+                      </a:endParaRPr>
+                    </a:p>
+                  </a:txBody>
+                  <a:tcPr marL="68580" marR="68580" marT="0" marB="0" vert="horz" anchor="t" anchorCtr="0"/>
+                </a:tc>
+                <a:tc>
+                  <a:txBody>
+                    <a:bodyPr/>
+                    <a:p>
+                      <a:pPr indent="0">
+                        <a:buNone/>
+                      </a:pPr>
+                      <a:r>
+                        <a:rPr lang="en-US" sz="1400" b="0">
+                          <a:latin typeface="Times New Roman" panose="02020603050405020304" charset="0"/>
+                          <a:cs typeface="Times New Roman" panose="02020603050405020304" charset="0"/>
+                        </a:rPr>
+                        <a:t>0.2 сек.</a:t>
+                      </a:r>
+                      <a:endParaRPr lang="en-US" altLang="en-US" sz="1400" b="0">
+                        <a:latin typeface="Times New Roman" panose="02020603050405020304" charset="0"/>
+                        <a:ea typeface="Times New Roman" panose="02020603050405020304" charset="0"/>
+                        <a:cs typeface="Times New Roman" panose="02020603050405020304" charset="0"/>
+                      </a:endParaRPr>
+                    </a:p>
+                  </a:txBody>
+                  <a:tcPr marL="68580" marR="68580" marT="0" marB="0" vert="horz" anchor="t" anchorCtr="0"/>
+                </a:tc>
+                <a:tc>
+                  <a:txBody>
+                    <a:bodyPr/>
+                    <a:p>
+                      <a:pPr indent="0">
+                        <a:buNone/>
+                      </a:pPr>
+                      <a:r>
+                        <a:rPr lang="en-US" sz="1400" b="0">
+                          <a:latin typeface="Times New Roman" panose="02020603050405020304" charset="0"/>
+                          <a:cs typeface="Times New Roman" panose="02020603050405020304" charset="0"/>
+                        </a:rPr>
+                        <a:t>1.4 сек.</a:t>
+                      </a:r>
+                      <a:endParaRPr lang="en-US" altLang="en-US" sz="1400" b="0">
+                        <a:latin typeface="Times New Roman" panose="02020603050405020304" charset="0"/>
+                        <a:ea typeface="Times New Roman" panose="02020603050405020304" charset="0"/>
+                        <a:cs typeface="Times New Roman" panose="02020603050405020304" charset="0"/>
+                      </a:endParaRPr>
+                    </a:p>
+                  </a:txBody>
+                  <a:tcPr marL="68580" marR="68580" marT="0" marB="0" vert="horz" anchor="t" anchorCtr="0"/>
+                </a:tc>
+                <a:tc>
+                  <a:txBody>
+                    <a:bodyPr/>
+                    <a:p>
+                      <a:pPr indent="0">
+                        <a:buNone/>
+                      </a:pPr>
+                      <a:r>
+                        <a:rPr lang="en-US" sz="1400" b="0">
+                          <a:latin typeface="Times New Roman" panose="02020603050405020304" charset="0"/>
+                          <a:cs typeface="Times New Roman" panose="02020603050405020304" charset="0"/>
+                        </a:rPr>
+                        <a:t>1.05 сек.</a:t>
+                      </a:r>
+                      <a:endParaRPr lang="en-US" altLang="en-US" sz="1400" b="0">
+                        <a:latin typeface="Times New Roman" panose="02020603050405020304" charset="0"/>
+                        <a:ea typeface="Times New Roman" panose="02020603050405020304" charset="0"/>
+                        <a:cs typeface="Times New Roman" panose="02020603050405020304" charset="0"/>
+                      </a:endParaRPr>
+                    </a:p>
+                  </a:txBody>
+                  <a:tcPr marL="68580" marR="68580" marT="0" marB="0" vert="horz" anchor="t" anchorCtr="0"/>
+                </a:tc>
+              </a:tr>
+              <a:tr h="510540">
+                <a:tc>
+                  <a:txBody>
+                    <a:bodyPr/>
+                    <a:p>
+                      <a:pPr indent="0">
+                        <a:buNone/>
+                      </a:pPr>
+                      <a:r>
+                        <a:rPr lang="en-US" sz="1400" b="0">
+                          <a:latin typeface="Times New Roman" panose="02020603050405020304" charset="0"/>
+                          <a:cs typeface="Times New Roman" panose="02020603050405020304" charset="0"/>
+                        </a:rPr>
+                        <a:t>Максимальное качество</a:t>
+                      </a:r>
+                      <a:endParaRPr lang="en-US" altLang="en-US" sz="1400" b="0">
+                        <a:latin typeface="Times New Roman" panose="02020603050405020304" charset="0"/>
+                        <a:ea typeface="Times New Roman" panose="02020603050405020304" charset="0"/>
+                        <a:cs typeface="Times New Roman" panose="02020603050405020304" charset="0"/>
+                      </a:endParaRPr>
+                    </a:p>
+                  </a:txBody>
+                  <a:tcPr marL="68580" marR="68580" marT="0" marB="0" vert="horz" anchor="t" anchorCtr="0"/>
+                </a:tc>
+                <a:tc>
+                  <a:txBody>
+                    <a:bodyPr/>
+                    <a:p>
+                      <a:pPr indent="0">
+                        <a:buNone/>
+                      </a:pPr>
+                      <a:r>
+                        <a:rPr lang="en-US" sz="1400" b="0">
+                          <a:latin typeface="Times New Roman" panose="02020603050405020304" charset="0"/>
+                          <a:cs typeface="Times New Roman" panose="02020603050405020304" charset="0"/>
+                        </a:rPr>
+                        <a:t>720р</a:t>
+                      </a:r>
+                      <a:endParaRPr lang="en-US" altLang="en-US" sz="1400" b="0">
+                        <a:latin typeface="Times New Roman" panose="02020603050405020304" charset="0"/>
+                        <a:ea typeface="Times New Roman" panose="02020603050405020304" charset="0"/>
+                        <a:cs typeface="Times New Roman" panose="02020603050405020304" charset="0"/>
+                      </a:endParaRPr>
+                    </a:p>
+                  </a:txBody>
+                  <a:tcPr marL="68580" marR="68580" marT="0" marB="0" vert="horz" anchor="t" anchorCtr="0"/>
+                </a:tc>
+                <a:tc>
+                  <a:txBody>
+                    <a:bodyPr/>
+                    <a:p>
+                      <a:pPr indent="0">
+                        <a:buNone/>
+                      </a:pPr>
+                      <a:r>
+                        <a:rPr lang="en-US" sz="1400" b="0">
+                          <a:latin typeface="Times New Roman" panose="02020603050405020304" charset="0"/>
+                          <a:cs typeface="Times New Roman" panose="02020603050405020304" charset="0"/>
+                        </a:rPr>
+                        <a:t>1080р</a:t>
+                      </a:r>
+                      <a:endParaRPr lang="en-US" altLang="en-US" sz="1400" b="0">
+                        <a:latin typeface="Times New Roman" panose="02020603050405020304" charset="0"/>
+                        <a:ea typeface="Times New Roman" panose="02020603050405020304" charset="0"/>
+                        <a:cs typeface="Times New Roman" panose="02020603050405020304" charset="0"/>
+                      </a:endParaRPr>
+                    </a:p>
+                  </a:txBody>
+                  <a:tcPr marL="68580" marR="68580" marT="0" marB="0" vert="horz" anchor="t" anchorCtr="0"/>
+                </a:tc>
+                <a:tc>
+                  <a:txBody>
+                    <a:bodyPr/>
+                    <a:p>
+                      <a:pPr indent="0">
+                        <a:buNone/>
+                      </a:pPr>
+                      <a:r>
+                        <a:rPr lang="en-US" sz="1400" b="0">
+                          <a:latin typeface="Times New Roman" panose="02020603050405020304" charset="0"/>
+                          <a:cs typeface="Times New Roman" panose="02020603050405020304" charset="0"/>
+                        </a:rPr>
+                        <a:t>1080р</a:t>
+                      </a:r>
+                      <a:endParaRPr lang="en-US" altLang="en-US" sz="1400" b="0">
+                        <a:latin typeface="Times New Roman" panose="02020603050405020304" charset="0"/>
+                        <a:ea typeface="Times New Roman" panose="02020603050405020304" charset="0"/>
+                        <a:cs typeface="Times New Roman" panose="02020603050405020304" charset="0"/>
+                      </a:endParaRPr>
+                    </a:p>
+                  </a:txBody>
+                  <a:tcPr marL="68580" marR="68580" marT="0" marB="0" vert="horz" anchor="t" anchorCtr="0"/>
+                </a:tc>
+              </a:tr>
+              <a:tr h="510540">
+                <a:tc>
+                  <a:txBody>
+                    <a:bodyPr/>
+                    <a:p>
+                      <a:pPr indent="0">
+                        <a:buNone/>
+                      </a:pPr>
+                      <a:r>
+                        <a:rPr lang="en-US" sz="1400" b="0">
+                          <a:latin typeface="Times New Roman" panose="02020603050405020304" charset="0"/>
+                          <a:cs typeface="Times New Roman" panose="02020603050405020304" charset="0"/>
+                        </a:rPr>
+                        <a:t>Максимальная частота кадров</a:t>
+                      </a:r>
+                      <a:endParaRPr lang="en-US" altLang="en-US" sz="1400" b="0">
+                        <a:latin typeface="Times New Roman" panose="02020603050405020304" charset="0"/>
+                        <a:ea typeface="Times New Roman" panose="02020603050405020304" charset="0"/>
+                        <a:cs typeface="Times New Roman" panose="02020603050405020304" charset="0"/>
+                      </a:endParaRPr>
+                    </a:p>
+                  </a:txBody>
+                  <a:tcPr marL="68580" marR="68580" marT="0" marB="0" vert="horz" anchor="t" anchorCtr="0"/>
+                </a:tc>
+                <a:tc>
+                  <a:txBody>
+                    <a:bodyPr/>
+                    <a:p>
+                      <a:pPr indent="0">
+                        <a:buNone/>
+                      </a:pPr>
+                      <a:r>
+                        <a:rPr lang="en-US" sz="1400" b="0">
+                          <a:latin typeface="Times New Roman" panose="02020603050405020304" charset="0"/>
+                          <a:cs typeface="Times New Roman" panose="02020603050405020304" charset="0"/>
+                        </a:rPr>
+                        <a:t>60 кадр./сек.</a:t>
+                      </a:r>
+                      <a:endParaRPr lang="en-US" altLang="en-US" sz="1400" b="0">
+                        <a:latin typeface="Times New Roman" panose="02020603050405020304" charset="0"/>
+                        <a:ea typeface="Times New Roman" panose="02020603050405020304" charset="0"/>
+                        <a:cs typeface="Times New Roman" panose="02020603050405020304" charset="0"/>
+                      </a:endParaRPr>
+                    </a:p>
+                  </a:txBody>
+                  <a:tcPr marL="68580" marR="68580" marT="0" marB="0" vert="horz" anchor="t" anchorCtr="0"/>
+                </a:tc>
+                <a:tc>
+                  <a:txBody>
+                    <a:bodyPr/>
+                    <a:p>
+                      <a:pPr indent="0">
+                        <a:buNone/>
+                      </a:pPr>
+                      <a:r>
+                        <a:rPr lang="en-US" sz="1400" b="0">
+                          <a:latin typeface="Times New Roman" panose="02020603050405020304" charset="0"/>
+                          <a:cs typeface="Times New Roman" panose="02020603050405020304" charset="0"/>
+                        </a:rPr>
+                        <a:t>60 кадр./сек.</a:t>
+                      </a:r>
+                      <a:endParaRPr lang="en-US" altLang="en-US" sz="1400" b="0">
+                        <a:latin typeface="Times New Roman" panose="02020603050405020304" charset="0"/>
+                        <a:ea typeface="Times New Roman" panose="02020603050405020304" charset="0"/>
+                        <a:cs typeface="Times New Roman" panose="02020603050405020304" charset="0"/>
+                      </a:endParaRPr>
+                    </a:p>
+                  </a:txBody>
+                  <a:tcPr marL="68580" marR="68580" marT="0" marB="0" vert="horz" anchor="t" anchorCtr="0"/>
+                </a:tc>
+                <a:tc>
+                  <a:txBody>
+                    <a:bodyPr/>
+                    <a:p>
+                      <a:pPr indent="0">
+                        <a:buNone/>
+                      </a:pPr>
+                      <a:r>
+                        <a:rPr lang="en-US" sz="1400" b="0">
+                          <a:latin typeface="Times New Roman" panose="02020603050405020304" charset="0"/>
+                          <a:cs typeface="Times New Roman" panose="02020603050405020304" charset="0"/>
+                        </a:rPr>
+                        <a:t>60 кадр./сек.</a:t>
+                      </a:r>
+                      <a:endParaRPr lang="en-US" altLang="en-US" sz="1400" b="0">
+                        <a:latin typeface="Times New Roman" panose="02020603050405020304" charset="0"/>
+                        <a:ea typeface="Times New Roman" panose="02020603050405020304" charset="0"/>
+                        <a:cs typeface="Times New Roman" panose="02020603050405020304" charset="0"/>
+                      </a:endParaRPr>
+                    </a:p>
+                  </a:txBody>
+                  <a:tcPr marL="68580" marR="68580" marT="0" marB="0" vert="horz" anchor="t" anchorCtr="0"/>
+                </a:tc>
+              </a:tr>
+              <a:tr h="510540">
+                <a:tc>
+                  <a:txBody>
+                    <a:bodyPr/>
+                    <a:p>
+                      <a:pPr indent="0">
+                        <a:buNone/>
+                      </a:pPr>
+                      <a:r>
+                        <a:rPr lang="en-US" sz="1400" b="0">
+                          <a:latin typeface="Times New Roman" panose="02020603050405020304" charset="0"/>
+                          <a:cs typeface="Times New Roman" panose="02020603050405020304" charset="0"/>
+                        </a:rPr>
+                        <a:t>Аудиокодек</a:t>
+                      </a:r>
+                      <a:endParaRPr lang="en-US" altLang="en-US" sz="1400" b="0">
+                        <a:latin typeface="Times New Roman" panose="02020603050405020304" charset="0"/>
+                        <a:ea typeface="Times New Roman" panose="02020603050405020304" charset="0"/>
+                        <a:cs typeface="Times New Roman" panose="02020603050405020304" charset="0"/>
+                      </a:endParaRPr>
+                    </a:p>
+                  </a:txBody>
+                  <a:tcPr marL="68580" marR="68580" marT="0" marB="0" vert="horz" anchor="t" anchorCtr="0"/>
+                </a:tc>
+                <a:tc>
+                  <a:txBody>
+                    <a:bodyPr/>
+                    <a:p>
+                      <a:pPr indent="0">
+                        <a:buNone/>
+                      </a:pPr>
+                      <a:r>
+                        <a:rPr lang="en-US" sz="1400" b="0">
+                          <a:latin typeface="Times New Roman" panose="02020603050405020304" charset="0"/>
+                          <a:cs typeface="Times New Roman" panose="02020603050405020304" charset="0"/>
+                        </a:rPr>
+                        <a:t> OPUS </a:t>
+                      </a:r>
+                      <a:endParaRPr lang="en-US" altLang="en-US" sz="1400" b="0">
+                        <a:latin typeface="Times New Roman" panose="02020603050405020304" charset="0"/>
+                        <a:ea typeface="Times New Roman" panose="02020603050405020304" charset="0"/>
+                        <a:cs typeface="Times New Roman" panose="02020603050405020304" charset="0"/>
+                      </a:endParaRPr>
+                    </a:p>
+                  </a:txBody>
+                  <a:tcPr marL="68580" marR="68580" marT="0" marB="0" vert="horz" anchor="t" anchorCtr="0"/>
+                </a:tc>
+                <a:tc>
+                  <a:txBody>
+                    <a:bodyPr/>
+                    <a:p>
+                      <a:pPr indent="0">
+                        <a:buNone/>
+                      </a:pPr>
+                      <a:r>
+                        <a:rPr lang="en-US" sz="1400" b="0">
+                          <a:latin typeface="Times New Roman" panose="02020603050405020304" charset="0"/>
+                          <a:cs typeface="Times New Roman" panose="02020603050405020304" charset="0"/>
+                        </a:rPr>
+                        <a:t>AVC</a:t>
+                      </a:r>
+                      <a:endParaRPr lang="en-US" altLang="en-US" sz="1400" b="0">
+                        <a:latin typeface="Times New Roman" panose="02020603050405020304" charset="0"/>
+                        <a:ea typeface="Times New Roman" panose="02020603050405020304" charset="0"/>
+                        <a:cs typeface="Times New Roman" panose="02020603050405020304" charset="0"/>
+                      </a:endParaRPr>
+                    </a:p>
+                  </a:txBody>
+                  <a:tcPr marL="68580" marR="68580" marT="0" marB="0" vert="horz" anchor="t" anchorCtr="0"/>
+                </a:tc>
+                <a:tc>
+                  <a:txBody>
+                    <a:bodyPr/>
+                    <a:p>
+                      <a:pPr indent="0">
+                        <a:buNone/>
+                      </a:pPr>
+                      <a:r>
+                        <a:rPr lang="en-US" sz="1400" b="0">
+                          <a:latin typeface="Times New Roman" panose="02020603050405020304" charset="0"/>
+                          <a:cs typeface="Times New Roman" panose="02020603050405020304" charset="0"/>
+                        </a:rPr>
+                        <a:t>AVC</a:t>
+                      </a:r>
+                      <a:endParaRPr lang="en-US" altLang="en-US" sz="1400" b="0">
+                        <a:latin typeface="Times New Roman" panose="02020603050405020304" charset="0"/>
+                        <a:ea typeface="Times New Roman" panose="02020603050405020304" charset="0"/>
+                        <a:cs typeface="Times New Roman" panose="02020603050405020304" charset="0"/>
+                      </a:endParaRPr>
+                    </a:p>
+                  </a:txBody>
+                  <a:tcPr marL="68580" marR="68580" marT="0" marB="0" vert="horz" anchor="t" anchorCtr="0"/>
+                </a:tc>
+              </a:tr>
+              <a:tr h="510540">
+                <a:tc>
+                  <a:txBody>
+                    <a:bodyPr/>
+                    <a:p>
+                      <a:pPr indent="0">
+                        <a:buNone/>
+                      </a:pPr>
+                      <a:r>
+                        <a:rPr lang="en-US" sz="1400" b="0">
+                          <a:latin typeface="Times New Roman" panose="02020603050405020304" charset="0"/>
+                          <a:cs typeface="Times New Roman" panose="02020603050405020304" charset="0"/>
+                        </a:rPr>
+                        <a:t>Видеокодек</a:t>
+                      </a:r>
+                      <a:endParaRPr lang="en-US" altLang="en-US" sz="1400" b="0">
+                        <a:latin typeface="Times New Roman" panose="02020603050405020304" charset="0"/>
+                        <a:ea typeface="Times New Roman" panose="02020603050405020304" charset="0"/>
+                        <a:cs typeface="Times New Roman" panose="02020603050405020304" charset="0"/>
+                      </a:endParaRPr>
+                    </a:p>
+                  </a:txBody>
+                  <a:tcPr marL="68580" marR="68580" marT="0" marB="0" vert="horz" anchor="t" anchorCtr="0"/>
+                </a:tc>
+                <a:tc>
+                  <a:txBody>
+                    <a:bodyPr/>
+                    <a:p>
+                      <a:pPr indent="0">
+                        <a:buNone/>
+                      </a:pPr>
+                      <a:r>
+                        <a:rPr lang="en-US" sz="1400" b="0">
+                          <a:latin typeface="Times New Roman" panose="02020603050405020304" charset="0"/>
+                          <a:cs typeface="Times New Roman" panose="02020603050405020304" charset="0"/>
+                        </a:rPr>
+                        <a:t> VP8</a:t>
+                      </a:r>
+                      <a:endParaRPr lang="en-US" altLang="en-US" sz="1400" b="0">
+                        <a:latin typeface="Times New Roman" panose="02020603050405020304" charset="0"/>
+                        <a:ea typeface="Times New Roman" panose="02020603050405020304" charset="0"/>
+                        <a:cs typeface="Times New Roman" panose="02020603050405020304" charset="0"/>
+                      </a:endParaRPr>
+                    </a:p>
+                  </a:txBody>
+                  <a:tcPr marL="68580" marR="68580" marT="0" marB="0" vert="horz" anchor="t" anchorCtr="0"/>
+                </a:tc>
+                <a:tc>
+                  <a:txBody>
+                    <a:bodyPr/>
+                    <a:p>
+                      <a:pPr indent="0">
+                        <a:buNone/>
+                      </a:pPr>
+                      <a:r>
+                        <a:rPr lang="en-US" sz="1400" b="0">
+                          <a:latin typeface="Times New Roman" panose="02020603050405020304" charset="0"/>
+                          <a:cs typeface="Times New Roman" panose="02020603050405020304" charset="0"/>
+                        </a:rPr>
+                        <a:t>H.264</a:t>
+                      </a:r>
+                      <a:endParaRPr lang="en-US" altLang="en-US" sz="1400" b="0">
+                        <a:latin typeface="Times New Roman" panose="02020603050405020304" charset="0"/>
+                        <a:ea typeface="Times New Roman" panose="02020603050405020304" charset="0"/>
+                        <a:cs typeface="Times New Roman" panose="02020603050405020304" charset="0"/>
+                      </a:endParaRPr>
+                    </a:p>
+                  </a:txBody>
+                  <a:tcPr marL="68580" marR="68580" marT="0" marB="0" vert="horz" anchor="t" anchorCtr="0"/>
+                </a:tc>
+                <a:tc>
+                  <a:txBody>
+                    <a:bodyPr/>
+                    <a:p>
+                      <a:pPr indent="0">
+                        <a:buNone/>
+                      </a:pPr>
+                      <a:r>
+                        <a:rPr lang="en-US" sz="1400" b="0">
+                          <a:latin typeface="Times New Roman" panose="02020603050405020304" charset="0"/>
+                          <a:cs typeface="Times New Roman" panose="02020603050405020304" charset="0"/>
+                        </a:rPr>
+                        <a:t>H.264</a:t>
+                      </a:r>
+                      <a:endParaRPr lang="en-US" altLang="en-US" sz="1400" b="0">
+                        <a:latin typeface="Times New Roman" panose="02020603050405020304" charset="0"/>
+                        <a:ea typeface="Times New Roman" panose="02020603050405020304" charset="0"/>
+                        <a:cs typeface="Times New Roman" panose="02020603050405020304" charset="0"/>
+                      </a:endParaRPr>
+                    </a:p>
+                  </a:txBody>
+                  <a:tcPr marL="68580" marR="68580" marT="0" marB="0" vert="horz" anchor="t" anchorCtr="0"/>
+                </a:tc>
+              </a:tr>
+              <a:tr h="510540">
+                <a:tc>
+                  <a:txBody>
+                    <a:bodyPr/>
+                    <a:p>
+                      <a:pPr indent="0">
+                        <a:buNone/>
+                      </a:pPr>
+                      <a:r>
+                        <a:rPr lang="en-US" sz="1400" b="0">
+                          <a:latin typeface="Times New Roman" panose="02020603050405020304" charset="0"/>
+                          <a:cs typeface="Times New Roman" panose="02020603050405020304" charset="0"/>
+                        </a:rPr>
+                        <a:t>Необходимость регистрации</a:t>
+                      </a:r>
+                      <a:endParaRPr lang="en-US" altLang="en-US" sz="1400" b="0">
+                        <a:latin typeface="Times New Roman" panose="02020603050405020304" charset="0"/>
+                        <a:ea typeface="Times New Roman" panose="02020603050405020304" charset="0"/>
+                        <a:cs typeface="Times New Roman" panose="02020603050405020304" charset="0"/>
+                      </a:endParaRPr>
+                    </a:p>
+                  </a:txBody>
+                  <a:tcPr marL="68580" marR="68580" marT="0" marB="0" vert="horz" anchor="t" anchorCtr="0"/>
+                </a:tc>
+                <a:tc>
+                  <a:txBody>
+                    <a:bodyPr/>
+                    <a:p>
+                      <a:pPr indent="0">
+                        <a:buNone/>
+                      </a:pPr>
+                      <a:r>
+                        <a:rPr lang="en-US" sz="1400" b="0">
+                          <a:latin typeface="Times New Roman" panose="02020603050405020304" charset="0"/>
+                          <a:cs typeface="Times New Roman" panose="02020603050405020304" charset="0"/>
+                        </a:rPr>
+                        <a:t>Нет</a:t>
+                      </a:r>
+                      <a:endParaRPr lang="en-US" altLang="en-US" sz="1400" b="0">
+                        <a:latin typeface="Times New Roman" panose="02020603050405020304" charset="0"/>
+                        <a:ea typeface="Times New Roman" panose="02020603050405020304" charset="0"/>
+                        <a:cs typeface="Times New Roman" panose="02020603050405020304" charset="0"/>
+                      </a:endParaRPr>
+                    </a:p>
+                  </a:txBody>
+                  <a:tcPr marL="68580" marR="68580" marT="0" marB="0" vert="horz" anchor="t" anchorCtr="0"/>
+                </a:tc>
+                <a:tc>
+                  <a:txBody>
+                    <a:bodyPr/>
+                    <a:p>
+                      <a:pPr indent="0">
+                        <a:buNone/>
+                      </a:pPr>
+                      <a:r>
+                        <a:rPr lang="en-US" sz="1400" b="0">
+                          <a:latin typeface="Times New Roman" panose="02020603050405020304" charset="0"/>
+                          <a:cs typeface="Times New Roman" panose="02020603050405020304" charset="0"/>
+                        </a:rPr>
+                        <a:t>Да</a:t>
+                      </a:r>
+                      <a:endParaRPr lang="en-US" altLang="en-US" sz="1400" b="0">
+                        <a:latin typeface="Times New Roman" panose="02020603050405020304" charset="0"/>
+                        <a:ea typeface="Times New Roman" panose="02020603050405020304" charset="0"/>
+                        <a:cs typeface="Times New Roman" panose="02020603050405020304" charset="0"/>
+                      </a:endParaRPr>
+                    </a:p>
+                  </a:txBody>
+                  <a:tcPr marL="68580" marR="68580" marT="0" marB="0" vert="horz" anchor="t" anchorCtr="0"/>
+                </a:tc>
+                <a:tc>
+                  <a:txBody>
+                    <a:bodyPr/>
+                    <a:p>
+                      <a:pPr indent="0">
+                        <a:buNone/>
+                      </a:pPr>
+                      <a:r>
+                        <a:rPr lang="en-US" sz="1400" b="0">
+                          <a:latin typeface="Times New Roman" panose="02020603050405020304" charset="0"/>
+                          <a:cs typeface="Times New Roman" panose="02020603050405020304" charset="0"/>
+                        </a:rPr>
+                        <a:t>Да</a:t>
+                      </a:r>
+                      <a:endParaRPr lang="en-US" altLang="en-US" sz="1400" b="0">
+                        <a:latin typeface="Times New Roman" panose="02020603050405020304" charset="0"/>
+                        <a:ea typeface="Times New Roman" panose="02020603050405020304" charset="0"/>
+                        <a:cs typeface="Times New Roman" panose="02020603050405020304" charset="0"/>
+                      </a:endParaRPr>
+                    </a:p>
+                  </a:txBody>
+                  <a:tcPr marL="68580" marR="68580" marT="0" marB="0" vert="horz" anchor="t" anchorCtr="0"/>
+                </a:tc>
+              </a:tr>
+              <a:tr h="510540">
+                <a:tc>
+                  <a:txBody>
+                    <a:bodyPr/>
+                    <a:p>
+                      <a:pPr indent="0">
+                        <a:buNone/>
+                      </a:pPr>
+                      <a:r>
+                        <a:rPr lang="en-US" sz="1400" b="0">
+                          <a:latin typeface="Times New Roman" panose="02020603050405020304" charset="0"/>
+                          <a:cs typeface="Times New Roman" panose="02020603050405020304" charset="0"/>
+                        </a:rPr>
+                        <a:t>Необходимость установки ПО</a:t>
+                      </a:r>
+                      <a:endParaRPr lang="en-US" altLang="en-US" sz="1400" b="0">
+                        <a:latin typeface="Times New Roman" panose="02020603050405020304" charset="0"/>
+                        <a:ea typeface="Times New Roman" panose="02020603050405020304" charset="0"/>
+                        <a:cs typeface="Times New Roman" panose="02020603050405020304" charset="0"/>
+                      </a:endParaRPr>
+                    </a:p>
+                  </a:txBody>
+                  <a:tcPr marL="68580" marR="68580" marT="0" marB="0" vert="horz" anchor="t" anchorCtr="0"/>
+                </a:tc>
+                <a:tc>
+                  <a:txBody>
+                    <a:bodyPr/>
+                    <a:p>
+                      <a:pPr indent="0">
+                        <a:buNone/>
+                      </a:pPr>
+                      <a:r>
+                        <a:rPr lang="en-US" sz="1400" b="0">
+                          <a:latin typeface="Times New Roman" panose="02020603050405020304" charset="0"/>
+                          <a:cs typeface="Times New Roman" panose="02020603050405020304" charset="0"/>
+                        </a:rPr>
+                        <a:t>Нет</a:t>
+                      </a:r>
+                      <a:endParaRPr lang="en-US" altLang="en-US" sz="1400" b="0">
+                        <a:latin typeface="Times New Roman" panose="02020603050405020304" charset="0"/>
+                        <a:ea typeface="Times New Roman" panose="02020603050405020304" charset="0"/>
+                        <a:cs typeface="Times New Roman" panose="02020603050405020304" charset="0"/>
+                      </a:endParaRPr>
+                    </a:p>
+                  </a:txBody>
+                  <a:tcPr marL="68580" marR="68580" marT="0" marB="0" vert="horz" anchor="t" anchorCtr="0"/>
+                </a:tc>
+                <a:tc>
+                  <a:txBody>
+                    <a:bodyPr/>
+                    <a:p>
+                      <a:pPr indent="0">
+                        <a:buNone/>
+                      </a:pPr>
+                      <a:r>
+                        <a:rPr lang="en-US" sz="1400" b="0">
+                          <a:latin typeface="Times New Roman" panose="02020603050405020304" charset="0"/>
+                          <a:cs typeface="Times New Roman" panose="02020603050405020304" charset="0"/>
+                        </a:rPr>
+                        <a:t>Да</a:t>
+                      </a:r>
+                      <a:endParaRPr lang="en-US" altLang="en-US" sz="1400" b="0">
+                        <a:latin typeface="Times New Roman" panose="02020603050405020304" charset="0"/>
+                        <a:ea typeface="Times New Roman" panose="02020603050405020304" charset="0"/>
+                        <a:cs typeface="Times New Roman" panose="02020603050405020304" charset="0"/>
+                      </a:endParaRPr>
+                    </a:p>
+                  </a:txBody>
+                  <a:tcPr marL="68580" marR="68580" marT="0" marB="0" vert="horz" anchor="t" anchorCtr="0"/>
+                </a:tc>
+                <a:tc>
+                  <a:txBody>
+                    <a:bodyPr/>
+                    <a:p>
+                      <a:pPr indent="0">
+                        <a:buNone/>
+                      </a:pPr>
+                      <a:r>
+                        <a:rPr lang="en-US" sz="1400" b="0">
+                          <a:latin typeface="Times New Roman" panose="02020603050405020304" charset="0"/>
+                          <a:cs typeface="Times New Roman" panose="02020603050405020304" charset="0"/>
+                        </a:rPr>
+                        <a:t>Нет</a:t>
+                      </a:r>
+                      <a:endParaRPr lang="en-US" altLang="en-US" sz="1400" b="0">
+                        <a:latin typeface="Times New Roman" panose="02020603050405020304" charset="0"/>
+                        <a:ea typeface="Times New Roman" panose="02020603050405020304" charset="0"/>
+                        <a:cs typeface="Times New Roman" panose="02020603050405020304" charset="0"/>
+                      </a:endParaRPr>
+                    </a:p>
+                  </a:txBody>
+                  <a:tcPr marL="68580" marR="68580" marT="0" marB="0" vert="horz" anchor="t" anchorCtr="0"/>
+                </a:tc>
+              </a:tr>
+            </a:tbl>
+          </a:graphicData>
+        </a:graphic>
+      </p:graphicFrame>
+    </p:spTree>
+  </p:cSld>
+  <p:clrMapOvr>
+    <a:masterClrMapping/>
+  </p:clrMapOvr>
+</p:sld>
+</file>
+
+<file path=ppt/slides/slide21.xml><?xml version="1.0" encoding="utf-8"?>
+<p:sld xmlns:a="http://schemas.openxmlformats.org/drawingml/2006/main" xmlns:r="http://schemas.openxmlformats.org/officeDocument/2006/relationships" xmlns:p="http://schemas.openxmlformats.org/presentationml/2006/main">
+  <p:cSld>
+    <p:spTree>
+      <p:nvGrpSpPr>
+        <p:cNvPr id="1" name=""/>
+        <p:cNvGrpSpPr/>
+        <p:nvPr/>
+      </p:nvGrpSpPr>
+      <p:grpSpPr/>
+      <p:sp>
+        <p:nvSpPr>
+          <p:cNvPr id="2" name="Заголовок 1"/>
+          <p:cNvSpPr>
+            <a:spLocks noGrp="1"/>
+          </p:cNvSpPr>
+          <p:nvPr>
+            <p:ph type="title"/>
+          </p:nvPr>
+        </p:nvSpPr>
+        <p:spPr/>
+        <p:txBody>
+          <a:bodyPr>
+            <a:normAutofit fontScale="90000"/>
+          </a:bodyPr>
+          <a:p>
+            <a:r>
+              <a:rPr lang="" altLang="en-US"/>
+              <a:t>В</a:t>
+            </a:r>
+            <a:r>
+              <a:rPr lang="en-US" altLang="en-US"/>
+              <a:t>лияние количества участников системы на ресурсы системы</a:t>
             </a:r>
             <a:endParaRPr lang="en-US" altLang="en-US"/>
           </a:p>
@@ -4574,7 +5146,7 @@
       </p:sp>
       <p:pic>
         <p:nvPicPr>
-          <p:cNvPr id="5" name="Замещающее содержимое 4"/>
+          <p:cNvPr id="34" name="Изображение 7"/>
           <p:cNvPicPr>
             <a:picLocks noChangeAspect="1"/>
           </p:cNvPicPr>
@@ -4590,12 +5162,16 @@
         </p:blipFill>
         <p:spPr>
           <a:xfrm>
-            <a:off x="2901315" y="1825625"/>
-            <a:ext cx="6389370" cy="4351655"/>
+            <a:off x="2677795" y="1860550"/>
+            <a:ext cx="6836410" cy="4669790"/>
           </a:xfrm>
           <a:prstGeom prst="rect">
             <a:avLst/>
           </a:prstGeom>
+          <a:noFill/>
+          <a:ln>
+            <a:noFill/>
+          </a:ln>
         </p:spPr>
       </p:pic>
     </p:spTree>
@@ -4606,7 +5182,7 @@
 </p:sld>
 </file>
 
-<file path=ppt/slides/slide24.xml><?xml version="1.0" encoding="utf-8"?>
+<file path=ppt/slides/slide22.xml><?xml version="1.0" encoding="utf-8"?>
 <p:sld xmlns:a="http://schemas.openxmlformats.org/drawingml/2006/main" xmlns:r="http://schemas.openxmlformats.org/officeDocument/2006/relationships" xmlns:p="http://schemas.openxmlformats.org/presentationml/2006/main">
   <p:cSld>
     <p:spTree>
@@ -4850,7 +5426,7 @@
       </p:sp>
       <p:pic>
         <p:nvPicPr>
-          <p:cNvPr id="4" name="Замещающее содержимое 3"/>
+          <p:cNvPr id="24" name="Изображение 1" descr="IMG_256"/>
           <p:cNvPicPr>
             <a:picLocks noChangeAspect="1"/>
           </p:cNvPicPr>
@@ -4866,12 +5442,16 @@
         </p:blipFill>
         <p:spPr>
           <a:xfrm>
-            <a:off x="1917700" y="1825625"/>
-            <a:ext cx="8356600" cy="4873625"/>
+            <a:off x="1752600" y="1825625"/>
+            <a:ext cx="8686165" cy="4351655"/>
           </a:xfrm>
           <a:prstGeom prst="rect">
             <a:avLst/>
           </a:prstGeom>
+          <a:noFill/>
+          <a:ln w="9525">
+            <a:noFill/>
+          </a:ln>
         </p:spPr>
       </p:pic>
     </p:spTree>
@@ -5084,19 +5664,13 @@
         </p:nvSpPr>
         <p:spPr/>
         <p:txBody>
-          <a:bodyPr>
-            <a:normAutofit/>
-          </a:bodyPr>
-          <a:p>
-            <a:r>
-              <a:rPr lang="ru-RU" altLang="en-US">
-                <a:sym typeface="+mn-ea"/>
-              </a:rPr>
-              <a:t>NAT (Network Address Translation)</a:t>
-            </a:r>
-            <a:endParaRPr lang="ru-RU" altLang="en-US">
-              <a:sym typeface="+mn-ea"/>
-            </a:endParaRPr>
+          <a:bodyPr/>
+          <a:p>
+            <a:r>
+              <a:rPr lang="en-US" altLang="ru-RU"/>
+              <a:t>Протоколы WebRTC - STUN</a:t>
+            </a:r>
+            <a:endParaRPr lang="en-US" altLang="ru-RU"/>
           </a:p>
         </p:txBody>
       </p:sp>
@@ -5113,12 +5687,12 @@
         <p:spPr>
           <a:xfrm>
             <a:off x="838200" y="1825625"/>
-            <a:ext cx="10515600" cy="4965065"/>
+            <a:ext cx="11106150" cy="4351655"/>
           </a:xfrm>
         </p:spPr>
         <p:txBody>
           <a:bodyPr>
-            <a:normAutofit lnSpcReduction="20000"/>
+            <a:noAutofit/>
           </a:bodyPr>
           <a:p>
             <a:pPr marL="0" indent="0">
@@ -5128,14 +5702,42 @@
               <a:buNone/>
             </a:pPr>
             <a:r>
-              <a:rPr lang="en-US" altLang="ru-RU" sz="2500">
+              <a:rPr sz="2500">
                 <a:sym typeface="+mn-ea"/>
               </a:rPr>
-              <a:t>NAT используется для того, чтобы дать устройству публичный IP-адрес.</a:t>
-            </a:r>
-            <a:endParaRPr lang="en-US" altLang="ru-RU" sz="2500">
-              <a:sym typeface="+mn-ea"/>
-            </a:endParaRPr>
+              <a:t>STUN </a:t>
+            </a:r>
+            <a:r>
+              <a:rPr sz="2500"/>
+              <a:t>(</a:t>
+            </a:r>
+            <a:r>
+              <a:rPr sz="2500">
+                <a:sym typeface="+mn-ea"/>
+              </a:rPr>
+              <a:t>Session Traversal Utilities for NAT</a:t>
+            </a:r>
+            <a:r>
+              <a:rPr sz="2500"/>
+              <a:t>) </a:t>
+            </a:r>
+            <a:r>
+              <a:rPr lang="en-US" sz="2500"/>
+              <a:t>-</a:t>
+            </a:r>
+            <a:r>
+              <a:rPr sz="2500"/>
+              <a:t> это протокол для нахождения и определения публичного адреса </a:t>
+            </a:r>
+            <a:r>
+              <a:rPr lang="en-US" sz="2500"/>
+              <a:t>устройства </a:t>
+            </a:r>
+            <a:r>
+              <a:rPr sz="2500"/>
+              <a:t>и любых ограничений в маршрутизаторе, которые препятствуют прямому соединению с узлом.</a:t>
+            </a:r>
+            <a:endParaRPr sz="2500"/>
           </a:p>
           <a:p>
             <a:pPr marL="0" indent="0">
@@ -5145,31 +5747,10 @@
               <a:buNone/>
             </a:pPr>
             <a:r>
-              <a:rPr lang="ru-RU" altLang="en-US" sz="2500"/>
-              <a:t>Маршрутизатор имеет публичный IP-адрес, а каждое устройство, подключённое к маршрутизатору имеет частный IP-адрес. Запросы будут транслированы от частного IP-адреса устройства к публичному IP-адресу маршрутизатора (с уникальным портом)</a:t>
-            </a:r>
-            <a:endParaRPr lang="ru-RU" altLang="en-US" sz="2500"/>
-          </a:p>
-          <a:p>
-            <a:pPr marL="0" indent="0">
-              <a:lnSpc>
-                <a:spcPct val="150000"/>
-              </a:lnSpc>
-              <a:buNone/>
-            </a:pPr>
-            <a:r>
-              <a:rPr lang="en-US" altLang="ru-RU" sz="2500">
-                <a:solidFill>
-                  <a:schemeClr val="bg1"/>
-                </a:solidFill>
-              </a:rPr>
-              <a:t>У нат есть ограничение "Симметричный NAT". Это будет подводкой к тому, зачем нам нужен TURN. Тут можно описать и ругие проблемы NAT</a:t>
-            </a:r>
-            <a:endParaRPr lang="en-US" altLang="ru-RU" sz="2500">
-              <a:solidFill>
-                <a:schemeClr val="bg1"/>
-              </a:solidFill>
-            </a:endParaRPr>
+              <a:rPr sz="2500"/>
+              <a:t>Клиент отправит запрос к STUN серверу в интернете, который ответит публичным адресом клиента и, доступен ли, или нет, клиент за NAT маршрутизатором.</a:t>
+            </a:r>
+            <a:endParaRPr sz="2500"/>
           </a:p>
         </p:txBody>
       </p:sp>
@@ -5207,152 +5788,38 @@
           <a:p>
             <a:r>
               <a:rPr lang="en-US" altLang="ru-RU"/>
-              <a:t>Протоколы WebRTC - ICE</a:t>
+              <a:t>Протоколы WebRTC - STUN</a:t>
             </a:r>
             <a:endParaRPr lang="en-US" altLang="ru-RU"/>
           </a:p>
         </p:txBody>
       </p:sp>
-      <p:sp>
-        <p:nvSpPr>
-          <p:cNvPr id="3" name="Замещающее содержимое 2"/>
-          <p:cNvSpPr>
-            <a:spLocks noGrp="1"/>
-          </p:cNvSpPr>
+      <p:pic>
+        <p:nvPicPr>
+          <p:cNvPr id="4" name="Замещающее содержимое 3"/>
+          <p:cNvPicPr>
+            <a:picLocks noChangeAspect="1"/>
+          </p:cNvPicPr>
           <p:nvPr>
             <p:ph idx="1"/>
           </p:nvPr>
-        </p:nvSpPr>
+        </p:nvPicPr>
+        <p:blipFill>
+          <a:blip r:embed="rId1"/>
+          <a:stretch>
+            <a:fillRect/>
+          </a:stretch>
+        </p:blipFill>
         <p:spPr>
           <a:xfrm>
-            <a:off x="838200" y="1825625"/>
-            <a:ext cx="11106150" cy="4351655"/>
+            <a:off x="3991610" y="1475740"/>
+            <a:ext cx="3463290" cy="5054600"/>
           </a:xfrm>
+          <a:prstGeom prst="rect">
+            <a:avLst/>
+          </a:prstGeom>
         </p:spPr>
-        <p:txBody>
-          <a:bodyPr>
-            <a:noAutofit/>
-          </a:bodyPr>
-          <a:p>
-            <a:pPr marL="0" indent="0">
-              <a:lnSpc>
-                <a:spcPct val="150000"/>
-              </a:lnSpc>
-              <a:buNone/>
-            </a:pPr>
-            <a:r>
-              <a:rPr lang="ru-RU" altLang="en-US" sz="2500">
-                <a:sym typeface="+mn-ea"/>
-              </a:rPr>
-              <a:t>ICE </a:t>
-            </a:r>
-            <a:r>
-              <a:rPr lang="ru-RU" altLang="en-US" sz="2500"/>
-              <a:t>(</a:t>
-            </a:r>
-            <a:r>
-              <a:rPr lang="ru-RU" altLang="en-US" sz="2500">
-                <a:sym typeface="+mn-ea"/>
-              </a:rPr>
-              <a:t>Interactive Connectivity Establishment </a:t>
-            </a:r>
-            <a:r>
-              <a:rPr lang="ru-RU" altLang="en-US" sz="2500"/>
-              <a:t>) </a:t>
-            </a:r>
-            <a:r>
-              <a:rPr lang="en-US" altLang="ru-RU" sz="2500"/>
-              <a:t>-</a:t>
-            </a:r>
-            <a:r>
-              <a:rPr lang="ru-RU" altLang="en-US" sz="2500"/>
-              <a:t> "Установка интерактивного подключения" представляет собой каркас, позволяющий веб-браузеру соединяться с узлами. </a:t>
-            </a:r>
-            <a:r>
-              <a:rPr lang="en-US" altLang="ru-RU" sz="2500"/>
-              <a:t>Соединение </a:t>
-            </a:r>
-            <a:r>
-              <a:rPr lang="ru-RU" altLang="en-US" sz="2500">
-                <a:sym typeface="+mn-ea"/>
-              </a:rPr>
-              <a:t>должно обойти межсетевые экраны, </a:t>
-            </a:r>
-            <a:r>
-              <a:rPr lang="en-US" altLang="ru-RU" sz="2500">
-                <a:sym typeface="+mn-ea"/>
-              </a:rPr>
-              <a:t>препятствующие</a:t>
-            </a:r>
-            <a:r>
-              <a:rPr lang="ru-RU" altLang="en-US" sz="2500">
-                <a:sym typeface="+mn-ea"/>
-              </a:rPr>
-              <a:t> открытию соединений, </a:t>
-            </a:r>
-            <a:r>
-              <a:rPr lang="en-US" altLang="ru-RU" sz="2500">
-                <a:sym typeface="+mn-ea"/>
-              </a:rPr>
-              <a:t>предоставить </a:t>
-            </a:r>
-            <a:r>
-              <a:rPr lang="ru-RU" altLang="en-US" sz="2500">
-                <a:sym typeface="+mn-ea"/>
-              </a:rPr>
-              <a:t>уникальный </a:t>
-            </a:r>
-            <a:r>
-              <a:rPr lang="en-US" altLang="ru-RU" sz="2500">
-                <a:sym typeface="+mn-ea"/>
-              </a:rPr>
-              <a:t>IP-</a:t>
-            </a:r>
-            <a:r>
-              <a:rPr lang="ru-RU" altLang="en-US" sz="2500">
-                <a:sym typeface="+mn-ea"/>
-              </a:rPr>
-              <a:t>адре</a:t>
-            </a:r>
-            <a:r>
-              <a:rPr lang="en-US" altLang="ru-RU" sz="2500">
-                <a:sym typeface="+mn-ea"/>
-              </a:rPr>
-              <a:t>с </a:t>
-            </a:r>
-            <a:r>
-              <a:rPr lang="ru-RU" altLang="en-US" sz="2500">
-                <a:sym typeface="+mn-ea"/>
-              </a:rPr>
-              <a:t>, и передавать данные через сервер. </a:t>
-            </a:r>
-            <a:endParaRPr lang="ru-RU" altLang="en-US" sz="2500">
-              <a:sym typeface="+mn-ea"/>
-            </a:endParaRPr>
-          </a:p>
-          <a:p>
-            <a:pPr marL="0" indent="0">
-              <a:lnSpc>
-                <a:spcPct val="150000"/>
-              </a:lnSpc>
-              <a:buNone/>
-            </a:pPr>
-            <a:r>
-              <a:rPr lang="ru-RU" altLang="en-US" sz="2500">
-                <a:sym typeface="+mn-ea"/>
-              </a:rPr>
-              <a:t>ICE использует некоторые из следующих технических приёмов, описанных ниже, для достижения этой цели:</a:t>
-            </a:r>
-            <a:endParaRPr lang="ru-RU" altLang="en-US" sz="2500"/>
-          </a:p>
-          <a:p>
-            <a:pPr marL="0" indent="0">
-              <a:buNone/>
-            </a:pPr>
-            <a:endParaRPr lang="ru-RU" altLang="en-US" sz="2500"/>
-          </a:p>
-        </p:txBody>
-      </p:sp>
+      </p:pic>
     </p:spTree>
   </p:cSld>
   <p:clrMapOvr>
@@ -5387,7 +5854,7 @@
           <a:p>
             <a:r>
               <a:rPr lang="en-US" altLang="ru-RU"/>
-              <a:t>Протоколы WebRTC - STUN</a:t>
+              <a:t>Протоколы WebRTC - TURN</a:t>
             </a:r>
             <a:endParaRPr lang="en-US" altLang="ru-RU"/>
           </a:p>
@@ -5424,7 +5891,7 @@
               <a:rPr sz="2500">
                 <a:sym typeface="+mn-ea"/>
               </a:rPr>
-              <a:t>STUN </a:t>
+              <a:t>TURN </a:t>
             </a:r>
             <a:r>
               <a:rPr sz="2500"/>
@@ -5434,40 +5901,35 @@
               <a:rPr sz="2500">
                 <a:sym typeface="+mn-ea"/>
               </a:rPr>
-              <a:t>Session Traversal Utilities for NAT</a:t>
+              <a:t>Traversal Using Relays around NAT </a:t>
             </a:r>
             <a:r>
               <a:rPr sz="2500"/>
-              <a:t>) </a:t>
+              <a:t>) предназначен для обхода ограничения "Симметричный NAT" путём открытия соединения с TURN сервером и ретрансляции всей информации через этот сервер. </a:t>
             </a:r>
             <a:r>
               <a:rPr lang="en-US" sz="2500"/>
-              <a:t>-</a:t>
+              <a:t>Cоздается </a:t>
             </a:r>
             <a:r>
               <a:rPr sz="2500"/>
-              <a:t> это протокол для нахождения и определения публичного адреса </a:t>
+              <a:t>соединение с TURN сервером и </a:t>
             </a:r>
             <a:r>
               <a:rPr lang="en-US" sz="2500"/>
-              <a:t>устройства </a:t>
+              <a:t>сообщается </a:t>
             </a:r>
             <a:r>
               <a:rPr sz="2500"/>
-              <a:t>и любых ограничений в маршрутизаторе, которые препятствуют прямому соединению с узлом.</a:t>
-            </a:r>
-            <a:endParaRPr sz="2500"/>
-          </a:p>
-          <a:p>
-            <a:pPr marL="0" indent="0">
-              <a:lnSpc>
-                <a:spcPct val="150000"/>
-              </a:lnSpc>
-              <a:buNone/>
-            </a:pPr>
+              <a:t>всем узлам слать пакеты этому серверу, которые затем будут переправлены </a:t>
+            </a:r>
+            <a:r>
+              <a:rPr lang="en-US" sz="2500"/>
+              <a:t>участникам системы</a:t>
+            </a:r>
             <a:r>
               <a:rPr sz="2500"/>
-              <a:t>Клиент отправит запрос к STUN серверу в интернете, который ответит публичным адресом клиента и, доступен ли, или нет, клиент за NAT маршрутизатором.</a:t>
+              <a:t>. </a:t>
             </a:r>
             <a:endParaRPr sz="2500"/>
           </a:p>
@@ -5507,92 +5969,38 @@
           <a:p>
             <a:r>
               <a:rPr lang="en-US" altLang="ru-RU"/>
-              <a:t>Протоколы WebRTC - STUN</a:t>
+              <a:t>Протоколы WebRTC - TURN</a:t>
             </a:r>
             <a:endParaRPr lang="en-US" altLang="ru-RU"/>
           </a:p>
         </p:txBody>
       </p:sp>
-      <p:sp>
-        <p:nvSpPr>
-          <p:cNvPr id="3" name="Замещающее содержимое 2"/>
-          <p:cNvSpPr>
-            <a:spLocks noGrp="1"/>
-          </p:cNvSpPr>
+      <p:pic>
+        <p:nvPicPr>
+          <p:cNvPr id="5" name="Замещающее содержимое 4"/>
+          <p:cNvPicPr>
+            <a:picLocks noChangeAspect="1"/>
+          </p:cNvPicPr>
           <p:nvPr>
             <p:ph idx="1"/>
           </p:nvPr>
-        </p:nvSpPr>
+        </p:nvPicPr>
+        <p:blipFill>
+          <a:blip r:embed="rId1"/>
+          <a:stretch>
+            <a:fillRect/>
+          </a:stretch>
+        </p:blipFill>
         <p:spPr>
           <a:xfrm>
-            <a:off x="838200" y="1825625"/>
-            <a:ext cx="11106150" cy="4351655"/>
+            <a:off x="3571875" y="1597660"/>
+            <a:ext cx="5048250" cy="5082540"/>
           </a:xfrm>
+          <a:prstGeom prst="rect">
+            <a:avLst/>
+          </a:prstGeom>
         </p:spPr>
-        <p:txBody>
-          <a:bodyPr>
-            <a:noAutofit/>
-          </a:bodyPr>
-          <a:p>
-            <a:pPr marL="0" indent="0">
-              <a:lnSpc>
-                <a:spcPct val="150000"/>
-              </a:lnSpc>
-              <a:buNone/>
-            </a:pPr>
-            <a:r>
-              <a:rPr sz="2500">
-                <a:sym typeface="+mn-ea"/>
-              </a:rPr>
-              <a:t>STUN </a:t>
-            </a:r>
-            <a:r>
-              <a:rPr sz="2500"/>
-              <a:t>(</a:t>
-            </a:r>
-            <a:r>
-              <a:rPr sz="2500">
-                <a:sym typeface="+mn-ea"/>
-              </a:rPr>
-              <a:t>Session Traversal Utilities for NAT</a:t>
-            </a:r>
-            <a:r>
-              <a:rPr sz="2500"/>
-              <a:t>) </a:t>
-            </a:r>
-            <a:r>
-              <a:rPr lang="en-US" sz="2500"/>
-              <a:t>-</a:t>
-            </a:r>
-            <a:r>
-              <a:rPr sz="2500"/>
-              <a:t> это протокол для нахождения и определения публичного адреса </a:t>
-            </a:r>
-            <a:r>
-              <a:rPr lang="en-US" sz="2500"/>
-              <a:t>устройства </a:t>
-            </a:r>
-            <a:r>
-              <a:rPr sz="2500"/>
-              <a:t>и любых ограничений в маршрутизаторе, которые препятствуют прямому соединению с узлом.</a:t>
-            </a:r>
-            <a:endParaRPr sz="2500"/>
-          </a:p>
-          <a:p>
-            <a:pPr marL="0" indent="0">
-              <a:lnSpc>
-                <a:spcPct val="150000"/>
-              </a:lnSpc>
-              <a:buNone/>
-            </a:pPr>
-            <a:r>
-              <a:rPr sz="2500"/>
-              <a:t>Клиент отправит запрос к STUN серверу в интернете, который ответит публичным адресом клиента и, доступен ли, или нет, клиент за NAT маршрутизатором.</a:t>
-            </a:r>
-            <a:endParaRPr sz="2500"/>
-          </a:p>
-        </p:txBody>
-      </p:sp>
+      </p:pic>
     </p:spTree>
   </p:cSld>
   <p:clrMapOvr>

--- a/presentation.pptx
+++ b/presentation.pptx
@@ -4,29 +4,32 @@
   <p:sldMasterIdLst>
     <p:sldMasterId id="2147483648" r:id="rId1"/>
   </p:sldMasterIdLst>
+  <p:notesMasterIdLst>
+    <p:notesMasterId r:id="rId4"/>
+  </p:notesMasterIdLst>
   <p:sldIdLst>
     <p:sldId id="256" r:id="rId3"/>
-    <p:sldId id="257" r:id="rId4"/>
-    <p:sldId id="258" r:id="rId5"/>
-    <p:sldId id="283" r:id="rId6"/>
-    <p:sldId id="267" r:id="rId7"/>
-    <p:sldId id="265" r:id="rId8"/>
-    <p:sldId id="264" r:id="rId9"/>
-    <p:sldId id="266" r:id="rId10"/>
-    <p:sldId id="268" r:id="rId11"/>
-    <p:sldId id="288" r:id="rId12"/>
-    <p:sldId id="272" r:id="rId13"/>
-    <p:sldId id="275" r:id="rId14"/>
-    <p:sldId id="274" r:id="rId15"/>
-    <p:sldId id="276" r:id="rId16"/>
-    <p:sldId id="304" r:id="rId17"/>
+    <p:sldId id="257" r:id="rId5"/>
+    <p:sldId id="314" r:id="rId6"/>
+    <p:sldId id="310" r:id="rId7"/>
+    <p:sldId id="311" r:id="rId8"/>
+    <p:sldId id="313" r:id="rId9"/>
+    <p:sldId id="258" r:id="rId10"/>
+    <p:sldId id="283" r:id="rId11"/>
+    <p:sldId id="265" r:id="rId12"/>
+    <p:sldId id="317" r:id="rId13"/>
+    <p:sldId id="274" r:id="rId14"/>
+    <p:sldId id="276" r:id="rId15"/>
+    <p:sldId id="315" r:id="rId16"/>
+    <p:sldId id="316" r:id="rId17"/>
     <p:sldId id="278" r:id="rId18"/>
-    <p:sldId id="305" r:id="rId19"/>
-    <p:sldId id="280" r:id="rId20"/>
-    <p:sldId id="306" r:id="rId21"/>
+    <p:sldId id="304" r:id="rId19"/>
+    <p:sldId id="288" r:id="rId20"/>
+    <p:sldId id="312" r:id="rId21"/>
     <p:sldId id="281" r:id="rId22"/>
     <p:sldId id="307" r:id="rId23"/>
     <p:sldId id="287" r:id="rId24"/>
+    <p:sldId id="308" r:id="rId25"/>
   </p:sldIdLst>
   <p:sldSz cx="12192000" cy="6858000"/>
   <p:notesSz cx="6858000" cy="9144000"/>
@@ -126,6 +129,1327 @@
     </a:lvl9pPr>
   </p:defaultTextStyle>
 </p:presentation>
+</file>
+
+<file path=ppt/notesMasters/notesMaster1.xml><?xml version="1.0" encoding="utf-8"?>
+<p:notesMaster xmlns:a="http://schemas.openxmlformats.org/drawingml/2006/main" xmlns:r="http://schemas.openxmlformats.org/officeDocument/2006/relationships" xmlns:p="http://schemas.openxmlformats.org/presentationml/2006/main">
+  <p:cSld>
+    <p:bg>
+      <p:bgRef idx="1001">
+        <a:schemeClr val="bg1"/>
+      </p:bgRef>
+    </p:bg>
+    <p:spTree>
+      <p:nvGrpSpPr>
+        <p:cNvPr id="1" name=""/>
+        <p:cNvGrpSpPr/>
+        <p:nvPr/>
+      </p:nvGrpSpPr>
+      <p:grpSpPr>
+        <a:xfrm>
+          <a:off x="0" y="0"/>
+          <a:ext cx="0" cy="0"/>
+          <a:chOff x="0" y="0"/>
+          <a:chExt cx="0" cy="0"/>
+        </a:xfrm>
+      </p:grpSpPr>
+      <p:sp>
+        <p:nvSpPr>
+          <p:cNvPr id="2" name="Верхний колонтитул 1"/>
+          <p:cNvSpPr>
+            <a:spLocks noGrp="1"/>
+          </p:cNvSpPr>
+          <p:nvPr>
+            <p:ph type="hdr" sz="quarter"/>
+          </p:nvPr>
+        </p:nvSpPr>
+        <p:spPr>
+          <a:xfrm>
+            <a:off x="0" y="0"/>
+            <a:ext cx="2971800" cy="458788"/>
+          </a:xfrm>
+          <a:prstGeom prst="rect">
+            <a:avLst/>
+          </a:prstGeom>
+        </p:spPr>
+        <p:txBody>
+          <a:bodyPr vert="horz" lIns="91440" tIns="45720" rIns="91440" bIns="45720" rtlCol="0"/>
+          <a:lstStyle>
+            <a:lvl1pPr algn="l">
+              <a:defRPr sz="1200"/>
+            </a:lvl1pPr>
+          </a:lstStyle>
+          <a:p>
+            <a:endParaRPr lang="ru-RU"/>
+          </a:p>
+        </p:txBody>
+      </p:sp>
+      <p:sp>
+        <p:nvSpPr>
+          <p:cNvPr id="3" name="Дата 2"/>
+          <p:cNvSpPr>
+            <a:spLocks noGrp="1"/>
+          </p:cNvSpPr>
+          <p:nvPr>
+            <p:ph type="dt" idx="1"/>
+          </p:nvPr>
+        </p:nvSpPr>
+        <p:spPr>
+          <a:xfrm>
+            <a:off x="3884613" y="0"/>
+            <a:ext cx="2971800" cy="458788"/>
+          </a:xfrm>
+          <a:prstGeom prst="rect">
+            <a:avLst/>
+          </a:prstGeom>
+        </p:spPr>
+        <p:txBody>
+          <a:bodyPr vert="horz" lIns="91440" tIns="45720" rIns="91440" bIns="45720" rtlCol="0"/>
+          <a:lstStyle>
+            <a:lvl1pPr algn="r">
+              <a:defRPr sz="1200"/>
+            </a:lvl1pPr>
+          </a:lstStyle>
+          <a:p>
+            <a:fld id="{46D652B2-8C6E-419B-8E93-813F678ADC08}" type="datetimeFigureOut">
+              <a:rPr lang="ru-RU" smtClean="0"/>
+            </a:fld>
+            <a:endParaRPr lang="ru-RU"/>
+          </a:p>
+        </p:txBody>
+      </p:sp>
+      <p:sp>
+        <p:nvSpPr>
+          <p:cNvPr id="4" name="Образ слайда 3"/>
+          <p:cNvSpPr>
+            <a:spLocks noGrp="1" noRot="1" noChangeAspect="1"/>
+          </p:cNvSpPr>
+          <p:nvPr>
+            <p:ph type="sldImg" idx="2"/>
+          </p:nvPr>
+        </p:nvSpPr>
+        <p:spPr>
+          <a:xfrm>
+            <a:off x="685800" y="1143000"/>
+            <a:ext cx="5486400" cy="3086100"/>
+          </a:xfrm>
+          <a:prstGeom prst="rect">
+            <a:avLst/>
+          </a:prstGeom>
+          <a:noFill/>
+          <a:ln w="12700">
+            <a:solidFill>
+              <a:prstClr val="black"/>
+            </a:solidFill>
+          </a:ln>
+        </p:spPr>
+        <p:txBody>
+          <a:bodyPr vert="horz" lIns="91440" tIns="45720" rIns="91440" bIns="45720" rtlCol="0" anchor="ctr"/>
+          <a:lstStyle/>
+          <a:p>
+            <a:endParaRPr lang="ru-RU"/>
+          </a:p>
+        </p:txBody>
+      </p:sp>
+      <p:sp>
+        <p:nvSpPr>
+          <p:cNvPr id="5" name="Заметки 4"/>
+          <p:cNvSpPr>
+            <a:spLocks noGrp="1"/>
+          </p:cNvSpPr>
+          <p:nvPr>
+            <p:ph type="body" sz="quarter" idx="3"/>
+          </p:nvPr>
+        </p:nvSpPr>
+        <p:spPr>
+          <a:xfrm>
+            <a:off x="685800" y="4400550"/>
+            <a:ext cx="5486400" cy="3600450"/>
+          </a:xfrm>
+          <a:prstGeom prst="rect">
+            <a:avLst/>
+          </a:prstGeom>
+        </p:spPr>
+        <p:txBody>
+          <a:bodyPr vert="horz" lIns="91440" tIns="45720" rIns="91440" bIns="45720" rtlCol="0"/>
+          <a:lstStyle/>
+          <a:p>
+            <a:pPr lvl="0"/>
+            <a:r>
+              <a:rPr lang="ru-RU" smtClean="0"/>
+              <a:t>Образец текста</a:t>
+            </a:r>
+            <a:endParaRPr lang="ru-RU" smtClean="0"/>
+          </a:p>
+          <a:p>
+            <a:pPr lvl="1"/>
+            <a:r>
+              <a:rPr lang="ru-RU" smtClean="0"/>
+              <a:t>Второй уровень</a:t>
+            </a:r>
+            <a:endParaRPr lang="ru-RU" smtClean="0"/>
+          </a:p>
+          <a:p>
+            <a:pPr lvl="2"/>
+            <a:r>
+              <a:rPr lang="ru-RU" smtClean="0"/>
+              <a:t>Третий уровень</a:t>
+            </a:r>
+            <a:endParaRPr lang="ru-RU" smtClean="0"/>
+          </a:p>
+          <a:p>
+            <a:pPr lvl="3"/>
+            <a:r>
+              <a:rPr lang="ru-RU" smtClean="0"/>
+              <a:t>Четвертый уровень</a:t>
+            </a:r>
+            <a:endParaRPr lang="ru-RU" smtClean="0"/>
+          </a:p>
+          <a:p>
+            <a:pPr lvl="4"/>
+            <a:r>
+              <a:rPr lang="ru-RU" smtClean="0"/>
+              <a:t>Пятый уровень</a:t>
+            </a:r>
+            <a:endParaRPr lang="ru-RU"/>
+          </a:p>
+        </p:txBody>
+      </p:sp>
+      <p:sp>
+        <p:nvSpPr>
+          <p:cNvPr id="6" name="Нижний колонтитул 5"/>
+          <p:cNvSpPr>
+            <a:spLocks noGrp="1"/>
+          </p:cNvSpPr>
+          <p:nvPr>
+            <p:ph type="ftr" sz="quarter" idx="4"/>
+          </p:nvPr>
+        </p:nvSpPr>
+        <p:spPr>
+          <a:xfrm>
+            <a:off x="0" y="8685213"/>
+            <a:ext cx="2971800" cy="458787"/>
+          </a:xfrm>
+          <a:prstGeom prst="rect">
+            <a:avLst/>
+          </a:prstGeom>
+        </p:spPr>
+        <p:txBody>
+          <a:bodyPr vert="horz" lIns="91440" tIns="45720" rIns="91440" bIns="45720" rtlCol="0" anchor="b"/>
+          <a:lstStyle>
+            <a:lvl1pPr algn="l">
+              <a:defRPr sz="1200"/>
+            </a:lvl1pPr>
+          </a:lstStyle>
+          <a:p>
+            <a:endParaRPr lang="ru-RU"/>
+          </a:p>
+        </p:txBody>
+      </p:sp>
+      <p:sp>
+        <p:nvSpPr>
+          <p:cNvPr id="7" name="Номер слайда 6"/>
+          <p:cNvSpPr>
+            <a:spLocks noGrp="1"/>
+          </p:cNvSpPr>
+          <p:nvPr>
+            <p:ph type="sldNum" sz="quarter" idx="5"/>
+          </p:nvPr>
+        </p:nvSpPr>
+        <p:spPr>
+          <a:xfrm>
+            <a:off x="3884613" y="8685213"/>
+            <a:ext cx="2971800" cy="458787"/>
+          </a:xfrm>
+          <a:prstGeom prst="rect">
+            <a:avLst/>
+          </a:prstGeom>
+        </p:spPr>
+        <p:txBody>
+          <a:bodyPr vert="horz" lIns="91440" tIns="45720" rIns="91440" bIns="45720" rtlCol="0" anchor="b"/>
+          <a:lstStyle>
+            <a:lvl1pPr algn="r">
+              <a:defRPr sz="1200"/>
+            </a:lvl1pPr>
+          </a:lstStyle>
+          <a:p>
+            <a:fld id="{C6C6DC3D-C717-495C-B489-C044A339A551}" type="slidenum">
+              <a:rPr lang="ru-RU" smtClean="0"/>
+            </a:fld>
+            <a:endParaRPr lang="ru-RU"/>
+          </a:p>
+        </p:txBody>
+      </p:sp>
+    </p:spTree>
+  </p:cSld>
+  <p:clrMap bg1="lt1" tx1="dk1" bg2="lt2" tx2="dk2" accent1="accent1" accent2="accent2" accent3="accent3" accent4="accent4" accent5="accent5" accent6="accent6" hlink="hlink" folHlink="folHlink"/>
+  <p:notesStyle>
+    <a:lvl1pPr marL="0" algn="l" defTabSz="914400" rtl="0" eaLnBrk="1" latinLnBrk="0" hangingPunct="1">
+      <a:defRPr sz="1200" kern="1200">
+        <a:solidFill>
+          <a:schemeClr val="tx1"/>
+        </a:solidFill>
+        <a:latin typeface="+mn-lt"/>
+        <a:ea typeface="+mn-ea"/>
+        <a:cs typeface="+mn-cs"/>
+      </a:defRPr>
+    </a:lvl1pPr>
+    <a:lvl2pPr marL="457200" algn="l" defTabSz="914400" rtl="0" eaLnBrk="1" latinLnBrk="0" hangingPunct="1">
+      <a:defRPr sz="1200" kern="1200">
+        <a:solidFill>
+          <a:schemeClr val="tx1"/>
+        </a:solidFill>
+        <a:latin typeface="+mn-lt"/>
+        <a:ea typeface="+mn-ea"/>
+        <a:cs typeface="+mn-cs"/>
+      </a:defRPr>
+    </a:lvl2pPr>
+    <a:lvl3pPr marL="914400" algn="l" defTabSz="914400" rtl="0" eaLnBrk="1" latinLnBrk="0" hangingPunct="1">
+      <a:defRPr sz="1200" kern="1200">
+        <a:solidFill>
+          <a:schemeClr val="tx1"/>
+        </a:solidFill>
+        <a:latin typeface="+mn-lt"/>
+        <a:ea typeface="+mn-ea"/>
+        <a:cs typeface="+mn-cs"/>
+      </a:defRPr>
+    </a:lvl3pPr>
+    <a:lvl4pPr marL="1371600" algn="l" defTabSz="914400" rtl="0" eaLnBrk="1" latinLnBrk="0" hangingPunct="1">
+      <a:defRPr sz="1200" kern="1200">
+        <a:solidFill>
+          <a:schemeClr val="tx1"/>
+        </a:solidFill>
+        <a:latin typeface="+mn-lt"/>
+        <a:ea typeface="+mn-ea"/>
+        <a:cs typeface="+mn-cs"/>
+      </a:defRPr>
+    </a:lvl4pPr>
+    <a:lvl5pPr marL="1828800" algn="l" defTabSz="914400" rtl="0" eaLnBrk="1" latinLnBrk="0" hangingPunct="1">
+      <a:defRPr sz="1200" kern="1200">
+        <a:solidFill>
+          <a:schemeClr val="tx1"/>
+        </a:solidFill>
+        <a:latin typeface="+mn-lt"/>
+        <a:ea typeface="+mn-ea"/>
+        <a:cs typeface="+mn-cs"/>
+      </a:defRPr>
+    </a:lvl5pPr>
+    <a:lvl6pPr marL="2286000" algn="l" defTabSz="914400" rtl="0" eaLnBrk="1" latinLnBrk="0" hangingPunct="1">
+      <a:defRPr sz="1200" kern="1200">
+        <a:solidFill>
+          <a:schemeClr val="tx1"/>
+        </a:solidFill>
+        <a:latin typeface="+mn-lt"/>
+        <a:ea typeface="+mn-ea"/>
+        <a:cs typeface="+mn-cs"/>
+      </a:defRPr>
+    </a:lvl6pPr>
+    <a:lvl7pPr marL="2743200" algn="l" defTabSz="914400" rtl="0" eaLnBrk="1" latinLnBrk="0" hangingPunct="1">
+      <a:defRPr sz="1200" kern="1200">
+        <a:solidFill>
+          <a:schemeClr val="tx1"/>
+        </a:solidFill>
+        <a:latin typeface="+mn-lt"/>
+        <a:ea typeface="+mn-ea"/>
+        <a:cs typeface="+mn-cs"/>
+      </a:defRPr>
+    </a:lvl7pPr>
+    <a:lvl8pPr marL="3200400" algn="l" defTabSz="914400" rtl="0" eaLnBrk="1" latinLnBrk="0" hangingPunct="1">
+      <a:defRPr sz="1200" kern="1200">
+        <a:solidFill>
+          <a:schemeClr val="tx1"/>
+        </a:solidFill>
+        <a:latin typeface="+mn-lt"/>
+        <a:ea typeface="+mn-ea"/>
+        <a:cs typeface="+mn-cs"/>
+      </a:defRPr>
+    </a:lvl8pPr>
+    <a:lvl9pPr marL="3657600" algn="l" defTabSz="914400" rtl="0" eaLnBrk="1" latinLnBrk="0" hangingPunct="1">
+      <a:defRPr sz="1200" kern="1200">
+        <a:solidFill>
+          <a:schemeClr val="tx1"/>
+        </a:solidFill>
+        <a:latin typeface="+mn-lt"/>
+        <a:ea typeface="+mn-ea"/>
+        <a:cs typeface="+mn-cs"/>
+      </a:defRPr>
+    </a:lvl9pPr>
+  </p:notesStyle>
+</p:notesMaster>
+</file>
+
+<file path=ppt/notesSlides/notesSlide1.xml><?xml version="1.0" encoding="utf-8"?>
+<p:notes xmlns:a="http://schemas.openxmlformats.org/drawingml/2006/main" xmlns:r="http://schemas.openxmlformats.org/officeDocument/2006/relationships" xmlns:p="http://schemas.openxmlformats.org/presentationml/2006/main">
+  <p:cSld>
+    <p:spTree>
+      <p:nvGrpSpPr>
+        <p:cNvPr id="1" name=""/>
+        <p:cNvGrpSpPr/>
+        <p:nvPr/>
+      </p:nvGrpSpPr>
+      <p:grpSpPr/>
+      <p:sp>
+        <p:nvSpPr>
+          <p:cNvPr id="2" name="Замещающий образ слайда 1"/>
+          <p:cNvSpPr/>
+          <p:nvPr>
+            <p:ph type="sldImg" idx="2"/>
+          </p:nvPr>
+        </p:nvSpPr>
+        <p:spPr/>
+      </p:sp>
+      <p:sp>
+        <p:nvSpPr>
+          <p:cNvPr id="3" name="Замещающий текст 2"/>
+          <p:cNvSpPr/>
+          <p:nvPr>
+            <p:ph type="body" idx="3"/>
+          </p:nvPr>
+        </p:nvSpPr>
+        <p:spPr/>
+        <p:txBody>
+          <a:bodyPr/>
+          <a:p>
+            <a:r>
+              <a:rPr lang="ru-RU" altLang="en-US"/>
+              <a:t>Всем привет. </a:t>
+            </a:r>
+            <a:endParaRPr lang="ru-RU" altLang="en-US"/>
+          </a:p>
+          <a:p>
+            <a:r>
+              <a:rPr lang="ru-RU" altLang="en-US"/>
+              <a:t>Тема моей дипломной работы - «Разработка защищенного видео чата на основе стандарта WebRTC» </a:t>
+            </a:r>
+            <a:endParaRPr lang="ru-RU" altLang="en-US"/>
+          </a:p>
+        </p:txBody>
+      </p:sp>
+    </p:spTree>
+  </p:cSld>
+  <p:clrMapOvr>
+    <a:masterClrMapping/>
+  </p:clrMapOvr>
+</p:notes>
+</file>
+
+<file path=ppt/notesSlides/notesSlide10.xml><?xml version="1.0" encoding="utf-8"?>
+<p:notes xmlns:a="http://schemas.openxmlformats.org/drawingml/2006/main" xmlns:r="http://schemas.openxmlformats.org/officeDocument/2006/relationships" xmlns:p="http://schemas.openxmlformats.org/presentationml/2006/main">
+  <p:cSld>
+    <p:spTree>
+      <p:nvGrpSpPr>
+        <p:cNvPr id="1" name=""/>
+        <p:cNvGrpSpPr/>
+        <p:nvPr/>
+      </p:nvGrpSpPr>
+      <p:grpSpPr/>
+      <p:sp>
+        <p:nvSpPr>
+          <p:cNvPr id="2" name="Замещающий образ слайда 1"/>
+          <p:cNvSpPr/>
+          <p:nvPr>
+            <p:ph type="sldImg" idx="2"/>
+          </p:nvPr>
+        </p:nvSpPr>
+        <p:spPr/>
+      </p:sp>
+      <p:sp>
+        <p:nvSpPr>
+          <p:cNvPr id="3" name="Замещающий текст 2"/>
+          <p:cNvSpPr/>
+          <p:nvPr>
+            <p:ph type="body" idx="3"/>
+          </p:nvPr>
+        </p:nvSpPr>
+        <p:spPr/>
+        <p:txBody>
+          <a:bodyPr/>
+          <a:p>
+            <a:endParaRPr lang="ru-RU" altLang="en-US"/>
+          </a:p>
+        </p:txBody>
+      </p:sp>
+    </p:spTree>
+  </p:cSld>
+  <p:clrMapOvr>
+    <a:masterClrMapping/>
+  </p:clrMapOvr>
+</p:notes>
+</file>
+
+<file path=ppt/notesSlides/notesSlide11.xml><?xml version="1.0" encoding="utf-8"?>
+<p:notes xmlns:a="http://schemas.openxmlformats.org/drawingml/2006/main" xmlns:r="http://schemas.openxmlformats.org/officeDocument/2006/relationships" xmlns:p="http://schemas.openxmlformats.org/presentationml/2006/main">
+  <p:cSld>
+    <p:spTree>
+      <p:nvGrpSpPr>
+        <p:cNvPr id="1" name=""/>
+        <p:cNvGrpSpPr/>
+        <p:nvPr/>
+      </p:nvGrpSpPr>
+      <p:grpSpPr/>
+      <p:sp>
+        <p:nvSpPr>
+          <p:cNvPr id="2" name="Замещающий образ слайда 1"/>
+          <p:cNvSpPr/>
+          <p:nvPr>
+            <p:ph type="sldImg" idx="2"/>
+          </p:nvPr>
+        </p:nvSpPr>
+        <p:spPr/>
+      </p:sp>
+      <p:sp>
+        <p:nvSpPr>
+          <p:cNvPr id="3" name="Замещающий текст 2"/>
+          <p:cNvSpPr/>
+          <p:nvPr>
+            <p:ph type="body" idx="3"/>
+          </p:nvPr>
+        </p:nvSpPr>
+        <p:spPr/>
+        <p:txBody>
+          <a:bodyPr/>
+          <a:p>
+            <a:endParaRPr lang="ru-RU" altLang="en-US"/>
+          </a:p>
+        </p:txBody>
+      </p:sp>
+    </p:spTree>
+  </p:cSld>
+  <p:clrMapOvr>
+    <a:masterClrMapping/>
+  </p:clrMapOvr>
+</p:notes>
+</file>
+
+<file path=ppt/notesSlides/notesSlide12.xml><?xml version="1.0" encoding="utf-8"?>
+<p:notes xmlns:a="http://schemas.openxmlformats.org/drawingml/2006/main" xmlns:r="http://schemas.openxmlformats.org/officeDocument/2006/relationships" xmlns:p="http://schemas.openxmlformats.org/presentationml/2006/main">
+  <p:cSld>
+    <p:spTree>
+      <p:nvGrpSpPr>
+        <p:cNvPr id="1" name=""/>
+        <p:cNvGrpSpPr/>
+        <p:nvPr/>
+      </p:nvGrpSpPr>
+      <p:grpSpPr/>
+      <p:sp>
+        <p:nvSpPr>
+          <p:cNvPr id="2" name="Замещающий образ слайда 1"/>
+          <p:cNvSpPr/>
+          <p:nvPr>
+            <p:ph type="sldImg" idx="2"/>
+          </p:nvPr>
+        </p:nvSpPr>
+        <p:spPr/>
+      </p:sp>
+      <p:sp>
+        <p:nvSpPr>
+          <p:cNvPr id="3" name="Замещающий текст 2"/>
+          <p:cNvSpPr/>
+          <p:nvPr>
+            <p:ph type="body" idx="3"/>
+          </p:nvPr>
+        </p:nvSpPr>
+        <p:spPr/>
+        <p:txBody>
+          <a:bodyPr/>
+          <a:p>
+            <a:endParaRPr lang="ru-RU" altLang="en-US"/>
+          </a:p>
+        </p:txBody>
+      </p:sp>
+    </p:spTree>
+  </p:cSld>
+  <p:clrMapOvr>
+    <a:masterClrMapping/>
+  </p:clrMapOvr>
+</p:notes>
+</file>
+
+<file path=ppt/notesSlides/notesSlide13.xml><?xml version="1.0" encoding="utf-8"?>
+<p:notes xmlns:a="http://schemas.openxmlformats.org/drawingml/2006/main" xmlns:r="http://schemas.openxmlformats.org/officeDocument/2006/relationships" xmlns:p="http://schemas.openxmlformats.org/presentationml/2006/main">
+  <p:cSld>
+    <p:spTree>
+      <p:nvGrpSpPr>
+        <p:cNvPr id="1" name=""/>
+        <p:cNvGrpSpPr/>
+        <p:nvPr/>
+      </p:nvGrpSpPr>
+      <p:grpSpPr/>
+      <p:sp>
+        <p:nvSpPr>
+          <p:cNvPr id="2" name="Замещающий образ слайда 1"/>
+          <p:cNvSpPr/>
+          <p:nvPr>
+            <p:ph type="sldImg" idx="2"/>
+          </p:nvPr>
+        </p:nvSpPr>
+        <p:spPr/>
+      </p:sp>
+      <p:sp>
+        <p:nvSpPr>
+          <p:cNvPr id="3" name="Замещающий текст 2"/>
+          <p:cNvSpPr/>
+          <p:nvPr>
+            <p:ph type="body" idx="3"/>
+          </p:nvPr>
+        </p:nvSpPr>
+        <p:spPr/>
+        <p:txBody>
+          <a:bodyPr/>
+          <a:p>
+            <a:endParaRPr lang="ru-RU" altLang="en-US"/>
+          </a:p>
+        </p:txBody>
+      </p:sp>
+    </p:spTree>
+  </p:cSld>
+  <p:clrMapOvr>
+    <a:masterClrMapping/>
+  </p:clrMapOvr>
+</p:notes>
+</file>
+
+<file path=ppt/notesSlides/notesSlide14.xml><?xml version="1.0" encoding="utf-8"?>
+<p:notes xmlns:a="http://schemas.openxmlformats.org/drawingml/2006/main" xmlns:r="http://schemas.openxmlformats.org/officeDocument/2006/relationships" xmlns:p="http://schemas.openxmlformats.org/presentationml/2006/main">
+  <p:cSld>
+    <p:spTree>
+      <p:nvGrpSpPr>
+        <p:cNvPr id="1" name=""/>
+        <p:cNvGrpSpPr/>
+        <p:nvPr/>
+      </p:nvGrpSpPr>
+      <p:grpSpPr/>
+      <p:sp>
+        <p:nvSpPr>
+          <p:cNvPr id="2" name="Замещающий образ слайда 1"/>
+          <p:cNvSpPr/>
+          <p:nvPr>
+            <p:ph type="sldImg" idx="2"/>
+          </p:nvPr>
+        </p:nvSpPr>
+        <p:spPr/>
+      </p:sp>
+      <p:sp>
+        <p:nvSpPr>
+          <p:cNvPr id="3" name="Замещающий текст 2"/>
+          <p:cNvSpPr/>
+          <p:nvPr>
+            <p:ph type="body" idx="3"/>
+          </p:nvPr>
+        </p:nvSpPr>
+        <p:spPr/>
+        <p:txBody>
+          <a:bodyPr/>
+          <a:p>
+            <a:endParaRPr lang="ru-RU" altLang="en-US"/>
+          </a:p>
+        </p:txBody>
+      </p:sp>
+    </p:spTree>
+  </p:cSld>
+  <p:clrMapOvr>
+    <a:masterClrMapping/>
+  </p:clrMapOvr>
+</p:notes>
+</file>
+
+<file path=ppt/notesSlides/notesSlide2.xml><?xml version="1.0" encoding="utf-8"?>
+<p:notes xmlns:a="http://schemas.openxmlformats.org/drawingml/2006/main" xmlns:r="http://schemas.openxmlformats.org/officeDocument/2006/relationships" xmlns:p="http://schemas.openxmlformats.org/presentationml/2006/main">
+  <p:cSld>
+    <p:spTree>
+      <p:nvGrpSpPr>
+        <p:cNvPr id="1" name=""/>
+        <p:cNvGrpSpPr/>
+        <p:nvPr/>
+      </p:nvGrpSpPr>
+      <p:grpSpPr/>
+      <p:sp>
+        <p:nvSpPr>
+          <p:cNvPr id="2" name="Замещающий образ слайда 1"/>
+          <p:cNvSpPr/>
+          <p:nvPr>
+            <p:ph type="sldImg" idx="2"/>
+          </p:nvPr>
+        </p:nvSpPr>
+        <p:spPr/>
+      </p:sp>
+      <p:sp>
+        <p:nvSpPr>
+          <p:cNvPr id="3" name="Замещающий текст 2"/>
+          <p:cNvSpPr/>
+          <p:nvPr>
+            <p:ph type="body" idx="3"/>
+          </p:nvPr>
+        </p:nvSpPr>
+        <p:spPr/>
+        <p:txBody>
+          <a:bodyPr/>
+          <a:p>
+            <a:r>
+              <a:rPr lang="" altLang="ru-RU"/>
+              <a:t>Целью данной работы является </a:t>
+            </a:r>
+            <a:r>
+              <a:rPr lang="" altLang="en-US">
+                <a:sym typeface="+mn-ea"/>
+              </a:rPr>
+              <a:t>с</a:t>
+            </a:r>
+            <a:r>
+              <a:rPr lang="en-US" altLang="ru-RU">
+                <a:sym typeface="+mn-ea"/>
+              </a:rPr>
+              <a:t>оздание </a:t>
+            </a:r>
+            <a:r>
+              <a:rPr lang="en-US" altLang="en-US">
+                <a:sym typeface="+mn-ea"/>
+              </a:rPr>
+              <a:t>видео чата </a:t>
+            </a:r>
+            <a:r>
+              <a:rPr lang="en-US" altLang="ru-RU">
+                <a:sym typeface="+mn-ea"/>
+              </a:rPr>
+              <a:t>на основ</a:t>
+            </a:r>
+            <a:r>
+              <a:rPr lang="en-US" altLang="en-US">
+                <a:sym typeface="+mn-ea"/>
+              </a:rPr>
+              <a:t>е</a:t>
+            </a:r>
+            <a:r>
+              <a:rPr lang="en-US" altLang="ru-RU">
+                <a:sym typeface="+mn-ea"/>
+              </a:rPr>
+              <a:t> </a:t>
+            </a:r>
+            <a:r>
+              <a:rPr lang="en-US" altLang="ru-RU">
+                <a:sym typeface="+mn-ea"/>
+              </a:rPr>
+              <a:t>webRTC стандарта </a:t>
+            </a:r>
+            <a:r>
+              <a:rPr lang="en-US" altLang="ru-RU">
+                <a:sym typeface="+mn-ea"/>
+              </a:rPr>
+              <a:t>для установления соединения  и обмена информацией между конечными пользователями.</a:t>
+            </a:r>
+            <a:endParaRPr lang="en-US" altLang="ru-RU"/>
+          </a:p>
+          <a:p>
+            <a:endParaRPr lang="" altLang="ru-RU"/>
+          </a:p>
+          <a:p>
+            <a:r>
+              <a:rPr lang="" altLang="ru-RU"/>
+              <a:t>Цель данной работы вытекает из того факта, что на сегодняя</a:t>
+            </a:r>
+            <a:endParaRPr lang="" altLang="ru-RU"/>
+          </a:p>
+        </p:txBody>
+      </p:sp>
+    </p:spTree>
+  </p:cSld>
+  <p:clrMapOvr>
+    <a:masterClrMapping/>
+  </p:clrMapOvr>
+</p:notes>
+</file>
+
+<file path=ppt/notesSlides/notesSlide3.xml><?xml version="1.0" encoding="utf-8"?>
+<p:notes xmlns:a="http://schemas.openxmlformats.org/drawingml/2006/main" xmlns:r="http://schemas.openxmlformats.org/officeDocument/2006/relationships" xmlns:p="http://schemas.openxmlformats.org/presentationml/2006/main">
+  <p:cSld>
+    <p:spTree>
+      <p:nvGrpSpPr>
+        <p:cNvPr id="1" name=""/>
+        <p:cNvGrpSpPr/>
+        <p:nvPr/>
+      </p:nvGrpSpPr>
+      <p:grpSpPr/>
+      <p:sp>
+        <p:nvSpPr>
+          <p:cNvPr id="2" name="Замещающий образ слайда 1"/>
+          <p:cNvSpPr/>
+          <p:nvPr>
+            <p:ph type="sldImg" idx="2"/>
+          </p:nvPr>
+        </p:nvSpPr>
+        <p:spPr/>
+      </p:sp>
+      <p:sp>
+        <p:nvSpPr>
+          <p:cNvPr id="3" name="Замещающий текст 2"/>
+          <p:cNvSpPr/>
+          <p:nvPr>
+            <p:ph type="body" idx="3"/>
+          </p:nvPr>
+        </p:nvSpPr>
+        <p:spPr/>
+        <p:txBody>
+          <a:bodyPr/>
+          <a:p>
+            <a:r>
+              <a:rPr lang="en-US" altLang="ru-RU"/>
+              <a:t>Целью данной работы является </a:t>
+            </a:r>
+            <a:r>
+              <a:rPr lang="en-US" altLang="en-US">
+                <a:sym typeface="+mn-ea"/>
+              </a:rPr>
+              <a:t>с</a:t>
+            </a:r>
+            <a:r>
+              <a:rPr lang="en-US" altLang="ru-RU">
+                <a:sym typeface="+mn-ea"/>
+              </a:rPr>
+              <a:t>оздание </a:t>
+            </a:r>
+            <a:r>
+              <a:rPr lang="en-US" altLang="en-US">
+                <a:sym typeface="+mn-ea"/>
+              </a:rPr>
+              <a:t>видео чата </a:t>
+            </a:r>
+            <a:r>
+              <a:rPr lang="en-US" altLang="ru-RU">
+                <a:sym typeface="+mn-ea"/>
+              </a:rPr>
+              <a:t>на основ</a:t>
+            </a:r>
+            <a:r>
+              <a:rPr lang="en-US" altLang="en-US">
+                <a:sym typeface="+mn-ea"/>
+              </a:rPr>
+              <a:t>е</a:t>
+            </a:r>
+            <a:r>
+              <a:rPr lang="en-US" altLang="ru-RU">
+                <a:sym typeface="+mn-ea"/>
+              </a:rPr>
+              <a:t> webRTC стандарта для установления соединения  и обмена информацией между конечными пользователями.</a:t>
+            </a:r>
+            <a:endParaRPr lang="en-US" altLang="ru-RU"/>
+          </a:p>
+          <a:p>
+            <a:endParaRPr lang="en-US" altLang="ru-RU"/>
+          </a:p>
+          <a:p>
+            <a:r>
+              <a:rPr lang="en-US" altLang="ru-RU"/>
+              <a:t>Цель данной работы вытекает из того факта, что на сегодняя</a:t>
+            </a:r>
+            <a:endParaRPr lang="en-US" altLang="ru-RU"/>
+          </a:p>
+        </p:txBody>
+      </p:sp>
+    </p:spTree>
+  </p:cSld>
+  <p:clrMapOvr>
+    <a:masterClrMapping/>
+  </p:clrMapOvr>
+</p:notes>
+</file>
+
+<file path=ppt/notesSlides/notesSlide4.xml><?xml version="1.0" encoding="utf-8"?>
+<p:notes xmlns:a="http://schemas.openxmlformats.org/drawingml/2006/main" xmlns:r="http://schemas.openxmlformats.org/officeDocument/2006/relationships" xmlns:p="http://schemas.openxmlformats.org/presentationml/2006/main">
+  <p:cSld>
+    <p:spTree>
+      <p:nvGrpSpPr>
+        <p:cNvPr id="1" name=""/>
+        <p:cNvGrpSpPr/>
+        <p:nvPr/>
+      </p:nvGrpSpPr>
+      <p:grpSpPr/>
+      <p:sp>
+        <p:nvSpPr>
+          <p:cNvPr id="2" name="Замещающий образ слайда 1"/>
+          <p:cNvSpPr/>
+          <p:nvPr>
+            <p:ph type="sldImg" idx="2"/>
+          </p:nvPr>
+        </p:nvSpPr>
+        <p:spPr/>
+      </p:sp>
+      <p:sp>
+        <p:nvSpPr>
+          <p:cNvPr id="3" name="Замещающий текст 2"/>
+          <p:cNvSpPr/>
+          <p:nvPr>
+            <p:ph type="body" idx="3"/>
+          </p:nvPr>
+        </p:nvSpPr>
+        <p:spPr/>
+        <p:txBody>
+          <a:bodyPr/>
+          <a:p>
+            <a:r>
+              <a:rPr lang="" altLang="ru-RU"/>
+              <a:t>Для того, чтобы понять область исследование следует разобраться с тем, что из себ представляет видеочат.</a:t>
+            </a:r>
+            <a:endParaRPr lang="" altLang="ru-RU"/>
+          </a:p>
+          <a:p>
+            <a:r>
+              <a:rPr lang="" altLang="ru-RU"/>
+              <a:t>Видео чат это </a:t>
+            </a:r>
+            <a:r>
+              <a:rPr lang="" altLang="en-US">
+                <a:sym typeface="+mn-ea"/>
+              </a:rPr>
+              <a:t>о</a:t>
+            </a:r>
+            <a:r>
+              <a:rPr lang="en-US">
+                <a:sym typeface="+mn-ea"/>
+              </a:rPr>
+              <a:t>нлайн-сервис, позволяющий пользователям Интернета общаться, в дополнение к текстовой переписке, в аудио и видео (посредством веб-камеры) режиме.</a:t>
+            </a:r>
+            <a:endParaRPr lang="en-US"/>
+          </a:p>
+          <a:p>
+            <a:endParaRPr lang="" altLang="ru-RU"/>
+          </a:p>
+          <a:p>
+            <a:endParaRPr lang="" altLang="ru-RU"/>
+          </a:p>
+        </p:txBody>
+      </p:sp>
+    </p:spTree>
+  </p:cSld>
+  <p:clrMapOvr>
+    <a:masterClrMapping/>
+  </p:clrMapOvr>
+</p:notes>
+</file>
+
+<file path=ppt/notesSlides/notesSlide5.xml><?xml version="1.0" encoding="utf-8"?>
+<p:notes xmlns:a="http://schemas.openxmlformats.org/drawingml/2006/main" xmlns:r="http://schemas.openxmlformats.org/officeDocument/2006/relationships" xmlns:p="http://schemas.openxmlformats.org/presentationml/2006/main">
+  <p:cSld>
+    <p:spTree>
+      <p:nvGrpSpPr>
+        <p:cNvPr id="1" name=""/>
+        <p:cNvGrpSpPr/>
+        <p:nvPr/>
+      </p:nvGrpSpPr>
+      <p:grpSpPr/>
+      <p:sp>
+        <p:nvSpPr>
+          <p:cNvPr id="2" name="Замещающий образ слайда 1"/>
+          <p:cNvSpPr/>
+          <p:nvPr>
+            <p:ph type="sldImg" idx="2"/>
+          </p:nvPr>
+        </p:nvSpPr>
+        <p:spPr/>
+      </p:sp>
+      <p:sp>
+        <p:nvSpPr>
+          <p:cNvPr id="3" name="Замещающий текст 2"/>
+          <p:cNvSpPr/>
+          <p:nvPr>
+            <p:ph type="body" idx="3"/>
+          </p:nvPr>
+        </p:nvSpPr>
+        <p:spPr/>
+        <p:txBody>
+          <a:bodyPr/>
+          <a:p>
+            <a:r>
+              <a:rPr lang="" altLang="ru-RU"/>
+              <a:t>На данный момент одним из популярных решений создания видео чатов является adobe flash player/</a:t>
+            </a:r>
+            <a:endParaRPr lang="" altLang="ru-RU"/>
+          </a:p>
+          <a:p>
+            <a:endParaRPr lang="" altLang="ru-RU"/>
+          </a:p>
+          <a:p>
+            <a:r>
+              <a:rPr lang="" altLang="ru-RU"/>
+              <a:t>Основным недостатком flash-приложений является чрезмерная нагрузка на центральный процессор, Это связано с неэффективностью виртуальной машины Flash Player. Но стоит отметить, что в иногда имеет место тот факт, что flash-приложения недостаточно оптимизированы их разработчиками из-за использования «генераторов» flash-приложений.</a:t>
+            </a:r>
+            <a:endParaRPr lang="" altLang="ru-RU"/>
+          </a:p>
+          <a:p>
+            <a:endParaRPr lang="" altLang="ru-RU"/>
+          </a:p>
+          <a:p>
+            <a:r>
+              <a:rPr lang="" altLang="ru-RU"/>
+              <a:t>Так же к недостаткам можно причислить</a:t>
+            </a:r>
+            <a:endParaRPr lang="" altLang="ru-RU"/>
+          </a:p>
+          <a:p>
+            <a:r>
+              <a:rPr lang="" altLang="ru-RU"/>
+              <a:t>1) Задержка трафика из-за использования протокола RTMP;</a:t>
+            </a:r>
+            <a:endParaRPr lang="" altLang="ru-RU"/>
+          </a:p>
+          <a:p>
+            <a:r>
+              <a:rPr lang="" altLang="ru-RU"/>
+              <a:t>2) Обязательно наличие промежуточного сервера;</a:t>
+            </a:r>
+            <a:endParaRPr lang="" altLang="ru-RU"/>
+          </a:p>
+          <a:p>
+            <a:r>
+              <a:rPr lang="" altLang="ru-RU"/>
+              <a:t>3) Закрытые средства разработки и проигрывания.</a:t>
+            </a:r>
+            <a:endParaRPr lang="" altLang="ru-RU"/>
+          </a:p>
+        </p:txBody>
+      </p:sp>
+    </p:spTree>
+  </p:cSld>
+  <p:clrMapOvr>
+    <a:masterClrMapping/>
+  </p:clrMapOvr>
+</p:notes>
+</file>
+
+<file path=ppt/notesSlides/notesSlide6.xml><?xml version="1.0" encoding="utf-8"?>
+<p:notes xmlns:a="http://schemas.openxmlformats.org/drawingml/2006/main" xmlns:r="http://schemas.openxmlformats.org/officeDocument/2006/relationships" xmlns:p="http://schemas.openxmlformats.org/presentationml/2006/main">
+  <p:cSld>
+    <p:spTree>
+      <p:nvGrpSpPr>
+        <p:cNvPr id="1" name=""/>
+        <p:cNvGrpSpPr/>
+        <p:nvPr/>
+      </p:nvGrpSpPr>
+      <p:grpSpPr/>
+      <p:sp>
+        <p:nvSpPr>
+          <p:cNvPr id="2" name="Замещающий образ слайда 1"/>
+          <p:cNvSpPr/>
+          <p:nvPr>
+            <p:ph type="sldImg" idx="2"/>
+          </p:nvPr>
+        </p:nvSpPr>
+        <p:spPr/>
+      </p:sp>
+      <p:sp>
+        <p:nvSpPr>
+          <p:cNvPr id="3" name="Замещающий текст 2"/>
+          <p:cNvSpPr/>
+          <p:nvPr>
+            <p:ph type="body" idx="3"/>
+          </p:nvPr>
+        </p:nvSpPr>
+        <p:spPr/>
+        <p:txBody>
+          <a:bodyPr/>
+          <a:p>
+            <a:r>
+              <a:rPr lang="en-US" altLang="ru-RU"/>
+              <a:t>В реализациях Adobe Flash время от времени находят </a:t>
+            </a:r>
+            <a:r>
+              <a:rPr lang="" altLang="en-US"/>
+              <a:t>уязвимости</a:t>
+            </a:r>
+            <a:r>
+              <a:rPr lang="en-US" altLang="ru-RU"/>
+              <a:t>, позволяющие злоумышленникам производить разнообразные действия с системой. </a:t>
+            </a:r>
+            <a:endParaRPr lang="en-US" altLang="ru-RU"/>
+          </a:p>
+          <a:p>
+            <a:endParaRPr lang="en-US" altLang="ru-RU"/>
+          </a:p>
+          <a:p>
+            <a:r>
+              <a:rPr lang="" altLang="en-US"/>
+              <a:t>В</a:t>
+            </a:r>
+            <a:r>
+              <a:rPr lang="en-US" altLang="ru-RU"/>
+              <a:t> </a:t>
+            </a:r>
+            <a:r>
+              <a:rPr lang="" altLang="en-US"/>
+              <a:t>ноябре </a:t>
+            </a:r>
+            <a:r>
+              <a:rPr lang="en-US" altLang="ru-RU"/>
+              <a:t>20</a:t>
+            </a:r>
+            <a:r>
+              <a:rPr lang="" altLang="en-US"/>
+              <a:t>16</a:t>
+            </a:r>
+            <a:r>
+              <a:rPr lang="en-US" altLang="ru-RU"/>
+              <a:t> года была найдена уязвимость, позволяющая удалённо управлять веб-камерой и микрофоном.</a:t>
+            </a:r>
+            <a:endParaRPr lang="en-US" altLang="ru-RU"/>
+          </a:p>
+          <a:p>
+            <a:endParaRPr lang="en-US" altLang="ru-RU"/>
+          </a:p>
+          <a:p>
+            <a:r>
+              <a:rPr lang="en-US" altLang="ru-RU"/>
+              <a:t>В октябре 2015 года в плагине Adobe Flash Player была найдена уязвимость, с помощью которой вредоносное программное обеспечение способно встраиваться в протоколы проигрывателя и проникать на компьютеры жертв. </a:t>
+            </a:r>
+            <a:endParaRPr lang="en-US" altLang="ru-RU"/>
+          </a:p>
+          <a:p>
+            <a:endParaRPr lang="en-US" altLang="ru-RU"/>
+          </a:p>
+        </p:txBody>
+      </p:sp>
+    </p:spTree>
+  </p:cSld>
+  <p:clrMapOvr>
+    <a:masterClrMapping/>
+  </p:clrMapOvr>
+</p:notes>
+</file>
+
+<file path=ppt/notesSlides/notesSlide7.xml><?xml version="1.0" encoding="utf-8"?>
+<p:notes xmlns:a="http://schemas.openxmlformats.org/drawingml/2006/main" xmlns:r="http://schemas.openxmlformats.org/officeDocument/2006/relationships" xmlns:p="http://schemas.openxmlformats.org/presentationml/2006/main">
+  <p:cSld>
+    <p:spTree>
+      <p:nvGrpSpPr>
+        <p:cNvPr id="1" name=""/>
+        <p:cNvGrpSpPr/>
+        <p:nvPr/>
+      </p:nvGrpSpPr>
+      <p:grpSpPr/>
+      <p:sp>
+        <p:nvSpPr>
+          <p:cNvPr id="2" name="Замещающий образ слайда 1"/>
+          <p:cNvSpPr/>
+          <p:nvPr>
+            <p:ph type="sldImg" idx="2"/>
+          </p:nvPr>
+        </p:nvSpPr>
+        <p:spPr/>
+      </p:sp>
+      <p:sp>
+        <p:nvSpPr>
+          <p:cNvPr id="3" name="Замещающий текст 2"/>
+          <p:cNvSpPr/>
+          <p:nvPr>
+            <p:ph type="body" idx="3"/>
+          </p:nvPr>
+        </p:nvSpPr>
+        <p:spPr/>
+        <p:txBody>
+          <a:bodyPr/>
+          <a:p>
+            <a:r>
+              <a:rPr lang="" altLang="ru-RU"/>
+              <a:t>А теперь немного подробнее рассмотрим и остановимся на webrtc стандарте для передачи потоковых данных</a:t>
+            </a:r>
+            <a:endParaRPr lang="" altLang="ru-RU"/>
+          </a:p>
+          <a:p>
+            <a:endParaRPr lang="" altLang="ru-RU"/>
+          </a:p>
+          <a:p>
+            <a:r>
+              <a:rPr lang="ru-RU" altLang="en-US">
+                <a:sym typeface="+mn-ea"/>
+              </a:rPr>
+              <a:t>WebRTC - </a:t>
+            </a:r>
+            <a:r>
+              <a:rPr lang="en-US" altLang="ru-RU">
+                <a:sym typeface="+mn-ea"/>
+              </a:rPr>
+              <a:t>стандарт</a:t>
+            </a:r>
+            <a:r>
+              <a:rPr lang="ru-RU" altLang="en-US">
+                <a:sym typeface="+mn-ea"/>
+              </a:rPr>
+              <a:t>, </a:t>
+            </a:r>
+            <a:r>
+              <a:rPr lang="en-US" altLang="ru-RU">
+                <a:sym typeface="+mn-ea"/>
+              </a:rPr>
+              <a:t>позволяющий</a:t>
+            </a:r>
+            <a:r>
+              <a:rPr lang="ru-RU" altLang="en-US">
+                <a:sym typeface="+mn-ea"/>
+              </a:rPr>
+              <a:t>  построить соединение в режиме узел-узел</a:t>
+            </a:r>
+            <a:r>
+              <a:rPr lang="en-US" altLang="ru-RU">
+                <a:sym typeface="+mn-ea"/>
+              </a:rPr>
+              <a:t>, </a:t>
+            </a:r>
+            <a:r>
+              <a:rPr lang="ru-RU" altLang="en-US">
+                <a:sym typeface="+mn-ea"/>
+              </a:rPr>
+              <a:t>захватывать и вещать аудио и видео медиа-потоки, а также передавать между браузерами произвольные данные, без обязательного использования посредников. </a:t>
+            </a:r>
+            <a:endParaRPr lang="ru-RU" altLang="en-US"/>
+          </a:p>
+          <a:p>
+            <a:endParaRPr lang="" altLang="ru-RU"/>
+          </a:p>
+          <a:p>
+            <a:r>
+              <a:rPr lang="" altLang="ru-RU"/>
+              <a:t>Webrtc использует уже SRTP (Secure Real-time Transport Protocol) протокол передачи данных, который предназначен для шифрования, установления подлинности сообщения, целостности,</a:t>
+            </a:r>
+            <a:endParaRPr lang="" altLang="ru-RU"/>
+          </a:p>
+        </p:txBody>
+      </p:sp>
+    </p:spTree>
+  </p:cSld>
+  <p:clrMapOvr>
+    <a:masterClrMapping/>
+  </p:clrMapOvr>
+</p:notes>
+</file>
+
+<file path=ppt/notesSlides/notesSlide8.xml><?xml version="1.0" encoding="utf-8"?>
+<p:notes xmlns:a="http://schemas.openxmlformats.org/drawingml/2006/main" xmlns:r="http://schemas.openxmlformats.org/officeDocument/2006/relationships" xmlns:p="http://schemas.openxmlformats.org/presentationml/2006/main">
+  <p:cSld>
+    <p:spTree>
+      <p:nvGrpSpPr>
+        <p:cNvPr id="1" name=""/>
+        <p:cNvGrpSpPr/>
+        <p:nvPr/>
+      </p:nvGrpSpPr>
+      <p:grpSpPr/>
+      <p:sp>
+        <p:nvSpPr>
+          <p:cNvPr id="2" name="Замещающий образ слайда 1"/>
+          <p:cNvSpPr/>
+          <p:nvPr>
+            <p:ph type="sldImg" idx="2"/>
+          </p:nvPr>
+        </p:nvSpPr>
+        <p:spPr/>
+      </p:sp>
+      <p:sp>
+        <p:nvSpPr>
+          <p:cNvPr id="3" name="Замещающий текст 2"/>
+          <p:cNvSpPr/>
+          <p:nvPr>
+            <p:ph type="body" idx="3"/>
+          </p:nvPr>
+        </p:nvSpPr>
+        <p:spPr/>
+        <p:txBody>
+          <a:bodyPr/>
+          <a:p>
+            <a:r>
+              <a:rPr lang="ru-RU" altLang="en-US"/>
+              <a:t>Первый клиент желает совершить звонок второму клиенту. WebRTC дает всю необходимую информацию, чтобы себя обозначить. Но остается открытым вопрос, как одному браузеру найти другой, как эту метаинформацию переслать, как проинициализировать вызов. </a:t>
+            </a:r>
+            <a:endParaRPr lang="ru-RU" altLang="en-US"/>
+          </a:p>
+          <a:p>
+            <a:endParaRPr lang="ru-RU" altLang="en-US"/>
+          </a:p>
+          <a:p>
+            <a:r>
+              <a:rPr lang="ru-RU" altLang="en-US"/>
+              <a:t>Первый клиент формирует метаинформацию, и с помощью веб-сокетов или HTTP пересылает ее на сигнальный сервер. </a:t>
+            </a:r>
+            <a:endParaRPr lang="ru-RU" altLang="en-US"/>
+          </a:p>
+          <a:p>
+            <a:endParaRPr lang="ru-RU" altLang="en-US"/>
+          </a:p>
+          <a:p>
+            <a:r>
+              <a:rPr lang="ru-RU" altLang="en-US"/>
+              <a:t>Второй клиент берет ее, использует, устанавливает себе, формирует ответ, и с помощью сигнального механизма пересылает ее на сигнальный сервер, тот в свою очередь ретранслирует ее первому клиенту. Таким образом оба клиента в данный момент обладают всей необходимой датой и метаинформацией,  </a:t>
+            </a:r>
+            <a:endParaRPr lang="ru-RU" altLang="en-US"/>
+          </a:p>
+          <a:p>
+            <a:endParaRPr lang="ru-RU" altLang="en-US"/>
+          </a:p>
+          <a:p>
+            <a:r>
+              <a:rPr lang="ru-RU" altLang="en-US"/>
+              <a:t>STUN — это клиент-серверный протокол. Клиент может включать в себя реализацию клиента STUN, который отправляет запрос серверу STUN. Затем сервер STUN отправляет клиенту обратно информацию о том, каков внешний адрес маршрутизатора NAT, и какой порт открыт на NAT для приема входящих запросов обратно во внутреннюю сеть.</a:t>
+            </a:r>
+            <a:endParaRPr lang="ru-RU" altLang="en-US"/>
+          </a:p>
+          <a:p>
+            <a:endParaRPr lang="ru-RU" altLang="en-US"/>
+          </a:p>
+          <a:p>
+            <a:r>
+              <a:rPr lang="ru-RU" altLang="en-US"/>
+              <a:t>Таким образом, в процессе установки P2P соединения, каждый из клиентов должен сделать по запросу к этому STUN-серверу, чтобы узнать свой IP-адрес</a:t>
+            </a:r>
+            <a:endParaRPr lang="ru-RU" altLang="en-US"/>
+          </a:p>
+        </p:txBody>
+      </p:sp>
+    </p:spTree>
+  </p:cSld>
+  <p:clrMapOvr>
+    <a:masterClrMapping/>
+  </p:clrMapOvr>
+</p:notes>
+</file>
+
+<file path=ppt/notesSlides/notesSlide9.xml><?xml version="1.0" encoding="utf-8"?>
+<p:notes xmlns:a="http://schemas.openxmlformats.org/drawingml/2006/main" xmlns:r="http://schemas.openxmlformats.org/officeDocument/2006/relationships" xmlns:p="http://schemas.openxmlformats.org/presentationml/2006/main">
+  <p:cSld>
+    <p:spTree>
+      <p:nvGrpSpPr>
+        <p:cNvPr id="1" name=""/>
+        <p:cNvGrpSpPr/>
+        <p:nvPr/>
+      </p:nvGrpSpPr>
+      <p:grpSpPr/>
+      <p:sp>
+        <p:nvSpPr>
+          <p:cNvPr id="2" name="Замещающий образ слайда 1"/>
+          <p:cNvSpPr/>
+          <p:nvPr>
+            <p:ph type="sldImg" idx="2"/>
+          </p:nvPr>
+        </p:nvSpPr>
+        <p:spPr/>
+      </p:sp>
+      <p:sp>
+        <p:nvSpPr>
+          <p:cNvPr id="3" name="Замещающий текст 2"/>
+          <p:cNvSpPr/>
+          <p:nvPr>
+            <p:ph type="body" idx="3"/>
+          </p:nvPr>
+        </p:nvSpPr>
+        <p:spPr/>
+        <p:txBody>
+          <a:bodyPr/>
+          <a:p>
+            <a:endParaRPr lang="ru-RU" altLang="en-US"/>
+          </a:p>
+        </p:txBody>
+      </p:sp>
+    </p:spTree>
+  </p:cSld>
+  <p:clrMapOvr>
+    <a:masterClrMapping/>
+  </p:clrMapOvr>
+</p:notes>
 </file>
 
 <file path=ppt/slideLayouts/slideLayout1.xml><?xml version="1.0" encoding="utf-8"?>
@@ -2947,20 +4271,28 @@
         </p:nvSpPr>
         <p:spPr>
           <a:xfrm>
-            <a:off x="1524000" y="1582738"/>
-            <a:ext cx="9144000" cy="2387600"/>
+            <a:off x="731520" y="2613660"/>
+            <a:ext cx="11268710" cy="1630680"/>
           </a:xfrm>
         </p:spPr>
         <p:txBody>
           <a:bodyPr>
-            <a:normAutofit fontScale="90000"/>
+            <a:normAutofit/>
           </a:bodyPr>
           <a:p>
             <a:r>
-              <a:rPr lang="en-US" altLang="ru-RU"/>
-              <a:t>Разработка защищенного видеочата на основе стандарта WebRTC</a:t>
-            </a:r>
-            <a:endParaRPr lang="en-US" altLang="ru-RU"/>
+              <a:rPr lang="en-US" altLang="ru-RU" sz="5000"/>
+              <a:t>Разработка защищенного видеочата на основе стандарта </a:t>
+            </a:r>
+            <a:r>
+              <a:rPr lang="" altLang="en-US" sz="5000"/>
+              <a:t>w</a:t>
+            </a:r>
+            <a:r>
+              <a:rPr lang="en-US" altLang="ru-RU" sz="5000"/>
+              <a:t>ebRTC</a:t>
+            </a:r>
+            <a:endParaRPr lang="en-US" altLang="ru-RU" sz="5000"/>
           </a:p>
         </p:txBody>
       </p:sp>
@@ -3066,6 +4398,94 @@
           </a:p>
         </p:txBody>
       </p:sp>
+      <p:sp>
+        <p:nvSpPr>
+          <p:cNvPr id="5" name="TextBox 3"/>
+          <p:cNvSpPr txBox="1"/>
+          <p:nvPr/>
+        </p:nvSpPr>
+        <p:spPr>
+          <a:xfrm>
+            <a:off x="30760" y="390238"/>
+            <a:ext cx="12130480" cy="1569660"/>
+          </a:xfrm>
+          <a:prstGeom prst="rect">
+            <a:avLst/>
+          </a:prstGeom>
+          <a:noFill/>
+        </p:spPr>
+        <p:txBody>
+          <a:bodyPr wrap="square" rtlCol="0">
+            <a:spAutoFit/>
+          </a:bodyPr>
+          <a:p>
+            <a:pPr algn="ctr"/>
+            <a:endParaRPr lang="ru-RU" dirty="0"/>
+          </a:p>
+          <a:p>
+            <a:pPr algn="ctr"/>
+            <a:endParaRPr lang="ru-RU" dirty="0"/>
+          </a:p>
+          <a:p>
+            <a:pPr algn="ctr"/>
+            <a:endParaRPr lang="ru-RU" dirty="0"/>
+          </a:p>
+          <a:p>
+            <a:pPr algn="ctr"/>
+            <a:r>
+              <a:rPr lang="ru-RU" sz="1400" dirty="0"/>
+              <a:t>МИНИСТЕРСТВО НАУКИ И ВЫСШЕГО ОБРАЗОВАНИЯ РОССИЙСКОЙ ФЕДЕРАЦИИ</a:t>
+            </a:r>
+            <a:endParaRPr lang="ru-RU" sz="1400" dirty="0"/>
+          </a:p>
+          <a:p>
+            <a:pPr algn="ctr"/>
+            <a:r>
+              <a:rPr lang="ru-RU" sz="1400" dirty="0"/>
+              <a:t>ФЕДЕРАЛЬНОЕ ГОСУДАРСТВЕННОЕ БЮДЖЕТНОЕ ОБРАЗОВАТЕЛЬНОЕ УЧРЕЖДЕНИЕ </a:t>
+            </a:r>
+            <a:endParaRPr lang="ru-RU" sz="1400" dirty="0"/>
+          </a:p>
+          <a:p>
+            <a:pPr algn="ctr"/>
+            <a:r>
+              <a:rPr lang="ru-RU" sz="1400" dirty="0"/>
+              <a:t>ВЫСШЕГО ОБРАЗОВАНИЯ «ДОНСКОЙ ГОСУДАРСТВЕННЫЙ ТЕХНИЧЕСКИЙ УНИВЕРСИТЕТ» (ДГТУ)</a:t>
+            </a:r>
+            <a:endParaRPr lang="ru-RU" sz="1400" dirty="0"/>
+          </a:p>
+        </p:txBody>
+      </p:sp>
+      <p:pic>
+        <p:nvPicPr>
+          <p:cNvPr id="6" name="Рисунок 4"/>
+          <p:cNvPicPr/>
+          <p:nvPr/>
+        </p:nvPicPr>
+        <p:blipFill>
+          <a:blip r:embed="rId1" cstate="print"/>
+          <a:srcRect/>
+          <a:stretch>
+            <a:fillRect/>
+          </a:stretch>
+        </p:blipFill>
+        <p:spPr bwMode="auto">
+          <a:xfrm>
+            <a:off x="5618637" y="194023"/>
+            <a:ext cx="954505" cy="839655"/>
+          </a:xfrm>
+          <a:prstGeom prst="rect">
+            <a:avLst/>
+          </a:prstGeom>
+          <a:noFill/>
+          <a:ln w="9525">
+            <a:noFill/>
+            <a:miter lim="800000"/>
+            <a:headEnd/>
+            <a:tailEnd/>
+          </a:ln>
+        </p:spPr>
+      </p:pic>
     </p:spTree>
   </p:cSld>
   <p:clrMapOvr>
@@ -3094,108 +4514,20 @@
             <p:ph type="title"/>
           </p:nvPr>
         </p:nvSpPr>
-        <p:spPr/>
+        <p:spPr>
+          <a:xfrm>
+            <a:off x="838200" y="2766060"/>
+            <a:ext cx="10515600" cy="1325563"/>
+          </a:xfrm>
+        </p:spPr>
         <p:txBody>
           <a:bodyPr/>
           <a:p>
             <a:r>
-              <a:rPr lang="en-US" altLang="en-US"/>
-              <a:t>Безопасность	</a:t>
-            </a:r>
-            <a:endParaRPr lang="en-US" altLang="en-US"/>
-          </a:p>
-        </p:txBody>
-      </p:sp>
-      <p:sp>
-        <p:nvSpPr>
-          <p:cNvPr id="3" name="Замещающее содержимое 2"/>
-          <p:cNvSpPr/>
-          <p:nvPr>
-            <p:ph idx="1"/>
-          </p:nvPr>
-        </p:nvSpPr>
-        <p:spPr/>
-        <p:txBody>
-          <a:bodyPr/>
-          <a:p>
-            <a:pPr>
-              <a:lnSpc>
-                <a:spcPct val="150000"/>
-              </a:lnSpc>
-            </a:pPr>
-            <a:r>
-              <a:rPr lang="en-US" altLang="ru-RU">
-                <a:solidFill>
-                  <a:schemeClr val="tx1"/>
-                </a:solidFill>
-              </a:rPr>
-              <a:t>Работает только по HTTPS</a:t>
-            </a:r>
-            <a:endParaRPr lang="en-US" altLang="ru-RU">
-              <a:solidFill>
-                <a:schemeClr val="tx1"/>
-              </a:solidFill>
-            </a:endParaRPr>
-          </a:p>
-          <a:p>
-            <a:pPr>
-              <a:lnSpc>
-                <a:spcPct val="150000"/>
-              </a:lnSpc>
-            </a:pPr>
-            <a:r>
-              <a:rPr lang="en-US" altLang="ru-RU">
-                <a:solidFill>
-                  <a:schemeClr val="tx1"/>
-                </a:solidFill>
-              </a:rPr>
-              <a:t>Медиа потоки шифруются (DTLS и SRTP)</a:t>
-            </a:r>
-            <a:endParaRPr lang="en-US" altLang="ru-RU">
-              <a:solidFill>
-                <a:schemeClr val="tx1"/>
-              </a:solidFill>
-            </a:endParaRPr>
-          </a:p>
-          <a:p>
-            <a:pPr>
-              <a:lnSpc>
-                <a:spcPct val="150000"/>
-              </a:lnSpc>
-            </a:pPr>
-            <a:r>
-              <a:rPr lang="en-US" altLang="ru-RU">
-                <a:solidFill>
-                  <a:schemeClr val="tx1"/>
-                </a:solidFill>
-              </a:rPr>
-              <a:t>Технология не требует установки плагинов</a:t>
-            </a:r>
-            <a:endParaRPr lang="en-US" altLang="ru-RU">
-              <a:solidFill>
-                <a:schemeClr val="tx1"/>
-              </a:solidFill>
-            </a:endParaRPr>
-          </a:p>
-          <a:p>
-            <a:pPr>
-              <a:lnSpc>
-                <a:spcPct val="150000"/>
-              </a:lnSpc>
-            </a:pPr>
-            <a:r>
-              <a:rPr lang="en-US" altLang="ru-RU">
-                <a:solidFill>
-                  <a:schemeClr val="tx1"/>
-                </a:solidFill>
-              </a:rPr>
-              <a:t>Не получится сделать шпионское приложение</a:t>
-            </a:r>
-            <a:endParaRPr lang="en-US" altLang="ru-RU">
-              <a:solidFill>
-                <a:schemeClr val="tx1"/>
-              </a:solidFill>
-            </a:endParaRPr>
+              <a:rPr lang="" altLang="en-US"/>
+              <a:t>Реализация видео чата</a:t>
+            </a:r>
+            <a:endParaRPr lang="" altLang="en-US"/>
           </a:p>
         </p:txBody>
       </p:sp>
@@ -3229,81 +4561,42 @@
         </p:nvSpPr>
         <p:spPr/>
         <p:txBody>
-          <a:bodyPr>
-            <a:normAutofit/>
-          </a:bodyPr>
-          <a:p>
-            <a:r>
-              <a:rPr lang="en-US" altLang="ru-RU">
-                <a:sym typeface="+mn-ea"/>
-              </a:rPr>
-              <a:t>Стек технологий</a:t>
-            </a:r>
-            <a:endParaRPr lang="en-US" altLang="en-US">
-              <a:sym typeface="+mn-ea"/>
-            </a:endParaRPr>
-          </a:p>
-        </p:txBody>
-      </p:sp>
-      <p:sp>
-        <p:nvSpPr>
-          <p:cNvPr id="7" name="Замещающее содержимое 6"/>
-          <p:cNvSpPr/>
+          <a:bodyPr/>
+          <a:p>
+            <a:r>
+              <a:rPr lang="en-US" altLang="en-US"/>
+              <a:t>Интерфейс приложения</a:t>
+            </a:r>
+            <a:endParaRPr lang="en-US" altLang="en-US"/>
+          </a:p>
+        </p:txBody>
+      </p:sp>
+      <p:pic>
+        <p:nvPicPr>
+          <p:cNvPr id="6" name="Замещающее содержимое 5"/>
+          <p:cNvPicPr>
+            <a:picLocks noChangeAspect="1"/>
+          </p:cNvPicPr>
           <p:nvPr>
             <p:ph idx="1"/>
           </p:nvPr>
-        </p:nvSpPr>
-        <p:spPr/>
-        <p:txBody>
-          <a:bodyPr/>
-          <a:p>
-            <a:pPr>
-              <a:lnSpc>
-                <a:spcPct val="150000"/>
-              </a:lnSpc>
-            </a:pPr>
-            <a:r>
-              <a:rPr lang="en-US" altLang="ru-RU"/>
-              <a:t>JavaScript - язык программированния</a:t>
-            </a:r>
-            <a:endParaRPr lang="en-US" altLang="ru-RU"/>
-          </a:p>
-          <a:p>
-            <a:pPr>
-              <a:lnSpc>
-                <a:spcPct val="150000"/>
-              </a:lnSpc>
-              <a:buFont typeface="Arial" panose="020B0604020202020204" pitchFamily="34" charset="0"/>
-              <a:buChar char="•"/>
-            </a:pPr>
-            <a:r>
-              <a:rPr lang="en-US" altLang="ru-RU"/>
-              <a:t>Vue.js - фреймворк для создания интерфейсов</a:t>
-            </a:r>
-            <a:endParaRPr lang="en-US" altLang="ru-RU"/>
-          </a:p>
-          <a:p>
-            <a:pPr>
-              <a:lnSpc>
-                <a:spcPct val="150000"/>
-              </a:lnSpc>
-              <a:buFont typeface="Arial" panose="020B0604020202020204" pitchFamily="34" charset="0"/>
-              <a:buChar char="•"/>
-            </a:pPr>
-            <a:r>
-              <a:rPr lang="en-US" altLang="ru-RU"/>
-              <a:t>Node.js </a:t>
-            </a:r>
-            <a:r>
-              <a:rPr lang="en-US" altLang="ru-RU">
-                <a:sym typeface="+mn-ea"/>
-              </a:rPr>
-              <a:t>- язык программированния</a:t>
-            </a:r>
-            <a:endParaRPr lang="en-US" altLang="ru-RU"/>
-          </a:p>
-        </p:txBody>
-      </p:sp>
+        </p:nvPicPr>
+        <p:blipFill>
+          <a:blip r:embed="rId1"/>
+          <a:stretch>
+            <a:fillRect/>
+          </a:stretch>
+        </p:blipFill>
+        <p:spPr>
+          <a:xfrm>
+            <a:off x="1198880" y="2051685"/>
+            <a:ext cx="10100310" cy="4021455"/>
+          </a:xfrm>
+          <a:prstGeom prst="rect">
+            <a:avLst/>
+          </a:prstGeom>
+        </p:spPr>
+      </p:pic>
     </p:spTree>
   </p:cSld>
   <p:clrMapOvr>
@@ -3313,6 +4606,856 @@
 </file>
 
 <file path=ppt/slides/slide12.xml><?xml version="1.0" encoding="utf-8"?>
+<p:sld xmlns:a="http://schemas.openxmlformats.org/drawingml/2006/main" xmlns:r="http://schemas.openxmlformats.org/officeDocument/2006/relationships" xmlns:p="http://schemas.openxmlformats.org/presentationml/2006/main">
+  <p:cSld>
+    <p:spTree>
+      <p:nvGrpSpPr>
+        <p:cNvPr id="1" name=""/>
+        <p:cNvGrpSpPr/>
+        <p:nvPr/>
+      </p:nvGrpSpPr>
+      <p:grpSpPr/>
+      <p:sp>
+        <p:nvSpPr>
+          <p:cNvPr id="2" name="Заголовок 1"/>
+          <p:cNvSpPr>
+            <a:spLocks noGrp="1"/>
+          </p:cNvSpPr>
+          <p:nvPr>
+            <p:ph type="title"/>
+          </p:nvPr>
+        </p:nvSpPr>
+        <p:spPr/>
+        <p:txBody>
+          <a:bodyPr/>
+          <a:p>
+            <a:r>
+              <a:rPr lang="" altLang="en-US"/>
+              <a:t>Демонстрация работы программы</a:t>
+            </a:r>
+            <a:endParaRPr lang="" altLang="en-US"/>
+          </a:p>
+        </p:txBody>
+      </p:sp>
+      <p:pic>
+        <p:nvPicPr>
+          <p:cNvPr id="4" name="Изображение 3"/>
+          <p:cNvPicPr>
+            <a:picLocks noChangeAspect="1"/>
+          </p:cNvPicPr>
+          <p:nvPr>
+            <p:ph idx="1"/>
+          </p:nvPr>
+        </p:nvPicPr>
+        <p:blipFill>
+          <a:blip r:embed="rId1"/>
+          <a:stretch>
+            <a:fillRect/>
+          </a:stretch>
+        </p:blipFill>
+        <p:spPr>
+          <a:xfrm>
+            <a:off x="3339465" y="2032635"/>
+            <a:ext cx="4958080" cy="4351655"/>
+          </a:xfrm>
+          <a:prstGeom prst="rect">
+            <a:avLst/>
+          </a:prstGeom>
+          <a:noFill/>
+          <a:ln>
+            <a:noFill/>
+          </a:ln>
+        </p:spPr>
+      </p:pic>
+      <p:pic>
+        <p:nvPicPr>
+          <p:cNvPr id="6" name="Изображение 5"/>
+          <p:cNvPicPr>
+            <a:picLocks noChangeAspect="1"/>
+          </p:cNvPicPr>
+          <p:nvPr/>
+        </p:nvPicPr>
+        <p:blipFill>
+          <a:blip r:embed="rId2"/>
+          <a:stretch>
+            <a:fillRect/>
+          </a:stretch>
+        </p:blipFill>
+        <p:spPr>
+          <a:xfrm>
+            <a:off x="1898650" y="1691005"/>
+            <a:ext cx="8394700" cy="4650105"/>
+          </a:xfrm>
+          <a:prstGeom prst="rect">
+            <a:avLst/>
+          </a:prstGeom>
+        </p:spPr>
+      </p:pic>
+    </p:spTree>
+  </p:cSld>
+  <p:clrMapOvr>
+    <a:masterClrMapping/>
+  </p:clrMapOvr>
+</p:sld>
+</file>
+
+<file path=ppt/slides/slide13.xml><?xml version="1.0" encoding="utf-8"?>
+<p:sld xmlns:a="http://schemas.openxmlformats.org/drawingml/2006/main" xmlns:r="http://schemas.openxmlformats.org/officeDocument/2006/relationships" xmlns:p="http://schemas.openxmlformats.org/presentationml/2006/main">
+  <p:cSld>
+    <p:spTree>
+      <p:nvGrpSpPr>
+        <p:cNvPr id="1" name=""/>
+        <p:cNvGrpSpPr/>
+        <p:nvPr/>
+      </p:nvGrpSpPr>
+      <p:grpSpPr/>
+      <p:sp>
+        <p:nvSpPr>
+          <p:cNvPr id="2" name="Заголовок 1"/>
+          <p:cNvSpPr>
+            <a:spLocks noGrp="1"/>
+          </p:cNvSpPr>
+          <p:nvPr>
+            <p:ph type="title"/>
+          </p:nvPr>
+        </p:nvSpPr>
+        <p:spPr/>
+        <p:txBody>
+          <a:bodyPr/>
+          <a:p>
+            <a:r>
+              <a:rPr lang="en-US" altLang="en-US">
+                <a:sym typeface="+mn-ea"/>
+              </a:rPr>
+              <a:t>Демонстрация работы программы</a:t>
+            </a:r>
+            <a:endParaRPr lang="en-US" altLang="en-US"/>
+          </a:p>
+        </p:txBody>
+      </p:sp>
+      <p:pic>
+        <p:nvPicPr>
+          <p:cNvPr id="5" name="Замещающее содержимое 4"/>
+          <p:cNvPicPr>
+            <a:picLocks noChangeAspect="1"/>
+          </p:cNvPicPr>
+          <p:nvPr>
+            <p:ph idx="1"/>
+          </p:nvPr>
+        </p:nvPicPr>
+        <p:blipFill>
+          <a:blip r:embed="rId1"/>
+          <a:stretch>
+            <a:fillRect/>
+          </a:stretch>
+        </p:blipFill>
+        <p:spPr>
+          <a:xfrm>
+            <a:off x="2172970" y="1825625"/>
+            <a:ext cx="7844790" cy="4351655"/>
+          </a:xfrm>
+          <a:prstGeom prst="rect">
+            <a:avLst/>
+          </a:prstGeom>
+        </p:spPr>
+      </p:pic>
+    </p:spTree>
+  </p:cSld>
+  <p:clrMapOvr>
+    <a:masterClrMapping/>
+  </p:clrMapOvr>
+</p:sld>
+</file>
+
+<file path=ppt/slides/slide14.xml><?xml version="1.0" encoding="utf-8"?>
+<p:sld xmlns:a="http://schemas.openxmlformats.org/drawingml/2006/main" xmlns:r="http://schemas.openxmlformats.org/officeDocument/2006/relationships" xmlns:p="http://schemas.openxmlformats.org/presentationml/2006/main">
+  <p:cSld>
+    <p:spTree>
+      <p:nvGrpSpPr>
+        <p:cNvPr id="1" name=""/>
+        <p:cNvGrpSpPr/>
+        <p:nvPr/>
+      </p:nvGrpSpPr>
+      <p:grpSpPr/>
+      <p:sp>
+        <p:nvSpPr>
+          <p:cNvPr id="2" name="Заголовок 1"/>
+          <p:cNvSpPr>
+            <a:spLocks noGrp="1"/>
+          </p:cNvSpPr>
+          <p:nvPr>
+            <p:ph type="title"/>
+          </p:nvPr>
+        </p:nvSpPr>
+        <p:spPr/>
+        <p:txBody>
+          <a:bodyPr/>
+          <a:p>
+            <a:r>
+              <a:rPr lang="en-US" altLang="en-US">
+                <a:sym typeface="+mn-ea"/>
+              </a:rPr>
+              <a:t>Демонстрация работы программы</a:t>
+            </a:r>
+            <a:endParaRPr lang="en-US" altLang="en-US"/>
+          </a:p>
+        </p:txBody>
+      </p:sp>
+      <p:pic>
+        <p:nvPicPr>
+          <p:cNvPr id="7" name="simplescreenrecorder-2019-11-19_17.38.14">
+            <a:hlinkClick r:id="" action="ppaction://media"/>
+          </p:cNvPr>
+          <p:cNvPicPr/>
+          <p:nvPr>
+            <p:ph idx="1"/>
+            <a:videoFile r:link="rId1"/>
+            <p:extLst>
+              <p:ext uri="{DAA4B4D4-6D71-4841-9C94-3DE7FCFB9230}">
+                <p14:media xmlns:p14="http://schemas.microsoft.com/office/powerpoint/2010/main" r:link="rId2"/>
+              </p:ext>
+            </p:extLst>
+          </p:nvPr>
+        </p:nvPicPr>
+        <p:blipFill>
+          <a:blip r:embed="rId3"/>
+          <a:stretch>
+            <a:fillRect/>
+          </a:stretch>
+        </p:blipFill>
+        <p:spPr>
+          <a:xfrm>
+            <a:off x="2325992" y="1844675"/>
+            <a:ext cx="7540017" cy="4351338"/>
+          </a:xfrm>
+          <a:prstGeom prst="rect">
+            <a:avLst/>
+          </a:prstGeom>
+        </p:spPr>
+      </p:pic>
+      <p:sp>
+        <p:nvSpPr>
+          <p:cNvPr id="8" name="Прямоугольник 7"/>
+          <p:cNvSpPr/>
+          <p:nvPr/>
+        </p:nvSpPr>
+        <p:spPr>
+          <a:xfrm>
+            <a:off x="9723120" y="1651635"/>
+            <a:ext cx="937895" cy="4738370"/>
+          </a:xfrm>
+          <a:prstGeom prst="rect">
+            <a:avLst/>
+          </a:prstGeom>
+          <a:solidFill>
+            <a:schemeClr val="bg1"/>
+          </a:solidFill>
+          <a:ln>
+            <a:noFill/>
+          </a:ln>
+        </p:spPr>
+        <p:style>
+          <a:lnRef idx="2">
+            <a:schemeClr val="accent1">
+              <a:shade val="50000"/>
+            </a:schemeClr>
+          </a:lnRef>
+          <a:fillRef idx="1">
+            <a:schemeClr val="accent1"/>
+          </a:fillRef>
+          <a:effectRef idx="0">
+            <a:schemeClr val="accent1"/>
+          </a:effectRef>
+          <a:fontRef idx="minor">
+            <a:schemeClr val="lt1"/>
+          </a:fontRef>
+        </p:style>
+        <p:txBody>
+          <a:bodyPr rtlCol="0" anchor="ctr"/>
+          <a:p>
+            <a:pPr algn="ctr"/>
+            <a:endParaRPr lang="ru-RU" altLang="en-US"/>
+          </a:p>
+        </p:txBody>
+      </p:sp>
+    </p:spTree>
+  </p:cSld>
+  <p:clrMapOvr>
+    <a:masterClrMapping/>
+  </p:clrMapOvr>
+  <p:timing>
+    <p:tnLst>
+      <p:par>
+        <p:cTn id="1" dur="indefinite" restart="never" nodeType="tmRoot">
+          <p:childTnLst>
+            <p:video fullScrn="0">
+              <p:cMediaNode>
+                <p:cTn id="2" fill="hold" display="1">
+                  <p:stCondLst>
+                    <p:cond delay="indefinite"/>
+                  </p:stCondLst>
+                  <p:endCondLst>
+                    <p:cond evt="onNext">
+                      <p:tgtEl>
+                        <p:sldTgt/>
+                      </p:tgtEl>
+                    </p:cond>
+                    <p:cond evt="onPrev">
+                      <p:tgtEl>
+                        <p:sldTgt/>
+                      </p:tgtEl>
+                    </p:cond>
+                  </p:endCondLst>
+                </p:cTn>
+                <p:tgtEl>
+                  <p:spTgt spid="7"/>
+                </p:tgtEl>
+              </p:cMediaNode>
+            </p:video>
+            <p:seq concurrent="1" nextAc="seek">
+              <p:cTn id="3" restart="whenNotActive" fill="hold" evtFilter="cancelBubble" nodeType="interactiveSeq">
+                <p:stCondLst>
+                  <p:cond evt="onClick" delay="0">
+                    <p:tgtEl>
+                      <p:spTgt spid="7"/>
+                    </p:tgtEl>
+                  </p:cond>
+                </p:stCondLst>
+                <p:endSync evt="end" delay="0">
+                  <p:rtn val="all"/>
+                </p:endSync>
+                <p:childTnLst>
+                  <p:par>
+                    <p:cTn id="4" fill="hold">
+                      <p:stCondLst>
+                        <p:cond delay="0"/>
+                      </p:stCondLst>
+                      <p:childTnLst>
+                        <p:par>
+                          <p:cTn id="5" fill="hold">
+                            <p:stCondLst>
+                              <p:cond delay="0"/>
+                            </p:stCondLst>
+                            <p:childTnLst>
+                              <p:par>
+                                <p:cTn id="6" presetID="2" presetClass="mediacall" presetSubtype="0" fill="hold" nodeType="clickEffect">
+                                  <p:stCondLst>
+                                    <p:cond delay="0"/>
+                                  </p:stCondLst>
+                                  <p:childTnLst>
+                                    <p:cmd type="call" cmd="togglePause">
+                                      <p:cBhvr additive="base">
+                                        <p:cTn id="7" dur="1" fill="hold"/>
+                                        <p:tgtEl>
+                                          <p:spTgt spid="7"/>
+                                        </p:tgtEl>
+                                      </p:cBhvr>
+                                    </p:cmd>
+                                  </p:childTnLst>
+                                </p:cTn>
+                              </p:par>
+                            </p:childTnLst>
+                          </p:cTn>
+                        </p:par>
+                      </p:childTnLst>
+                    </p:cTn>
+                  </p:par>
+                </p:childTnLst>
+              </p:cTn>
+              <p:nextCondLst>
+                <p:cond evt="onClick" delay="0">
+                  <p:tgtEl>
+                    <p:spTgt spid="7"/>
+                  </p:tgtEl>
+                </p:cond>
+              </p:nextCondLst>
+            </p:seq>
+          </p:childTnLst>
+        </p:cTn>
+      </p:par>
+    </p:tnLst>
+  </p:timing>
+</p:sld>
+</file>
+
+<file path=ppt/slides/slide15.xml><?xml version="1.0" encoding="utf-8"?>
+<p:sld xmlns:a="http://schemas.openxmlformats.org/drawingml/2006/main" xmlns:r="http://schemas.openxmlformats.org/officeDocument/2006/relationships" xmlns:p="http://schemas.openxmlformats.org/presentationml/2006/main">
+  <p:cSld>
+    <p:spTree>
+      <p:nvGrpSpPr>
+        <p:cNvPr id="1" name=""/>
+        <p:cNvGrpSpPr/>
+        <p:nvPr/>
+      </p:nvGrpSpPr>
+      <p:grpSpPr/>
+      <p:sp>
+        <p:nvSpPr>
+          <p:cNvPr id="2" name="Заголовок 1"/>
+          <p:cNvSpPr>
+            <a:spLocks noGrp="1"/>
+          </p:cNvSpPr>
+          <p:nvPr>
+            <p:ph type="title"/>
+          </p:nvPr>
+        </p:nvSpPr>
+        <p:spPr/>
+        <p:txBody>
+          <a:bodyPr/>
+          <a:p>
+            <a:r>
+              <a:rPr lang="" altLang="en-US"/>
+              <a:t>Реализованные функции программы</a:t>
+            </a:r>
+            <a:endParaRPr lang="" altLang="en-US"/>
+          </a:p>
+        </p:txBody>
+      </p:sp>
+      <p:pic>
+        <p:nvPicPr>
+          <p:cNvPr id="48" name="Изображение 16"/>
+          <p:cNvPicPr>
+            <a:picLocks noChangeAspect="1"/>
+          </p:cNvPicPr>
+          <p:nvPr>
+            <p:ph idx="1"/>
+          </p:nvPr>
+        </p:nvPicPr>
+        <p:blipFill>
+          <a:blip r:embed="rId1"/>
+          <a:stretch>
+            <a:fillRect/>
+          </a:stretch>
+        </p:blipFill>
+        <p:spPr>
+          <a:xfrm>
+            <a:off x="6910070" y="1564005"/>
+            <a:ext cx="4267200" cy="2849245"/>
+          </a:xfrm>
+          <a:prstGeom prst="rect">
+            <a:avLst/>
+          </a:prstGeom>
+          <a:noFill/>
+          <a:ln>
+            <a:noFill/>
+          </a:ln>
+        </p:spPr>
+      </p:pic>
+      <p:sp>
+        <p:nvSpPr>
+          <p:cNvPr id="6" name="Текстовое поле 5"/>
+          <p:cNvSpPr txBox="1"/>
+          <p:nvPr/>
+        </p:nvSpPr>
+        <p:spPr>
+          <a:xfrm>
+            <a:off x="7310120" y="4413250"/>
+            <a:ext cx="2943225" cy="368300"/>
+          </a:xfrm>
+          <a:prstGeom prst="rect">
+            <a:avLst/>
+          </a:prstGeom>
+          <a:noFill/>
+        </p:spPr>
+        <p:txBody>
+          <a:bodyPr wrap="none" rtlCol="0" anchor="t">
+            <a:spAutoFit/>
+          </a:bodyPr>
+          <a:p>
+            <a:r>
+              <a:rPr lang="en-US" altLang="en-US">
+                <a:sym typeface="+mn-ea"/>
+              </a:rPr>
+              <a:t>Создание и установка SDP</a:t>
+            </a:r>
+            <a:endParaRPr lang="ru-RU" altLang="en-US"/>
+          </a:p>
+        </p:txBody>
+      </p:sp>
+      <p:pic>
+        <p:nvPicPr>
+          <p:cNvPr id="12" name="Изображение 15"/>
+          <p:cNvPicPr>
+            <a:picLocks noChangeAspect="1"/>
+          </p:cNvPicPr>
+          <p:nvPr/>
+        </p:nvPicPr>
+        <p:blipFill>
+          <a:blip r:embed="rId2"/>
+          <a:stretch>
+            <a:fillRect/>
+          </a:stretch>
+        </p:blipFill>
+        <p:spPr>
+          <a:xfrm>
+            <a:off x="838200" y="1564005"/>
+            <a:ext cx="5503545" cy="3679190"/>
+          </a:xfrm>
+          <a:prstGeom prst="rect">
+            <a:avLst/>
+          </a:prstGeom>
+          <a:noFill/>
+          <a:ln>
+            <a:noFill/>
+          </a:ln>
+        </p:spPr>
+      </p:pic>
+      <p:sp>
+        <p:nvSpPr>
+          <p:cNvPr id="13" name="Текстовое поле 12"/>
+          <p:cNvSpPr txBox="1"/>
+          <p:nvPr/>
+        </p:nvSpPr>
+        <p:spPr>
+          <a:xfrm>
+            <a:off x="2009140" y="5243195"/>
+            <a:ext cx="2961005" cy="368300"/>
+          </a:xfrm>
+          <a:prstGeom prst="rect">
+            <a:avLst/>
+          </a:prstGeom>
+          <a:noFill/>
+        </p:spPr>
+        <p:txBody>
+          <a:bodyPr wrap="square" rtlCol="0" anchor="t">
+            <a:spAutoFit/>
+          </a:bodyPr>
+          <a:p>
+            <a:r>
+              <a:rPr lang="en-US" altLang="en-US">
+                <a:sym typeface="+mn-ea"/>
+              </a:rPr>
+              <a:t>Создание p2p соединения</a:t>
+            </a:r>
+            <a:endParaRPr lang="ru-RU" altLang="en-US"/>
+          </a:p>
+        </p:txBody>
+      </p:sp>
+    </p:spTree>
+  </p:cSld>
+  <p:clrMapOvr>
+    <a:masterClrMapping/>
+  </p:clrMapOvr>
+</p:sld>
+</file>
+
+<file path=ppt/slides/slide16.xml><?xml version="1.0" encoding="utf-8"?>
+<p:sld xmlns:a="http://schemas.openxmlformats.org/drawingml/2006/main" xmlns:r="http://schemas.openxmlformats.org/officeDocument/2006/relationships" xmlns:p="http://schemas.openxmlformats.org/presentationml/2006/main">
+  <p:cSld>
+    <p:spTree>
+      <p:nvGrpSpPr>
+        <p:cNvPr id="1" name=""/>
+        <p:cNvGrpSpPr/>
+        <p:nvPr/>
+      </p:nvGrpSpPr>
+      <p:grpSpPr/>
+      <p:sp>
+        <p:nvSpPr>
+          <p:cNvPr id="2" name="Заголовок 1"/>
+          <p:cNvSpPr>
+            <a:spLocks noGrp="1"/>
+          </p:cNvSpPr>
+          <p:nvPr>
+            <p:ph type="title"/>
+          </p:nvPr>
+        </p:nvSpPr>
+        <p:spPr/>
+        <p:txBody>
+          <a:bodyPr>
+            <a:normAutofit/>
+          </a:bodyPr>
+          <a:p>
+            <a:r>
+              <a:rPr lang="en-US" altLang="en-US">
+                <a:sym typeface="+mn-ea"/>
+              </a:rPr>
+              <a:t>Реализованные функции программы</a:t>
+            </a:r>
+            <a:endParaRPr lang="" altLang="en-US"/>
+          </a:p>
+        </p:txBody>
+      </p:sp>
+      <p:pic>
+        <p:nvPicPr>
+          <p:cNvPr id="7" name="Изображение 18"/>
+          <p:cNvPicPr>
+            <a:picLocks noChangeAspect="1"/>
+          </p:cNvPicPr>
+          <p:nvPr/>
+        </p:nvPicPr>
+        <p:blipFill>
+          <a:blip r:embed="rId1"/>
+          <a:stretch>
+            <a:fillRect/>
+          </a:stretch>
+        </p:blipFill>
+        <p:spPr>
+          <a:xfrm>
+            <a:off x="582295" y="1691005"/>
+            <a:ext cx="4846955" cy="1179195"/>
+          </a:xfrm>
+          <a:prstGeom prst="rect">
+            <a:avLst/>
+          </a:prstGeom>
+          <a:noFill/>
+          <a:ln>
+            <a:noFill/>
+          </a:ln>
+        </p:spPr>
+      </p:pic>
+      <p:sp>
+        <p:nvSpPr>
+          <p:cNvPr id="8" name="Текстовое поле 7"/>
+          <p:cNvSpPr txBox="1"/>
+          <p:nvPr/>
+        </p:nvSpPr>
+        <p:spPr>
+          <a:xfrm>
+            <a:off x="848360" y="3034665"/>
+            <a:ext cx="4064000" cy="368300"/>
+          </a:xfrm>
+          <a:prstGeom prst="rect">
+            <a:avLst/>
+          </a:prstGeom>
+          <a:noFill/>
+        </p:spPr>
+        <p:txBody>
+          <a:bodyPr wrap="none" rtlCol="0" anchor="t">
+            <a:spAutoFit/>
+          </a:bodyPr>
+          <a:p>
+            <a:r>
+              <a:rPr lang="en-US" altLang="en-US">
+                <a:sym typeface="+mn-ea"/>
+              </a:rPr>
+              <a:t>Создание </a:t>
+            </a:r>
+            <a:r>
+              <a:rPr lang="" altLang="en-US">
+                <a:sym typeface="+mn-ea"/>
+              </a:rPr>
+              <a:t>потока</a:t>
+            </a:r>
+            <a:r>
+              <a:rPr lang="en-US" altLang="en-US">
+                <a:sym typeface="+mn-ea"/>
+              </a:rPr>
+              <a:t> и подписка на </a:t>
+            </a:r>
+            <a:r>
+              <a:rPr lang="" altLang="en-US">
+                <a:sym typeface="+mn-ea"/>
+              </a:rPr>
+              <a:t>него</a:t>
+            </a:r>
+            <a:endParaRPr lang="" altLang="en-US">
+              <a:sym typeface="+mn-ea"/>
+            </a:endParaRPr>
+          </a:p>
+        </p:txBody>
+      </p:sp>
+      <p:pic>
+        <p:nvPicPr>
+          <p:cNvPr id="43" name="Изображение 13"/>
+          <p:cNvPicPr>
+            <a:picLocks noChangeAspect="1"/>
+          </p:cNvPicPr>
+          <p:nvPr/>
+        </p:nvPicPr>
+        <p:blipFill>
+          <a:blip r:embed="rId2"/>
+          <a:stretch>
+            <a:fillRect/>
+          </a:stretch>
+        </p:blipFill>
+        <p:spPr>
+          <a:xfrm>
+            <a:off x="838200" y="4521200"/>
+            <a:ext cx="8696325" cy="1561465"/>
+          </a:xfrm>
+          <a:prstGeom prst="rect">
+            <a:avLst/>
+          </a:prstGeom>
+          <a:noFill/>
+          <a:ln>
+            <a:noFill/>
+          </a:ln>
+        </p:spPr>
+      </p:pic>
+      <p:sp>
+        <p:nvSpPr>
+          <p:cNvPr id="11" name="Текстовое поле 10"/>
+          <p:cNvSpPr txBox="1"/>
+          <p:nvPr/>
+        </p:nvSpPr>
+        <p:spPr>
+          <a:xfrm>
+            <a:off x="838200" y="6082665"/>
+            <a:ext cx="6441440" cy="368300"/>
+          </a:xfrm>
+          <a:prstGeom prst="rect">
+            <a:avLst/>
+          </a:prstGeom>
+          <a:noFill/>
+        </p:spPr>
+        <p:txBody>
+          <a:bodyPr wrap="none" rtlCol="0" anchor="t">
+            <a:spAutoFit/>
+          </a:bodyPr>
+          <a:p>
+            <a:r>
+              <a:rPr lang="" altLang="en-US">
+                <a:sym typeface="+mn-ea"/>
+              </a:rPr>
+              <a:t>Получение информации о медиаустройствах пользователя</a:t>
+            </a:r>
+            <a:endParaRPr lang="" altLang="en-US">
+              <a:sym typeface="+mn-ea"/>
+            </a:endParaRPr>
+          </a:p>
+        </p:txBody>
+      </p:sp>
+    </p:spTree>
+  </p:cSld>
+  <p:clrMapOvr>
+    <a:masterClrMapping/>
+  </p:clrMapOvr>
+</p:sld>
+</file>
+
+<file path=ppt/slides/slide17.xml><?xml version="1.0" encoding="utf-8"?>
+<p:sld xmlns:a="http://schemas.openxmlformats.org/drawingml/2006/main" xmlns:r="http://schemas.openxmlformats.org/officeDocument/2006/relationships" xmlns:p="http://schemas.openxmlformats.org/presentationml/2006/main">
+  <p:cSld>
+    <p:spTree>
+      <p:nvGrpSpPr>
+        <p:cNvPr id="1" name=""/>
+        <p:cNvGrpSpPr/>
+        <p:nvPr/>
+      </p:nvGrpSpPr>
+      <p:grpSpPr/>
+      <p:sp>
+        <p:nvSpPr>
+          <p:cNvPr id="2" name="Заголовок 1"/>
+          <p:cNvSpPr>
+            <a:spLocks noGrp="1"/>
+          </p:cNvSpPr>
+          <p:nvPr>
+            <p:ph type="title"/>
+          </p:nvPr>
+        </p:nvSpPr>
+        <p:spPr/>
+        <p:txBody>
+          <a:bodyPr/>
+          <a:p>
+            <a:r>
+              <a:rPr lang="en-US" altLang="en-US"/>
+              <a:t>Безопасность	</a:t>
+            </a:r>
+            <a:endParaRPr lang="en-US" altLang="en-US"/>
+          </a:p>
+        </p:txBody>
+      </p:sp>
+      <p:sp>
+        <p:nvSpPr>
+          <p:cNvPr id="3" name="Замещающее содержимое 2"/>
+          <p:cNvSpPr/>
+          <p:nvPr>
+            <p:ph idx="1"/>
+          </p:nvPr>
+        </p:nvSpPr>
+        <p:spPr/>
+        <p:txBody>
+          <a:bodyPr/>
+          <a:p>
+            <a:pPr>
+              <a:lnSpc>
+                <a:spcPct val="150000"/>
+              </a:lnSpc>
+            </a:pPr>
+            <a:r>
+              <a:rPr lang="en-US" altLang="ru-RU">
+                <a:solidFill>
+                  <a:schemeClr val="tx1"/>
+                </a:solidFill>
+              </a:rPr>
+              <a:t>Работает только по HTTPS</a:t>
+            </a:r>
+            <a:endParaRPr lang="en-US" altLang="ru-RU">
+              <a:solidFill>
+                <a:schemeClr val="tx1"/>
+              </a:solidFill>
+            </a:endParaRPr>
+          </a:p>
+          <a:p>
+            <a:pPr>
+              <a:lnSpc>
+                <a:spcPct val="150000"/>
+              </a:lnSpc>
+            </a:pPr>
+            <a:r>
+              <a:rPr lang="en-US" altLang="ru-RU">
+                <a:solidFill>
+                  <a:schemeClr val="tx1"/>
+                </a:solidFill>
+              </a:rPr>
+              <a:t>Медиа потоки шифруются (DTLS и SRTP)</a:t>
+            </a:r>
+            <a:endParaRPr lang="en-US" altLang="ru-RU">
+              <a:solidFill>
+                <a:schemeClr val="tx1"/>
+              </a:solidFill>
+            </a:endParaRPr>
+          </a:p>
+          <a:p>
+            <a:pPr>
+              <a:lnSpc>
+                <a:spcPct val="150000"/>
+              </a:lnSpc>
+            </a:pPr>
+            <a:r>
+              <a:rPr lang="en-US" altLang="ru-RU">
+                <a:solidFill>
+                  <a:schemeClr val="tx1"/>
+                </a:solidFill>
+              </a:rPr>
+              <a:t>Технология не требует установки плагинов</a:t>
+            </a:r>
+            <a:endParaRPr lang="en-US" altLang="ru-RU">
+              <a:solidFill>
+                <a:schemeClr val="tx1"/>
+              </a:solidFill>
+            </a:endParaRPr>
+          </a:p>
+          <a:p>
+            <a:pPr>
+              <a:lnSpc>
+                <a:spcPct val="150000"/>
+              </a:lnSpc>
+            </a:pPr>
+            <a:r>
+              <a:rPr lang="en-US" altLang="ru-RU">
+                <a:solidFill>
+                  <a:schemeClr val="tx1"/>
+                </a:solidFill>
+              </a:rPr>
+              <a:t>Не получится сделать шпионское приложение</a:t>
+            </a:r>
+            <a:endParaRPr lang="en-US" altLang="ru-RU">
+              <a:solidFill>
+                <a:schemeClr val="tx1"/>
+              </a:solidFill>
+            </a:endParaRPr>
+          </a:p>
+        </p:txBody>
+      </p:sp>
+    </p:spTree>
+  </p:cSld>
+  <p:clrMapOvr>
+    <a:masterClrMapping/>
+  </p:clrMapOvr>
+</p:sld>
+</file>
+
+<file path=ppt/slides/slide18.xml><?xml version="1.0" encoding="utf-8"?>
 <p:sld xmlns:a="http://schemas.openxmlformats.org/drawingml/2006/main" xmlns:r="http://schemas.openxmlformats.org/officeDocument/2006/relationships" xmlns:p="http://schemas.openxmlformats.org/presentationml/2006/main">
   <p:cSld>
     <p:spTree>
@@ -3654,637 +5797,7 @@
 </p:sld>
 </file>
 
-<file path=ppt/slides/slide13.xml><?xml version="1.0" encoding="utf-8"?>
-<p:sld xmlns:a="http://schemas.openxmlformats.org/drawingml/2006/main" xmlns:r="http://schemas.openxmlformats.org/officeDocument/2006/relationships" xmlns:p="http://schemas.openxmlformats.org/presentationml/2006/main">
-  <p:cSld>
-    <p:spTree>
-      <p:nvGrpSpPr>
-        <p:cNvPr id="1" name=""/>
-        <p:cNvGrpSpPr/>
-        <p:nvPr/>
-      </p:nvGrpSpPr>
-      <p:grpSpPr/>
-      <p:sp>
-        <p:nvSpPr>
-          <p:cNvPr id="2" name="Заголовок 1"/>
-          <p:cNvSpPr>
-            <a:spLocks noGrp="1"/>
-          </p:cNvSpPr>
-          <p:nvPr>
-            <p:ph type="title"/>
-          </p:nvPr>
-        </p:nvSpPr>
-        <p:spPr/>
-        <p:txBody>
-          <a:bodyPr/>
-          <a:p>
-            <a:r>
-              <a:rPr lang="en-US" altLang="en-US"/>
-              <a:t>Интерфейс приложения</a:t>
-            </a:r>
-            <a:endParaRPr lang="en-US" altLang="en-US"/>
-          </a:p>
-        </p:txBody>
-      </p:sp>
-      <p:pic>
-        <p:nvPicPr>
-          <p:cNvPr id="6" name="Замещающее содержимое 5"/>
-          <p:cNvPicPr>
-            <a:picLocks noChangeAspect="1"/>
-          </p:cNvPicPr>
-          <p:nvPr>
-            <p:ph idx="1"/>
-          </p:nvPr>
-        </p:nvPicPr>
-        <p:blipFill>
-          <a:blip r:embed="rId1"/>
-          <a:stretch>
-            <a:fillRect/>
-          </a:stretch>
-        </p:blipFill>
-        <p:spPr>
-          <a:xfrm>
-            <a:off x="1198880" y="2051685"/>
-            <a:ext cx="10100310" cy="4021455"/>
-          </a:xfrm>
-          <a:prstGeom prst="rect">
-            <a:avLst/>
-          </a:prstGeom>
-        </p:spPr>
-      </p:pic>
-    </p:spTree>
-  </p:cSld>
-  <p:clrMapOvr>
-    <a:masterClrMapping/>
-  </p:clrMapOvr>
-</p:sld>
-</file>
-
-<file path=ppt/slides/slide14.xml><?xml version="1.0" encoding="utf-8"?>
-<p:sld xmlns:a="http://schemas.openxmlformats.org/drawingml/2006/main" xmlns:r="http://schemas.openxmlformats.org/officeDocument/2006/relationships" xmlns:p="http://schemas.openxmlformats.org/presentationml/2006/main">
-  <p:cSld>
-    <p:spTree>
-      <p:nvGrpSpPr>
-        <p:cNvPr id="1" name=""/>
-        <p:cNvGrpSpPr/>
-        <p:nvPr/>
-      </p:nvGrpSpPr>
-      <p:grpSpPr/>
-      <p:sp>
-        <p:nvSpPr>
-          <p:cNvPr id="2" name="Заголовок 1"/>
-          <p:cNvSpPr>
-            <a:spLocks noGrp="1"/>
-          </p:cNvSpPr>
-          <p:nvPr>
-            <p:ph type="title"/>
-          </p:nvPr>
-        </p:nvSpPr>
-        <p:spPr/>
-        <p:txBody>
-          <a:bodyPr/>
-          <a:p>
-            <a:r>
-              <a:rPr lang="en-US" altLang="en-US"/>
-              <a:t>Интерфейс приложения</a:t>
-            </a:r>
-            <a:endParaRPr lang="en-US" altLang="en-US"/>
-          </a:p>
-        </p:txBody>
-      </p:sp>
-      <p:pic>
-        <p:nvPicPr>
-          <p:cNvPr id="4" name="Изображение 3"/>
-          <p:cNvPicPr>
-            <a:picLocks noChangeAspect="1"/>
-          </p:cNvPicPr>
-          <p:nvPr>
-            <p:ph idx="1"/>
-          </p:nvPr>
-        </p:nvPicPr>
-        <p:blipFill>
-          <a:blip r:embed="rId1"/>
-          <a:stretch>
-            <a:fillRect/>
-          </a:stretch>
-        </p:blipFill>
-        <p:spPr>
-          <a:xfrm>
-            <a:off x="3339465" y="2032635"/>
-            <a:ext cx="4958080" cy="4351655"/>
-          </a:xfrm>
-          <a:prstGeom prst="rect">
-            <a:avLst/>
-          </a:prstGeom>
-          <a:noFill/>
-          <a:ln>
-            <a:noFill/>
-          </a:ln>
-        </p:spPr>
-      </p:pic>
-    </p:spTree>
-  </p:cSld>
-  <p:clrMapOvr>
-    <a:masterClrMapping/>
-  </p:clrMapOvr>
-</p:sld>
-</file>
-
-<file path=ppt/slides/slide15.xml><?xml version="1.0" encoding="utf-8"?>
-<p:sld xmlns:a="http://schemas.openxmlformats.org/drawingml/2006/main" xmlns:r="http://schemas.openxmlformats.org/officeDocument/2006/relationships" xmlns:p="http://schemas.openxmlformats.org/presentationml/2006/main">
-  <p:cSld>
-    <p:spTree>
-      <p:nvGrpSpPr>
-        <p:cNvPr id="1" name=""/>
-        <p:cNvGrpSpPr/>
-        <p:nvPr/>
-      </p:nvGrpSpPr>
-      <p:grpSpPr/>
-      <p:sp>
-        <p:nvSpPr>
-          <p:cNvPr id="2" name="Заголовок 1"/>
-          <p:cNvSpPr>
-            <a:spLocks noGrp="1"/>
-          </p:cNvSpPr>
-          <p:nvPr>
-            <p:ph type="title"/>
-          </p:nvPr>
-        </p:nvSpPr>
-        <p:spPr/>
-        <p:txBody>
-          <a:bodyPr/>
-          <a:p>
-            <a:r>
-              <a:rPr lang="" altLang="en-US"/>
-              <a:t>Создание p2p соединения</a:t>
-            </a:r>
-            <a:endParaRPr lang="" altLang="en-US"/>
-          </a:p>
-        </p:txBody>
-      </p:sp>
-      <p:pic>
-        <p:nvPicPr>
-          <p:cNvPr id="45" name="Изображение 15"/>
-          <p:cNvPicPr>
-            <a:picLocks noChangeAspect="1"/>
-          </p:cNvPicPr>
-          <p:nvPr>
-            <p:ph idx="1"/>
-          </p:nvPr>
-        </p:nvPicPr>
-        <p:blipFill>
-          <a:blip r:embed="rId1"/>
-          <a:stretch>
-            <a:fillRect/>
-          </a:stretch>
-        </p:blipFill>
-        <p:spPr>
-          <a:xfrm>
-            <a:off x="838200" y="1691005"/>
-            <a:ext cx="5274945" cy="3525520"/>
-          </a:xfrm>
-          <a:prstGeom prst="rect">
-            <a:avLst/>
-          </a:prstGeom>
-          <a:noFill/>
-          <a:ln>
-            <a:noFill/>
-          </a:ln>
-        </p:spPr>
-      </p:pic>
-    </p:spTree>
-  </p:cSld>
-  <p:clrMapOvr>
-    <a:masterClrMapping/>
-  </p:clrMapOvr>
-</p:sld>
-</file>
-
-<file path=ppt/slides/slide16.xml><?xml version="1.0" encoding="utf-8"?>
-<p:sld xmlns:a="http://schemas.openxmlformats.org/drawingml/2006/main" xmlns:r="http://schemas.openxmlformats.org/officeDocument/2006/relationships" xmlns:p="http://schemas.openxmlformats.org/presentationml/2006/main">
-  <p:cSld>
-    <p:spTree>
-      <p:nvGrpSpPr>
-        <p:cNvPr id="1" name=""/>
-        <p:cNvGrpSpPr/>
-        <p:nvPr/>
-      </p:nvGrpSpPr>
-      <p:grpSpPr/>
-      <p:sp>
-        <p:nvSpPr>
-          <p:cNvPr id="2" name="Заголовок 1"/>
-          <p:cNvSpPr>
-            <a:spLocks noGrp="1"/>
-          </p:cNvSpPr>
-          <p:nvPr>
-            <p:ph type="title"/>
-          </p:nvPr>
-        </p:nvSpPr>
-        <p:spPr/>
-        <p:txBody>
-          <a:bodyPr/>
-          <a:p>
-            <a:r>
-              <a:rPr lang="" altLang="en-US"/>
-              <a:t>Создание и установка SDP</a:t>
-            </a:r>
-            <a:endParaRPr lang="" altLang="en-US"/>
-          </a:p>
-        </p:txBody>
-      </p:sp>
-      <p:pic>
-        <p:nvPicPr>
-          <p:cNvPr id="48" name="Изображение 16"/>
-          <p:cNvPicPr>
-            <a:picLocks noChangeAspect="1"/>
-          </p:cNvPicPr>
-          <p:nvPr>
-            <p:ph idx="1"/>
-          </p:nvPr>
-        </p:nvPicPr>
-        <p:blipFill>
-          <a:blip r:embed="rId1"/>
-          <a:stretch>
-            <a:fillRect/>
-          </a:stretch>
-        </p:blipFill>
-        <p:spPr>
-          <a:xfrm>
-            <a:off x="838200" y="1691005"/>
-            <a:ext cx="5242560" cy="3500120"/>
-          </a:xfrm>
-          <a:prstGeom prst="rect">
-            <a:avLst/>
-          </a:prstGeom>
-          <a:noFill/>
-          <a:ln>
-            <a:noFill/>
-          </a:ln>
-        </p:spPr>
-      </p:pic>
-    </p:spTree>
-  </p:cSld>
-  <p:clrMapOvr>
-    <a:masterClrMapping/>
-  </p:clrMapOvr>
-</p:sld>
-</file>
-
-<file path=ppt/slides/slide17.xml><?xml version="1.0" encoding="utf-8"?>
-<p:sld xmlns:a="http://schemas.openxmlformats.org/drawingml/2006/main" xmlns:r="http://schemas.openxmlformats.org/officeDocument/2006/relationships" xmlns:p="http://schemas.openxmlformats.org/presentationml/2006/main">
-  <p:cSld>
-    <p:spTree>
-      <p:nvGrpSpPr>
-        <p:cNvPr id="1" name=""/>
-        <p:cNvGrpSpPr/>
-        <p:nvPr/>
-      </p:nvGrpSpPr>
-      <p:grpSpPr/>
-      <p:sp>
-        <p:nvSpPr>
-          <p:cNvPr id="2" name="Заголовок 1"/>
-          <p:cNvSpPr>
-            <a:spLocks noGrp="1"/>
-          </p:cNvSpPr>
-          <p:nvPr>
-            <p:ph type="title"/>
-          </p:nvPr>
-        </p:nvSpPr>
-        <p:spPr/>
-        <p:txBody>
-          <a:bodyPr/>
-          <a:p>
-            <a:r>
-              <a:rPr lang="" altLang="en-US"/>
-              <a:t>Работа с потоками</a:t>
-            </a:r>
-            <a:endParaRPr lang="" altLang="en-US"/>
-          </a:p>
-        </p:txBody>
-      </p:sp>
-      <p:pic>
-        <p:nvPicPr>
-          <p:cNvPr id="51" name="Изображение 18"/>
-          <p:cNvPicPr>
-            <a:picLocks noChangeAspect="1"/>
-          </p:cNvPicPr>
-          <p:nvPr>
-            <p:ph idx="1"/>
-          </p:nvPr>
-        </p:nvPicPr>
-        <p:blipFill>
-          <a:blip r:embed="rId1"/>
-          <a:stretch>
-            <a:fillRect/>
-          </a:stretch>
-        </p:blipFill>
-        <p:spPr>
-          <a:xfrm>
-            <a:off x="838200" y="1691005"/>
-            <a:ext cx="6538595" cy="1590040"/>
-          </a:xfrm>
-          <a:prstGeom prst="rect">
-            <a:avLst/>
-          </a:prstGeom>
-          <a:noFill/>
-          <a:ln>
-            <a:noFill/>
-          </a:ln>
-        </p:spPr>
-      </p:pic>
-    </p:spTree>
-  </p:cSld>
-  <p:clrMapOvr>
-    <a:masterClrMapping/>
-  </p:clrMapOvr>
-</p:sld>
-</file>
-
-<file path=ppt/slides/slide18.xml><?xml version="1.0" encoding="utf-8"?>
-<p:sld xmlns:a="http://schemas.openxmlformats.org/drawingml/2006/main" xmlns:r="http://schemas.openxmlformats.org/officeDocument/2006/relationships" xmlns:p="http://schemas.openxmlformats.org/presentationml/2006/main">
-  <p:cSld>
-    <p:spTree>
-      <p:nvGrpSpPr>
-        <p:cNvPr id="1" name=""/>
-        <p:cNvGrpSpPr/>
-        <p:nvPr/>
-      </p:nvGrpSpPr>
-      <p:grpSpPr/>
-      <p:sp>
-        <p:nvSpPr>
-          <p:cNvPr id="2" name="Заголовок 1"/>
-          <p:cNvSpPr>
-            <a:spLocks noGrp="1"/>
-          </p:cNvSpPr>
-          <p:nvPr>
-            <p:ph type="title"/>
-          </p:nvPr>
-        </p:nvSpPr>
-        <p:spPr/>
-        <p:txBody>
-          <a:bodyPr>
-            <a:normAutofit fontScale="90000"/>
-          </a:bodyPr>
-          <a:p>
-            <a:r>
-              <a:rPr lang="en-US" altLang="en-US"/>
-              <a:t>Работа с состоянием на стороне клиента</a:t>
-            </a:r>
-            <a:endParaRPr lang="en-US" altLang="en-US"/>
-          </a:p>
-        </p:txBody>
-      </p:sp>
-      <p:pic>
-        <p:nvPicPr>
-          <p:cNvPr id="4" name="Замещающее содержимое 3"/>
-          <p:cNvPicPr>
-            <a:picLocks noChangeAspect="1"/>
-          </p:cNvPicPr>
-          <p:nvPr>
-            <p:ph idx="1"/>
-          </p:nvPr>
-        </p:nvPicPr>
-        <p:blipFill>
-          <a:blip r:embed="rId1"/>
-          <a:stretch>
-            <a:fillRect/>
-          </a:stretch>
-        </p:blipFill>
-        <p:spPr>
-          <a:xfrm>
-            <a:off x="838200" y="1844675"/>
-            <a:ext cx="7065010" cy="4660265"/>
-          </a:xfrm>
-          <a:prstGeom prst="rect">
-            <a:avLst/>
-          </a:prstGeom>
-        </p:spPr>
-      </p:pic>
-    </p:spTree>
-  </p:cSld>
-  <p:clrMapOvr>
-    <a:masterClrMapping/>
-  </p:clrMapOvr>
-</p:sld>
-</file>
-
 <file path=ppt/slides/slide19.xml><?xml version="1.0" encoding="utf-8"?>
-<p:sld xmlns:a="http://schemas.openxmlformats.org/drawingml/2006/main" xmlns:r="http://schemas.openxmlformats.org/officeDocument/2006/relationships" xmlns:p="http://schemas.openxmlformats.org/presentationml/2006/main">
-  <p:cSld>
-    <p:spTree>
-      <p:nvGrpSpPr>
-        <p:cNvPr id="1" name=""/>
-        <p:cNvGrpSpPr/>
-        <p:nvPr/>
-      </p:nvGrpSpPr>
-      <p:grpSpPr/>
-      <p:sp>
-        <p:nvSpPr>
-          <p:cNvPr id="2" name="Заголовок 1"/>
-          <p:cNvSpPr>
-            <a:spLocks noGrp="1"/>
-          </p:cNvSpPr>
-          <p:nvPr>
-            <p:ph type="title"/>
-          </p:nvPr>
-        </p:nvSpPr>
-        <p:spPr/>
-        <p:txBody>
-          <a:bodyPr>
-            <a:normAutofit fontScale="90000"/>
-          </a:bodyPr>
-          <a:p>
-            <a:r>
-              <a:rPr lang="en-US" altLang="en-US"/>
-              <a:t>Работа с состоянием на стороне клиента</a:t>
-            </a:r>
-            <a:endParaRPr lang="en-US" altLang="en-US"/>
-          </a:p>
-        </p:txBody>
-      </p:sp>
-      <p:pic>
-        <p:nvPicPr>
-          <p:cNvPr id="4" name="Замещающее содержимое 3"/>
-          <p:cNvPicPr>
-            <a:picLocks noChangeAspect="1"/>
-          </p:cNvPicPr>
-          <p:nvPr>
-            <p:ph idx="1"/>
-          </p:nvPr>
-        </p:nvPicPr>
-        <p:blipFill>
-          <a:blip r:embed="rId1"/>
-          <a:stretch>
-            <a:fillRect/>
-          </a:stretch>
-        </p:blipFill>
-        <p:spPr>
-          <a:xfrm>
-            <a:off x="838200" y="1844675"/>
-            <a:ext cx="7065010" cy="4660265"/>
-          </a:xfrm>
-          <a:prstGeom prst="rect">
-            <a:avLst/>
-          </a:prstGeom>
-        </p:spPr>
-      </p:pic>
-    </p:spTree>
-  </p:cSld>
-  <p:clrMapOvr>
-    <a:masterClrMapping/>
-  </p:clrMapOvr>
-</p:sld>
-</file>
-
-<file path=ppt/slides/slide2.xml><?xml version="1.0" encoding="utf-8"?>
-<p:sld xmlns:a="http://schemas.openxmlformats.org/drawingml/2006/main" xmlns:r="http://schemas.openxmlformats.org/officeDocument/2006/relationships" xmlns:p="http://schemas.openxmlformats.org/presentationml/2006/main">
-  <p:cSld>
-    <p:spTree>
-      <p:nvGrpSpPr>
-        <p:cNvPr id="1" name=""/>
-        <p:cNvGrpSpPr/>
-        <p:nvPr/>
-      </p:nvGrpSpPr>
-      <p:grpSpPr/>
-      <p:sp>
-        <p:nvSpPr>
-          <p:cNvPr id="2" name="Заголовок 1"/>
-          <p:cNvSpPr>
-            <a:spLocks noGrp="1"/>
-          </p:cNvSpPr>
-          <p:nvPr>
-            <p:ph type="title"/>
-          </p:nvPr>
-        </p:nvSpPr>
-        <p:spPr/>
-        <p:txBody>
-          <a:bodyPr/>
-          <a:p>
-            <a:r>
-              <a:rPr lang="en-US" altLang="ru-RU"/>
-              <a:t>Цель, объект, предмет</a:t>
-            </a:r>
-            <a:endParaRPr lang="en-US" altLang="ru-RU"/>
-          </a:p>
-        </p:txBody>
-      </p:sp>
-      <p:sp>
-        <p:nvSpPr>
-          <p:cNvPr id="3" name="Замещающее содержимое 2"/>
-          <p:cNvSpPr>
-            <a:spLocks noGrp="1"/>
-          </p:cNvSpPr>
-          <p:nvPr>
-            <p:ph idx="1"/>
-          </p:nvPr>
-        </p:nvSpPr>
-        <p:spPr/>
-        <p:txBody>
-          <a:bodyPr>
-            <a:normAutofit/>
-          </a:bodyPr>
-          <a:p>
-            <a:pPr marL="0" indent="0">
-              <a:lnSpc>
-                <a:spcPct val="150000"/>
-              </a:lnSpc>
-              <a:buNone/>
-            </a:pPr>
-            <a:r>
-              <a:rPr lang="en-US" altLang="ru-RU" sz="2500"/>
-              <a:t>Цель - создание программного продукта на основании </a:t>
-            </a:r>
-            <a:r>
-              <a:rPr lang="en-US" altLang="ru-RU" sz="2500">
-                <a:sym typeface="+mn-ea"/>
-              </a:rPr>
-              <a:t>webRTC стандарта </a:t>
-            </a:r>
-            <a:r>
-              <a:rPr lang="en-US" altLang="ru-RU" sz="2500"/>
-              <a:t>для установления соединения  и обмена информацией между конечными пользователями.</a:t>
-            </a:r>
-            <a:endParaRPr lang="en-US" altLang="ru-RU" sz="2500"/>
-          </a:p>
-          <a:p>
-            <a:pPr marL="0" indent="0">
-              <a:lnSpc>
-                <a:spcPct val="150000"/>
-              </a:lnSpc>
-              <a:buNone/>
-            </a:pPr>
-            <a:r>
-              <a:rPr lang="en-US" altLang="en-US" sz="2500">
-                <a:sym typeface="+mn-ea"/>
-              </a:rPr>
-              <a:t>О</a:t>
-            </a:r>
-            <a:r>
-              <a:rPr lang="en-US" altLang="ru-RU" sz="2500">
-                <a:sym typeface="+mn-ea"/>
-              </a:rPr>
-              <a:t>бъ</a:t>
-            </a:r>
-            <a:r>
-              <a:rPr lang="en-US" altLang="en-US" sz="2500">
-                <a:sym typeface="+mn-ea"/>
-              </a:rPr>
-              <a:t>е</a:t>
-            </a:r>
-            <a:r>
-              <a:rPr lang="en-US" altLang="ru-RU" sz="2500">
-                <a:sym typeface="+mn-ea"/>
-              </a:rPr>
-              <a:t>кт </a:t>
-            </a:r>
-            <a:r>
-              <a:rPr lang="en-US" altLang="en-US" sz="2500">
-                <a:sym typeface="+mn-ea"/>
-              </a:rPr>
-              <a:t>- онлайн конференция</a:t>
-            </a:r>
-            <a:endParaRPr lang="en-US" altLang="en-US" sz="2500">
-              <a:sym typeface="+mn-ea"/>
-            </a:endParaRPr>
-          </a:p>
-          <a:p>
-            <a:pPr marL="0" indent="0">
-              <a:lnSpc>
-                <a:spcPct val="150000"/>
-              </a:lnSpc>
-              <a:buNone/>
-            </a:pPr>
-            <a:r>
-              <a:rPr lang="en-US" altLang="en-US" sz="2500">
-                <a:sym typeface="+mn-ea"/>
-              </a:rPr>
-              <a:t>П</a:t>
-            </a:r>
-            <a:r>
-              <a:rPr lang="en-US" altLang="ru-RU" sz="2500">
-                <a:sym typeface="+mn-ea"/>
-              </a:rPr>
-              <a:t>редмет </a:t>
-            </a:r>
-            <a:r>
-              <a:rPr lang="en-US" altLang="en-US" sz="2500">
-                <a:sym typeface="+mn-ea"/>
-              </a:rPr>
-              <a:t>- области применения использования данного стандарта при реализации программных продуктов</a:t>
-            </a:r>
-            <a:endParaRPr lang="en-US" altLang="ru-RU" sz="2500"/>
-          </a:p>
-        </p:txBody>
-      </p:sp>
-    </p:spTree>
-  </p:cSld>
-  <p:clrMapOvr>
-    <a:masterClrMapping/>
-  </p:clrMapOvr>
-</p:sld>
-</file>
-
-<file path=ppt/slides/slide20.xml><?xml version="1.0" encoding="utf-8"?>
 <p:sld xmlns:a="http://schemas.openxmlformats.org/drawingml/2006/main" xmlns:r="http://schemas.openxmlformats.org/officeDocument/2006/relationships" xmlns:p="http://schemas.openxmlformats.org/presentationml/2006/main">
   <p:cSld>
     <p:spTree>
@@ -4337,27 +5850,30 @@
                 <a:tableStyleId>{5C22544A-7EE6-4342-B048-85BDC9FD1C3A}</a:tableStyleId>
               </a:tblPr>
               <a:tblGrid>
-                <a:gridCol w="2628900"/>
-                <a:gridCol w="2628900"/>
-                <a:gridCol w="2628900"/>
-                <a:gridCol w="2628900"/>
+                <a:gridCol w="2908300"/>
+                <a:gridCol w="2645410"/>
+                <a:gridCol w="2415540"/>
+                <a:gridCol w="2546350"/>
               </a:tblGrid>
               <a:tr h="510540">
                 <a:tc>
                   <a:txBody>
                     <a:bodyPr/>
                     <a:p>
-                      <a:pPr indent="0">
+                      <a:pPr indent="0" algn="ctr">
+                        <a:lnSpc>
+                          <a:spcPct val="190000"/>
+                        </a:lnSpc>
                         <a:buNone/>
                       </a:pPr>
                       <a:r>
-                        <a:rPr lang="en-US" sz="1400" b="0">
+                        <a:rPr lang="en-US" sz="1600" b="0">
                           <a:latin typeface="Times New Roman" panose="02020603050405020304" charset="0"/>
                           <a:cs typeface="Times New Roman" panose="02020603050405020304" charset="0"/>
                         </a:rPr>
                         <a:t>Критерии</a:t>
                       </a:r>
-                      <a:endParaRPr lang="en-US" altLang="en-US" sz="1400" b="0">
+                      <a:endParaRPr lang="en-US" altLang="en-US" sz="1600" b="0">
                         <a:latin typeface="Times New Roman" panose="02020603050405020304" charset="0"/>
                         <a:ea typeface="Times New Roman" panose="02020603050405020304" charset="0"/>
                         <a:cs typeface="Times New Roman" panose="02020603050405020304" charset="0"/>
@@ -4370,17 +5886,20 @@
                   <a:txBody>
                     <a:bodyPr/>
                     <a:p>
-                      <a:pPr indent="0">
+                      <a:pPr indent="0" algn="ctr">
+                        <a:lnSpc>
+                          <a:spcPct val="190000"/>
+                        </a:lnSpc>
                         <a:buNone/>
                       </a:pPr>
                       <a:r>
-                        <a:rPr lang="en-US" sz="1400" b="0">
+                        <a:rPr lang="en-US" sz="1600" b="0">
                           <a:latin typeface="Times New Roman" panose="02020603050405020304" charset="0"/>
                           <a:cs typeface="Times New Roman" panose="02020603050405020304" charset="0"/>
                         </a:rPr>
                         <a:t>Видео чат</a:t>
                       </a:r>
-                      <a:endParaRPr lang="en-US" altLang="en-US" sz="1400" b="0">
+                      <a:endParaRPr lang="en-US" altLang="en-US" sz="1600" b="0">
                         <a:latin typeface="Times New Roman" panose="02020603050405020304" charset="0"/>
                         <a:ea typeface="Times New Roman" panose="02020603050405020304" charset="0"/>
                         <a:cs typeface="Times New Roman" panose="02020603050405020304" charset="0"/>
@@ -4393,17 +5912,20 @@
                   <a:txBody>
                     <a:bodyPr/>
                     <a:p>
-                      <a:pPr indent="0">
+                      <a:pPr indent="0" algn="ctr">
+                        <a:lnSpc>
+                          <a:spcPct val="190000"/>
+                        </a:lnSpc>
                         <a:buNone/>
                       </a:pPr>
                       <a:r>
-                        <a:rPr lang="en-US" sz="1400" b="0">
+                        <a:rPr lang="en-US" sz="1600" b="0">
                           <a:latin typeface="Times New Roman" panose="02020603050405020304" charset="0"/>
                           <a:cs typeface="Times New Roman" panose="02020603050405020304" charset="0"/>
                         </a:rPr>
                         <a:t>Skype</a:t>
                       </a:r>
-                      <a:endParaRPr lang="en-US" altLang="en-US" sz="1400" b="0">
+                      <a:endParaRPr lang="en-US" altLang="en-US" sz="1600" b="0">
                         <a:latin typeface="Times New Roman" panose="02020603050405020304" charset="0"/>
                         <a:ea typeface="Times New Roman" panose="02020603050405020304" charset="0"/>
                         <a:cs typeface="Times New Roman" panose="02020603050405020304" charset="0"/>
@@ -4416,17 +5938,20 @@
                   <a:txBody>
                     <a:bodyPr/>
                     <a:p>
-                      <a:pPr indent="0">
+                      <a:pPr indent="0" algn="ctr">
+                        <a:lnSpc>
+                          <a:spcPct val="190000"/>
+                        </a:lnSpc>
                         <a:buNone/>
                       </a:pPr>
                       <a:r>
-                        <a:rPr lang="en-US" sz="1400" b="0">
+                        <a:rPr lang="en-US" sz="1600" b="0">
                           <a:latin typeface="Times New Roman" panose="02020603050405020304" charset="0"/>
                           <a:cs typeface="Times New Roman" panose="02020603050405020304" charset="0"/>
                         </a:rPr>
                         <a:t>Google Hangouts</a:t>
                       </a:r>
-                      <a:endParaRPr lang="en-US" altLang="en-US" sz="1400" b="0">
+                      <a:endParaRPr lang="en-US" altLang="en-US" sz="1600" b="0">
                         <a:latin typeface="Times New Roman" panose="02020603050405020304" charset="0"/>
                         <a:ea typeface="Times New Roman" panose="02020603050405020304" charset="0"/>
                         <a:cs typeface="Times New Roman" panose="02020603050405020304" charset="0"/>
@@ -4441,17 +5966,20 @@
                   <a:txBody>
                     <a:bodyPr/>
                     <a:p>
-                      <a:pPr indent="0">
+                      <a:pPr indent="0" algn="ctr">
+                        <a:lnSpc>
+                          <a:spcPct val="190000"/>
+                        </a:lnSpc>
                         <a:buNone/>
                       </a:pPr>
                       <a:r>
-                        <a:rPr lang="en-US" sz="1400" b="0">
+                        <a:rPr lang="en-US" sz="1600" b="0">
                           <a:latin typeface="Times New Roman" panose="02020603050405020304" charset="0"/>
                           <a:cs typeface="Times New Roman" panose="02020603050405020304" charset="0"/>
                         </a:rPr>
                         <a:t>Задержка</a:t>
                       </a:r>
-                      <a:endParaRPr lang="en-US" altLang="en-US" sz="1400" b="0">
+                      <a:endParaRPr lang="en-US" altLang="en-US" sz="1600" b="0">
                         <a:latin typeface="Times New Roman" panose="02020603050405020304" charset="0"/>
                         <a:ea typeface="Times New Roman" panose="02020603050405020304" charset="0"/>
                         <a:cs typeface="Times New Roman" panose="02020603050405020304" charset="0"/>
@@ -4464,17 +5992,34 @@
                   <a:txBody>
                     <a:bodyPr/>
                     <a:p>
-                      <a:pPr indent="0">
+                      <a:pPr indent="0" algn="ctr">
+                        <a:lnSpc>
+                          <a:spcPct val="190000"/>
+                        </a:lnSpc>
                         <a:buNone/>
                       </a:pPr>
                       <a:r>
-                        <a:rPr lang="en-US" sz="1400" b="0">
+                        <a:rPr lang="en-US" sz="1600" b="0">
                           <a:latin typeface="Times New Roman" panose="02020603050405020304" charset="0"/>
                           <a:cs typeface="Times New Roman" panose="02020603050405020304" charset="0"/>
                         </a:rPr>
-                        <a:t>0.2 сек.</a:t>
+                        <a:t>0.</a:t>
                       </a:r>
-                      <a:endParaRPr lang="en-US" altLang="en-US" sz="1400" b="0">
+                      <a:r>
+                        <a:rPr lang="" altLang="en-US" sz="1600" b="0">
+                          <a:latin typeface="Times New Roman" panose="02020603050405020304" charset="0"/>
+                          <a:cs typeface="Times New Roman" panose="02020603050405020304" charset="0"/>
+                        </a:rPr>
+                        <a:t>4</a:t>
+                      </a:r>
+                      <a:r>
+                        <a:rPr lang="en-US" sz="1600" b="0">
+                          <a:latin typeface="Times New Roman" panose="02020603050405020304" charset="0"/>
+                          <a:cs typeface="Times New Roman" panose="02020603050405020304" charset="0"/>
+                        </a:rPr>
+                        <a:t> сек.</a:t>
+                      </a:r>
+                      <a:endParaRPr lang="en-US" altLang="en-US" sz="1600" b="0">
                         <a:latin typeface="Times New Roman" panose="02020603050405020304" charset="0"/>
                         <a:ea typeface="Times New Roman" panose="02020603050405020304" charset="0"/>
                         <a:cs typeface="Times New Roman" panose="02020603050405020304" charset="0"/>
@@ -4487,17 +6032,20 @@
                   <a:txBody>
                     <a:bodyPr/>
                     <a:p>
-                      <a:pPr indent="0">
+                      <a:pPr indent="0" algn="ctr">
+                        <a:lnSpc>
+                          <a:spcPct val="190000"/>
+                        </a:lnSpc>
                         <a:buNone/>
                       </a:pPr>
                       <a:r>
-                        <a:rPr lang="en-US" sz="1400" b="0">
+                        <a:rPr lang="en-US" sz="1600" b="0">
                           <a:latin typeface="Times New Roman" panose="02020603050405020304" charset="0"/>
                           <a:cs typeface="Times New Roman" panose="02020603050405020304" charset="0"/>
                         </a:rPr>
                         <a:t>1.4 сек.</a:t>
                       </a:r>
-                      <a:endParaRPr lang="en-US" altLang="en-US" sz="1400" b="0">
+                      <a:endParaRPr lang="en-US" altLang="en-US" sz="1600" b="0">
                         <a:latin typeface="Times New Roman" panose="02020603050405020304" charset="0"/>
                         <a:ea typeface="Times New Roman" panose="02020603050405020304" charset="0"/>
                         <a:cs typeface="Times New Roman" panose="02020603050405020304" charset="0"/>
@@ -4510,17 +6058,20 @@
                   <a:txBody>
                     <a:bodyPr/>
                     <a:p>
-                      <a:pPr indent="0">
+                      <a:pPr indent="0" algn="ctr">
+                        <a:lnSpc>
+                          <a:spcPct val="190000"/>
+                        </a:lnSpc>
                         <a:buNone/>
                       </a:pPr>
                       <a:r>
-                        <a:rPr lang="en-US" sz="1400" b="0">
+                        <a:rPr lang="en-US" sz="1600" b="0">
                           <a:latin typeface="Times New Roman" panose="02020603050405020304" charset="0"/>
                           <a:cs typeface="Times New Roman" panose="02020603050405020304" charset="0"/>
                         </a:rPr>
                         <a:t>1.05 сек.</a:t>
                       </a:r>
-                      <a:endParaRPr lang="en-US" altLang="en-US" sz="1400" b="0">
+                      <a:endParaRPr lang="en-US" altLang="en-US" sz="1600" b="0">
                         <a:latin typeface="Times New Roman" panose="02020603050405020304" charset="0"/>
                         <a:ea typeface="Times New Roman" panose="02020603050405020304" charset="0"/>
                         <a:cs typeface="Times New Roman" panose="02020603050405020304" charset="0"/>
@@ -4535,17 +6086,20 @@
                   <a:txBody>
                     <a:bodyPr/>
                     <a:p>
-                      <a:pPr indent="0">
+                      <a:pPr indent="0" algn="ctr">
+                        <a:lnSpc>
+                          <a:spcPct val="190000"/>
+                        </a:lnSpc>
                         <a:buNone/>
                       </a:pPr>
                       <a:r>
-                        <a:rPr lang="en-US" sz="1400" b="0">
+                        <a:rPr lang="en-US" sz="1600" b="0">
                           <a:latin typeface="Times New Roman" panose="02020603050405020304" charset="0"/>
                           <a:cs typeface="Times New Roman" panose="02020603050405020304" charset="0"/>
                         </a:rPr>
                         <a:t>Максимальное качество</a:t>
                       </a:r>
-                      <a:endParaRPr lang="en-US" altLang="en-US" sz="1400" b="0">
+                      <a:endParaRPr lang="en-US" altLang="en-US" sz="1600" b="0">
                         <a:latin typeface="Times New Roman" panose="02020603050405020304" charset="0"/>
                         <a:ea typeface="Times New Roman" panose="02020603050405020304" charset="0"/>
                         <a:cs typeface="Times New Roman" panose="02020603050405020304" charset="0"/>
@@ -4558,17 +6112,20 @@
                   <a:txBody>
                     <a:bodyPr/>
                     <a:p>
-                      <a:pPr indent="0">
+                      <a:pPr indent="0" algn="ctr">
+                        <a:lnSpc>
+                          <a:spcPct val="190000"/>
+                        </a:lnSpc>
                         <a:buNone/>
                       </a:pPr>
                       <a:r>
-                        <a:rPr lang="en-US" sz="1400" b="0">
+                        <a:rPr lang="en-US" sz="1600" b="0">
                           <a:latin typeface="Times New Roman" panose="02020603050405020304" charset="0"/>
                           <a:cs typeface="Times New Roman" panose="02020603050405020304" charset="0"/>
                         </a:rPr>
                         <a:t>720р</a:t>
                       </a:r>
-                      <a:endParaRPr lang="en-US" altLang="en-US" sz="1400" b="0">
+                      <a:endParaRPr lang="en-US" altLang="en-US" sz="1600" b="0">
                         <a:latin typeface="Times New Roman" panose="02020603050405020304" charset="0"/>
                         <a:ea typeface="Times New Roman" panose="02020603050405020304" charset="0"/>
                         <a:cs typeface="Times New Roman" panose="02020603050405020304" charset="0"/>
@@ -4581,17 +6138,20 @@
                   <a:txBody>
                     <a:bodyPr/>
                     <a:p>
-                      <a:pPr indent="0">
+                      <a:pPr indent="0" algn="ctr">
+                        <a:lnSpc>
+                          <a:spcPct val="190000"/>
+                        </a:lnSpc>
                         <a:buNone/>
                       </a:pPr>
                       <a:r>
-                        <a:rPr lang="en-US" sz="1400" b="0">
+                        <a:rPr lang="en-US" sz="1600" b="0">
                           <a:latin typeface="Times New Roman" panose="02020603050405020304" charset="0"/>
                           <a:cs typeface="Times New Roman" panose="02020603050405020304" charset="0"/>
                         </a:rPr>
                         <a:t>1080р</a:t>
                       </a:r>
-                      <a:endParaRPr lang="en-US" altLang="en-US" sz="1400" b="0">
+                      <a:endParaRPr lang="en-US" altLang="en-US" sz="1600" b="0">
                         <a:latin typeface="Times New Roman" panose="02020603050405020304" charset="0"/>
                         <a:ea typeface="Times New Roman" panose="02020603050405020304" charset="0"/>
                         <a:cs typeface="Times New Roman" panose="02020603050405020304" charset="0"/>
@@ -4604,17 +6164,20 @@
                   <a:txBody>
                     <a:bodyPr/>
                     <a:p>
-                      <a:pPr indent="0">
+                      <a:pPr indent="0" algn="ctr">
+                        <a:lnSpc>
+                          <a:spcPct val="190000"/>
+                        </a:lnSpc>
                         <a:buNone/>
                       </a:pPr>
                       <a:r>
-                        <a:rPr lang="en-US" sz="1400" b="0">
+                        <a:rPr lang="en-US" sz="1600" b="0">
                           <a:latin typeface="Times New Roman" panose="02020603050405020304" charset="0"/>
                           <a:cs typeface="Times New Roman" panose="02020603050405020304" charset="0"/>
                         </a:rPr>
                         <a:t>1080р</a:t>
                       </a:r>
-                      <a:endParaRPr lang="en-US" altLang="en-US" sz="1400" b="0">
+                      <a:endParaRPr lang="en-US" altLang="en-US" sz="1600" b="0">
                         <a:latin typeface="Times New Roman" panose="02020603050405020304" charset="0"/>
                         <a:ea typeface="Times New Roman" panose="02020603050405020304" charset="0"/>
                         <a:cs typeface="Times New Roman" panose="02020603050405020304" charset="0"/>
@@ -4629,17 +6192,20 @@
                   <a:txBody>
                     <a:bodyPr/>
                     <a:p>
-                      <a:pPr indent="0">
+                      <a:pPr indent="0" algn="ctr">
+                        <a:lnSpc>
+                          <a:spcPct val="190000"/>
+                        </a:lnSpc>
                         <a:buNone/>
                       </a:pPr>
                       <a:r>
-                        <a:rPr lang="en-US" sz="1400" b="0">
+                        <a:rPr lang="en-US" sz="1600" b="0">
                           <a:latin typeface="Times New Roman" panose="02020603050405020304" charset="0"/>
                           <a:cs typeface="Times New Roman" panose="02020603050405020304" charset="0"/>
                         </a:rPr>
                         <a:t>Максимальная частота кадров</a:t>
                       </a:r>
-                      <a:endParaRPr lang="en-US" altLang="en-US" sz="1400" b="0">
+                      <a:endParaRPr lang="en-US" altLang="en-US" sz="1600" b="0">
                         <a:latin typeface="Times New Roman" panose="02020603050405020304" charset="0"/>
                         <a:ea typeface="Times New Roman" panose="02020603050405020304" charset="0"/>
                         <a:cs typeface="Times New Roman" panose="02020603050405020304" charset="0"/>
@@ -4652,17 +6218,20 @@
                   <a:txBody>
                     <a:bodyPr/>
                     <a:p>
-                      <a:pPr indent="0">
+                      <a:pPr indent="0" algn="ctr">
+                        <a:lnSpc>
+                          <a:spcPct val="190000"/>
+                        </a:lnSpc>
                         <a:buNone/>
                       </a:pPr>
                       <a:r>
-                        <a:rPr lang="en-US" sz="1400" b="0">
+                        <a:rPr lang="en-US" sz="1600" b="0">
                           <a:latin typeface="Times New Roman" panose="02020603050405020304" charset="0"/>
                           <a:cs typeface="Times New Roman" panose="02020603050405020304" charset="0"/>
                         </a:rPr>
                         <a:t>60 кадр./сек.</a:t>
                       </a:r>
-                      <a:endParaRPr lang="en-US" altLang="en-US" sz="1400" b="0">
+                      <a:endParaRPr lang="en-US" altLang="en-US" sz="1600" b="0">
                         <a:latin typeface="Times New Roman" panose="02020603050405020304" charset="0"/>
                         <a:ea typeface="Times New Roman" panose="02020603050405020304" charset="0"/>
                         <a:cs typeface="Times New Roman" panose="02020603050405020304" charset="0"/>
@@ -4675,17 +6244,20 @@
                   <a:txBody>
                     <a:bodyPr/>
                     <a:p>
-                      <a:pPr indent="0">
+                      <a:pPr indent="0" algn="ctr">
+                        <a:lnSpc>
+                          <a:spcPct val="190000"/>
+                        </a:lnSpc>
                         <a:buNone/>
                       </a:pPr>
                       <a:r>
-                        <a:rPr lang="en-US" sz="1400" b="0">
+                        <a:rPr lang="en-US" sz="1600" b="0">
                           <a:latin typeface="Times New Roman" panose="02020603050405020304" charset="0"/>
                           <a:cs typeface="Times New Roman" panose="02020603050405020304" charset="0"/>
                         </a:rPr>
                         <a:t>60 кадр./сек.</a:t>
                       </a:r>
-                      <a:endParaRPr lang="en-US" altLang="en-US" sz="1400" b="0">
+                      <a:endParaRPr lang="en-US" altLang="en-US" sz="1600" b="0">
                         <a:latin typeface="Times New Roman" panose="02020603050405020304" charset="0"/>
                         <a:ea typeface="Times New Roman" panose="02020603050405020304" charset="0"/>
                         <a:cs typeface="Times New Roman" panose="02020603050405020304" charset="0"/>
@@ -4698,17 +6270,20 @@
                   <a:txBody>
                     <a:bodyPr/>
                     <a:p>
-                      <a:pPr indent="0">
+                      <a:pPr indent="0" algn="ctr">
+                        <a:lnSpc>
+                          <a:spcPct val="190000"/>
+                        </a:lnSpc>
                         <a:buNone/>
                       </a:pPr>
                       <a:r>
-                        <a:rPr lang="en-US" sz="1400" b="0">
+                        <a:rPr lang="en-US" sz="1600" b="0">
                           <a:latin typeface="Times New Roman" panose="02020603050405020304" charset="0"/>
                           <a:cs typeface="Times New Roman" panose="02020603050405020304" charset="0"/>
                         </a:rPr>
                         <a:t>60 кадр./сек.</a:t>
                       </a:r>
-                      <a:endParaRPr lang="en-US" altLang="en-US" sz="1400" b="0">
+                      <a:endParaRPr lang="en-US" altLang="en-US" sz="1600" b="0">
                         <a:latin typeface="Times New Roman" panose="02020603050405020304" charset="0"/>
                         <a:ea typeface="Times New Roman" panose="02020603050405020304" charset="0"/>
                         <a:cs typeface="Times New Roman" panose="02020603050405020304" charset="0"/>
@@ -4723,17 +6298,20 @@
                   <a:txBody>
                     <a:bodyPr/>
                     <a:p>
-                      <a:pPr indent="0">
+                      <a:pPr indent="0" algn="ctr">
+                        <a:lnSpc>
+                          <a:spcPct val="190000"/>
+                        </a:lnSpc>
                         <a:buNone/>
                       </a:pPr>
                       <a:r>
-                        <a:rPr lang="en-US" sz="1400" b="0">
+                        <a:rPr lang="en-US" sz="1600" b="0">
                           <a:latin typeface="Times New Roman" panose="02020603050405020304" charset="0"/>
                           <a:cs typeface="Times New Roman" panose="02020603050405020304" charset="0"/>
                         </a:rPr>
                         <a:t>Аудиокодек</a:t>
                       </a:r>
-                      <a:endParaRPr lang="en-US" altLang="en-US" sz="1400" b="0">
+                      <a:endParaRPr lang="en-US" altLang="en-US" sz="1600" b="0">
                         <a:latin typeface="Times New Roman" panose="02020603050405020304" charset="0"/>
                         <a:ea typeface="Times New Roman" panose="02020603050405020304" charset="0"/>
                         <a:cs typeface="Times New Roman" panose="02020603050405020304" charset="0"/>
@@ -4746,17 +6324,20 @@
                   <a:txBody>
                     <a:bodyPr/>
                     <a:p>
-                      <a:pPr indent="0">
+                      <a:pPr indent="0" algn="ctr">
+                        <a:lnSpc>
+                          <a:spcPct val="190000"/>
+                        </a:lnSpc>
                         <a:buNone/>
                       </a:pPr>
                       <a:r>
-                        <a:rPr lang="en-US" sz="1400" b="0">
+                        <a:rPr lang="en-US" sz="1600" b="0">
                           <a:latin typeface="Times New Roman" panose="02020603050405020304" charset="0"/>
                           <a:cs typeface="Times New Roman" panose="02020603050405020304" charset="0"/>
                         </a:rPr>
                         <a:t> OPUS </a:t>
                       </a:r>
-                      <a:endParaRPr lang="en-US" altLang="en-US" sz="1400" b="0">
+                      <a:endParaRPr lang="en-US" altLang="en-US" sz="1600" b="0">
                         <a:latin typeface="Times New Roman" panose="02020603050405020304" charset="0"/>
                         <a:ea typeface="Times New Roman" panose="02020603050405020304" charset="0"/>
                         <a:cs typeface="Times New Roman" panose="02020603050405020304" charset="0"/>
@@ -4769,17 +6350,20 @@
                   <a:txBody>
                     <a:bodyPr/>
                     <a:p>
-                      <a:pPr indent="0">
+                      <a:pPr indent="0" algn="ctr">
+                        <a:lnSpc>
+                          <a:spcPct val="190000"/>
+                        </a:lnSpc>
                         <a:buNone/>
                       </a:pPr>
                       <a:r>
-                        <a:rPr lang="en-US" sz="1400" b="0">
+                        <a:rPr lang="en-US" sz="1600" b="0">
                           <a:latin typeface="Times New Roman" panose="02020603050405020304" charset="0"/>
                           <a:cs typeface="Times New Roman" panose="02020603050405020304" charset="0"/>
                         </a:rPr>
                         <a:t>AVC</a:t>
                       </a:r>
-                      <a:endParaRPr lang="en-US" altLang="en-US" sz="1400" b="0">
+                      <a:endParaRPr lang="en-US" altLang="en-US" sz="1600" b="0">
                         <a:latin typeface="Times New Roman" panose="02020603050405020304" charset="0"/>
                         <a:ea typeface="Times New Roman" panose="02020603050405020304" charset="0"/>
                         <a:cs typeface="Times New Roman" panose="02020603050405020304" charset="0"/>
@@ -4792,17 +6376,20 @@
                   <a:txBody>
                     <a:bodyPr/>
                     <a:p>
-                      <a:pPr indent="0">
+                      <a:pPr indent="0" algn="ctr">
+                        <a:lnSpc>
+                          <a:spcPct val="190000"/>
+                        </a:lnSpc>
                         <a:buNone/>
                       </a:pPr>
                       <a:r>
-                        <a:rPr lang="en-US" sz="1400" b="0">
+                        <a:rPr lang="en-US" sz="1600" b="0">
                           <a:latin typeface="Times New Roman" panose="02020603050405020304" charset="0"/>
                           <a:cs typeface="Times New Roman" panose="02020603050405020304" charset="0"/>
                         </a:rPr>
                         <a:t>AVC</a:t>
                       </a:r>
-                      <a:endParaRPr lang="en-US" altLang="en-US" sz="1400" b="0">
+                      <a:endParaRPr lang="en-US" altLang="en-US" sz="1600" b="0">
                         <a:latin typeface="Times New Roman" panose="02020603050405020304" charset="0"/>
                         <a:ea typeface="Times New Roman" panose="02020603050405020304" charset="0"/>
                         <a:cs typeface="Times New Roman" panose="02020603050405020304" charset="0"/>
@@ -4817,17 +6404,20 @@
                   <a:txBody>
                     <a:bodyPr/>
                     <a:p>
-                      <a:pPr indent="0">
+                      <a:pPr indent="0" algn="ctr">
+                        <a:lnSpc>
+                          <a:spcPct val="190000"/>
+                        </a:lnSpc>
                         <a:buNone/>
                       </a:pPr>
                       <a:r>
-                        <a:rPr lang="en-US" sz="1400" b="0">
+                        <a:rPr lang="en-US" sz="1600" b="0">
                           <a:latin typeface="Times New Roman" panose="02020603050405020304" charset="0"/>
                           <a:cs typeface="Times New Roman" panose="02020603050405020304" charset="0"/>
                         </a:rPr>
                         <a:t>Видеокодек</a:t>
                       </a:r>
-                      <a:endParaRPr lang="en-US" altLang="en-US" sz="1400" b="0">
+                      <a:endParaRPr lang="en-US" altLang="en-US" sz="1600" b="0">
                         <a:latin typeface="Times New Roman" panose="02020603050405020304" charset="0"/>
                         <a:ea typeface="Times New Roman" panose="02020603050405020304" charset="0"/>
                         <a:cs typeface="Times New Roman" panose="02020603050405020304" charset="0"/>
@@ -4840,17 +6430,20 @@
                   <a:txBody>
                     <a:bodyPr/>
                     <a:p>
-                      <a:pPr indent="0">
+                      <a:pPr indent="0" algn="ctr">
+                        <a:lnSpc>
+                          <a:spcPct val="190000"/>
+                        </a:lnSpc>
                         <a:buNone/>
                       </a:pPr>
                       <a:r>
-                        <a:rPr lang="en-US" sz="1400" b="0">
+                        <a:rPr lang="en-US" sz="1600" b="0">
                           <a:latin typeface="Times New Roman" panose="02020603050405020304" charset="0"/>
                           <a:cs typeface="Times New Roman" panose="02020603050405020304" charset="0"/>
                         </a:rPr>
                         <a:t> VP8</a:t>
                       </a:r>
-                      <a:endParaRPr lang="en-US" altLang="en-US" sz="1400" b="0">
+                      <a:endParaRPr lang="en-US" altLang="en-US" sz="1600" b="0">
                         <a:latin typeface="Times New Roman" panose="02020603050405020304" charset="0"/>
                         <a:ea typeface="Times New Roman" panose="02020603050405020304" charset="0"/>
                         <a:cs typeface="Times New Roman" panose="02020603050405020304" charset="0"/>
@@ -4863,17 +6456,20 @@
                   <a:txBody>
                     <a:bodyPr/>
                     <a:p>
-                      <a:pPr indent="0">
+                      <a:pPr indent="0" algn="ctr">
+                        <a:lnSpc>
+                          <a:spcPct val="190000"/>
+                        </a:lnSpc>
                         <a:buNone/>
                       </a:pPr>
                       <a:r>
-                        <a:rPr lang="en-US" sz="1400" b="0">
+                        <a:rPr lang="en-US" sz="1600" b="0">
                           <a:latin typeface="Times New Roman" panose="02020603050405020304" charset="0"/>
                           <a:cs typeface="Times New Roman" panose="02020603050405020304" charset="0"/>
                         </a:rPr>
                         <a:t>H.264</a:t>
                       </a:r>
-                      <a:endParaRPr lang="en-US" altLang="en-US" sz="1400" b="0">
+                      <a:endParaRPr lang="en-US" altLang="en-US" sz="1600" b="0">
                         <a:latin typeface="Times New Roman" panose="02020603050405020304" charset="0"/>
                         <a:ea typeface="Times New Roman" panose="02020603050405020304" charset="0"/>
                         <a:cs typeface="Times New Roman" panose="02020603050405020304" charset="0"/>
@@ -4886,17 +6482,20 @@
                   <a:txBody>
                     <a:bodyPr/>
                     <a:p>
-                      <a:pPr indent="0">
+                      <a:pPr indent="0" algn="ctr">
+                        <a:lnSpc>
+                          <a:spcPct val="190000"/>
+                        </a:lnSpc>
                         <a:buNone/>
                       </a:pPr>
                       <a:r>
-                        <a:rPr lang="en-US" sz="1400" b="0">
+                        <a:rPr lang="en-US" sz="1600" b="0">
                           <a:latin typeface="Times New Roman" panose="02020603050405020304" charset="0"/>
                           <a:cs typeface="Times New Roman" panose="02020603050405020304" charset="0"/>
                         </a:rPr>
                         <a:t>H.264</a:t>
                       </a:r>
-                      <a:endParaRPr lang="en-US" altLang="en-US" sz="1400" b="0">
+                      <a:endParaRPr lang="en-US" altLang="en-US" sz="1600" b="0">
                         <a:latin typeface="Times New Roman" panose="02020603050405020304" charset="0"/>
                         <a:ea typeface="Times New Roman" panose="02020603050405020304" charset="0"/>
                         <a:cs typeface="Times New Roman" panose="02020603050405020304" charset="0"/>
@@ -4911,17 +6510,20 @@
                   <a:txBody>
                     <a:bodyPr/>
                     <a:p>
-                      <a:pPr indent="0">
+                      <a:pPr indent="0" algn="ctr">
+                        <a:lnSpc>
+                          <a:spcPct val="190000"/>
+                        </a:lnSpc>
                         <a:buNone/>
                       </a:pPr>
                       <a:r>
-                        <a:rPr lang="en-US" sz="1400" b="0">
+                        <a:rPr lang="en-US" sz="1600" b="0">
                           <a:latin typeface="Times New Roman" panose="02020603050405020304" charset="0"/>
                           <a:cs typeface="Times New Roman" panose="02020603050405020304" charset="0"/>
                         </a:rPr>
                         <a:t>Необходимость регистрации</a:t>
                       </a:r>
-                      <a:endParaRPr lang="en-US" altLang="en-US" sz="1400" b="0">
+                      <a:endParaRPr lang="en-US" altLang="en-US" sz="1600" b="0">
                         <a:latin typeface="Times New Roman" panose="02020603050405020304" charset="0"/>
                         <a:ea typeface="Times New Roman" panose="02020603050405020304" charset="0"/>
                         <a:cs typeface="Times New Roman" panose="02020603050405020304" charset="0"/>
@@ -4934,17 +6536,20 @@
                   <a:txBody>
                     <a:bodyPr/>
                     <a:p>
-                      <a:pPr indent="0">
+                      <a:pPr indent="0" algn="ctr">
+                        <a:lnSpc>
+                          <a:spcPct val="190000"/>
+                        </a:lnSpc>
                         <a:buNone/>
                       </a:pPr>
                       <a:r>
-                        <a:rPr lang="en-US" sz="1400" b="0">
+                        <a:rPr lang="en-US" sz="1600" b="0">
                           <a:latin typeface="Times New Roman" panose="02020603050405020304" charset="0"/>
                           <a:cs typeface="Times New Roman" panose="02020603050405020304" charset="0"/>
                         </a:rPr>
                         <a:t>Нет</a:t>
                       </a:r>
-                      <a:endParaRPr lang="en-US" altLang="en-US" sz="1400" b="0">
+                      <a:endParaRPr lang="en-US" altLang="en-US" sz="1600" b="0">
                         <a:latin typeface="Times New Roman" panose="02020603050405020304" charset="0"/>
                         <a:ea typeface="Times New Roman" panose="02020603050405020304" charset="0"/>
                         <a:cs typeface="Times New Roman" panose="02020603050405020304" charset="0"/>
@@ -4957,17 +6562,20 @@
                   <a:txBody>
                     <a:bodyPr/>
                     <a:p>
-                      <a:pPr indent="0">
+                      <a:pPr indent="0" algn="ctr">
+                        <a:lnSpc>
+                          <a:spcPct val="190000"/>
+                        </a:lnSpc>
                         <a:buNone/>
                       </a:pPr>
                       <a:r>
-                        <a:rPr lang="en-US" sz="1400" b="0">
+                        <a:rPr lang="en-US" sz="1600" b="0">
                           <a:latin typeface="Times New Roman" panose="02020603050405020304" charset="0"/>
                           <a:cs typeface="Times New Roman" panose="02020603050405020304" charset="0"/>
                         </a:rPr>
                         <a:t>Да</a:t>
                       </a:r>
-                      <a:endParaRPr lang="en-US" altLang="en-US" sz="1400" b="0">
+                      <a:endParaRPr lang="en-US" altLang="en-US" sz="1600" b="0">
                         <a:latin typeface="Times New Roman" panose="02020603050405020304" charset="0"/>
                         <a:ea typeface="Times New Roman" panose="02020603050405020304" charset="0"/>
                         <a:cs typeface="Times New Roman" panose="02020603050405020304" charset="0"/>
@@ -4980,17 +6588,20 @@
                   <a:txBody>
                     <a:bodyPr/>
                     <a:p>
-                      <a:pPr indent="0">
+                      <a:pPr indent="0" algn="ctr">
+                        <a:lnSpc>
+                          <a:spcPct val="190000"/>
+                        </a:lnSpc>
                         <a:buNone/>
                       </a:pPr>
                       <a:r>
-                        <a:rPr lang="en-US" sz="1400" b="0">
+                        <a:rPr lang="en-US" sz="1600" b="0">
                           <a:latin typeface="Times New Roman" panose="02020603050405020304" charset="0"/>
                           <a:cs typeface="Times New Roman" panose="02020603050405020304" charset="0"/>
                         </a:rPr>
                         <a:t>Да</a:t>
                       </a:r>
-                      <a:endParaRPr lang="en-US" altLang="en-US" sz="1400" b="0">
+                      <a:endParaRPr lang="en-US" altLang="en-US" sz="1600" b="0">
                         <a:latin typeface="Times New Roman" panose="02020603050405020304" charset="0"/>
                         <a:ea typeface="Times New Roman" panose="02020603050405020304" charset="0"/>
                         <a:cs typeface="Times New Roman" panose="02020603050405020304" charset="0"/>
@@ -5005,17 +6616,20 @@
                   <a:txBody>
                     <a:bodyPr/>
                     <a:p>
-                      <a:pPr indent="0">
+                      <a:pPr indent="0" algn="ctr">
+                        <a:lnSpc>
+                          <a:spcPct val="190000"/>
+                        </a:lnSpc>
                         <a:buNone/>
                       </a:pPr>
                       <a:r>
-                        <a:rPr lang="en-US" sz="1400" b="0">
+                        <a:rPr lang="en-US" sz="1600" b="0">
                           <a:latin typeface="Times New Roman" panose="02020603050405020304" charset="0"/>
                           <a:cs typeface="Times New Roman" panose="02020603050405020304" charset="0"/>
                         </a:rPr>
                         <a:t>Необходимость установки ПО</a:t>
                       </a:r>
-                      <a:endParaRPr lang="en-US" altLang="en-US" sz="1400" b="0">
+                      <a:endParaRPr lang="en-US" altLang="en-US" sz="1600" b="0">
                         <a:latin typeface="Times New Roman" panose="02020603050405020304" charset="0"/>
                         <a:ea typeface="Times New Roman" panose="02020603050405020304" charset="0"/>
                         <a:cs typeface="Times New Roman" panose="02020603050405020304" charset="0"/>
@@ -5028,17 +6642,20 @@
                   <a:txBody>
                     <a:bodyPr/>
                     <a:p>
-                      <a:pPr indent="0">
+                      <a:pPr indent="0" algn="ctr">
+                        <a:lnSpc>
+                          <a:spcPct val="190000"/>
+                        </a:lnSpc>
                         <a:buNone/>
                       </a:pPr>
                       <a:r>
-                        <a:rPr lang="en-US" sz="1400" b="0">
+                        <a:rPr lang="en-US" sz="1600" b="0">
                           <a:latin typeface="Times New Roman" panose="02020603050405020304" charset="0"/>
                           <a:cs typeface="Times New Roman" panose="02020603050405020304" charset="0"/>
                         </a:rPr>
                         <a:t>Нет</a:t>
                       </a:r>
-                      <a:endParaRPr lang="en-US" altLang="en-US" sz="1400" b="0">
+                      <a:endParaRPr lang="en-US" altLang="en-US" sz="1600" b="0">
                         <a:latin typeface="Times New Roman" panose="02020603050405020304" charset="0"/>
                         <a:ea typeface="Times New Roman" panose="02020603050405020304" charset="0"/>
                         <a:cs typeface="Times New Roman" panose="02020603050405020304" charset="0"/>
@@ -5051,17 +6668,20 @@
                   <a:txBody>
                     <a:bodyPr/>
                     <a:p>
-                      <a:pPr indent="0">
+                      <a:pPr indent="0" algn="ctr">
+                        <a:lnSpc>
+                          <a:spcPct val="190000"/>
+                        </a:lnSpc>
                         <a:buNone/>
                       </a:pPr>
                       <a:r>
-                        <a:rPr lang="en-US" sz="1400" b="0">
+                        <a:rPr lang="en-US" sz="1600" b="0">
                           <a:latin typeface="Times New Roman" panose="02020603050405020304" charset="0"/>
                           <a:cs typeface="Times New Roman" panose="02020603050405020304" charset="0"/>
                         </a:rPr>
                         <a:t>Да</a:t>
                       </a:r>
-                      <a:endParaRPr lang="en-US" altLang="en-US" sz="1400" b="0">
+                      <a:endParaRPr lang="en-US" altLang="en-US" sz="1600" b="0">
                         <a:latin typeface="Times New Roman" panose="02020603050405020304" charset="0"/>
                         <a:ea typeface="Times New Roman" panose="02020603050405020304" charset="0"/>
                         <a:cs typeface="Times New Roman" panose="02020603050405020304" charset="0"/>
@@ -5074,17 +6694,20 @@
                   <a:txBody>
                     <a:bodyPr/>
                     <a:p>
-                      <a:pPr indent="0">
+                      <a:pPr indent="0" algn="ctr">
+                        <a:lnSpc>
+                          <a:spcPct val="190000"/>
+                        </a:lnSpc>
                         <a:buNone/>
                       </a:pPr>
                       <a:r>
-                        <a:rPr lang="en-US" sz="1400" b="0">
+                        <a:rPr lang="en-US" sz="1600" b="0">
                           <a:latin typeface="Times New Roman" panose="02020603050405020304" charset="0"/>
                           <a:cs typeface="Times New Roman" panose="02020603050405020304" charset="0"/>
                         </a:rPr>
                         <a:t>Нет</a:t>
                       </a:r>
-                      <a:endParaRPr lang="en-US" altLang="en-US" sz="1400" b="0">
+                      <a:endParaRPr lang="en-US" altLang="en-US" sz="1600" b="0">
                         <a:latin typeface="Times New Roman" panose="02020603050405020304" charset="0"/>
                         <a:ea typeface="Times New Roman" panose="02020603050405020304" charset="0"/>
                         <a:cs typeface="Times New Roman" panose="02020603050405020304" charset="0"/>
@@ -5106,7 +6729,111 @@
 </p:sld>
 </file>
 
-<file path=ppt/slides/slide21.xml><?xml version="1.0" encoding="utf-8"?>
+<file path=ppt/slides/slide2.xml><?xml version="1.0" encoding="utf-8"?>
+<p:sld xmlns:a="http://schemas.openxmlformats.org/drawingml/2006/main" xmlns:r="http://schemas.openxmlformats.org/officeDocument/2006/relationships" xmlns:p="http://schemas.openxmlformats.org/presentationml/2006/main">
+  <p:cSld>
+    <p:spTree>
+      <p:nvGrpSpPr>
+        <p:cNvPr id="1" name=""/>
+        <p:cNvGrpSpPr/>
+        <p:nvPr/>
+      </p:nvGrpSpPr>
+      <p:grpSpPr/>
+      <p:sp>
+        <p:nvSpPr>
+          <p:cNvPr id="2" name="Заголовок 1"/>
+          <p:cNvSpPr>
+            <a:spLocks noGrp="1"/>
+          </p:cNvSpPr>
+          <p:nvPr>
+            <p:ph type="title"/>
+          </p:nvPr>
+        </p:nvSpPr>
+        <p:spPr/>
+        <p:txBody>
+          <a:bodyPr/>
+          <a:p>
+            <a:r>
+              <a:rPr lang="en-US" altLang="ru-RU"/>
+              <a:t>Цель </a:t>
+            </a:r>
+            <a:r>
+              <a:rPr lang="" altLang="en-US"/>
+              <a:t>работы</a:t>
+            </a:r>
+            <a:endParaRPr lang="" altLang="en-US"/>
+          </a:p>
+        </p:txBody>
+      </p:sp>
+      <p:sp>
+        <p:nvSpPr>
+          <p:cNvPr id="3" name="Замещающее содержимое 2"/>
+          <p:cNvSpPr>
+            <a:spLocks noGrp="1"/>
+          </p:cNvSpPr>
+          <p:nvPr>
+            <p:ph idx="1"/>
+          </p:nvPr>
+        </p:nvSpPr>
+        <p:spPr/>
+        <p:txBody>
+          <a:bodyPr>
+            <a:normAutofit/>
+          </a:bodyPr>
+          <a:p>
+            <a:pPr marL="0" indent="0">
+              <a:lnSpc>
+                <a:spcPct val="150000"/>
+              </a:lnSpc>
+              <a:buNone/>
+            </a:pPr>
+            <a:r>
+              <a:rPr lang="" altLang="en-US" sz="2500"/>
+              <a:t>С</a:t>
+            </a:r>
+            <a:r>
+              <a:rPr lang="en-US" altLang="ru-RU" sz="2500"/>
+              <a:t>оздание </a:t>
+            </a:r>
+            <a:r>
+              <a:rPr lang="" altLang="en-US" sz="2500"/>
+              <a:t>видео чата </a:t>
+            </a:r>
+            <a:r>
+              <a:rPr lang="en-US" altLang="ru-RU" sz="2500"/>
+              <a:t>на основ</a:t>
+            </a:r>
+            <a:r>
+              <a:rPr lang="" altLang="en-US" sz="2500"/>
+              <a:t>е</a:t>
+            </a:r>
+            <a:r>
+              <a:rPr lang="en-US" altLang="ru-RU" sz="2500"/>
+              <a:t> </a:t>
+            </a:r>
+            <a:r>
+              <a:rPr lang="en-US" altLang="ru-RU" sz="2500">
+                <a:sym typeface="+mn-ea"/>
+              </a:rPr>
+              <a:t>webRTC стандарта </a:t>
+            </a:r>
+            <a:r>
+              <a:rPr lang="en-US" altLang="ru-RU" sz="2500"/>
+              <a:t>для установления соединения  и обмена информацией между конечными пользователями.</a:t>
+            </a:r>
+            <a:endParaRPr lang="en-US" altLang="ru-RU" sz="2500"/>
+          </a:p>
+        </p:txBody>
+      </p:sp>
+    </p:spTree>
+  </p:cSld>
+  <p:clrMapOvr>
+    <a:masterClrMapping/>
+  </p:clrMapOvr>
+</p:sld>
+</file>
+
+<file path=ppt/slides/slide20.xml><?xml version="1.0" encoding="utf-8"?>
 <p:sld xmlns:a="http://schemas.openxmlformats.org/drawingml/2006/main" xmlns:r="http://schemas.openxmlformats.org/officeDocument/2006/relationships" xmlns:p="http://schemas.openxmlformats.org/presentationml/2006/main">
   <p:cSld>
     <p:spTree>
@@ -5182,6 +6909,110 @@
 </p:sld>
 </file>
 
+<file path=ppt/slides/slide21.xml><?xml version="1.0" encoding="utf-8"?>
+<p:sld xmlns:a="http://schemas.openxmlformats.org/drawingml/2006/main" xmlns:r="http://schemas.openxmlformats.org/officeDocument/2006/relationships" xmlns:p="http://schemas.openxmlformats.org/presentationml/2006/main">
+  <p:cSld>
+    <p:spTree>
+      <p:nvGrpSpPr>
+        <p:cNvPr id="1" name=""/>
+        <p:cNvGrpSpPr/>
+        <p:nvPr/>
+      </p:nvGrpSpPr>
+      <p:grpSpPr/>
+      <p:sp>
+        <p:nvSpPr>
+          <p:cNvPr id="2" name="Заголовок 1"/>
+          <p:cNvSpPr>
+            <a:spLocks noGrp="1"/>
+          </p:cNvSpPr>
+          <p:nvPr>
+            <p:ph type="title"/>
+          </p:nvPr>
+        </p:nvSpPr>
+        <p:spPr/>
+        <p:txBody>
+          <a:bodyPr>
+            <a:normAutofit/>
+          </a:bodyPr>
+          <a:p>
+            <a:r>
+              <a:rPr lang="en-US" altLang="en-US"/>
+              <a:t>Заключение	</a:t>
+            </a:r>
+            <a:endParaRPr lang="en-US" altLang="en-US"/>
+          </a:p>
+        </p:txBody>
+      </p:sp>
+      <p:sp>
+        <p:nvSpPr>
+          <p:cNvPr id="3" name="Замещающее содержимое 2"/>
+          <p:cNvSpPr/>
+          <p:nvPr>
+            <p:ph idx="1"/>
+          </p:nvPr>
+        </p:nvSpPr>
+        <p:spPr>
+          <a:xfrm>
+            <a:off x="838200" y="1825625"/>
+            <a:ext cx="11073765" cy="4351655"/>
+          </a:xfrm>
+        </p:spPr>
+        <p:txBody>
+          <a:bodyPr>
+            <a:normAutofit fontScale="90000"/>
+          </a:bodyPr>
+          <a:p>
+            <a:pPr marL="0" indent="0">
+              <a:lnSpc>
+                <a:spcPct val="150000"/>
+              </a:lnSpc>
+              <a:buNone/>
+            </a:pPr>
+            <a:r>
+              <a:rPr lang="ru-RU" altLang="en-US"/>
+              <a:t>Разработанный </a:t>
+            </a:r>
+            <a:r>
+              <a:rPr lang="en-US" altLang="ru-RU"/>
+              <a:t>продукт </a:t>
+            </a:r>
+            <a:r>
+              <a:rPr lang="ru-RU" altLang="en-US"/>
+              <a:t>может  применяться  для  проведения  онлайн-конференций в учебных целях. Для организации трансляции требуется только создать комнату и поделиться ссылкой с участниками. </a:t>
+            </a:r>
+            <a:endParaRPr lang="ru-RU" altLang="en-US"/>
+          </a:p>
+          <a:p>
+            <a:pPr marL="0" indent="0">
+              <a:lnSpc>
+                <a:spcPct val="150000"/>
+              </a:lnSpc>
+              <a:buNone/>
+            </a:pPr>
+            <a:r>
+              <a:rPr lang="en-US" altLang="ru-RU"/>
+              <a:t>Нет необходимости </a:t>
+            </a:r>
+            <a:r>
+              <a:rPr lang="ru-RU" altLang="en-US"/>
+              <a:t>устанавливать дополнительного ПО, сервис является кроссплатформенным, поддерживается большинством браузеров</a:t>
+            </a:r>
+            <a:r>
+              <a:rPr lang="en-US" altLang="ru-RU"/>
+              <a:t>.</a:t>
+            </a:r>
+            <a:endParaRPr lang="en-US" altLang="ru-RU"/>
+          </a:p>
+        </p:txBody>
+      </p:sp>
+    </p:spTree>
+  </p:cSld>
+  <p:clrMapOvr>
+    <a:masterClrMapping/>
+  </p:clrMapOvr>
+</p:sld>
+</file>
+
 <file path=ppt/slides/slide22.xml><?xml version="1.0" encoding="utf-8"?>
 <p:sld xmlns:a="http://schemas.openxmlformats.org/drawingml/2006/main" xmlns:r="http://schemas.openxmlformats.org/officeDocument/2006/relationships" xmlns:p="http://schemas.openxmlformats.org/presentationml/2006/main">
   <p:cSld>
@@ -5202,74 +7033,23 @@
             <p:ph type="title"/>
           </p:nvPr>
         </p:nvSpPr>
-        <p:spPr/>
+        <p:spPr>
+          <a:xfrm>
+            <a:off x="838200" y="2766060"/>
+            <a:ext cx="10515600" cy="1325563"/>
+          </a:xfrm>
+        </p:spPr>
         <p:txBody>
           <a:bodyPr>
             <a:normAutofit/>
           </a:bodyPr>
           <a:p>
-            <a:r>
-              <a:rPr lang="en-US" altLang="en-US"/>
-              <a:t>Заключение	</a:t>
-            </a:r>
-            <a:endParaRPr lang="en-US" altLang="en-US"/>
-          </a:p>
-        </p:txBody>
-      </p:sp>
-      <p:sp>
-        <p:nvSpPr>
-          <p:cNvPr id="3" name="Замещающее содержимое 2"/>
-          <p:cNvSpPr/>
-          <p:nvPr>
-            <p:ph idx="1"/>
-          </p:nvPr>
-        </p:nvSpPr>
-        <p:spPr/>
-        <p:txBody>
-          <a:bodyPr>
-            <a:normAutofit fontScale="90000"/>
-          </a:bodyPr>
-          <a:p>
-            <a:pPr marL="0" indent="0">
-              <a:lnSpc>
-                <a:spcPct val="150000"/>
-              </a:lnSpc>
-              <a:buNone/>
-            </a:pPr>
-            <a:r>
-              <a:rPr lang="ru-RU" altLang="en-US"/>
-              <a:t>Разработанный </a:t>
-            </a:r>
-            <a:r>
-              <a:rPr lang="en-US" altLang="ru-RU"/>
-              <a:t>продукт </a:t>
-            </a:r>
-            <a:r>
-              <a:rPr lang="ru-RU" altLang="en-US"/>
-              <a:t>может  применяться  для  проведения  онлайн-конференций в учебных целях. Для организации трансляции требуется только создать комнату и поделиться ссылкой с ее участниками. </a:t>
-            </a:r>
-            <a:endParaRPr lang="ru-RU" altLang="en-US"/>
-          </a:p>
-          <a:p>
-            <a:pPr marL="0" indent="0">
-              <a:lnSpc>
-                <a:spcPct val="150000"/>
-              </a:lnSpc>
-              <a:buNone/>
-            </a:pPr>
-            <a:r>
-              <a:rPr lang="en-US" altLang="ru-RU"/>
-              <a:t>Нет необходимости </a:t>
-            </a:r>
-            <a:r>
-              <a:rPr lang="ru-RU" altLang="en-US"/>
-              <a:t>устанавливать дополнительного ПО, сервис является кроссплатформенным, поддерживается большинством браузеров</a:t>
-            </a:r>
-            <a:r>
-              <a:rPr lang="en-US" altLang="ru-RU"/>
-              <a:t>.</a:t>
-            </a:r>
-            <a:endParaRPr lang="en-US" altLang="ru-RU"/>
+            <a:pPr algn="ctr"/>
+            <a:r>
+              <a:rPr lang="" altLang="en-US"/>
+              <a:t>Спасибо за внимание!</a:t>
+            </a:r>
+            <a:endParaRPr lang="" altLang="en-US"/>
           </a:p>
         </p:txBody>
       </p:sp>
@@ -5303,78 +7083,86 @@
         </p:nvSpPr>
         <p:spPr/>
         <p:txBody>
+          <a:bodyPr/>
+          <a:p>
+            <a:r>
+              <a:rPr lang="" altLang="en-US"/>
+              <a:t>Задачи</a:t>
+            </a:r>
+            <a:endParaRPr lang="" altLang="en-US"/>
+          </a:p>
+        </p:txBody>
+      </p:sp>
+      <p:sp>
+        <p:nvSpPr>
+          <p:cNvPr id="3" name="Замещающее содержимое 2"/>
+          <p:cNvSpPr>
+            <a:spLocks noGrp="1"/>
+          </p:cNvSpPr>
+          <p:nvPr>
+            <p:ph idx="1"/>
+          </p:nvPr>
+        </p:nvSpPr>
+        <p:spPr/>
+        <p:txBody>
           <a:bodyPr>
-            <a:normAutofit fontScale="90000"/>
+            <a:normAutofit lnSpcReduction="10000"/>
           </a:bodyPr>
           <a:p>
-            <a:r>
-              <a:rPr lang="ru-RU" altLang="en-US">
-                <a:sym typeface="+mn-ea"/>
-              </a:rPr>
-              <a:t>WebRTC (Web Real-Time Communications) </a:t>
-            </a:r>
-            <a:endParaRPr lang="en-US" altLang="ru-RU">
-              <a:sym typeface="+mn-ea"/>
-            </a:endParaRPr>
-          </a:p>
-        </p:txBody>
-      </p:sp>
-      <p:sp>
-        <p:nvSpPr>
-          <p:cNvPr id="3" name="Замещающее содержимое 2"/>
-          <p:cNvSpPr>
-            <a:spLocks noGrp="1"/>
-          </p:cNvSpPr>
-          <p:nvPr>
-            <p:ph idx="1"/>
-          </p:nvPr>
-        </p:nvSpPr>
-        <p:spPr>
-          <a:xfrm>
-            <a:off x="838200" y="1825625"/>
-            <a:ext cx="10653395" cy="4873625"/>
-          </a:xfrm>
-        </p:spPr>
-        <p:txBody>
-          <a:bodyPr>
-            <a:normAutofit/>
-          </a:bodyPr>
-          <a:p>
-            <a:pPr marL="0" indent="0">
+            <a:pPr>
               <a:lnSpc>
                 <a:spcPct val="150000"/>
               </a:lnSpc>
-              <a:buNone/>
             </a:pPr>
             <a:r>
-              <a:rPr lang="ru-RU" altLang="en-US" sz="2500"/>
-              <a:t>WebRTC - </a:t>
-            </a:r>
-            <a:r>
-              <a:rPr lang="en-US" altLang="ru-RU" sz="2500"/>
-              <a:t>стандарт</a:t>
-            </a:r>
-            <a:r>
-              <a:rPr lang="ru-RU" altLang="en-US" sz="2500"/>
-              <a:t>, </a:t>
-            </a:r>
-            <a:r>
-              <a:rPr lang="en-US" altLang="ru-RU" sz="2500"/>
-              <a:t>позволяющий</a:t>
-            </a:r>
-            <a:r>
-              <a:rPr lang="ru-RU" altLang="en-US" sz="2500"/>
-              <a:t>  построить соединение в режиме узел-узел</a:t>
-            </a:r>
-            <a:r>
-              <a:rPr lang="en-US" altLang="ru-RU" sz="2500"/>
-              <a:t>, </a:t>
-            </a:r>
-            <a:r>
-              <a:rPr lang="ru-RU" altLang="en-US" sz="2500"/>
-              <a:t>захватывать и вещать аудио и видео медиа-потоки, а также передавать между браузерами произвольные данные, без обязательного использования посредников. </a:t>
-            </a:r>
-            <a:endParaRPr lang="ru-RU" altLang="en-US"/>
+              <a:rPr lang="" altLang="en-US" sz="2500"/>
+              <a:t>Изучить разновидности технологий при создании видео чата.</a:t>
+            </a:r>
+            <a:endParaRPr lang="en-US" sz="2500"/>
+          </a:p>
+          <a:p>
+            <a:pPr>
+              <a:lnSpc>
+                <a:spcPct val="150000"/>
+              </a:lnSpc>
+            </a:pPr>
+            <a:r>
+              <a:rPr lang="en-US" sz="2500"/>
+              <a:t>Изучить теоретические сведения по стандарту webRTC;</a:t>
+            </a:r>
+            <a:endParaRPr lang="en-US" sz="2500"/>
+          </a:p>
+          <a:p>
+            <a:pPr>
+              <a:lnSpc>
+                <a:spcPct val="150000"/>
+              </a:lnSpc>
+            </a:pPr>
+            <a:r>
+              <a:rPr lang="en-US" sz="2500"/>
+              <a:t>Разработать программный продукт - видео чат - для организации передачи потоковых данных между браузерами </a:t>
+            </a:r>
+            <a:r>
+              <a:rPr lang="" altLang="en-US" sz="2500"/>
+              <a:t>на основе стандарта webRTC</a:t>
+            </a:r>
+            <a:r>
+              <a:rPr lang="en-US" sz="2500"/>
+              <a:t>;</a:t>
+            </a:r>
+            <a:endParaRPr lang="en-US" sz="2500"/>
+          </a:p>
+          <a:p>
+            <a:pPr>
+              <a:lnSpc>
+                <a:spcPct val="150000"/>
+              </a:lnSpc>
+            </a:pPr>
+            <a:r>
+              <a:rPr lang="en-US" sz="2500"/>
+              <a:t>Сравнение разработанного проекта с другими платформами вещания в реальном времени.</a:t>
+            </a:r>
+            <a:endParaRPr lang="en-US" sz="2500"/>
           </a:p>
         </p:txBody>
       </p:sp>
@@ -5408,52 +7196,50 @@
         </p:nvSpPr>
         <p:spPr/>
         <p:txBody>
+          <a:bodyPr/>
+          <a:p>
+            <a:r>
+              <a:rPr lang="" altLang="en-US"/>
+              <a:t>Видео чат</a:t>
+            </a:r>
+            <a:endParaRPr lang="" altLang="en-US"/>
+          </a:p>
+        </p:txBody>
+      </p:sp>
+      <p:sp>
+        <p:nvSpPr>
+          <p:cNvPr id="3" name="Замещающее содержимое 2"/>
+          <p:cNvSpPr>
+            <a:spLocks noGrp="1"/>
+          </p:cNvSpPr>
+          <p:nvPr>
+            <p:ph idx="1"/>
+          </p:nvPr>
+        </p:nvSpPr>
+        <p:spPr/>
+        <p:txBody>
           <a:bodyPr>
-            <a:normAutofit fontScale="90000"/>
+            <a:normAutofit/>
           </a:bodyPr>
           <a:p>
-            <a:r>
-              <a:rPr lang="ru-RU" altLang="en-US">
-                <a:sym typeface="+mn-ea"/>
-              </a:rPr>
-              <a:t>WebRTC (Web Real-Time Communications) </a:t>
-            </a:r>
-            <a:endParaRPr lang="en-US" altLang="ru-RU">
-              <a:sym typeface="+mn-ea"/>
-            </a:endParaRPr>
-          </a:p>
-        </p:txBody>
-      </p:sp>
-      <p:pic>
-        <p:nvPicPr>
-          <p:cNvPr id="24" name="Изображение 1" descr="IMG_256"/>
-          <p:cNvPicPr>
-            <a:picLocks noChangeAspect="1"/>
-          </p:cNvPicPr>
-          <p:nvPr>
-            <p:ph idx="1"/>
-          </p:nvPr>
-        </p:nvPicPr>
-        <p:blipFill>
-          <a:blip r:embed="rId1"/>
-          <a:stretch>
-            <a:fillRect/>
-          </a:stretch>
-        </p:blipFill>
-        <p:spPr>
-          <a:xfrm>
-            <a:off x="1752600" y="1825625"/>
-            <a:ext cx="8686165" cy="4351655"/>
-          </a:xfrm>
-          <a:prstGeom prst="rect">
-            <a:avLst/>
-          </a:prstGeom>
-          <a:noFill/>
-          <a:ln w="9525">
-            <a:noFill/>
-          </a:ln>
-        </p:spPr>
-      </p:pic>
+            <a:pPr marL="0" indent="0">
+              <a:lnSpc>
+                <a:spcPct val="150000"/>
+              </a:lnSpc>
+              <a:buNone/>
+            </a:pPr>
+            <a:r>
+              <a:rPr lang="" altLang="en-US" sz="2500"/>
+              <a:t>О</a:t>
+            </a:r>
+            <a:r>
+              <a:rPr lang="en-US" sz="2500"/>
+              <a:t>нлайн-сервис, позволяющий пользователям Интернета общаться, в дополнение к текстовой переписке, в аудио и видео (посредством веб-камеры) режиме.</a:t>
+            </a:r>
+            <a:endParaRPr lang="en-US" sz="2500"/>
+          </a:p>
+        </p:txBody>
+      </p:sp>
     </p:spTree>
   </p:cSld>
   <p:clrMapOvr>
@@ -5484,13 +7270,15 @@
         </p:nvSpPr>
         <p:spPr/>
         <p:txBody>
-          <a:bodyPr/>
-          <a:p>
-            <a:r>
-              <a:rPr lang="en-US" altLang="ru-RU"/>
-              <a:t>Протоколы WebRTC - ICE</a:t>
-            </a:r>
-            <a:endParaRPr lang="en-US" altLang="ru-RU"/>
+          <a:bodyPr>
+            <a:normAutofit fontScale="90000"/>
+          </a:bodyPr>
+          <a:p>
+            <a:r>
+              <a:rPr lang="" altLang="en-US"/>
+              <a:t>Технологии для реализации видео чатов</a:t>
+            </a:r>
+            <a:endParaRPr lang="" altLang="en-US"/>
           </a:p>
         </p:txBody>
       </p:sp>
@@ -5504,15 +7292,10 @@
             <p:ph idx="1"/>
           </p:nvPr>
         </p:nvSpPr>
-        <p:spPr>
-          <a:xfrm>
-            <a:off x="838200" y="1825625"/>
-            <a:ext cx="11106150" cy="4351655"/>
-          </a:xfrm>
-        </p:spPr>
+        <p:spPr/>
         <p:txBody>
           <a:bodyPr>
-            <a:noAutofit/>
+            <a:normAutofit/>
           </a:bodyPr>
           <a:p>
             <a:pPr marL="0" indent="0">
@@ -5522,118 +7305,61 @@
               <a:buNone/>
             </a:pPr>
             <a:r>
-              <a:rPr lang="ru-RU" altLang="en-US" sz="2500">
-                <a:sym typeface="+mn-ea"/>
-              </a:rPr>
-              <a:t>ICE </a:t>
-            </a:r>
-            <a:r>
-              <a:rPr lang="ru-RU" altLang="en-US" sz="2500"/>
-              <a:t>(</a:t>
-            </a:r>
-            <a:r>
-              <a:rPr lang="ru-RU" altLang="en-US" sz="2500">
-                <a:sym typeface="+mn-ea"/>
-              </a:rPr>
-              <a:t>Interactive Connectivity Establishment </a:t>
-            </a:r>
-            <a:r>
-              <a:rPr lang="ru-RU" altLang="en-US" sz="2500"/>
-              <a:t>) </a:t>
-            </a:r>
-            <a:r>
-              <a:rPr lang="en-US" altLang="ru-RU" sz="2500"/>
-              <a:t>-</a:t>
-            </a:r>
-            <a:r>
-              <a:rPr lang="ru-RU" altLang="en-US" sz="2500"/>
-              <a:t> "Установка интерактивного подключения" представляет собой каркас, позволяющий веб-браузеру соединяться с узлами. </a:t>
-            </a:r>
-            <a:r>
-              <a:rPr lang="en-US" altLang="ru-RU" sz="2500"/>
-              <a:t>Соединение </a:t>
-            </a:r>
-            <a:r>
-              <a:rPr lang="ru-RU" altLang="en-US" sz="2500">
-                <a:sym typeface="+mn-ea"/>
-              </a:rPr>
-              <a:t>должно обойти межсетевые экраны, </a:t>
-            </a:r>
-            <a:r>
-              <a:rPr lang="en-US" altLang="ru-RU" sz="2500">
-                <a:sym typeface="+mn-ea"/>
-              </a:rPr>
-              <a:t>препятствующие</a:t>
-            </a:r>
-            <a:r>
-              <a:rPr lang="ru-RU" altLang="en-US" sz="2500">
-                <a:sym typeface="+mn-ea"/>
-              </a:rPr>
-              <a:t> открытию соединений, </a:t>
-            </a:r>
-            <a:r>
-              <a:rPr lang="en-US" altLang="ru-RU" sz="2500">
-                <a:sym typeface="+mn-ea"/>
-              </a:rPr>
-              <a:t>предоставить </a:t>
-            </a:r>
-            <a:r>
-              <a:rPr lang="ru-RU" altLang="en-US" sz="2500">
-                <a:sym typeface="+mn-ea"/>
-              </a:rPr>
-              <a:t>уникальный </a:t>
-            </a:r>
-            <a:r>
-              <a:rPr lang="en-US" altLang="ru-RU" sz="2500">
-                <a:sym typeface="+mn-ea"/>
-              </a:rPr>
-              <a:t>IP-</a:t>
-            </a:r>
-            <a:r>
-              <a:rPr lang="ru-RU" altLang="en-US" sz="2500">
-                <a:sym typeface="+mn-ea"/>
-              </a:rPr>
-              <a:t>адре</a:t>
-            </a:r>
-            <a:r>
-              <a:rPr lang="en-US" altLang="ru-RU" sz="2500">
-                <a:sym typeface="+mn-ea"/>
-              </a:rPr>
-              <a:t>с </a:t>
-            </a:r>
-            <a:r>
-              <a:rPr lang="ru-RU" altLang="en-US" sz="2500">
-                <a:sym typeface="+mn-ea"/>
-              </a:rPr>
-              <a:t>, и передавать данные через сервер. </a:t>
-            </a:r>
-            <a:endParaRPr lang="ru-RU" altLang="en-US" sz="2500">
-              <a:sym typeface="+mn-ea"/>
-            </a:endParaRPr>
-          </a:p>
-          <a:p>
-            <a:pPr marL="0" indent="0">
-              <a:lnSpc>
-                <a:spcPct val="150000"/>
-              </a:lnSpc>
-              <a:buNone/>
-            </a:pPr>
-            <a:r>
-              <a:rPr lang="ru-RU" altLang="en-US" sz="2500">
-                <a:sym typeface="+mn-ea"/>
-              </a:rPr>
-              <a:t>ICE использует некоторые из следующих технических приёмов, описанных ниже, для достижения этой цели:</a:t>
-            </a:r>
-            <a:endParaRPr lang="ru-RU" altLang="en-US" sz="2500"/>
-          </a:p>
-          <a:p>
-            <a:pPr marL="0" indent="0">
-              <a:buNone/>
-            </a:pPr>
-            <a:endParaRPr lang="ru-RU" altLang="en-US" sz="2500"/>
-          </a:p>
-        </p:txBody>
-      </p:sp>
+              <a:rPr lang="" altLang="en-US" sz="2500"/>
+              <a:t>	</a:t>
+            </a:r>
+            <a:endParaRPr lang="" altLang="en-US" sz="2500"/>
+          </a:p>
+        </p:txBody>
+      </p:sp>
+      <p:pic>
+        <p:nvPicPr>
+          <p:cNvPr id="4" name="Изображение 3"/>
+          <p:cNvPicPr>
+            <a:picLocks noChangeAspect="1"/>
+          </p:cNvPicPr>
+          <p:nvPr/>
+        </p:nvPicPr>
+        <p:blipFill>
+          <a:blip r:embed="rId1"/>
+          <a:stretch>
+            <a:fillRect/>
+          </a:stretch>
+        </p:blipFill>
+        <p:spPr>
+          <a:xfrm>
+            <a:off x="1758950" y="2719070"/>
+            <a:ext cx="1914525" cy="1914525"/>
+          </a:xfrm>
+          <a:prstGeom prst="rect">
+            <a:avLst/>
+          </a:prstGeom>
+        </p:spPr>
+      </p:pic>
+      <p:pic>
+        <p:nvPicPr>
+          <p:cNvPr id="6" name="Изображение 5"/>
+          <p:cNvPicPr>
+            <a:picLocks noChangeAspect="1"/>
+          </p:cNvPicPr>
+          <p:nvPr/>
+        </p:nvPicPr>
+        <p:blipFill>
+          <a:blip r:embed="rId2"/>
+          <a:stretch>
+            <a:fillRect/>
+          </a:stretch>
+        </p:blipFill>
+        <p:spPr>
+          <a:xfrm>
+            <a:off x="7629525" y="2223770"/>
+            <a:ext cx="2428875" cy="2905125"/>
+          </a:xfrm>
+          <a:prstGeom prst="rect">
+            <a:avLst/>
+          </a:prstGeom>
+        </p:spPr>
+      </p:pic>
     </p:spTree>
   </p:cSld>
   <p:clrMapOvr>
@@ -5664,13 +7390,22 @@
         </p:nvSpPr>
         <p:spPr/>
         <p:txBody>
-          <a:bodyPr/>
-          <a:p>
-            <a:r>
-              <a:rPr lang="en-US" altLang="ru-RU"/>
-              <a:t>Протоколы WebRTC - STUN</a:t>
-            </a:r>
-            <a:endParaRPr lang="en-US" altLang="ru-RU"/>
+          <a:bodyPr>
+            <a:normAutofit fontScale="90000"/>
+          </a:bodyPr>
+          <a:p>
+            <a:r>
+              <a:rPr lang="" altLang="en-US"/>
+              <a:t>Угрозы безопасности при использовании </a:t>
+            </a:r>
+            <a:br>
+              <a:rPr lang="" altLang="en-US"/>
+            </a:br>
+            <a:r>
+              <a:rPr lang="" altLang="en-US"/>
+              <a:t>Flash player видеочата</a:t>
+            </a:r>
+            <a:endParaRPr lang="" altLang="en-US"/>
           </a:p>
         </p:txBody>
       </p:sp>
@@ -5684,16 +7419,55 @@
             <p:ph idx="1"/>
           </p:nvPr>
         </p:nvSpPr>
-        <p:spPr>
-          <a:xfrm>
-            <a:off x="838200" y="1825625"/>
-            <a:ext cx="11106150" cy="4351655"/>
-          </a:xfrm>
-        </p:spPr>
+        <p:spPr/>
         <p:txBody>
           <a:bodyPr>
-            <a:noAutofit/>
+            <a:normAutofit/>
           </a:bodyPr>
+          <a:p>
+            <a:pPr>
+              <a:lnSpc>
+                <a:spcPct val="150000"/>
+              </a:lnSpc>
+            </a:pPr>
+            <a:r>
+              <a:rPr lang="" altLang="en-US" sz="2500"/>
+              <a:t>Раскрытие персональных данных</a:t>
+            </a:r>
+            <a:endParaRPr lang="" altLang="en-US" sz="2500"/>
+          </a:p>
+          <a:p>
+            <a:pPr>
+              <a:lnSpc>
+                <a:spcPct val="150000"/>
+              </a:lnSpc>
+            </a:pPr>
+            <a:r>
+              <a:rPr lang="" altLang="en-US" sz="2500"/>
+              <a:t>Получение контроля над управлением веб-камерой и микрофоном.</a:t>
+            </a:r>
+            <a:endParaRPr lang="" altLang="en-US" sz="2500"/>
+          </a:p>
+          <a:p>
+            <a:pPr>
+              <a:lnSpc>
+                <a:spcPct val="150000"/>
+              </a:lnSpc>
+            </a:pPr>
+            <a:r>
+              <a:rPr lang="" altLang="en-US" sz="2500"/>
+              <a:t>Внедрение рекламы в операционную систему пользователя</a:t>
+            </a:r>
+            <a:endParaRPr lang="" altLang="en-US" sz="2500"/>
+          </a:p>
+          <a:p>
+            <a:pPr>
+              <a:lnSpc>
+                <a:spcPct val="150000"/>
+              </a:lnSpc>
+            </a:pPr>
+            <a:endParaRPr lang="" altLang="en-US" sz="2500"/>
+          </a:p>
           <a:p>
             <a:pPr marL="0" indent="0">
               <a:lnSpc>
@@ -5702,55 +7476,12 @@
               <a:buNone/>
             </a:pPr>
             <a:r>
-              <a:rPr sz="2500">
+              <a:rPr lang="en-US" altLang="en-US" sz="2500">
                 <a:sym typeface="+mn-ea"/>
               </a:rPr>
-              <a:t>STUN </a:t>
-            </a:r>
-            <a:r>
-              <a:rPr sz="2500"/>
-              <a:t>(</a:t>
-            </a:r>
-            <a:r>
-              <a:rPr sz="2500">
-                <a:sym typeface="+mn-ea"/>
-              </a:rPr>
-              <a:t>Session Traversal Utilities for NAT</a:t>
-            </a:r>
-            <a:r>
-              <a:rPr sz="2500"/>
-              <a:t>) </a:t>
-            </a:r>
-            <a:r>
-              <a:rPr lang="en-US" sz="2500"/>
-              <a:t>-</a:t>
-            </a:r>
-            <a:r>
-              <a:rPr sz="2500"/>
-              <a:t> это протокол для нахождения и определения публичного адреса </a:t>
-            </a:r>
-            <a:r>
-              <a:rPr lang="en-US" sz="2500"/>
-              <a:t>устройства </a:t>
-            </a:r>
-            <a:r>
-              <a:rPr sz="2500"/>
-              <a:t>и любых ограничений в маршрутизаторе, которые препятствуют прямому соединению с узлом.</a:t>
-            </a:r>
-            <a:endParaRPr sz="2500"/>
-          </a:p>
-          <a:p>
-            <a:pPr marL="0" indent="0">
-              <a:lnSpc>
-                <a:spcPct val="150000"/>
-              </a:lnSpc>
-              <a:buNone/>
-            </a:pPr>
-            <a:r>
-              <a:rPr sz="2500"/>
-              <a:t>Клиент отправит запрос к STUN серверу в интернете, который ответит публичным адресом клиента и, доступен ли, или нет, клиент за NAT маршрутизатором.</a:t>
-            </a:r>
-            <a:endParaRPr sz="2500"/>
+              <a:t>181 уязвимость Flash, из которых 152 оценены как критичные.</a:t>
+            </a:r>
+            <a:endParaRPr lang="" altLang="en-US" sz="2500"/>
           </a:p>
         </p:txBody>
       </p:sp>
@@ -5784,42 +7515,81 @@
         </p:nvSpPr>
         <p:spPr/>
         <p:txBody>
-          <a:bodyPr/>
-          <a:p>
-            <a:r>
-              <a:rPr lang="en-US" altLang="ru-RU"/>
-              <a:t>Протоколы WebRTC - STUN</a:t>
-            </a:r>
-            <a:endParaRPr lang="en-US" altLang="ru-RU"/>
-          </a:p>
-        </p:txBody>
-      </p:sp>
-      <p:pic>
-        <p:nvPicPr>
-          <p:cNvPr id="4" name="Замещающее содержимое 3"/>
-          <p:cNvPicPr>
-            <a:picLocks noChangeAspect="1"/>
-          </p:cNvPicPr>
+          <a:bodyPr>
+            <a:normAutofit fontScale="90000"/>
+          </a:bodyPr>
+          <a:p>
+            <a:r>
+              <a:rPr lang="ru-RU" altLang="en-US">
+                <a:sym typeface="+mn-ea"/>
+              </a:rPr>
+              <a:t>WebRTC (Web Real-Time Communications) </a:t>
+            </a:r>
+            <a:endParaRPr lang="en-US" altLang="ru-RU">
+              <a:sym typeface="+mn-ea"/>
+            </a:endParaRPr>
+          </a:p>
+        </p:txBody>
+      </p:sp>
+      <p:sp>
+        <p:nvSpPr>
+          <p:cNvPr id="3" name="Замещающее содержимое 2"/>
+          <p:cNvSpPr>
+            <a:spLocks noGrp="1"/>
+          </p:cNvSpPr>
           <p:nvPr>
             <p:ph idx="1"/>
           </p:nvPr>
-        </p:nvPicPr>
-        <p:blipFill>
-          <a:blip r:embed="rId1"/>
-          <a:stretch>
-            <a:fillRect/>
-          </a:stretch>
-        </p:blipFill>
+        </p:nvSpPr>
         <p:spPr>
           <a:xfrm>
-            <a:off x="3991610" y="1475740"/>
-            <a:ext cx="3463290" cy="5054600"/>
+            <a:off x="838200" y="1825625"/>
+            <a:ext cx="10653395" cy="4873625"/>
           </a:xfrm>
-          <a:prstGeom prst="rect">
-            <a:avLst/>
-          </a:prstGeom>
         </p:spPr>
-      </p:pic>
+        <p:txBody>
+          <a:bodyPr>
+            <a:normAutofit/>
+          </a:bodyPr>
+          <a:p>
+            <a:pPr marL="0" indent="0">
+              <a:lnSpc>
+                <a:spcPct val="150000"/>
+              </a:lnSpc>
+              <a:buNone/>
+            </a:pPr>
+            <a:r>
+              <a:rPr lang="ru-RU" altLang="en-US" sz="2500"/>
+              <a:t>WebRTC - </a:t>
+            </a:r>
+            <a:r>
+              <a:rPr lang="en-US" altLang="ru-RU" sz="2500"/>
+              <a:t>стандарт</a:t>
+            </a:r>
+            <a:r>
+              <a:rPr lang="ru-RU" altLang="en-US" sz="2500"/>
+              <a:t>, </a:t>
+            </a:r>
+            <a:r>
+              <a:rPr lang="en-US" altLang="ru-RU" sz="2500"/>
+              <a:t>позволяющий</a:t>
+            </a:r>
+            <a:r>
+              <a:rPr lang="ru-RU" altLang="en-US" sz="2500"/>
+              <a:t>  построить соединение в режиме узел-узел</a:t>
+            </a:r>
+            <a:r>
+              <a:rPr lang="en-US" altLang="ru-RU" sz="2500"/>
+              <a:t>, </a:t>
+            </a:r>
+            <a:r>
+              <a:rPr lang="ru-RU" altLang="en-US" sz="2500"/>
+              <a:t>захватывать и вещать аудио и видео медиа-потоки, а также передавать между браузерами произвольные данные, без обязательного использования посредников. </a:t>
+            </a:r>
+            <a:endParaRPr lang="ru-RU" altLang="en-US"/>
+          </a:p>
+        </p:txBody>
+      </p:sp>
     </p:spTree>
   </p:cSld>
   <p:clrMapOvr>
@@ -5850,91 +7620,52 @@
         </p:nvSpPr>
         <p:spPr/>
         <p:txBody>
-          <a:bodyPr/>
-          <a:p>
-            <a:r>
-              <a:rPr lang="en-US" altLang="ru-RU"/>
-              <a:t>Протоколы WebRTC - TURN</a:t>
-            </a:r>
-            <a:endParaRPr lang="en-US" altLang="ru-RU"/>
-          </a:p>
-        </p:txBody>
-      </p:sp>
-      <p:sp>
-        <p:nvSpPr>
-          <p:cNvPr id="3" name="Замещающее содержимое 2"/>
-          <p:cNvSpPr>
-            <a:spLocks noGrp="1"/>
-          </p:cNvSpPr>
+          <a:bodyPr>
+            <a:normAutofit fontScale="90000"/>
+          </a:bodyPr>
+          <a:p>
+            <a:r>
+              <a:rPr lang="ru-RU" altLang="en-US">
+                <a:sym typeface="+mn-ea"/>
+              </a:rPr>
+              <a:t>WebRTC (Web Real-Time Communications) </a:t>
+            </a:r>
+            <a:endParaRPr lang="en-US" altLang="ru-RU">
+              <a:sym typeface="+mn-ea"/>
+            </a:endParaRPr>
+          </a:p>
+        </p:txBody>
+      </p:sp>
+      <p:pic>
+        <p:nvPicPr>
+          <p:cNvPr id="6" name="Изображение 8"/>
+          <p:cNvPicPr>
+            <a:picLocks noChangeAspect="1"/>
+          </p:cNvPicPr>
           <p:nvPr>
             <p:ph idx="1"/>
           </p:nvPr>
-        </p:nvSpPr>
+        </p:nvPicPr>
+        <p:blipFill>
+          <a:blip r:embed="rId1"/>
+          <a:stretch>
+            <a:fillRect/>
+          </a:stretch>
+        </p:blipFill>
         <p:spPr>
           <a:xfrm>
-            <a:off x="838200" y="1825625"/>
-            <a:ext cx="11106150" cy="4351655"/>
+            <a:off x="1456690" y="2233930"/>
+            <a:ext cx="9277350" cy="3533775"/>
           </a:xfrm>
+          <a:prstGeom prst="rect">
+            <a:avLst/>
+          </a:prstGeom>
+          <a:noFill/>
+          <a:ln>
+            <a:noFill/>
+          </a:ln>
         </p:spPr>
-        <p:txBody>
-          <a:bodyPr>
-            <a:noAutofit/>
-          </a:bodyPr>
-          <a:p>
-            <a:pPr marL="0" indent="0">
-              <a:lnSpc>
-                <a:spcPct val="150000"/>
-              </a:lnSpc>
-              <a:buNone/>
-            </a:pPr>
-            <a:r>
-              <a:rPr sz="2500">
-                <a:sym typeface="+mn-ea"/>
-              </a:rPr>
-              <a:t>TURN </a:t>
-            </a:r>
-            <a:r>
-              <a:rPr sz="2500"/>
-              <a:t>(</a:t>
-            </a:r>
-            <a:r>
-              <a:rPr sz="2500">
-                <a:sym typeface="+mn-ea"/>
-              </a:rPr>
-              <a:t>Traversal Using Relays around NAT </a:t>
-            </a:r>
-            <a:r>
-              <a:rPr sz="2500"/>
-              <a:t>) предназначен для обхода ограничения "Симметричный NAT" путём открытия соединения с TURN сервером и ретрансляции всей информации через этот сервер. </a:t>
-            </a:r>
-            <a:r>
-              <a:rPr lang="en-US" sz="2500"/>
-              <a:t>Cоздается </a:t>
-            </a:r>
-            <a:r>
-              <a:rPr sz="2500"/>
-              <a:t>соединение с TURN сервером и </a:t>
-            </a:r>
-            <a:r>
-              <a:rPr lang="en-US" sz="2500"/>
-              <a:t>сообщается </a:t>
-            </a:r>
-            <a:r>
-              <a:rPr sz="2500"/>
-              <a:t>всем узлам слать пакеты этому серверу, которые затем будут переправлены </a:t>
-            </a:r>
-            <a:r>
-              <a:rPr lang="en-US" sz="2500"/>
-              <a:t>участникам системы</a:t>
-            </a:r>
-            <a:r>
-              <a:rPr sz="2500"/>
-              <a:t>. </a:t>
-            </a:r>
-            <a:endParaRPr sz="2500"/>
-          </a:p>
-        </p:txBody>
-      </p:sp>
+      </p:pic>
     </p:spTree>
   </p:cSld>
   <p:clrMapOvr>
@@ -5969,38 +7700,100 @@
           <a:p>
             <a:r>
               <a:rPr lang="en-US" altLang="ru-RU"/>
-              <a:t>Протоколы WebRTC - TURN</a:t>
+              <a:t>STUN</a:t>
             </a:r>
             <a:endParaRPr lang="en-US" altLang="ru-RU"/>
           </a:p>
         </p:txBody>
       </p:sp>
-      <p:pic>
-        <p:nvPicPr>
-          <p:cNvPr id="5" name="Замещающее содержимое 4"/>
-          <p:cNvPicPr>
-            <a:picLocks noChangeAspect="1"/>
-          </p:cNvPicPr>
+      <p:sp>
+        <p:nvSpPr>
+          <p:cNvPr id="3" name="Замещающее содержимое 2"/>
+          <p:cNvSpPr>
+            <a:spLocks noGrp="1"/>
+          </p:cNvSpPr>
           <p:nvPr>
             <p:ph idx="1"/>
           </p:nvPr>
-        </p:nvPicPr>
-        <p:blipFill>
-          <a:blip r:embed="rId1"/>
-          <a:stretch>
-            <a:fillRect/>
-          </a:stretch>
-        </p:blipFill>
+        </p:nvSpPr>
         <p:spPr>
           <a:xfrm>
-            <a:off x="3571875" y="1597660"/>
-            <a:ext cx="5048250" cy="5082540"/>
+            <a:off x="838200" y="1825625"/>
+            <a:ext cx="11106150" cy="4351655"/>
           </a:xfrm>
-          <a:prstGeom prst="rect">
-            <a:avLst/>
-          </a:prstGeom>
         </p:spPr>
-      </p:pic>
+        <p:txBody>
+          <a:bodyPr>
+            <a:noAutofit/>
+          </a:bodyPr>
+          <a:p>
+            <a:pPr marL="0" indent="0">
+              <a:lnSpc>
+                <a:spcPct val="150000"/>
+              </a:lnSpc>
+              <a:buNone/>
+            </a:pPr>
+            <a:r>
+              <a:rPr sz="2500">
+                <a:sym typeface="+mn-ea"/>
+              </a:rPr>
+              <a:t>STUN </a:t>
+            </a:r>
+            <a:r>
+              <a:rPr sz="2500"/>
+              <a:t>(</a:t>
+            </a:r>
+            <a:r>
+              <a:rPr sz="2500">
+                <a:sym typeface="+mn-ea"/>
+              </a:rPr>
+              <a:t>Session Traversal Utilities for NAT</a:t>
+            </a:r>
+            <a:r>
+              <a:rPr sz="2500"/>
+              <a:t>) </a:t>
+            </a:r>
+            <a:r>
+              <a:rPr lang="en-US" sz="2500"/>
+              <a:t>-</a:t>
+            </a:r>
+            <a:r>
+              <a:rPr sz="2500"/>
+              <a:t> это протокол для нахождения и определения публичного адреса </a:t>
+            </a:r>
+            <a:r>
+              <a:rPr lang="en-US" sz="2500"/>
+              <a:t>устройства </a:t>
+            </a:r>
+            <a:r>
+              <a:rPr sz="2500"/>
+              <a:t>и любых ограничений в маршрутизаторе, которые препятствуют прямому соединению с узлом.</a:t>
+            </a:r>
+            <a:endParaRPr sz="2500"/>
+          </a:p>
+          <a:p>
+            <a:pPr marL="0" indent="0">
+              <a:lnSpc>
+                <a:spcPct val="150000"/>
+              </a:lnSpc>
+              <a:buNone/>
+            </a:pPr>
+            <a:r>
+              <a:rPr sz="2500"/>
+              <a:t>Клиент </a:t>
+            </a:r>
+            <a:r>
+              <a:rPr lang="" sz="2500"/>
+              <a:t>отправляет </a:t>
+            </a:r>
+            <a:r>
+              <a:rPr sz="2500"/>
+              <a:t>запрос к STUN серверу в интернете, который ответит публичным адресом клиента и, доступен ли, или нет, клиент за NAT маршрутизатором.</a:t>
+            </a:r>
+            <a:endParaRPr sz="2500"/>
+          </a:p>
+        </p:txBody>
+      </p:sp>
     </p:spTree>
   </p:cSld>
   <p:clrMapOvr>
@@ -6266,4 +8059,263 @@
     </a:ext>
   </a:extLst>
 </a:theme>
+</file>
+
+<file path=ppt/theme/theme2.xml><?xml version="1.0" encoding="utf-8"?>
+<a:theme xmlns:a="http://schemas.openxmlformats.org/drawingml/2006/main" name="Тема Office">
+  <a:themeElements>
+    <a:clrScheme name="Стандартная">
+      <a:dk1>
+        <a:sysClr val="windowText" lastClr="000000"/>
+      </a:dk1>
+      <a:lt1>
+        <a:sysClr val="window" lastClr="FFFFFF"/>
+      </a:lt1>
+      <a:dk2>
+        <a:srgbClr val="44546A"/>
+      </a:dk2>
+      <a:lt2>
+        <a:srgbClr val="E7E6E6"/>
+      </a:lt2>
+      <a:accent1>
+        <a:srgbClr val="5B9BD5"/>
+      </a:accent1>
+      <a:accent2>
+        <a:srgbClr val="ED7D31"/>
+      </a:accent2>
+      <a:accent3>
+        <a:srgbClr val="A5A5A5"/>
+      </a:accent3>
+      <a:accent4>
+        <a:srgbClr val="FFC000"/>
+      </a:accent4>
+      <a:accent5>
+        <a:srgbClr val="4472C4"/>
+      </a:accent5>
+      <a:accent6>
+        <a:srgbClr val="70AD47"/>
+      </a:accent6>
+      <a:hlink>
+        <a:srgbClr val="0563C1"/>
+      </a:hlink>
+      <a:folHlink>
+        <a:srgbClr val="954F72"/>
+      </a:folHlink>
+    </a:clrScheme>
+    <a:fontScheme name="Стандартная">
+      <a:majorFont>
+        <a:latin typeface="Calibri Light"/>
+        <a:ea typeface=""/>
+        <a:cs typeface=""/>
+        <a:font script="Jpan" typeface="游ゴシック Light"/>
+        <a:font script="Hang" typeface="맑은 고딕"/>
+        <a:font script="Hans" typeface="等线 Light"/>
+        <a:font script="Hant" typeface="新細明體"/>
+        <a:font script="Arab" typeface="Times New Roman"/>
+        <a:font script="Hebr" typeface="Times New Roman"/>
+        <a:font script="Thai" typeface="Angsana New"/>
+        <a:font script="Ethi" typeface="Nyala"/>
+        <a:font script="Beng" typeface="Vrinda"/>
+        <a:font script="Gujr" typeface="Shruti"/>
+        <a:font script="Khmr" typeface="MoolBoran"/>
+        <a:font script="Knda" typeface="Tunga"/>
+        <a:font script="Guru" typeface="Raavi"/>
+        <a:font script="Cans" typeface="Euphemia"/>
+        <a:font script="Cher" typeface="Plantagenet Cherokee"/>
+        <a:font script="Yiii" typeface="Microsoft Yi Baiti"/>
+        <a:font script="Tibt" typeface="Microsoft Himalaya"/>
+        <a:font script="Thaa" typeface="MV Boli"/>
+        <a:font script="Deva" typeface="Mangal"/>
+        <a:font script="Telu" typeface="Gautami"/>
+        <a:font script="Taml" typeface="Latha"/>
+        <a:font script="Syrc" typeface="Estrangelo Edessa"/>
+        <a:font script="Orya" typeface="Kalinga"/>
+        <a:font script="Mlym" typeface="Kartika"/>
+        <a:font script="Laoo" typeface="DokChampa"/>
+        <a:font script="Sinh" typeface="Iskoola Pota"/>
+        <a:font script="Mong" typeface="Mongolian Baiti"/>
+        <a:font script="Viet" typeface="Times New Roman"/>
+        <a:font script="Uigh" typeface="Microsoft Uighur"/>
+        <a:font script="Geor" typeface="Sylfaen"/>
+      </a:majorFont>
+      <a:minorFont>
+        <a:latin typeface="Calibri"/>
+        <a:ea typeface=""/>
+        <a:cs typeface=""/>
+        <a:font script="Jpan" typeface="游ゴシック"/>
+        <a:font script="Hang" typeface="맑은 고딕"/>
+        <a:font script="Hans" typeface="等线"/>
+        <a:font script="Hant" typeface="新細明體"/>
+        <a:font script="Arab" typeface="Arial"/>
+        <a:font script="Hebr" typeface="Arial"/>
+        <a:font script="Thai" typeface="Cordia New"/>
+        <a:font script="Ethi" typeface="Nyala"/>
+        <a:font script="Beng" typeface="Vrinda"/>
+        <a:font script="Gujr" typeface="Shruti"/>
+        <a:font script="Khmr" typeface="DaunPenh"/>
+        <a:font script="Knda" typeface="Tunga"/>
+        <a:font script="Guru" typeface="Raavi"/>
+        <a:font script="Cans" typeface="Euphemia"/>
+        <a:font script="Cher" typeface="Plantagenet Cherokee"/>
+        <a:font script="Yiii" typeface="Microsoft Yi Baiti"/>
+        <a:font script="Tibt" typeface="Microsoft Himalaya"/>
+        <a:font script="Thaa" typeface="MV Boli"/>
+        <a:font script="Deva" typeface="Mangal"/>
+        <a:font script="Telu" typeface="Gautami"/>
+        <a:font script="Taml" typeface="Latha"/>
+        <a:font script="Syrc" typeface="Estrangelo Edessa"/>
+        <a:font script="Orya" typeface="Kalinga"/>
+        <a:font script="Mlym" typeface="Kartika"/>
+        <a:font script="Laoo" typeface="DokChampa"/>
+        <a:font script="Sinh" typeface="Iskoola Pota"/>
+        <a:font script="Mong" typeface="Mongolian Baiti"/>
+        <a:font script="Viet" typeface="Arial"/>
+        <a:font script="Uigh" typeface="Microsoft Uighur"/>
+        <a:font script="Geor" typeface="Sylfaen"/>
+      </a:minorFont>
+    </a:fontScheme>
+    <a:fmtScheme name="Стандартная">
+      <a:fillStyleLst>
+        <a:solidFill>
+          <a:schemeClr val="phClr"/>
+        </a:solidFill>
+        <a:gradFill rotWithShape="1">
+          <a:gsLst>
+            <a:gs pos="0">
+              <a:schemeClr val="phClr">
+                <a:lumMod val="110000"/>
+                <a:satMod val="105000"/>
+                <a:tint val="67000"/>
+              </a:schemeClr>
+            </a:gs>
+            <a:gs pos="50000">
+              <a:schemeClr val="phClr">
+                <a:lumMod val="105000"/>
+                <a:satMod val="103000"/>
+                <a:tint val="73000"/>
+              </a:schemeClr>
+            </a:gs>
+            <a:gs pos="100000">
+              <a:schemeClr val="phClr">
+                <a:lumMod val="105000"/>
+                <a:satMod val="109000"/>
+                <a:tint val="81000"/>
+              </a:schemeClr>
+            </a:gs>
+          </a:gsLst>
+          <a:lin ang="5400000" scaled="0"/>
+        </a:gradFill>
+        <a:gradFill rotWithShape="1">
+          <a:gsLst>
+            <a:gs pos="0">
+              <a:schemeClr val="phClr">
+                <a:satMod val="103000"/>
+                <a:lumMod val="102000"/>
+                <a:tint val="94000"/>
+              </a:schemeClr>
+            </a:gs>
+            <a:gs pos="50000">
+              <a:schemeClr val="phClr">
+                <a:satMod val="110000"/>
+                <a:lumMod val="100000"/>
+                <a:shade val="100000"/>
+              </a:schemeClr>
+            </a:gs>
+            <a:gs pos="100000">
+              <a:schemeClr val="phClr">
+                <a:lumMod val="99000"/>
+                <a:satMod val="120000"/>
+                <a:shade val="78000"/>
+              </a:schemeClr>
+            </a:gs>
+          </a:gsLst>
+          <a:lin ang="5400000" scaled="0"/>
+        </a:gradFill>
+      </a:fillStyleLst>
+      <a:lnStyleLst>
+        <a:ln w="6350" cap="flat" cmpd="sng" algn="ctr">
+          <a:solidFill>
+            <a:schemeClr val="phClr"/>
+          </a:solidFill>
+          <a:prstDash val="solid"/>
+          <a:miter lim="800000"/>
+        </a:ln>
+        <a:ln w="12700" cap="flat" cmpd="sng" algn="ctr">
+          <a:solidFill>
+            <a:schemeClr val="phClr"/>
+          </a:solidFill>
+          <a:prstDash val="solid"/>
+          <a:miter lim="800000"/>
+        </a:ln>
+        <a:ln w="19050" cap="flat" cmpd="sng" algn="ctr">
+          <a:solidFill>
+            <a:schemeClr val="phClr"/>
+          </a:solidFill>
+          <a:prstDash val="solid"/>
+          <a:miter lim="800000"/>
+        </a:ln>
+      </a:lnStyleLst>
+      <a:effectStyleLst>
+        <a:effectStyle>
+          <a:effectLst/>
+        </a:effectStyle>
+        <a:effectStyle>
+          <a:effectLst/>
+        </a:effectStyle>
+        <a:effectStyle>
+          <a:effectLst>
+            <a:outerShdw blurRad="57150" dist="19050" dir="5400000" algn="ctr" rotWithShape="0">
+              <a:srgbClr val="000000">
+                <a:alpha val="63000"/>
+              </a:srgbClr>
+            </a:outerShdw>
+          </a:effectLst>
+        </a:effectStyle>
+      </a:effectStyleLst>
+      <a:bgFillStyleLst>
+        <a:solidFill>
+          <a:schemeClr val="phClr"/>
+        </a:solidFill>
+        <a:solidFill>
+          <a:schemeClr val="phClr">
+            <a:tint val="95000"/>
+            <a:satMod val="170000"/>
+          </a:schemeClr>
+        </a:solidFill>
+        <a:gradFill rotWithShape="1">
+          <a:gsLst>
+            <a:gs pos="0">
+              <a:schemeClr val="phClr">
+                <a:tint val="93000"/>
+                <a:satMod val="150000"/>
+                <a:shade val="98000"/>
+                <a:lumMod val="102000"/>
+              </a:schemeClr>
+            </a:gs>
+            <a:gs pos="50000">
+              <a:schemeClr val="phClr">
+                <a:tint val="98000"/>
+                <a:satMod val="130000"/>
+                <a:shade val="90000"/>
+                <a:lumMod val="103000"/>
+              </a:schemeClr>
+            </a:gs>
+            <a:gs pos="100000">
+              <a:schemeClr val="phClr">
+                <a:shade val="63000"/>
+                <a:satMod val="120000"/>
+              </a:schemeClr>
+            </a:gs>
+          </a:gsLst>
+          <a:lin ang="5400000" scaled="0"/>
+        </a:gradFill>
+      </a:bgFillStyleLst>
+    </a:fmtScheme>
+  </a:themeElements>
+  <a:extLst>
+    <a:ext uri="{05A4C25C-085E-4340-85A3-A5531E510DB2}">
+      <thm15:themeFamily xmlns:thm15="http://schemas.microsoft.com/office/thememl/2012/main" name="Office Theme" id="{62F939B6-93AF-4DB8-9C6B-D6C7DFDC589F}" vid="{4A3C46E8-61CC-4603-A589-7422A47A8E4A}"/>
+    </a:ext>
+  </a:extLst>
+</a:theme>
 </file>
--- a/presentation.pptx
+++ b/presentation.pptx
@@ -10,26 +10,17 @@
   <p:sldIdLst>
     <p:sldId id="256" r:id="rId3"/>
     <p:sldId id="257" r:id="rId5"/>
-    <p:sldId id="314" r:id="rId6"/>
-    <p:sldId id="310" r:id="rId7"/>
-    <p:sldId id="311" r:id="rId8"/>
-    <p:sldId id="313" r:id="rId9"/>
-    <p:sldId id="258" r:id="rId10"/>
-    <p:sldId id="283" r:id="rId11"/>
-    <p:sldId id="265" r:id="rId12"/>
-    <p:sldId id="317" r:id="rId13"/>
-    <p:sldId id="274" r:id="rId14"/>
-    <p:sldId id="276" r:id="rId15"/>
-    <p:sldId id="315" r:id="rId16"/>
-    <p:sldId id="316" r:id="rId17"/>
-    <p:sldId id="278" r:id="rId18"/>
-    <p:sldId id="304" r:id="rId19"/>
-    <p:sldId id="288" r:id="rId20"/>
-    <p:sldId id="312" r:id="rId21"/>
-    <p:sldId id="281" r:id="rId22"/>
-    <p:sldId id="307" r:id="rId23"/>
-    <p:sldId id="287" r:id="rId24"/>
-    <p:sldId id="308" r:id="rId25"/>
+    <p:sldId id="311" r:id="rId6"/>
+    <p:sldId id="283" r:id="rId7"/>
+    <p:sldId id="274" r:id="rId8"/>
+    <p:sldId id="316" r:id="rId9"/>
+    <p:sldId id="278" r:id="rId10"/>
+    <p:sldId id="304" r:id="rId11"/>
+    <p:sldId id="288" r:id="rId12"/>
+    <p:sldId id="281" r:id="rId13"/>
+    <p:sldId id="307" r:id="rId14"/>
+    <p:sldId id="287" r:id="rId15"/>
+    <p:sldId id="308" r:id="rId16"/>
   </p:sldIdLst>
   <p:sldSz cx="12192000" cy="6858000"/>
   <p:notesSz cx="6858000" cy="9144000"/>
@@ -565,6 +556,12 @@
         <p:txBody>
           <a:bodyPr/>
           <a:p>
+            <a:r>
+              <a:rPr lang="en-US" altLang="ru-RU">
+                <a:sym typeface="+mn-ea"/>
+              </a:rPr>
+              <a:t>DTLS и SRTP</a:t>
+            </a:r>
             <a:endParaRPr lang="ru-RU" altLang="en-US"/>
           </a:p>
         </p:txBody>
@@ -621,138 +618,6 @@
 </p:notes>
 </file>
 
-<file path=ppt/notesSlides/notesSlide12.xml><?xml version="1.0" encoding="utf-8"?>
-<p:notes xmlns:a="http://schemas.openxmlformats.org/drawingml/2006/main" xmlns:r="http://schemas.openxmlformats.org/officeDocument/2006/relationships" xmlns:p="http://schemas.openxmlformats.org/presentationml/2006/main">
-  <p:cSld>
-    <p:spTree>
-      <p:nvGrpSpPr>
-        <p:cNvPr id="1" name=""/>
-        <p:cNvGrpSpPr/>
-        <p:nvPr/>
-      </p:nvGrpSpPr>
-      <p:grpSpPr/>
-      <p:sp>
-        <p:nvSpPr>
-          <p:cNvPr id="2" name="Замещающий образ слайда 1"/>
-          <p:cNvSpPr/>
-          <p:nvPr>
-            <p:ph type="sldImg" idx="2"/>
-          </p:nvPr>
-        </p:nvSpPr>
-        <p:spPr/>
-      </p:sp>
-      <p:sp>
-        <p:nvSpPr>
-          <p:cNvPr id="3" name="Замещающий текст 2"/>
-          <p:cNvSpPr/>
-          <p:nvPr>
-            <p:ph type="body" idx="3"/>
-          </p:nvPr>
-        </p:nvSpPr>
-        <p:spPr/>
-        <p:txBody>
-          <a:bodyPr/>
-          <a:p>
-            <a:endParaRPr lang="ru-RU" altLang="en-US"/>
-          </a:p>
-        </p:txBody>
-      </p:sp>
-    </p:spTree>
-  </p:cSld>
-  <p:clrMapOvr>
-    <a:masterClrMapping/>
-  </p:clrMapOvr>
-</p:notes>
-</file>
-
-<file path=ppt/notesSlides/notesSlide13.xml><?xml version="1.0" encoding="utf-8"?>
-<p:notes xmlns:a="http://schemas.openxmlformats.org/drawingml/2006/main" xmlns:r="http://schemas.openxmlformats.org/officeDocument/2006/relationships" xmlns:p="http://schemas.openxmlformats.org/presentationml/2006/main">
-  <p:cSld>
-    <p:spTree>
-      <p:nvGrpSpPr>
-        <p:cNvPr id="1" name=""/>
-        <p:cNvGrpSpPr/>
-        <p:nvPr/>
-      </p:nvGrpSpPr>
-      <p:grpSpPr/>
-      <p:sp>
-        <p:nvSpPr>
-          <p:cNvPr id="2" name="Замещающий образ слайда 1"/>
-          <p:cNvSpPr/>
-          <p:nvPr>
-            <p:ph type="sldImg" idx="2"/>
-          </p:nvPr>
-        </p:nvSpPr>
-        <p:spPr/>
-      </p:sp>
-      <p:sp>
-        <p:nvSpPr>
-          <p:cNvPr id="3" name="Замещающий текст 2"/>
-          <p:cNvSpPr/>
-          <p:nvPr>
-            <p:ph type="body" idx="3"/>
-          </p:nvPr>
-        </p:nvSpPr>
-        <p:spPr/>
-        <p:txBody>
-          <a:bodyPr/>
-          <a:p>
-            <a:endParaRPr lang="ru-RU" altLang="en-US"/>
-          </a:p>
-        </p:txBody>
-      </p:sp>
-    </p:spTree>
-  </p:cSld>
-  <p:clrMapOvr>
-    <a:masterClrMapping/>
-  </p:clrMapOvr>
-</p:notes>
-</file>
-
-<file path=ppt/notesSlides/notesSlide14.xml><?xml version="1.0" encoding="utf-8"?>
-<p:notes xmlns:a="http://schemas.openxmlformats.org/drawingml/2006/main" xmlns:r="http://schemas.openxmlformats.org/officeDocument/2006/relationships" xmlns:p="http://schemas.openxmlformats.org/presentationml/2006/main">
-  <p:cSld>
-    <p:spTree>
-      <p:nvGrpSpPr>
-        <p:cNvPr id="1" name=""/>
-        <p:cNvGrpSpPr/>
-        <p:nvPr/>
-      </p:nvGrpSpPr>
-      <p:grpSpPr/>
-      <p:sp>
-        <p:nvSpPr>
-          <p:cNvPr id="2" name="Замещающий образ слайда 1"/>
-          <p:cNvSpPr/>
-          <p:nvPr>
-            <p:ph type="sldImg" idx="2"/>
-          </p:nvPr>
-        </p:nvSpPr>
-        <p:spPr/>
-      </p:sp>
-      <p:sp>
-        <p:nvSpPr>
-          <p:cNvPr id="3" name="Замещающий текст 2"/>
-          <p:cNvSpPr/>
-          <p:nvPr>
-            <p:ph type="body" idx="3"/>
-          </p:nvPr>
-        </p:nvSpPr>
-        <p:spPr/>
-        <p:txBody>
-          <a:bodyPr/>
-          <a:p>
-            <a:endParaRPr lang="ru-RU" altLang="en-US"/>
-          </a:p>
-        </p:txBody>
-      </p:sp>
-    </p:spTree>
-  </p:cSld>
-  <p:clrMapOvr>
-    <a:masterClrMapping/>
-  </p:clrMapOvr>
-</p:notes>
-</file>
-
 <file path=ppt/notesSlides/notesSlide2.xml><?xml version="1.0" encoding="utf-8"?>
 <p:notes xmlns:a="http://schemas.openxmlformats.org/drawingml/2006/main" xmlns:r="http://schemas.openxmlformats.org/officeDocument/2006/relationships" xmlns:p="http://schemas.openxmlformats.org/presentationml/2006/main">
   <p:cSld>
@@ -786,11 +651,11 @@
           <a:bodyPr/>
           <a:p>
             <a:r>
-              <a:rPr lang="" altLang="ru-RU"/>
+              <a:rPr lang="en-US" altLang="ru-RU"/>
               <a:t>Целью данной работы является </a:t>
             </a:r>
             <a:r>
-              <a:rPr lang="" altLang="en-US">
+              <a:rPr lang="en-US" altLang="en-US">
                 <a:sym typeface="+mn-ea"/>
               </a:rPr>
               <a:t>с</a:t>
@@ -823,31 +688,23 @@
               <a:rPr lang="en-US" altLang="ru-RU">
                 <a:sym typeface="+mn-ea"/>
               </a:rPr>
-              <a:t> </a:t>
-            </a:r>
-            <a:r>
-              <a:rPr lang="en-US" altLang="ru-RU">
-                <a:sym typeface="+mn-ea"/>
-              </a:rPr>
-              <a:t>webRTC стандарта </a:t>
-            </a:r>
-            <a:r>
-              <a:rPr lang="en-US" altLang="ru-RU">
-                <a:sym typeface="+mn-ea"/>
-              </a:rPr>
-              <a:t>для установления соединения  и обмена информацией между конечными пользователями.</a:t>
+              <a:t> webRTC стандарта для установления соединения  и обмена информацией между конечными пользователями.</a:t>
             </a:r>
             <a:endParaRPr lang="en-US" altLang="ru-RU"/>
           </a:p>
           <a:p>
-            <a:endParaRPr lang="" altLang="ru-RU"/>
-          </a:p>
-          <a:p>
-            <a:r>
-              <a:rPr lang="" altLang="ru-RU"/>
-              <a:t>Цель данной работы вытекает из того факта, что на сегодняя</a:t>
-            </a:r>
-            <a:endParaRPr lang="" altLang="ru-RU"/>
+            <a:endParaRPr lang="en-US" altLang="ru-RU"/>
+          </a:p>
+          <a:p>
+            <a:r>
+              <a:rPr lang="en-US" altLang="ru-RU"/>
+              <a:t>Цель данной работы вытекает из того факта, что на сегодн</a:t>
+            </a:r>
+            <a:r>
+              <a:rPr lang="" altLang="en-US"/>
+              <a:t>яшний день большинство приложений, выполняющих функцию видеочата подвержены угрозам со стороны злоумышленника, имеют закрытый исходный код, либо имеют какое-либо ограничение в плане кроссплатформенности</a:t>
+            </a:r>
+            <a:endParaRPr lang="" altLang="en-US"/>
           </a:p>
         </p:txBody>
       </p:sp>
@@ -893,43 +750,7 @@
           <a:p>
             <a:r>
               <a:rPr lang="en-US" altLang="ru-RU"/>
-              <a:t>Целью данной работы является </a:t>
-            </a:r>
-            <a:r>
-              <a:rPr lang="en-US" altLang="en-US">
-                <a:sym typeface="+mn-ea"/>
-              </a:rPr>
-              <a:t>с</a:t>
-            </a:r>
-            <a:r>
-              <a:rPr lang="en-US" altLang="ru-RU">
-                <a:sym typeface="+mn-ea"/>
-              </a:rPr>
-              <a:t>оздание </a:t>
-            </a:r>
-            <a:r>
-              <a:rPr lang="en-US" altLang="en-US">
-                <a:sym typeface="+mn-ea"/>
-              </a:rPr>
-              <a:t>видео чата </a:t>
-            </a:r>
-            <a:r>
-              <a:rPr lang="en-US" altLang="ru-RU">
-                <a:sym typeface="+mn-ea"/>
-              </a:rPr>
-              <a:t>на основ</a:t>
-            </a:r>
-            <a:r>
-              <a:rPr lang="en-US" altLang="en-US">
-                <a:sym typeface="+mn-ea"/>
-              </a:rPr>
-              <a:t>е</a:t>
-            </a:r>
-            <a:r>
-              <a:rPr lang="en-US" altLang="ru-RU">
-                <a:sym typeface="+mn-ea"/>
-              </a:rPr>
-              <a:t> webRTC стандарта для установления соединения  и обмена информацией между конечными пользователями.</a:t>
+              <a:t>На данный момент одним из популярных решений создания видео чатов является adobe flash player/</a:t>
             </a:r>
             <a:endParaRPr lang="en-US" altLang="ru-RU"/>
           </a:p>
@@ -939,7 +760,38 @@
           <a:p>
             <a:r>
               <a:rPr lang="en-US" altLang="ru-RU"/>
-              <a:t>Цель данной работы вытекает из того факта, что на сегодняя</a:t>
+              <a:t>Основным недостатком flash-приложений является чрезмерная нагрузка на центральный процессор, Это связано с неэффективностью виртуальной машины Flash Player. Но стоит отметить, что в иногда имеет место тот факт, что flash-приложения недостаточно оптимизированы их разработчиками из-за использования «генераторов» flash-приложений.</a:t>
+            </a:r>
+            <a:endParaRPr lang="en-US" altLang="ru-RU"/>
+          </a:p>
+          <a:p>
+            <a:endParaRPr lang="en-US" altLang="ru-RU"/>
+          </a:p>
+          <a:p>
+            <a:r>
+              <a:rPr lang="en-US" altLang="ru-RU"/>
+              <a:t>Так же к недостаткам можно причислить</a:t>
+            </a:r>
+            <a:endParaRPr lang="en-US" altLang="ru-RU"/>
+          </a:p>
+          <a:p>
+            <a:r>
+              <a:rPr lang="en-US" altLang="ru-RU"/>
+              <a:t>1) Задержка трафика из-за использования протокола RTMP;</a:t>
+            </a:r>
+            <a:endParaRPr lang="en-US" altLang="ru-RU"/>
+          </a:p>
+          <a:p>
+            <a:r>
+              <a:rPr lang="en-US" altLang="ru-RU"/>
+              <a:t>2) Обязательно наличие промежуточного сервера;</a:t>
+            </a:r>
+            <a:endParaRPr lang="en-US" altLang="ru-RU"/>
+          </a:p>
+          <a:p>
+            <a:r>
+              <a:rPr lang="en-US" altLang="ru-RU"/>
+              <a:t>3) Закрытые средства разработки и проигрывания.</a:t>
             </a:r>
             <a:endParaRPr lang="en-US" altLang="ru-RU"/>
           </a:p>
@@ -986,35 +838,50 @@
           <a:bodyPr/>
           <a:p>
             <a:r>
-              <a:rPr lang="" altLang="ru-RU"/>
-              <a:t>Для того, чтобы понять область исследование следует разобраться с тем, что из себ представляет видеочат.</a:t>
-            </a:r>
-            <a:endParaRPr lang="" altLang="ru-RU"/>
-          </a:p>
-          <a:p>
-            <a:r>
-              <a:rPr lang="" altLang="ru-RU"/>
-              <a:t>Видео чат это </a:t>
-            </a:r>
-            <a:r>
-              <a:rPr lang="" altLang="en-US">
-                <a:sym typeface="+mn-ea"/>
-              </a:rPr>
-              <a:t>о</a:t>
-            </a:r>
-            <a:r>
-              <a:rPr lang="en-US">
-                <a:sym typeface="+mn-ea"/>
-              </a:rPr>
-              <a:t>нлайн-сервис, позволяющий пользователям Интернета общаться, в дополнение к текстовой переписке, в аудио и видео (посредством веб-камеры) режиме.</a:t>
-            </a:r>
-            <a:endParaRPr lang="en-US"/>
-          </a:p>
-          <a:p>
-            <a:endParaRPr lang="" altLang="ru-RU"/>
-          </a:p>
-          <a:p>
-            <a:endParaRPr lang="" altLang="ru-RU"/>
+              <a:rPr lang="ru-RU" altLang="en-US"/>
+              <a:t>Первый клиент желает совершить звонок второму клиенту. WebRTC дает всю необходимую информацию, чтобы себя обозначить. Но остается открытым вопрос, как одному браузеру найти другой, как эту метаинформацию переслать, как проинициализировать вызов. </a:t>
+            </a:r>
+            <a:endParaRPr lang="ru-RU" altLang="en-US"/>
+          </a:p>
+          <a:p>
+            <a:endParaRPr lang="ru-RU" altLang="en-US"/>
+          </a:p>
+          <a:p>
+            <a:r>
+              <a:rPr lang="ru-RU" altLang="en-US"/>
+              <a:t>Первый клиент формирует метаинформацию, и с помощью веб-сокетов или HTTP пересылает ее на сигнальный сервер. </a:t>
+            </a:r>
+            <a:endParaRPr lang="ru-RU" altLang="en-US"/>
+          </a:p>
+          <a:p>
+            <a:endParaRPr lang="ru-RU" altLang="en-US"/>
+          </a:p>
+          <a:p>
+            <a:r>
+              <a:rPr lang="ru-RU" altLang="en-US"/>
+              <a:t>Второй клиент берет ее, использует, устанавливает себе, формирует ответ, и с помощью сигнального механизма пересылает ее на сигнальный сервер, тот в свою очередь ретранслирует ее первому клиенту. Таким образом оба клиента в данный момент обладают всей необходимой датой и метаинформацией,  </a:t>
+            </a:r>
+            <a:endParaRPr lang="ru-RU" altLang="en-US"/>
+          </a:p>
+          <a:p>
+            <a:endParaRPr lang="ru-RU" altLang="en-US"/>
+          </a:p>
+          <a:p>
+            <a:r>
+              <a:rPr lang="ru-RU" altLang="en-US"/>
+              <a:t>STUN — это клиент-серверный протокол. Клиент может включать в себя реализацию клиента STUN, который отправляет запрос серверу STUN. Затем сервер STUN отправляет клиенту обратно информацию о том, каков внешний адрес маршрутизатора NAT, и какой порт открыт на NAT для приема входящих запросов обратно во внутреннюю сеть.</a:t>
+            </a:r>
+            <a:endParaRPr lang="ru-RU" altLang="en-US"/>
+          </a:p>
+          <a:p>
+            <a:endParaRPr lang="ru-RU" altLang="en-US"/>
+          </a:p>
+          <a:p>
+            <a:r>
+              <a:rPr lang="ru-RU" altLang="en-US"/>
+              <a:t>Таким образом, в процессе установки P2P соединения, каждый из клиентов должен сделать по запросу к этому STUN-серверу, чтобы узнать свой IP-адрес</a:t>
+            </a:r>
+            <a:endParaRPr lang="ru-RU" altLang="en-US"/>
           </a:p>
         </p:txBody>
       </p:sp>
@@ -1060,48 +927,7 @@
           <a:p>
             <a:r>
               <a:rPr lang="" altLang="ru-RU"/>
-              <a:t>На данный момент одним из популярных решений создания видео чатов является adobe flash player/</a:t>
-            </a:r>
-            <a:endParaRPr lang="" altLang="ru-RU"/>
-          </a:p>
-          <a:p>
-            <a:endParaRPr lang="" altLang="ru-RU"/>
-          </a:p>
-          <a:p>
-            <a:r>
-              <a:rPr lang="" altLang="ru-RU"/>
-              <a:t>Основным недостатком flash-приложений является чрезмерная нагрузка на центральный процессор, Это связано с неэффективностью виртуальной машины Flash Player. Но стоит отметить, что в иногда имеет место тот факт, что flash-приложения недостаточно оптимизированы их разработчиками из-за использования «генераторов» flash-приложений.</a:t>
-            </a:r>
-            <a:endParaRPr lang="" altLang="ru-RU"/>
-          </a:p>
-          <a:p>
-            <a:endParaRPr lang="" altLang="ru-RU"/>
-          </a:p>
-          <a:p>
-            <a:r>
-              <a:rPr lang="" altLang="ru-RU"/>
-              <a:t>Так же к недостаткам можно причислить</a:t>
-            </a:r>
-            <a:endParaRPr lang="" altLang="ru-RU"/>
-          </a:p>
-          <a:p>
-            <a:r>
-              <a:rPr lang="" altLang="ru-RU"/>
-              <a:t>1) Задержка трафика из-за использования протокола RTMP;</a:t>
-            </a:r>
-            <a:endParaRPr lang="" altLang="ru-RU"/>
-          </a:p>
-          <a:p>
-            <a:r>
-              <a:rPr lang="" altLang="ru-RU"/>
-              <a:t>2) Обязательно наличие промежуточного сервера;</a:t>
-            </a:r>
-            <a:endParaRPr lang="" altLang="ru-RU"/>
-          </a:p>
-          <a:p>
-            <a:r>
-              <a:rPr lang="" altLang="ru-RU"/>
-              <a:t>3) Закрытые средства разработки и проигрывания.</a:t>
+              <a:t>На данном слайде представлен интерфейс приложения</a:t>
             </a:r>
             <a:endParaRPr lang="" altLang="ru-RU"/>
           </a:p>
@@ -1147,62 +973,7 @@
         <p:txBody>
           <a:bodyPr/>
           <a:p>
-            <a:r>
-              <a:rPr lang="en-US" altLang="ru-RU"/>
-              <a:t>В реализациях Adobe Flash время от времени находят </a:t>
-            </a:r>
-            <a:r>
-              <a:rPr lang="" altLang="en-US"/>
-              <a:t>уязвимости</a:t>
-            </a:r>
-            <a:r>
-              <a:rPr lang="en-US" altLang="ru-RU"/>
-              <a:t>, позволяющие злоумышленникам производить разнообразные действия с системой. </a:t>
-            </a:r>
-            <a:endParaRPr lang="en-US" altLang="ru-RU"/>
-          </a:p>
-          <a:p>
-            <a:endParaRPr lang="en-US" altLang="ru-RU"/>
-          </a:p>
-          <a:p>
-            <a:r>
-              <a:rPr lang="" altLang="en-US"/>
-              <a:t>В</a:t>
-            </a:r>
-            <a:r>
-              <a:rPr lang="en-US" altLang="ru-RU"/>
-              <a:t> </a:t>
-            </a:r>
-            <a:r>
-              <a:rPr lang="" altLang="en-US"/>
-              <a:t>ноябре </a:t>
-            </a:r>
-            <a:r>
-              <a:rPr lang="en-US" altLang="ru-RU"/>
-              <a:t>20</a:t>
-            </a:r>
-            <a:r>
-              <a:rPr lang="" altLang="en-US"/>
-              <a:t>16</a:t>
-            </a:r>
-            <a:r>
-              <a:rPr lang="en-US" altLang="ru-RU"/>
-              <a:t> года была найдена уязвимость, позволяющая удалённо управлять веб-камерой и микрофоном.</a:t>
-            </a:r>
-            <a:endParaRPr lang="en-US" altLang="ru-RU"/>
-          </a:p>
-          <a:p>
-            <a:endParaRPr lang="en-US" altLang="ru-RU"/>
-          </a:p>
-          <a:p>
-            <a:r>
-              <a:rPr lang="en-US" altLang="ru-RU"/>
-              <a:t>В октябре 2015 года в плагине Adobe Flash Player была найдена уязвимость, с помощью которой вредоносное программное обеспечение способно встраиваться в протоколы проигрывателя и проникать на компьютеры жертв. </a:t>
-            </a:r>
-            <a:endParaRPr lang="en-US" altLang="ru-RU"/>
-          </a:p>
-          <a:p>
-            <a:endParaRPr lang="en-US" altLang="ru-RU"/>
+            <a:endParaRPr lang="" altLang="ru-RU"/>
           </a:p>
         </p:txBody>
       </p:sp>
@@ -1247,68 +1018,20 @@
           <a:bodyPr/>
           <a:p>
             <a:r>
-              <a:rPr lang="" altLang="ru-RU"/>
-              <a:t>А теперь немного подробнее рассмотрим и остановимся на webrtc стандарте для передачи потоковых данных</a:t>
-            </a:r>
-            <a:endParaRPr lang="" altLang="ru-RU"/>
-          </a:p>
-          <a:p>
-            <a:endParaRPr lang="" altLang="ru-RU"/>
-          </a:p>
-          <a:p>
-            <a:r>
-              <a:rPr lang="ru-RU" altLang="en-US">
-                <a:sym typeface="+mn-ea"/>
-              </a:rPr>
-              <a:t>WebRTC - </a:t>
-            </a:r>
-            <a:r>
-              <a:rPr lang="en-US" altLang="ru-RU">
-                <a:sym typeface="+mn-ea"/>
-              </a:rPr>
-              <a:t>стандарт</a:t>
-            </a:r>
-            <a:r>
-              <a:rPr lang="ru-RU" altLang="en-US">
-                <a:sym typeface="+mn-ea"/>
-              </a:rPr>
-              <a:t>, </a:t>
-            </a:r>
-            <a:r>
-              <a:rPr lang="en-US" altLang="ru-RU">
-                <a:sym typeface="+mn-ea"/>
-              </a:rPr>
-              <a:t>позволяющий</a:t>
-            </a:r>
-            <a:r>
-              <a:rPr lang="ru-RU" altLang="en-US">
-                <a:sym typeface="+mn-ea"/>
-              </a:rPr>
-              <a:t>  построить соединение в режиме узел-узел</a:t>
-            </a:r>
-            <a:r>
-              <a:rPr lang="en-US" altLang="ru-RU">
-                <a:sym typeface="+mn-ea"/>
-              </a:rPr>
-              <a:t>, </a:t>
-            </a:r>
-            <a:r>
-              <a:rPr lang="ru-RU" altLang="en-US">
-                <a:sym typeface="+mn-ea"/>
-              </a:rPr>
-              <a:t>захватывать и вещать аудио и видео медиа-потоки, а также передавать между браузерами произвольные данные, без обязательного использования посредников. </a:t>
+              <a:rPr lang="ru-RU" altLang="en-US"/>
+              <a:t>Центральным объектом в API служит RTCPeerConnection. Когда выполняется соединение, то берем класс RTCPeerConnection, который возвращает объект peerConnection. В качестве конфигурации указывается набор ICE-серверов, то есть STUN- и TURN-серверов, к которым клиент будет обращаться в процессе установки. И есть важный ивент onicecandidate, который триггерится каждый раз, когда клиенту нужна помощь сигнального механизма. То есть технология WebRTC сделала запрос, например, к STUN-серверу, клиент узнал свой внешний IP-адрес, появился новый сформированный ICECandidate, и нужно переслать его с помощью стороннего механизма, ивент стриггерился.</a:t>
             </a:r>
             <a:endParaRPr lang="ru-RU" altLang="en-US"/>
           </a:p>
           <a:p>
-            <a:endParaRPr lang="" altLang="ru-RU"/>
-          </a:p>
-          <a:p>
-            <a:r>
-              <a:rPr lang="" altLang="ru-RU"/>
-              <a:t>Webrtc использует уже SRTP (Secure Real-time Transport Protocol) протокол передачи данных, который предназначен для шифрования, установления подлинности сообщения, целостности,</a:t>
-            </a:r>
-            <a:endParaRPr lang="" altLang="ru-RU"/>
+            <a:endParaRPr lang="ru-RU" altLang="en-US"/>
+          </a:p>
+          <a:p>
+            <a:r>
+              <a:rPr lang="ru-RU" altLang="en-US"/>
+              <a:t>Когда устанавливается соединение и требуется проинициализировать вызов, то используется метод createOffer(), чтобы сформировать начальную SDP, offer SDP, ту самую мета-информацию, которую нужно переслать другому участнику системы.</a:t>
+            </a:r>
+            <a:endParaRPr lang="ru-RU" altLang="en-US"/>
           </a:p>
         </p:txBody>
       </p:sp>
@@ -1354,7 +1077,7 @@
           <a:p>
             <a:r>
               <a:rPr lang="ru-RU" altLang="en-US"/>
-              <a:t>Первый клиент желает совершить звонок второму клиенту. WebRTC дает всю необходимую информацию, чтобы себя обозначить. Но остается открытым вопрос, как одному браузеру найти другой, как эту метаинформацию переслать, как проинициализировать вызов. </a:t>
+              <a:t>Когда клиент получил доступ к медиапотоку, он может его передать в уже имеющееся P2P-соединение с помощью метода addStream, а другой клиент узнает об этом, у него стриггерится ивент onaddstream. Он получит наш поток и сможет его отобразить.</a:t>
             </a:r>
             <a:endParaRPr lang="ru-RU" altLang="en-US"/>
           </a:p>
@@ -1364,37 +1087,7 @@
           <a:p>
             <a:r>
               <a:rPr lang="ru-RU" altLang="en-US"/>
-              <a:t>Первый клиент формирует метаинформацию, и с помощью веб-сокетов или HTTP пересылает ее на сигнальный сервер. </a:t>
-            </a:r>
-            <a:endParaRPr lang="ru-RU" altLang="en-US"/>
-          </a:p>
-          <a:p>
-            <a:endParaRPr lang="ru-RU" altLang="en-US"/>
-          </a:p>
-          <a:p>
-            <a:r>
-              <a:rPr lang="ru-RU" altLang="en-US"/>
-              <a:t>Второй клиент берет ее, использует, устанавливает себе, формирует ответ, и с помощью сигнального механизма пересылает ее на сигнальный сервер, тот в свою очередь ретранслирует ее первому клиенту. Таким образом оба клиента в данный момент обладают всей необходимой датой и метаинформацией,  </a:t>
-            </a:r>
-            <a:endParaRPr lang="ru-RU" altLang="en-US"/>
-          </a:p>
-          <a:p>
-            <a:endParaRPr lang="ru-RU" altLang="en-US"/>
-          </a:p>
-          <a:p>
-            <a:r>
-              <a:rPr lang="ru-RU" altLang="en-US"/>
-              <a:t>STUN — это клиент-серверный протокол. Клиент может включать в себя реализацию клиента STUN, который отправляет запрос серверу STUN. Затем сервер STUN отправляет клиенту обратно информацию о том, каков внешний адрес маршрутизатора NAT, и какой порт открыт на NAT для приема входящих запросов обратно во внутреннюю сеть.</a:t>
-            </a:r>
-            <a:endParaRPr lang="ru-RU" altLang="en-US"/>
-          </a:p>
-          <a:p>
-            <a:endParaRPr lang="ru-RU" altLang="en-US"/>
-          </a:p>
-          <a:p>
-            <a:r>
-              <a:rPr lang="ru-RU" altLang="en-US"/>
-              <a:t>Таким образом, в процессе установки P2P соединения, каждый из клиентов должен сделать по запросу к этому STUN-серверу, чтобы узнать свой IP-адрес</a:t>
+              <a:t>Существует метод getUserMedia, который принимает на вход набор констрейнтов. Это специальный объект, где клиент указывает, к каким именно устройствам он хочет получить доступ, к какой именно камере, к какому микрофону.</a:t>
             </a:r>
             <a:endParaRPr lang="ru-RU" altLang="en-US"/>
           </a:p>
@@ -4285,7 +3978,7 @@
               <a:t>Разработка защищенного видеочата на основе стандарта </a:t>
             </a:r>
             <a:r>
-              <a:rPr lang="" altLang="en-US" sz="5000"/>
+              <a:rPr lang="en-US" altLang="en-US" sz="5000"/>
               <a:t>w</a:t>
             </a:r>
             <a:r>
@@ -4319,26 +4012,26 @@
           <a:p>
             <a:pPr algn="l"/>
             <a:r>
-              <a:rPr lang="" altLang="en-US"/>
+              <a:rPr lang="en-US" altLang="en-US"/>
               <a:t>Научный руководитель</a:t>
             </a:r>
-            <a:endParaRPr lang="" altLang="en-US"/>
+            <a:endParaRPr lang="en-US" altLang="en-US"/>
           </a:p>
           <a:p>
             <a:pPr algn="l"/>
             <a:r>
-              <a:rPr lang="" altLang="en-US"/>
+              <a:rPr lang="en-US" altLang="en-US"/>
               <a:t>к.т.н. , доцент</a:t>
             </a:r>
-            <a:endParaRPr lang="" altLang="en-US"/>
+            <a:endParaRPr lang="en-US" altLang="en-US"/>
           </a:p>
           <a:p>
             <a:pPr algn="l"/>
             <a:r>
-              <a:rPr lang="" altLang="en-US"/>
+              <a:rPr lang="en-US" altLang="en-US"/>
               <a:t>Ревякина Елена Александровна</a:t>
             </a:r>
-            <a:endParaRPr lang="" altLang="en-US"/>
+            <a:endParaRPr lang="en-US" altLang="en-US"/>
           </a:p>
         </p:txBody>
       </p:sp>
@@ -4365,19 +4058,19 @@
           <a:p>
             <a:pPr algn="r"/>
             <a:r>
-              <a:rPr lang="" altLang="en-US" sz="2400">
+              <a:rPr lang="en-US" altLang="en-US" sz="2400">
                 <a:sym typeface="+mn-ea"/>
               </a:rPr>
               <a:t>Выполнил</a:t>
             </a:r>
-            <a:endParaRPr lang="" altLang="en-US" sz="2400">
+            <a:endParaRPr lang="en-US" altLang="en-US" sz="2400">
               <a:sym typeface="+mn-ea"/>
             </a:endParaRPr>
           </a:p>
           <a:p>
             <a:pPr algn="r"/>
             <a:r>
-              <a:rPr lang="" altLang="en-US" sz="2400">
+              <a:rPr lang="en-US" altLang="en-US" sz="2400">
                 <a:sym typeface="+mn-ea"/>
               </a:rPr>
               <a:t>студент группы ВКБ62</a:t>
@@ -4387,12 +4080,12 @@
           <a:p>
             <a:pPr algn="r"/>
             <a:r>
-              <a:rPr lang="" altLang="en-US" sz="2400">
+              <a:rPr lang="en-US" altLang="en-US" sz="2400">
                 <a:sym typeface="+mn-ea"/>
               </a:rPr>
               <a:t>Стариков Владислав Эдуардович</a:t>
             </a:r>
-            <a:endParaRPr lang="" altLang="en-US" sz="2400">
+            <a:endParaRPr lang="en-US" altLang="en-US" sz="2400">
               <a:sym typeface="+mn-ea"/>
             </a:endParaRPr>
           </a:p>
@@ -4514,1320 +4207,15 @@
             <p:ph type="title"/>
           </p:nvPr>
         </p:nvSpPr>
-        <p:spPr>
-          <a:xfrm>
-            <a:off x="838200" y="2766060"/>
-            <a:ext cx="10515600" cy="1325563"/>
-          </a:xfrm>
-        </p:spPr>
+        <p:spPr/>
         <p:txBody>
           <a:bodyPr/>
           <a:p>
             <a:r>
-              <a:rPr lang="" altLang="en-US"/>
-              <a:t>Реализация видео чата</a:t>
-            </a:r>
-            <a:endParaRPr lang="" altLang="en-US"/>
-          </a:p>
-        </p:txBody>
-      </p:sp>
-    </p:spTree>
-  </p:cSld>
-  <p:clrMapOvr>
-    <a:masterClrMapping/>
-  </p:clrMapOvr>
-</p:sld>
-</file>
-
-<file path=ppt/slides/slide11.xml><?xml version="1.0" encoding="utf-8"?>
-<p:sld xmlns:a="http://schemas.openxmlformats.org/drawingml/2006/main" xmlns:r="http://schemas.openxmlformats.org/officeDocument/2006/relationships" xmlns:p="http://schemas.openxmlformats.org/presentationml/2006/main">
-  <p:cSld>
-    <p:spTree>
-      <p:nvGrpSpPr>
-        <p:cNvPr id="1" name=""/>
-        <p:cNvGrpSpPr/>
-        <p:nvPr/>
-      </p:nvGrpSpPr>
-      <p:grpSpPr/>
-      <p:sp>
-        <p:nvSpPr>
-          <p:cNvPr id="2" name="Заголовок 1"/>
-          <p:cNvSpPr>
-            <a:spLocks noGrp="1"/>
-          </p:cNvSpPr>
-          <p:nvPr>
-            <p:ph type="title"/>
-          </p:nvPr>
-        </p:nvSpPr>
-        <p:spPr/>
-        <p:txBody>
-          <a:bodyPr/>
-          <a:p>
-            <a:r>
-              <a:rPr lang="en-US" altLang="en-US"/>
-              <a:t>Интерфейс приложения</a:t>
-            </a:r>
-            <a:endParaRPr lang="en-US" altLang="en-US"/>
-          </a:p>
-        </p:txBody>
-      </p:sp>
-      <p:pic>
-        <p:nvPicPr>
-          <p:cNvPr id="6" name="Замещающее содержимое 5"/>
-          <p:cNvPicPr>
-            <a:picLocks noChangeAspect="1"/>
-          </p:cNvPicPr>
-          <p:nvPr>
-            <p:ph idx="1"/>
-          </p:nvPr>
-        </p:nvPicPr>
-        <p:blipFill>
-          <a:blip r:embed="rId1"/>
-          <a:stretch>
-            <a:fillRect/>
-          </a:stretch>
-        </p:blipFill>
-        <p:spPr>
-          <a:xfrm>
-            <a:off x="1198880" y="2051685"/>
-            <a:ext cx="10100310" cy="4021455"/>
-          </a:xfrm>
-          <a:prstGeom prst="rect">
-            <a:avLst/>
-          </a:prstGeom>
-        </p:spPr>
-      </p:pic>
-    </p:spTree>
-  </p:cSld>
-  <p:clrMapOvr>
-    <a:masterClrMapping/>
-  </p:clrMapOvr>
-</p:sld>
-</file>
-
-<file path=ppt/slides/slide12.xml><?xml version="1.0" encoding="utf-8"?>
-<p:sld xmlns:a="http://schemas.openxmlformats.org/drawingml/2006/main" xmlns:r="http://schemas.openxmlformats.org/officeDocument/2006/relationships" xmlns:p="http://schemas.openxmlformats.org/presentationml/2006/main">
-  <p:cSld>
-    <p:spTree>
-      <p:nvGrpSpPr>
-        <p:cNvPr id="1" name=""/>
-        <p:cNvGrpSpPr/>
-        <p:nvPr/>
-      </p:nvGrpSpPr>
-      <p:grpSpPr/>
-      <p:sp>
-        <p:nvSpPr>
-          <p:cNvPr id="2" name="Заголовок 1"/>
-          <p:cNvSpPr>
-            <a:spLocks noGrp="1"/>
-          </p:cNvSpPr>
-          <p:nvPr>
-            <p:ph type="title"/>
-          </p:nvPr>
-        </p:nvSpPr>
-        <p:spPr/>
-        <p:txBody>
-          <a:bodyPr/>
-          <a:p>
-            <a:r>
-              <a:rPr lang="" altLang="en-US"/>
-              <a:t>Демонстрация работы программы</a:t>
-            </a:r>
-            <a:endParaRPr lang="" altLang="en-US"/>
-          </a:p>
-        </p:txBody>
-      </p:sp>
-      <p:pic>
-        <p:nvPicPr>
-          <p:cNvPr id="4" name="Изображение 3"/>
-          <p:cNvPicPr>
-            <a:picLocks noChangeAspect="1"/>
-          </p:cNvPicPr>
-          <p:nvPr>
-            <p:ph idx="1"/>
-          </p:nvPr>
-        </p:nvPicPr>
-        <p:blipFill>
-          <a:blip r:embed="rId1"/>
-          <a:stretch>
-            <a:fillRect/>
-          </a:stretch>
-        </p:blipFill>
-        <p:spPr>
-          <a:xfrm>
-            <a:off x="3339465" y="2032635"/>
-            <a:ext cx="4958080" cy="4351655"/>
-          </a:xfrm>
-          <a:prstGeom prst="rect">
-            <a:avLst/>
-          </a:prstGeom>
-          <a:noFill/>
-          <a:ln>
-            <a:noFill/>
-          </a:ln>
-        </p:spPr>
-      </p:pic>
-      <p:pic>
-        <p:nvPicPr>
-          <p:cNvPr id="6" name="Изображение 5"/>
-          <p:cNvPicPr>
-            <a:picLocks noChangeAspect="1"/>
-          </p:cNvPicPr>
-          <p:nvPr/>
-        </p:nvPicPr>
-        <p:blipFill>
-          <a:blip r:embed="rId2"/>
-          <a:stretch>
-            <a:fillRect/>
-          </a:stretch>
-        </p:blipFill>
-        <p:spPr>
-          <a:xfrm>
-            <a:off x="1898650" y="1691005"/>
-            <a:ext cx="8394700" cy="4650105"/>
-          </a:xfrm>
-          <a:prstGeom prst="rect">
-            <a:avLst/>
-          </a:prstGeom>
-        </p:spPr>
-      </p:pic>
-    </p:spTree>
-  </p:cSld>
-  <p:clrMapOvr>
-    <a:masterClrMapping/>
-  </p:clrMapOvr>
-</p:sld>
-</file>
-
-<file path=ppt/slides/slide13.xml><?xml version="1.0" encoding="utf-8"?>
-<p:sld xmlns:a="http://schemas.openxmlformats.org/drawingml/2006/main" xmlns:r="http://schemas.openxmlformats.org/officeDocument/2006/relationships" xmlns:p="http://schemas.openxmlformats.org/presentationml/2006/main">
-  <p:cSld>
-    <p:spTree>
-      <p:nvGrpSpPr>
-        <p:cNvPr id="1" name=""/>
-        <p:cNvGrpSpPr/>
-        <p:nvPr/>
-      </p:nvGrpSpPr>
-      <p:grpSpPr/>
-      <p:sp>
-        <p:nvSpPr>
-          <p:cNvPr id="2" name="Заголовок 1"/>
-          <p:cNvSpPr>
-            <a:spLocks noGrp="1"/>
-          </p:cNvSpPr>
-          <p:nvPr>
-            <p:ph type="title"/>
-          </p:nvPr>
-        </p:nvSpPr>
-        <p:spPr/>
-        <p:txBody>
-          <a:bodyPr/>
-          <a:p>
-            <a:r>
-              <a:rPr lang="en-US" altLang="en-US">
-                <a:sym typeface="+mn-ea"/>
-              </a:rPr>
-              <a:t>Демонстрация работы программы</a:t>
-            </a:r>
-            <a:endParaRPr lang="en-US" altLang="en-US"/>
-          </a:p>
-        </p:txBody>
-      </p:sp>
-      <p:pic>
-        <p:nvPicPr>
-          <p:cNvPr id="5" name="Замещающее содержимое 4"/>
-          <p:cNvPicPr>
-            <a:picLocks noChangeAspect="1"/>
-          </p:cNvPicPr>
-          <p:nvPr>
-            <p:ph idx="1"/>
-          </p:nvPr>
-        </p:nvPicPr>
-        <p:blipFill>
-          <a:blip r:embed="rId1"/>
-          <a:stretch>
-            <a:fillRect/>
-          </a:stretch>
-        </p:blipFill>
-        <p:spPr>
-          <a:xfrm>
-            <a:off x="2172970" y="1825625"/>
-            <a:ext cx="7844790" cy="4351655"/>
-          </a:xfrm>
-          <a:prstGeom prst="rect">
-            <a:avLst/>
-          </a:prstGeom>
-        </p:spPr>
-      </p:pic>
-    </p:spTree>
-  </p:cSld>
-  <p:clrMapOvr>
-    <a:masterClrMapping/>
-  </p:clrMapOvr>
-</p:sld>
-</file>
-
-<file path=ppt/slides/slide14.xml><?xml version="1.0" encoding="utf-8"?>
-<p:sld xmlns:a="http://schemas.openxmlformats.org/drawingml/2006/main" xmlns:r="http://schemas.openxmlformats.org/officeDocument/2006/relationships" xmlns:p="http://schemas.openxmlformats.org/presentationml/2006/main">
-  <p:cSld>
-    <p:spTree>
-      <p:nvGrpSpPr>
-        <p:cNvPr id="1" name=""/>
-        <p:cNvGrpSpPr/>
-        <p:nvPr/>
-      </p:nvGrpSpPr>
-      <p:grpSpPr/>
-      <p:sp>
-        <p:nvSpPr>
-          <p:cNvPr id="2" name="Заголовок 1"/>
-          <p:cNvSpPr>
-            <a:spLocks noGrp="1"/>
-          </p:cNvSpPr>
-          <p:nvPr>
-            <p:ph type="title"/>
-          </p:nvPr>
-        </p:nvSpPr>
-        <p:spPr/>
-        <p:txBody>
-          <a:bodyPr/>
-          <a:p>
-            <a:r>
-              <a:rPr lang="en-US" altLang="en-US">
-                <a:sym typeface="+mn-ea"/>
-              </a:rPr>
-              <a:t>Демонстрация работы программы</a:t>
-            </a:r>
-            <a:endParaRPr lang="en-US" altLang="en-US"/>
-          </a:p>
-        </p:txBody>
-      </p:sp>
-      <p:pic>
-        <p:nvPicPr>
-          <p:cNvPr id="7" name="simplescreenrecorder-2019-11-19_17.38.14">
-            <a:hlinkClick r:id="" action="ppaction://media"/>
-          </p:cNvPr>
-          <p:cNvPicPr/>
-          <p:nvPr>
-            <p:ph idx="1"/>
-            <a:videoFile r:link="rId1"/>
-            <p:extLst>
-              <p:ext uri="{DAA4B4D4-6D71-4841-9C94-3DE7FCFB9230}">
-                <p14:media xmlns:p14="http://schemas.microsoft.com/office/powerpoint/2010/main" r:link="rId2"/>
-              </p:ext>
-            </p:extLst>
-          </p:nvPr>
-        </p:nvPicPr>
-        <p:blipFill>
-          <a:blip r:embed="rId3"/>
-          <a:stretch>
-            <a:fillRect/>
-          </a:stretch>
-        </p:blipFill>
-        <p:spPr>
-          <a:xfrm>
-            <a:off x="2325992" y="1844675"/>
-            <a:ext cx="7540017" cy="4351338"/>
-          </a:xfrm>
-          <a:prstGeom prst="rect">
-            <a:avLst/>
-          </a:prstGeom>
-        </p:spPr>
-      </p:pic>
-      <p:sp>
-        <p:nvSpPr>
-          <p:cNvPr id="8" name="Прямоугольник 7"/>
-          <p:cNvSpPr/>
-          <p:nvPr/>
-        </p:nvSpPr>
-        <p:spPr>
-          <a:xfrm>
-            <a:off x="9723120" y="1651635"/>
-            <a:ext cx="937895" cy="4738370"/>
-          </a:xfrm>
-          <a:prstGeom prst="rect">
-            <a:avLst/>
-          </a:prstGeom>
-          <a:solidFill>
-            <a:schemeClr val="bg1"/>
-          </a:solidFill>
-          <a:ln>
-            <a:noFill/>
-          </a:ln>
-        </p:spPr>
-        <p:style>
-          <a:lnRef idx="2">
-            <a:schemeClr val="accent1">
-              <a:shade val="50000"/>
-            </a:schemeClr>
-          </a:lnRef>
-          <a:fillRef idx="1">
-            <a:schemeClr val="accent1"/>
-          </a:fillRef>
-          <a:effectRef idx="0">
-            <a:schemeClr val="accent1"/>
-          </a:effectRef>
-          <a:fontRef idx="minor">
-            <a:schemeClr val="lt1"/>
-          </a:fontRef>
-        </p:style>
-        <p:txBody>
-          <a:bodyPr rtlCol="0" anchor="ctr"/>
-          <a:p>
-            <a:pPr algn="ctr"/>
-            <a:endParaRPr lang="ru-RU" altLang="en-US"/>
-          </a:p>
-        </p:txBody>
-      </p:sp>
-    </p:spTree>
-  </p:cSld>
-  <p:clrMapOvr>
-    <a:masterClrMapping/>
-  </p:clrMapOvr>
-  <p:timing>
-    <p:tnLst>
-      <p:par>
-        <p:cTn id="1" dur="indefinite" restart="never" nodeType="tmRoot">
-          <p:childTnLst>
-            <p:video fullScrn="0">
-              <p:cMediaNode>
-                <p:cTn id="2" fill="hold" display="1">
-                  <p:stCondLst>
-                    <p:cond delay="indefinite"/>
-                  </p:stCondLst>
-                  <p:endCondLst>
-                    <p:cond evt="onNext">
-                      <p:tgtEl>
-                        <p:sldTgt/>
-                      </p:tgtEl>
-                    </p:cond>
-                    <p:cond evt="onPrev">
-                      <p:tgtEl>
-                        <p:sldTgt/>
-                      </p:tgtEl>
-                    </p:cond>
-                  </p:endCondLst>
-                </p:cTn>
-                <p:tgtEl>
-                  <p:spTgt spid="7"/>
-                </p:tgtEl>
-              </p:cMediaNode>
-            </p:video>
-            <p:seq concurrent="1" nextAc="seek">
-              <p:cTn id="3" restart="whenNotActive" fill="hold" evtFilter="cancelBubble" nodeType="interactiveSeq">
-                <p:stCondLst>
-                  <p:cond evt="onClick" delay="0">
-                    <p:tgtEl>
-                      <p:spTgt spid="7"/>
-                    </p:tgtEl>
-                  </p:cond>
-                </p:stCondLst>
-                <p:endSync evt="end" delay="0">
-                  <p:rtn val="all"/>
-                </p:endSync>
-                <p:childTnLst>
-                  <p:par>
-                    <p:cTn id="4" fill="hold">
-                      <p:stCondLst>
-                        <p:cond delay="0"/>
-                      </p:stCondLst>
-                      <p:childTnLst>
-                        <p:par>
-                          <p:cTn id="5" fill="hold">
-                            <p:stCondLst>
-                              <p:cond delay="0"/>
-                            </p:stCondLst>
-                            <p:childTnLst>
-                              <p:par>
-                                <p:cTn id="6" presetID="2" presetClass="mediacall" presetSubtype="0" fill="hold" nodeType="clickEffect">
-                                  <p:stCondLst>
-                                    <p:cond delay="0"/>
-                                  </p:stCondLst>
-                                  <p:childTnLst>
-                                    <p:cmd type="call" cmd="togglePause">
-                                      <p:cBhvr additive="base">
-                                        <p:cTn id="7" dur="1" fill="hold"/>
-                                        <p:tgtEl>
-                                          <p:spTgt spid="7"/>
-                                        </p:tgtEl>
-                                      </p:cBhvr>
-                                    </p:cmd>
-                                  </p:childTnLst>
-                                </p:cTn>
-                              </p:par>
-                            </p:childTnLst>
-                          </p:cTn>
-                        </p:par>
-                      </p:childTnLst>
-                    </p:cTn>
-                  </p:par>
-                </p:childTnLst>
-              </p:cTn>
-              <p:nextCondLst>
-                <p:cond evt="onClick" delay="0">
-                  <p:tgtEl>
-                    <p:spTgt spid="7"/>
-                  </p:tgtEl>
-                </p:cond>
-              </p:nextCondLst>
-            </p:seq>
-          </p:childTnLst>
-        </p:cTn>
-      </p:par>
-    </p:tnLst>
-  </p:timing>
-</p:sld>
-</file>
-
-<file path=ppt/slides/slide15.xml><?xml version="1.0" encoding="utf-8"?>
-<p:sld xmlns:a="http://schemas.openxmlformats.org/drawingml/2006/main" xmlns:r="http://schemas.openxmlformats.org/officeDocument/2006/relationships" xmlns:p="http://schemas.openxmlformats.org/presentationml/2006/main">
-  <p:cSld>
-    <p:spTree>
-      <p:nvGrpSpPr>
-        <p:cNvPr id="1" name=""/>
-        <p:cNvGrpSpPr/>
-        <p:nvPr/>
-      </p:nvGrpSpPr>
-      <p:grpSpPr/>
-      <p:sp>
-        <p:nvSpPr>
-          <p:cNvPr id="2" name="Заголовок 1"/>
-          <p:cNvSpPr>
-            <a:spLocks noGrp="1"/>
-          </p:cNvSpPr>
-          <p:nvPr>
-            <p:ph type="title"/>
-          </p:nvPr>
-        </p:nvSpPr>
-        <p:spPr/>
-        <p:txBody>
-          <a:bodyPr/>
-          <a:p>
-            <a:r>
-              <a:rPr lang="" altLang="en-US"/>
-              <a:t>Реализованные функции программы</a:t>
-            </a:r>
-            <a:endParaRPr lang="" altLang="en-US"/>
-          </a:p>
-        </p:txBody>
-      </p:sp>
-      <p:pic>
-        <p:nvPicPr>
-          <p:cNvPr id="48" name="Изображение 16"/>
-          <p:cNvPicPr>
-            <a:picLocks noChangeAspect="1"/>
-          </p:cNvPicPr>
-          <p:nvPr>
-            <p:ph idx="1"/>
-          </p:nvPr>
-        </p:nvPicPr>
-        <p:blipFill>
-          <a:blip r:embed="rId1"/>
-          <a:stretch>
-            <a:fillRect/>
-          </a:stretch>
-        </p:blipFill>
-        <p:spPr>
-          <a:xfrm>
-            <a:off x="6910070" y="1564005"/>
-            <a:ext cx="4267200" cy="2849245"/>
-          </a:xfrm>
-          <a:prstGeom prst="rect">
-            <a:avLst/>
-          </a:prstGeom>
-          <a:noFill/>
-          <a:ln>
-            <a:noFill/>
-          </a:ln>
-        </p:spPr>
-      </p:pic>
-      <p:sp>
-        <p:nvSpPr>
-          <p:cNvPr id="6" name="Текстовое поле 5"/>
-          <p:cNvSpPr txBox="1"/>
-          <p:nvPr/>
-        </p:nvSpPr>
-        <p:spPr>
-          <a:xfrm>
-            <a:off x="7310120" y="4413250"/>
-            <a:ext cx="2943225" cy="368300"/>
-          </a:xfrm>
-          <a:prstGeom prst="rect">
-            <a:avLst/>
-          </a:prstGeom>
-          <a:noFill/>
-        </p:spPr>
-        <p:txBody>
-          <a:bodyPr wrap="none" rtlCol="0" anchor="t">
-            <a:spAutoFit/>
-          </a:bodyPr>
-          <a:p>
-            <a:r>
-              <a:rPr lang="en-US" altLang="en-US">
-                <a:sym typeface="+mn-ea"/>
-              </a:rPr>
-              <a:t>Создание и установка SDP</a:t>
-            </a:r>
-            <a:endParaRPr lang="ru-RU" altLang="en-US"/>
-          </a:p>
-        </p:txBody>
-      </p:sp>
-      <p:pic>
-        <p:nvPicPr>
-          <p:cNvPr id="12" name="Изображение 15"/>
-          <p:cNvPicPr>
-            <a:picLocks noChangeAspect="1"/>
-          </p:cNvPicPr>
-          <p:nvPr/>
-        </p:nvPicPr>
-        <p:blipFill>
-          <a:blip r:embed="rId2"/>
-          <a:stretch>
-            <a:fillRect/>
-          </a:stretch>
-        </p:blipFill>
-        <p:spPr>
-          <a:xfrm>
-            <a:off x="838200" y="1564005"/>
-            <a:ext cx="5503545" cy="3679190"/>
-          </a:xfrm>
-          <a:prstGeom prst="rect">
-            <a:avLst/>
-          </a:prstGeom>
-          <a:noFill/>
-          <a:ln>
-            <a:noFill/>
-          </a:ln>
-        </p:spPr>
-      </p:pic>
-      <p:sp>
-        <p:nvSpPr>
-          <p:cNvPr id="13" name="Текстовое поле 12"/>
-          <p:cNvSpPr txBox="1"/>
-          <p:nvPr/>
-        </p:nvSpPr>
-        <p:spPr>
-          <a:xfrm>
-            <a:off x="2009140" y="5243195"/>
-            <a:ext cx="2961005" cy="368300"/>
-          </a:xfrm>
-          <a:prstGeom prst="rect">
-            <a:avLst/>
-          </a:prstGeom>
-          <a:noFill/>
-        </p:spPr>
-        <p:txBody>
-          <a:bodyPr wrap="square" rtlCol="0" anchor="t">
-            <a:spAutoFit/>
-          </a:bodyPr>
-          <a:p>
-            <a:r>
-              <a:rPr lang="en-US" altLang="en-US">
-                <a:sym typeface="+mn-ea"/>
-              </a:rPr>
-              <a:t>Создание p2p соединения</a:t>
-            </a:r>
-            <a:endParaRPr lang="ru-RU" altLang="en-US"/>
-          </a:p>
-        </p:txBody>
-      </p:sp>
-    </p:spTree>
-  </p:cSld>
-  <p:clrMapOvr>
-    <a:masterClrMapping/>
-  </p:clrMapOvr>
-</p:sld>
-</file>
-
-<file path=ppt/slides/slide16.xml><?xml version="1.0" encoding="utf-8"?>
-<p:sld xmlns:a="http://schemas.openxmlformats.org/drawingml/2006/main" xmlns:r="http://schemas.openxmlformats.org/officeDocument/2006/relationships" xmlns:p="http://schemas.openxmlformats.org/presentationml/2006/main">
-  <p:cSld>
-    <p:spTree>
-      <p:nvGrpSpPr>
-        <p:cNvPr id="1" name=""/>
-        <p:cNvGrpSpPr/>
-        <p:nvPr/>
-      </p:nvGrpSpPr>
-      <p:grpSpPr/>
-      <p:sp>
-        <p:nvSpPr>
-          <p:cNvPr id="2" name="Заголовок 1"/>
-          <p:cNvSpPr>
-            <a:spLocks noGrp="1"/>
-          </p:cNvSpPr>
-          <p:nvPr>
-            <p:ph type="title"/>
-          </p:nvPr>
-        </p:nvSpPr>
-        <p:spPr/>
-        <p:txBody>
-          <a:bodyPr>
-            <a:normAutofit/>
-          </a:bodyPr>
-          <a:p>
-            <a:r>
-              <a:rPr lang="en-US" altLang="en-US">
-                <a:sym typeface="+mn-ea"/>
-              </a:rPr>
-              <a:t>Реализованные функции программы</a:t>
-            </a:r>
-            <a:endParaRPr lang="" altLang="en-US"/>
-          </a:p>
-        </p:txBody>
-      </p:sp>
-      <p:pic>
-        <p:nvPicPr>
-          <p:cNvPr id="7" name="Изображение 18"/>
-          <p:cNvPicPr>
-            <a:picLocks noChangeAspect="1"/>
-          </p:cNvPicPr>
-          <p:nvPr/>
-        </p:nvPicPr>
-        <p:blipFill>
-          <a:blip r:embed="rId1"/>
-          <a:stretch>
-            <a:fillRect/>
-          </a:stretch>
-        </p:blipFill>
-        <p:spPr>
-          <a:xfrm>
-            <a:off x="582295" y="1691005"/>
-            <a:ext cx="4846955" cy="1179195"/>
-          </a:xfrm>
-          <a:prstGeom prst="rect">
-            <a:avLst/>
-          </a:prstGeom>
-          <a:noFill/>
-          <a:ln>
-            <a:noFill/>
-          </a:ln>
-        </p:spPr>
-      </p:pic>
-      <p:sp>
-        <p:nvSpPr>
-          <p:cNvPr id="8" name="Текстовое поле 7"/>
-          <p:cNvSpPr txBox="1"/>
-          <p:nvPr/>
-        </p:nvSpPr>
-        <p:spPr>
-          <a:xfrm>
-            <a:off x="848360" y="3034665"/>
-            <a:ext cx="4064000" cy="368300"/>
-          </a:xfrm>
-          <a:prstGeom prst="rect">
-            <a:avLst/>
-          </a:prstGeom>
-          <a:noFill/>
-        </p:spPr>
-        <p:txBody>
-          <a:bodyPr wrap="none" rtlCol="0" anchor="t">
-            <a:spAutoFit/>
-          </a:bodyPr>
-          <a:p>
-            <a:r>
-              <a:rPr lang="en-US" altLang="en-US">
-                <a:sym typeface="+mn-ea"/>
-              </a:rPr>
-              <a:t>Создание </a:t>
-            </a:r>
-            <a:r>
-              <a:rPr lang="" altLang="en-US">
-                <a:sym typeface="+mn-ea"/>
-              </a:rPr>
-              <a:t>потока</a:t>
-            </a:r>
-            <a:r>
-              <a:rPr lang="en-US" altLang="en-US">
-                <a:sym typeface="+mn-ea"/>
-              </a:rPr>
-              <a:t> и подписка на </a:t>
-            </a:r>
-            <a:r>
-              <a:rPr lang="" altLang="en-US">
-                <a:sym typeface="+mn-ea"/>
-              </a:rPr>
-              <a:t>него</a:t>
-            </a:r>
-            <a:endParaRPr lang="" altLang="en-US">
-              <a:sym typeface="+mn-ea"/>
-            </a:endParaRPr>
-          </a:p>
-        </p:txBody>
-      </p:sp>
-      <p:pic>
-        <p:nvPicPr>
-          <p:cNvPr id="43" name="Изображение 13"/>
-          <p:cNvPicPr>
-            <a:picLocks noChangeAspect="1"/>
-          </p:cNvPicPr>
-          <p:nvPr/>
-        </p:nvPicPr>
-        <p:blipFill>
-          <a:blip r:embed="rId2"/>
-          <a:stretch>
-            <a:fillRect/>
-          </a:stretch>
-        </p:blipFill>
-        <p:spPr>
-          <a:xfrm>
-            <a:off x="838200" y="4521200"/>
-            <a:ext cx="8696325" cy="1561465"/>
-          </a:xfrm>
-          <a:prstGeom prst="rect">
-            <a:avLst/>
-          </a:prstGeom>
-          <a:noFill/>
-          <a:ln>
-            <a:noFill/>
-          </a:ln>
-        </p:spPr>
-      </p:pic>
-      <p:sp>
-        <p:nvSpPr>
-          <p:cNvPr id="11" name="Текстовое поле 10"/>
-          <p:cNvSpPr txBox="1"/>
-          <p:nvPr/>
-        </p:nvSpPr>
-        <p:spPr>
-          <a:xfrm>
-            <a:off x="838200" y="6082665"/>
-            <a:ext cx="6441440" cy="368300"/>
-          </a:xfrm>
-          <a:prstGeom prst="rect">
-            <a:avLst/>
-          </a:prstGeom>
-          <a:noFill/>
-        </p:spPr>
-        <p:txBody>
-          <a:bodyPr wrap="none" rtlCol="0" anchor="t">
-            <a:spAutoFit/>
-          </a:bodyPr>
-          <a:p>
-            <a:r>
-              <a:rPr lang="" altLang="en-US">
-                <a:sym typeface="+mn-ea"/>
-              </a:rPr>
-              <a:t>Получение информации о медиаустройствах пользователя</a:t>
-            </a:r>
-            <a:endParaRPr lang="" altLang="en-US">
-              <a:sym typeface="+mn-ea"/>
-            </a:endParaRPr>
-          </a:p>
-        </p:txBody>
-      </p:sp>
-    </p:spTree>
-  </p:cSld>
-  <p:clrMapOvr>
-    <a:masterClrMapping/>
-  </p:clrMapOvr>
-</p:sld>
-</file>
-
-<file path=ppt/slides/slide17.xml><?xml version="1.0" encoding="utf-8"?>
-<p:sld xmlns:a="http://schemas.openxmlformats.org/drawingml/2006/main" xmlns:r="http://schemas.openxmlformats.org/officeDocument/2006/relationships" xmlns:p="http://schemas.openxmlformats.org/presentationml/2006/main">
-  <p:cSld>
-    <p:spTree>
-      <p:nvGrpSpPr>
-        <p:cNvPr id="1" name=""/>
-        <p:cNvGrpSpPr/>
-        <p:nvPr/>
-      </p:nvGrpSpPr>
-      <p:grpSpPr/>
-      <p:sp>
-        <p:nvSpPr>
-          <p:cNvPr id="2" name="Заголовок 1"/>
-          <p:cNvSpPr>
-            <a:spLocks noGrp="1"/>
-          </p:cNvSpPr>
-          <p:nvPr>
-            <p:ph type="title"/>
-          </p:nvPr>
-        </p:nvSpPr>
-        <p:spPr/>
-        <p:txBody>
-          <a:bodyPr/>
-          <a:p>
-            <a:r>
-              <a:rPr lang="en-US" altLang="en-US"/>
-              <a:t>Безопасность	</a:t>
-            </a:r>
-            <a:endParaRPr lang="en-US" altLang="en-US"/>
-          </a:p>
-        </p:txBody>
-      </p:sp>
-      <p:sp>
-        <p:nvSpPr>
-          <p:cNvPr id="3" name="Замещающее содержимое 2"/>
-          <p:cNvSpPr/>
-          <p:nvPr>
-            <p:ph idx="1"/>
-          </p:nvPr>
-        </p:nvSpPr>
-        <p:spPr/>
-        <p:txBody>
-          <a:bodyPr/>
-          <a:p>
-            <a:pPr>
-              <a:lnSpc>
-                <a:spcPct val="150000"/>
-              </a:lnSpc>
-            </a:pPr>
-            <a:r>
-              <a:rPr lang="en-US" altLang="ru-RU">
-                <a:solidFill>
-                  <a:schemeClr val="tx1"/>
-                </a:solidFill>
-              </a:rPr>
-              <a:t>Работает только по HTTPS</a:t>
-            </a:r>
-            <a:endParaRPr lang="en-US" altLang="ru-RU">
-              <a:solidFill>
-                <a:schemeClr val="tx1"/>
-              </a:solidFill>
-            </a:endParaRPr>
-          </a:p>
-          <a:p>
-            <a:pPr>
-              <a:lnSpc>
-                <a:spcPct val="150000"/>
-              </a:lnSpc>
-            </a:pPr>
-            <a:r>
-              <a:rPr lang="en-US" altLang="ru-RU">
-                <a:solidFill>
-                  <a:schemeClr val="tx1"/>
-                </a:solidFill>
-              </a:rPr>
-              <a:t>Медиа потоки шифруются (DTLS и SRTP)</a:t>
-            </a:r>
-            <a:endParaRPr lang="en-US" altLang="ru-RU">
-              <a:solidFill>
-                <a:schemeClr val="tx1"/>
-              </a:solidFill>
-            </a:endParaRPr>
-          </a:p>
-          <a:p>
-            <a:pPr>
-              <a:lnSpc>
-                <a:spcPct val="150000"/>
-              </a:lnSpc>
-            </a:pPr>
-            <a:r>
-              <a:rPr lang="en-US" altLang="ru-RU">
-                <a:solidFill>
-                  <a:schemeClr val="tx1"/>
-                </a:solidFill>
-              </a:rPr>
-              <a:t>Технология не требует установки плагинов</a:t>
-            </a:r>
-            <a:endParaRPr lang="en-US" altLang="ru-RU">
-              <a:solidFill>
-                <a:schemeClr val="tx1"/>
-              </a:solidFill>
-            </a:endParaRPr>
-          </a:p>
-          <a:p>
-            <a:pPr>
-              <a:lnSpc>
-                <a:spcPct val="150000"/>
-              </a:lnSpc>
-            </a:pPr>
-            <a:r>
-              <a:rPr lang="en-US" altLang="ru-RU">
-                <a:solidFill>
-                  <a:schemeClr val="tx1"/>
-                </a:solidFill>
-              </a:rPr>
-              <a:t>Не получится сделать шпионское приложение</a:t>
-            </a:r>
-            <a:endParaRPr lang="en-US" altLang="ru-RU">
-              <a:solidFill>
-                <a:schemeClr val="tx1"/>
-              </a:solidFill>
-            </a:endParaRPr>
-          </a:p>
-        </p:txBody>
-      </p:sp>
-    </p:spTree>
-  </p:cSld>
-  <p:clrMapOvr>
-    <a:masterClrMapping/>
-  </p:clrMapOvr>
-</p:sld>
-</file>
-
-<file path=ppt/slides/slide18.xml><?xml version="1.0" encoding="utf-8"?>
-<p:sld xmlns:a="http://schemas.openxmlformats.org/drawingml/2006/main" xmlns:r="http://schemas.openxmlformats.org/officeDocument/2006/relationships" xmlns:p="http://schemas.openxmlformats.org/presentationml/2006/main">
-  <p:cSld>
-    <p:spTree>
-      <p:nvGrpSpPr>
-        <p:cNvPr id="1" name=""/>
-        <p:cNvGrpSpPr/>
-        <p:nvPr/>
-      </p:nvGrpSpPr>
-      <p:grpSpPr/>
-      <p:sp>
-        <p:nvSpPr>
-          <p:cNvPr id="2" name="Заголовок 1"/>
-          <p:cNvSpPr>
-            <a:spLocks noGrp="1"/>
-          </p:cNvSpPr>
-          <p:nvPr>
-            <p:ph type="title"/>
-          </p:nvPr>
-        </p:nvSpPr>
-        <p:spPr/>
-        <p:txBody>
-          <a:bodyPr/>
-          <a:p>
-            <a:r>
-              <a:rPr lang="en-US" altLang="en-US"/>
-              <a:t>Требования при работе с ПО</a:t>
-            </a:r>
-            <a:endParaRPr lang="en-US" altLang="en-US"/>
-          </a:p>
-        </p:txBody>
-      </p:sp>
-      <p:sp>
-        <p:nvSpPr>
-          <p:cNvPr id="7" name="Замещающее содержимое 6"/>
-          <p:cNvSpPr/>
-          <p:nvPr>
-            <p:ph idx="1"/>
-          </p:nvPr>
-        </p:nvSpPr>
-        <p:spPr/>
-        <p:txBody>
-          <a:bodyPr/>
-          <a:p>
-            <a:pPr marL="0" indent="0">
-              <a:lnSpc>
-                <a:spcPct val="150000"/>
-              </a:lnSpc>
-              <a:buNone/>
-            </a:pPr>
-            <a:r>
-              <a:rPr lang="en-US" altLang="en-US"/>
-              <a:t>Для пользования продуктом необходимо лишь установить браузер и иметь сетевое соединение.</a:t>
-            </a:r>
-            <a:endParaRPr lang="en-US" altLang="en-US"/>
-          </a:p>
-          <a:p>
-            <a:pPr marL="0" indent="0">
-              <a:lnSpc>
-                <a:spcPct val="150000"/>
-              </a:lnSpc>
-              <a:buNone/>
-            </a:pPr>
-            <a:endParaRPr lang="en-US" altLang="en-US"/>
-          </a:p>
-          <a:p>
-            <a:pPr marL="0" indent="0">
-              <a:lnSpc>
-                <a:spcPct val="150000"/>
-              </a:lnSpc>
-              <a:buNone/>
-            </a:pPr>
-            <a:r>
-              <a:rPr lang="en-US" altLang="en-US"/>
-              <a:t>Поддержка в браузерах:</a:t>
-            </a:r>
-            <a:endParaRPr lang="en-US" altLang="en-US"/>
-          </a:p>
-          <a:p>
-            <a:pPr marL="0" indent="0">
-              <a:lnSpc>
-                <a:spcPct val="150000"/>
-              </a:lnSpc>
-              <a:buNone/>
-            </a:pPr>
-            <a:endParaRPr lang="en-US" altLang="en-US"/>
-          </a:p>
-        </p:txBody>
-      </p:sp>
-      <p:graphicFrame>
-        <p:nvGraphicFramePr>
-          <p:cNvPr id="4" name="Таблица 3"/>
-          <p:cNvGraphicFramePr/>
-          <p:nvPr/>
-        </p:nvGraphicFramePr>
-        <p:xfrm>
-          <a:off x="838200" y="5194300"/>
-          <a:ext cx="10515600" cy="1243330"/>
-        </p:xfrm>
-        <a:graphic>
-          <a:graphicData uri="http://schemas.openxmlformats.org/drawingml/2006/table">
-            <a:tbl>
-              <a:tblPr firstRow="1" bandRow="1">
-                <a:effectLst>
-                  <a:outerShdw blurRad="114300" dist="25400" dir="5340000" algn="tl" rotWithShape="0">
-                    <a:prstClr val="black">
-                      <a:alpha val="29000"/>
-                    </a:prstClr>
-                  </a:outerShdw>
-                </a:effectLst>
-                <a:tableStyleId>{5C22544A-7EE6-4342-B048-85BDC9FD1C3A}</a:tableStyleId>
-              </a:tblPr>
-              <a:tblGrid>
-                <a:gridCol w="2628900"/>
-                <a:gridCol w="2628900"/>
-                <a:gridCol w="2628900"/>
-                <a:gridCol w="2628900"/>
-              </a:tblGrid>
-              <a:tr h="621665">
-                <a:tc>
-                  <a:txBody>
-                    <a:bodyPr/>
-                    <a:p>
-                      <a:pPr>
-                        <a:buNone/>
-                      </a:pPr>
-                      <a:r>
-                        <a:rPr lang="en-US" altLang="ru-RU" sz="2500">
-                          <a:solidFill>
-                            <a:schemeClr val="tx1"/>
-                          </a:solidFill>
-                        </a:rPr>
-                        <a:t>Chrome</a:t>
-                      </a:r>
-                      <a:endParaRPr lang="en-US" altLang="ru-RU" sz="2500">
-                        <a:solidFill>
-                          <a:schemeClr val="tx1"/>
-                        </a:solidFill>
-                      </a:endParaRPr>
-                    </a:p>
-                  </a:txBody>
-                  <a:tcPr>
-                    <a:noFill/>
-                  </a:tcPr>
-                </a:tc>
-                <a:tc>
-                  <a:txBody>
-                    <a:bodyPr/>
-                    <a:p>
-                      <a:pPr>
-                        <a:buNone/>
-                      </a:pPr>
-                      <a:r>
-                        <a:rPr lang="en-US" altLang="ru-RU" sz="2500">
-                          <a:solidFill>
-                            <a:schemeClr val="tx1"/>
-                          </a:solidFill>
-                        </a:rPr>
-                        <a:t>Safari</a:t>
-                      </a:r>
-                      <a:endParaRPr lang="en-US" altLang="ru-RU" sz="2500">
-                        <a:solidFill>
-                          <a:schemeClr val="tx1"/>
-                        </a:solidFill>
-                      </a:endParaRPr>
-                    </a:p>
-                  </a:txBody>
-                  <a:tcPr>
-                    <a:noFill/>
-                  </a:tcPr>
-                </a:tc>
-                <a:tc>
-                  <a:txBody>
-                    <a:bodyPr/>
-                    <a:p>
-                      <a:pPr>
-                        <a:buNone/>
-                      </a:pPr>
-                      <a:r>
-                        <a:rPr lang="en-US" altLang="ru-RU" sz="2500">
-                          <a:solidFill>
-                            <a:schemeClr val="tx1"/>
-                          </a:solidFill>
-                        </a:rPr>
-                        <a:t>Firefox</a:t>
-                      </a:r>
-                      <a:endParaRPr lang="en-US" altLang="ru-RU" sz="2500">
-                        <a:solidFill>
-                          <a:schemeClr val="tx1"/>
-                        </a:solidFill>
-                      </a:endParaRPr>
-                    </a:p>
-                  </a:txBody>
-                  <a:tcPr>
-                    <a:noFill/>
-                  </a:tcPr>
-                </a:tc>
-                <a:tc>
-                  <a:txBody>
-                    <a:bodyPr/>
-                    <a:p>
-                      <a:pPr>
-                        <a:buNone/>
-                      </a:pPr>
-                      <a:r>
-                        <a:rPr lang="en-US" altLang="ru-RU" sz="2500">
-                          <a:solidFill>
-                            <a:schemeClr val="tx1"/>
-                          </a:solidFill>
-                        </a:rPr>
-                        <a:t>Opera</a:t>
-                      </a:r>
-                      <a:endParaRPr lang="en-US" altLang="ru-RU" sz="2500">
-                        <a:solidFill>
-                          <a:schemeClr val="tx1"/>
-                        </a:solidFill>
-                      </a:endParaRPr>
-                    </a:p>
-                  </a:txBody>
-                  <a:tcPr>
-                    <a:noFill/>
-                  </a:tcPr>
-                </a:tc>
-              </a:tr>
-              <a:tr h="621665">
-                <a:tc>
-                  <a:txBody>
-                    <a:bodyPr/>
-                    <a:p>
-                      <a:pPr>
-                        <a:buNone/>
-                      </a:pPr>
-                      <a:r>
-                        <a:rPr lang="en-US" altLang="ru-RU" sz="2500">
-                          <a:solidFill>
-                            <a:schemeClr val="tx1"/>
-                          </a:solidFill>
-                        </a:rPr>
-                        <a:t>23+</a:t>
-                      </a:r>
-                      <a:endParaRPr lang="en-US" altLang="ru-RU" sz="2500">
-                        <a:solidFill>
-                          <a:schemeClr val="tx1"/>
-                        </a:solidFill>
-                      </a:endParaRPr>
-                    </a:p>
-                  </a:txBody>
-                  <a:tcPr>
-                    <a:noFill/>
-                  </a:tcPr>
-                </a:tc>
-                <a:tc>
-                  <a:txBody>
-                    <a:bodyPr/>
-                    <a:p>
-                      <a:pPr>
-                        <a:buNone/>
-                      </a:pPr>
-                      <a:r>
-                        <a:rPr lang="en-US" altLang="ru-RU" sz="2500">
-                          <a:solidFill>
-                            <a:schemeClr val="tx1"/>
-                          </a:solidFill>
-                        </a:rPr>
-                        <a:t>11+</a:t>
-                      </a:r>
-                      <a:endParaRPr lang="en-US" altLang="ru-RU" sz="2500">
-                        <a:solidFill>
-                          <a:schemeClr val="tx1"/>
-                        </a:solidFill>
-                      </a:endParaRPr>
-                    </a:p>
-                  </a:txBody>
-                  <a:tcPr>
-                    <a:noFill/>
-                  </a:tcPr>
-                </a:tc>
-                <a:tc>
-                  <a:txBody>
-                    <a:bodyPr/>
-                    <a:p>
-                      <a:pPr>
-                        <a:buNone/>
-                      </a:pPr>
-                      <a:r>
-                        <a:rPr lang="en-US" altLang="ru-RU" sz="2500">
-                          <a:solidFill>
-                            <a:schemeClr val="tx1"/>
-                          </a:solidFill>
-                        </a:rPr>
-                        <a:t>38+</a:t>
-                      </a:r>
-                      <a:endParaRPr lang="en-US" altLang="ru-RU" sz="2500">
-                        <a:solidFill>
-                          <a:schemeClr val="tx1"/>
-                        </a:solidFill>
-                      </a:endParaRPr>
-                    </a:p>
-                  </a:txBody>
-                  <a:tcPr>
-                    <a:noFill/>
-                  </a:tcPr>
-                </a:tc>
-                <a:tc>
-                  <a:txBody>
-                    <a:bodyPr/>
-                    <a:p>
-                      <a:pPr>
-                        <a:buNone/>
-                      </a:pPr>
-                      <a:r>
-                        <a:rPr lang="en-US" altLang="ru-RU" sz="2500">
-                          <a:solidFill>
-                            <a:schemeClr val="tx1"/>
-                          </a:solidFill>
-                        </a:rPr>
-                        <a:t>12+</a:t>
-                      </a:r>
-                      <a:endParaRPr lang="en-US" altLang="ru-RU" sz="2500">
-                        <a:solidFill>
-                          <a:schemeClr val="tx1"/>
-                        </a:solidFill>
-                      </a:endParaRPr>
-                    </a:p>
-                  </a:txBody>
-                  <a:tcPr>
-                    <a:noFill/>
-                  </a:tcPr>
-                </a:tc>
-              </a:tr>
-            </a:tbl>
-          </a:graphicData>
-        </a:graphic>
-      </p:graphicFrame>
-    </p:spTree>
-  </p:cSld>
-  <p:clrMapOvr>
-    <a:masterClrMapping/>
-  </p:clrMapOvr>
-</p:sld>
-</file>
-
-<file path=ppt/slides/slide19.xml><?xml version="1.0" encoding="utf-8"?>
-<p:sld xmlns:a="http://schemas.openxmlformats.org/drawingml/2006/main" xmlns:r="http://schemas.openxmlformats.org/officeDocument/2006/relationships" xmlns:p="http://schemas.openxmlformats.org/presentationml/2006/main">
-  <p:cSld>
-    <p:spTree>
-      <p:nvGrpSpPr>
-        <p:cNvPr id="1" name=""/>
-        <p:cNvGrpSpPr/>
-        <p:nvPr/>
-      </p:nvGrpSpPr>
-      <p:grpSpPr/>
-      <p:sp>
-        <p:nvSpPr>
-          <p:cNvPr id="2" name="Заголовок 1"/>
-          <p:cNvSpPr>
-            <a:spLocks noGrp="1"/>
-          </p:cNvSpPr>
-          <p:nvPr>
-            <p:ph type="title"/>
-          </p:nvPr>
-        </p:nvSpPr>
-        <p:spPr/>
-        <p:txBody>
-          <a:bodyPr>
-            <a:normAutofit fontScale="90000"/>
-          </a:bodyPr>
-          <a:p>
-            <a:r>
-              <a:rPr lang="en-US" altLang="en-US"/>
+              <a:rPr lang="en-US" altLang="en-US" sz="3600"/>
               <a:t>Сравнение приложения с популярными сервисами</a:t>
             </a:r>
-            <a:endParaRPr lang="en-US" altLang="en-US"/>
+            <a:endParaRPr lang="en-US" altLang="en-US" sz="3600"/>
           </a:p>
         </p:txBody>
       </p:sp>
@@ -6006,7 +4394,7 @@
                         <a:t>0.</a:t>
                       </a:r>
                       <a:r>
-                        <a:rPr lang="" altLang="en-US" sz="1600" b="0">
+                        <a:rPr lang="en-US" altLang="en-US" sz="1600" b="0">
                           <a:latin typeface="Times New Roman" panose="02020603050405020304" charset="0"/>
                           <a:cs typeface="Times New Roman" panose="02020603050405020304" charset="0"/>
                         </a:rPr>
@@ -6729,7 +5117,7 @@
 </p:sld>
 </file>
 
-<file path=ppt/slides/slide2.xml><?xml version="1.0" encoding="utf-8"?>
+<file path=ppt/slides/slide11.xml><?xml version="1.0" encoding="utf-8"?>
 <p:sld xmlns:a="http://schemas.openxmlformats.org/drawingml/2006/main" xmlns:r="http://schemas.openxmlformats.org/officeDocument/2006/relationships" xmlns:p="http://schemas.openxmlformats.org/presentationml/2006/main">
   <p:cSld>
     <p:spTree>
@@ -6751,121 +5139,13 @@
         </p:nvSpPr>
         <p:spPr/>
         <p:txBody>
-          <a:bodyPr/>
-          <a:p>
-            <a:r>
-              <a:rPr lang="en-US" altLang="ru-RU"/>
-              <a:t>Цель </a:t>
-            </a:r>
-            <a:r>
-              <a:rPr lang="" altLang="en-US"/>
-              <a:t>работы</a:t>
-            </a:r>
-            <a:endParaRPr lang="" altLang="en-US"/>
-          </a:p>
-        </p:txBody>
-      </p:sp>
-      <p:sp>
-        <p:nvSpPr>
-          <p:cNvPr id="3" name="Замещающее содержимое 2"/>
-          <p:cNvSpPr>
-            <a:spLocks noGrp="1"/>
-          </p:cNvSpPr>
-          <p:nvPr>
-            <p:ph idx="1"/>
-          </p:nvPr>
-        </p:nvSpPr>
-        <p:spPr/>
-        <p:txBody>
-          <a:bodyPr>
-            <a:normAutofit/>
-          </a:bodyPr>
-          <a:p>
-            <a:pPr marL="0" indent="0">
-              <a:lnSpc>
-                <a:spcPct val="150000"/>
-              </a:lnSpc>
-              <a:buNone/>
-            </a:pPr>
-            <a:r>
-              <a:rPr lang="" altLang="en-US" sz="2500"/>
-              <a:t>С</a:t>
-            </a:r>
-            <a:r>
-              <a:rPr lang="en-US" altLang="ru-RU" sz="2500"/>
-              <a:t>оздание </a:t>
-            </a:r>
-            <a:r>
-              <a:rPr lang="" altLang="en-US" sz="2500"/>
-              <a:t>видео чата </a:t>
-            </a:r>
-            <a:r>
-              <a:rPr lang="en-US" altLang="ru-RU" sz="2500"/>
-              <a:t>на основ</a:t>
-            </a:r>
-            <a:r>
-              <a:rPr lang="" altLang="en-US" sz="2500"/>
-              <a:t>е</a:t>
-            </a:r>
-            <a:r>
-              <a:rPr lang="en-US" altLang="ru-RU" sz="2500"/>
-              <a:t> </a:t>
-            </a:r>
-            <a:r>
-              <a:rPr lang="en-US" altLang="ru-RU" sz="2500">
-                <a:sym typeface="+mn-ea"/>
-              </a:rPr>
-              <a:t>webRTC стандарта </a:t>
-            </a:r>
-            <a:r>
-              <a:rPr lang="en-US" altLang="ru-RU" sz="2500"/>
-              <a:t>для установления соединения  и обмена информацией между конечными пользователями.</a:t>
-            </a:r>
-            <a:endParaRPr lang="en-US" altLang="ru-RU" sz="2500"/>
-          </a:p>
-        </p:txBody>
-      </p:sp>
-    </p:spTree>
-  </p:cSld>
-  <p:clrMapOvr>
-    <a:masterClrMapping/>
-  </p:clrMapOvr>
-</p:sld>
-</file>
-
-<file path=ppt/slides/slide20.xml><?xml version="1.0" encoding="utf-8"?>
-<p:sld xmlns:a="http://schemas.openxmlformats.org/drawingml/2006/main" xmlns:r="http://schemas.openxmlformats.org/officeDocument/2006/relationships" xmlns:p="http://schemas.openxmlformats.org/presentationml/2006/main">
-  <p:cSld>
-    <p:spTree>
-      <p:nvGrpSpPr>
-        <p:cNvPr id="1" name=""/>
-        <p:cNvGrpSpPr/>
-        <p:nvPr/>
-      </p:nvGrpSpPr>
-      <p:grpSpPr/>
-      <p:sp>
-        <p:nvSpPr>
-          <p:cNvPr id="2" name="Заголовок 1"/>
-          <p:cNvSpPr>
-            <a:spLocks noGrp="1"/>
-          </p:cNvSpPr>
-          <p:nvPr>
-            <p:ph type="title"/>
-          </p:nvPr>
-        </p:nvSpPr>
-        <p:spPr/>
-        <p:txBody>
           <a:bodyPr>
             <a:normAutofit fontScale="90000"/>
           </a:bodyPr>
           <a:p>
             <a:r>
-              <a:rPr lang="" altLang="en-US"/>
-              <a:t>В</a:t>
-            </a:r>
-            <a:r>
               <a:rPr lang="en-US" altLang="en-US"/>
-              <a:t>лияние количества участников системы на ресурсы системы</a:t>
+              <a:t>Влияние количества участников системы на ресурсы системы</a:t>
             </a:r>
             <a:endParaRPr lang="en-US" altLang="en-US"/>
           </a:p>
@@ -6909,7 +5189,7 @@
 </p:sld>
 </file>
 
-<file path=ppt/slides/slide21.xml><?xml version="1.0" encoding="utf-8"?>
+<file path=ppt/slides/slide12.xml><?xml version="1.0" encoding="utf-8"?>
 <p:sld xmlns:a="http://schemas.openxmlformats.org/drawingml/2006/main" xmlns:r="http://schemas.openxmlformats.org/officeDocument/2006/relationships" xmlns:p="http://schemas.openxmlformats.org/presentationml/2006/main">
   <p:cSld>
     <p:spTree>
@@ -6936,10 +5216,10 @@
           </a:bodyPr>
           <a:p>
             <a:r>
-              <a:rPr lang="en-US" altLang="en-US"/>
+              <a:rPr lang="en-US" altLang="en-US" sz="3600"/>
               <a:t>Заключение	</a:t>
             </a:r>
-            <a:endParaRPr lang="en-US" altLang="en-US"/>
+            <a:endParaRPr lang="en-US" altLang="en-US" sz="3600"/>
           </a:p>
         </p:txBody>
       </p:sp>
@@ -6953,13 +5233,13 @@
         </p:nvSpPr>
         <p:spPr>
           <a:xfrm>
-            <a:off x="838200" y="1825625"/>
-            <a:ext cx="11073765" cy="4351655"/>
+            <a:off x="524510" y="1825625"/>
+            <a:ext cx="11654155" cy="4969510"/>
           </a:xfrm>
         </p:spPr>
         <p:txBody>
           <a:bodyPr>
-            <a:normAutofit fontScale="90000"/>
+            <a:normAutofit fontScale="70000"/>
           </a:bodyPr>
           <a:p>
             <a:pPr marL="0" indent="0">
@@ -6969,16 +5249,8 @@
               <a:buNone/>
             </a:pPr>
             <a:r>
-              <a:rPr lang="ru-RU" altLang="en-US"/>
-              <a:t>Разработанный </a:t>
-            </a:r>
-            <a:r>
-              <a:rPr lang="en-US" altLang="ru-RU"/>
-              <a:t>продукт </a:t>
-            </a:r>
-            <a:r>
-              <a:rPr lang="ru-RU" altLang="en-US"/>
-              <a:t>может  применяться  для  проведения  онлайн-конференций в учебных целях. Для организации трансляции требуется только создать комнату и поделиться ссылкой с участниками. </a:t>
+              <a:rPr lang="" altLang="ru-RU"/>
+              <a:t>В данной работе решены прежде поставленные задачи:</a:t>
             </a:r>
             <a:endParaRPr lang="ru-RU" altLang="en-US"/>
           </a:p>
@@ -6989,19 +5261,106 @@
               </a:lnSpc>
               <a:buNone/>
             </a:pPr>
+            <a:endParaRPr lang="ru-RU" altLang="en-US"/>
+          </a:p>
+          <a:p>
+            <a:pPr marL="0" indent="0">
+              <a:lnSpc>
+                <a:spcPct val="150000"/>
+              </a:lnSpc>
+              <a:buNone/>
+            </a:pPr>
+            <a:r>
+              <a:rPr lang="ru-RU" altLang="en-US"/>
+              <a:t>Разработанный </a:t>
+            </a:r>
+            <a:r>
+              <a:rPr lang="en-US" altLang="ru-RU"/>
+              <a:t>продукт </a:t>
+            </a:r>
+            <a:r>
+              <a:rPr lang="ru-RU" altLang="en-US"/>
+              <a:t>может  применяться  для  проведения  </a:t>
+            </a:r>
+            <a:r>
+              <a:rPr lang="" altLang="ru-RU"/>
+              <a:t>защищенного видео чата</a:t>
+            </a:r>
+            <a:r>
+              <a:rPr lang="ru-RU" altLang="en-US"/>
+              <a:t>. </a:t>
+            </a:r>
+            <a:endParaRPr lang="ru-RU" altLang="en-US"/>
+          </a:p>
+          <a:p>
+            <a:pPr marL="0" indent="0">
+              <a:lnSpc>
+                <a:spcPct val="150000"/>
+              </a:lnSpc>
+              <a:buNone/>
+            </a:pPr>
+            <a:r>
+              <a:rPr lang="ru-RU" altLang="en-US"/>
+              <a:t>Для организации трансляции требуется только создать комнату и поделиться ссылкой с участниками. </a:t>
+            </a:r>
+            <a:endParaRPr lang="ru-RU" altLang="en-US"/>
+          </a:p>
+          <a:p>
+            <a:pPr marL="0" indent="0">
+              <a:lnSpc>
+                <a:spcPct val="150000"/>
+              </a:lnSpc>
+              <a:buNone/>
+            </a:pPr>
             <a:r>
               <a:rPr lang="en-US" altLang="ru-RU"/>
               <a:t>Нет необходимости </a:t>
             </a:r>
             <a:r>
               <a:rPr lang="ru-RU" altLang="en-US"/>
-              <a:t>устанавливать дополнительного ПО, сервис является кроссплатформенным, поддерживается большинством браузеров</a:t>
-            </a:r>
-            <a:r>
-              <a:rPr lang="en-US" altLang="ru-RU"/>
-              <a:t>.</a:t>
-            </a:r>
-            <a:endParaRPr lang="en-US" altLang="ru-RU"/>
+              <a:t>устанавливать дополнительного ПО,</a:t>
+            </a:r>
+            <a:endParaRPr lang="ru-RU" altLang="en-US"/>
+          </a:p>
+          <a:p>
+            <a:pPr marL="0" indent="0">
+              <a:lnSpc>
+                <a:spcPct val="150000"/>
+              </a:lnSpc>
+              <a:buNone/>
+            </a:pPr>
+            <a:r>
+              <a:rPr lang="" altLang="ru-RU"/>
+              <a:t>Программный продукт </a:t>
+            </a:r>
+            <a:r>
+              <a:rPr lang="ru-RU" altLang="en-US"/>
+              <a:t>является кроссплатформенным, </a:t>
+            </a:r>
+            <a:endParaRPr lang="ru-RU" altLang="en-US"/>
+          </a:p>
+          <a:p>
+            <a:pPr marL="0" indent="0">
+              <a:lnSpc>
+                <a:spcPct val="150000"/>
+              </a:lnSpc>
+              <a:buNone/>
+            </a:pPr>
+            <a:r>
+              <a:rPr lang="" altLang="ru-RU"/>
+              <a:t>Д</a:t>
+            </a:r>
+            <a:r>
+              <a:rPr lang="" altLang="ru-RU"/>
+              <a:t>анные передаются с помощью </a:t>
+            </a:r>
+            <a:r>
+              <a:rPr lang="" altLang="en-US">
+                <a:sym typeface="+mn-ea"/>
+              </a:rPr>
+              <a:t>протоколов беопасности.</a:t>
+            </a:r>
+            <a:endParaRPr lang="" altLang="en-US"/>
           </a:p>
         </p:txBody>
       </p:sp>
@@ -7013,7 +5372,7 @@
 </p:sld>
 </file>
 
-<file path=ppt/slides/slide22.xml><?xml version="1.0" encoding="utf-8"?>
+<file path=ppt/slides/slide13.xml><?xml version="1.0" encoding="utf-8"?>
 <p:sld xmlns:a="http://schemas.openxmlformats.org/drawingml/2006/main" xmlns:r="http://schemas.openxmlformats.org/officeDocument/2006/relationships" xmlns:p="http://schemas.openxmlformats.org/presentationml/2006/main">
   <p:cSld>
     <p:spTree>
@@ -7046,10 +5405,311 @@
           <a:p>
             <a:pPr algn="ctr"/>
             <a:r>
-              <a:rPr lang="" altLang="en-US"/>
+              <a:rPr lang="en-US" altLang="en-US"/>
               <a:t>Спасибо за внимание!</a:t>
             </a:r>
-            <a:endParaRPr lang="" altLang="en-US"/>
+            <a:endParaRPr lang="en-US" altLang="en-US"/>
+          </a:p>
+        </p:txBody>
+      </p:sp>
+    </p:spTree>
+  </p:cSld>
+  <p:clrMapOvr>
+    <a:masterClrMapping/>
+  </p:clrMapOvr>
+</p:sld>
+</file>
+
+<file path=ppt/slides/slide2.xml><?xml version="1.0" encoding="utf-8"?>
+<p:sld xmlns:a="http://schemas.openxmlformats.org/drawingml/2006/main" xmlns:r="http://schemas.openxmlformats.org/officeDocument/2006/relationships" xmlns:p="http://schemas.openxmlformats.org/presentationml/2006/main">
+  <p:cSld>
+    <p:spTree>
+      <p:nvGrpSpPr>
+        <p:cNvPr id="1" name=""/>
+        <p:cNvGrpSpPr/>
+        <p:nvPr/>
+      </p:nvGrpSpPr>
+      <p:grpSpPr/>
+      <p:sp>
+        <p:nvSpPr>
+          <p:cNvPr id="3" name="Замещающее содержимое 2"/>
+          <p:cNvSpPr>
+            <a:spLocks noGrp="1"/>
+          </p:cNvSpPr>
+          <p:nvPr>
+            <p:ph idx="1"/>
+          </p:nvPr>
+        </p:nvSpPr>
+        <p:spPr>
+          <a:xfrm>
+            <a:off x="558165" y="355600"/>
+            <a:ext cx="10795635" cy="6287770"/>
+          </a:xfrm>
+        </p:spPr>
+        <p:txBody>
+          <a:bodyPr>
+            <a:normAutofit fontScale="90000" lnSpcReduction="10000"/>
+          </a:bodyPr>
+          <a:p>
+            <a:pPr marL="0" indent="0">
+              <a:lnSpc>
+                <a:spcPct val="150000"/>
+              </a:lnSpc>
+              <a:buNone/>
+            </a:pPr>
+            <a:r>
+              <a:rPr lang="en-US" altLang="ru-RU" sz="2500" b="1">
+                <a:sym typeface="+mn-ea"/>
+              </a:rPr>
+              <a:t>Цель </a:t>
+            </a:r>
+            <a:r>
+              <a:rPr lang="en-US" altLang="en-US" sz="2500" b="1">
+                <a:sym typeface="+mn-ea"/>
+              </a:rPr>
+              <a:t>работы</a:t>
+            </a:r>
+            <a:r>
+              <a:rPr lang="en-US" altLang="en-US" sz="2500">
+                <a:sym typeface="+mn-ea"/>
+              </a:rPr>
+              <a:t> </a:t>
+            </a:r>
+            <a:r>
+              <a:rPr lang="" altLang="en-US" sz="2500">
+                <a:sym typeface="+mn-ea"/>
+              </a:rPr>
+              <a:t>- </a:t>
+            </a:r>
+            <a:r>
+              <a:rPr lang="" altLang="en-US" sz="2500"/>
+              <a:t>с</a:t>
+            </a:r>
+            <a:r>
+              <a:rPr lang="en-US" altLang="ru-RU" sz="2500"/>
+              <a:t>оздание </a:t>
+            </a:r>
+            <a:r>
+              <a:rPr lang="en-US" altLang="en-US" sz="2500"/>
+              <a:t>видео чата </a:t>
+            </a:r>
+            <a:r>
+              <a:rPr lang="en-US" altLang="ru-RU" sz="2500"/>
+              <a:t>на основ</a:t>
+            </a:r>
+            <a:r>
+              <a:rPr lang="en-US" altLang="en-US" sz="2500"/>
+              <a:t>е</a:t>
+            </a:r>
+            <a:r>
+              <a:rPr lang="en-US" altLang="ru-RU" sz="2500"/>
+              <a:t> </a:t>
+            </a:r>
+            <a:r>
+              <a:rPr lang="en-US" altLang="ru-RU" sz="2500">
+                <a:sym typeface="+mn-ea"/>
+              </a:rPr>
+              <a:t>webRTC стандарта </a:t>
+            </a:r>
+            <a:r>
+              <a:rPr lang="en-US" altLang="ru-RU" sz="2500"/>
+              <a:t>для установления соединения  и обмена информацией между конечными пользователями.</a:t>
+            </a:r>
+            <a:endParaRPr lang="en-US" altLang="ru-RU" sz="2500"/>
+          </a:p>
+          <a:p>
+            <a:pPr marL="0" indent="0">
+              <a:lnSpc>
+                <a:spcPct val="150000"/>
+              </a:lnSpc>
+              <a:buNone/>
+            </a:pPr>
+            <a:endParaRPr lang="en-US" altLang="ru-RU" sz="2500"/>
+          </a:p>
+          <a:p>
+            <a:pPr marL="0" indent="0">
+              <a:lnSpc>
+                <a:spcPct val="150000"/>
+              </a:lnSpc>
+              <a:buNone/>
+            </a:pPr>
+            <a:r>
+              <a:rPr lang="en-US" altLang="en-US" sz="2500" b="1">
+                <a:sym typeface="+mn-ea"/>
+              </a:rPr>
+              <a:t>Задачи</a:t>
+            </a:r>
+            <a:r>
+              <a:rPr lang="" altLang="en-US" sz="2500" b="1">
+                <a:sym typeface="+mn-ea"/>
+              </a:rPr>
+              <a:t>:</a:t>
+            </a:r>
+            <a:endParaRPr lang="en-US" altLang="en-US" sz="2500"/>
+          </a:p>
+          <a:p>
+            <a:pPr>
+              <a:lnSpc>
+                <a:spcPct val="150000"/>
+              </a:lnSpc>
+            </a:pPr>
+            <a:r>
+              <a:rPr lang="" altLang="en-US" sz="2500">
+                <a:sym typeface="+mn-ea"/>
+              </a:rPr>
+              <a:t>п</a:t>
+            </a:r>
+            <a:r>
+              <a:rPr lang="en-US" altLang="en-US" sz="2500">
+                <a:sym typeface="+mn-ea"/>
+              </a:rPr>
+              <a:t>роанали</a:t>
+            </a:r>
+            <a:r>
+              <a:rPr lang="" altLang="en-US" sz="2500">
+                <a:sym typeface="+mn-ea"/>
+              </a:rPr>
+              <a:t>з</a:t>
+            </a:r>
+            <a:r>
+              <a:rPr lang="en-US" altLang="en-US" sz="2500">
+                <a:sym typeface="+mn-ea"/>
+              </a:rPr>
+              <a:t>ировать разновидности технологий при создании видео чата</a:t>
+            </a:r>
+            <a:r>
+              <a:rPr lang="" altLang="en-US" sz="2500">
+                <a:sym typeface="+mn-ea"/>
+              </a:rPr>
+              <a:t>;</a:t>
+            </a:r>
+            <a:endParaRPr lang="en-US" sz="2500"/>
+          </a:p>
+          <a:p>
+            <a:pPr>
+              <a:lnSpc>
+                <a:spcPct val="150000"/>
+              </a:lnSpc>
+            </a:pPr>
+            <a:r>
+              <a:rPr lang="" altLang="en-US" sz="2500">
+                <a:sym typeface="+mn-ea"/>
+              </a:rPr>
+              <a:t>п</a:t>
+            </a:r>
+            <a:r>
+              <a:rPr lang="en-US" altLang="en-US" sz="2500">
+                <a:sym typeface="+mn-ea"/>
+              </a:rPr>
+              <a:t>роанали</a:t>
+            </a:r>
+            <a:r>
+              <a:rPr lang="" altLang="en-US" sz="2500">
+                <a:sym typeface="+mn-ea"/>
+              </a:rPr>
+              <a:t>з</a:t>
+            </a:r>
+            <a:r>
+              <a:rPr lang="en-US" altLang="en-US" sz="2500">
+                <a:sym typeface="+mn-ea"/>
+              </a:rPr>
+              <a:t>ировать </a:t>
+            </a:r>
+            <a:r>
+              <a:rPr lang="en-US" sz="2500">
+                <a:sym typeface="+mn-ea"/>
+              </a:rPr>
+              <a:t>теоретические сведения по стандарту webRTC;</a:t>
+            </a:r>
+            <a:endParaRPr lang="en-US" sz="2500"/>
+          </a:p>
+          <a:p>
+            <a:pPr>
+              <a:lnSpc>
+                <a:spcPct val="150000"/>
+              </a:lnSpc>
+            </a:pPr>
+            <a:r>
+              <a:rPr lang="" altLang="en-US" sz="2500">
+                <a:sym typeface="+mn-ea"/>
+              </a:rPr>
+              <a:t>р</a:t>
+            </a:r>
+            <a:r>
+              <a:rPr lang="en-US" sz="2500">
+                <a:sym typeface="+mn-ea"/>
+              </a:rPr>
+              <a:t>азработать программный продукт - видео чат - для организации передачи потоковых данных между браузерами </a:t>
+            </a:r>
+            <a:r>
+              <a:rPr lang="en-US" altLang="en-US" sz="2500">
+                <a:sym typeface="+mn-ea"/>
+              </a:rPr>
+              <a:t>на основе стандарта webRTC</a:t>
+            </a:r>
+            <a:r>
+              <a:rPr lang="en-US" sz="2500">
+                <a:sym typeface="+mn-ea"/>
+              </a:rPr>
+              <a:t>;</a:t>
+            </a:r>
+            <a:endParaRPr lang="en-US" sz="2500"/>
+          </a:p>
+          <a:p>
+            <a:pPr>
+              <a:lnSpc>
+                <a:spcPct val="150000"/>
+              </a:lnSpc>
+            </a:pPr>
+            <a:r>
+              <a:rPr lang="" altLang="en-US" sz="2500">
+                <a:sym typeface="+mn-ea"/>
+              </a:rPr>
+              <a:t>с</a:t>
+            </a:r>
+            <a:r>
+              <a:rPr lang="en-US" sz="2500">
+                <a:sym typeface="+mn-ea"/>
+              </a:rPr>
+              <a:t>равни</a:t>
+            </a:r>
+            <a:r>
+              <a:rPr lang="en-US" altLang="en-US" sz="2500">
+                <a:sym typeface="+mn-ea"/>
+              </a:rPr>
+              <a:t>ть</a:t>
+            </a:r>
+            <a:r>
+              <a:rPr lang="en-US" sz="2500">
+                <a:sym typeface="+mn-ea"/>
+              </a:rPr>
+              <a:t> разработанн</a:t>
+            </a:r>
+            <a:r>
+              <a:rPr lang="en-US" altLang="en-US" sz="2500">
+                <a:sym typeface="+mn-ea"/>
+              </a:rPr>
+              <a:t>ый</a:t>
+            </a:r>
+            <a:r>
+              <a:rPr lang="en-US" sz="2500">
+                <a:sym typeface="+mn-ea"/>
+              </a:rPr>
+              <a:t> </a:t>
+            </a:r>
+            <a:r>
+              <a:rPr lang="en-US" altLang="en-US" sz="2500">
+                <a:sym typeface="+mn-ea"/>
+              </a:rPr>
+              <a:t>продукт </a:t>
+            </a:r>
+            <a:r>
+              <a:rPr lang="en-US" sz="2500">
+                <a:sym typeface="+mn-ea"/>
+              </a:rPr>
+              <a:t>с другими платформами вещания в реальном времени.</a:t>
+            </a:r>
+            <a:endParaRPr lang="en-US" altLang="ru-RU" sz="2500"/>
           </a:p>
         </p:txBody>
       </p:sp>
@@ -7086,229 +5746,10 @@
           <a:bodyPr/>
           <a:p>
             <a:r>
-              <a:rPr lang="" altLang="en-US"/>
-              <a:t>Задачи</a:t>
-            </a:r>
-            <a:endParaRPr lang="" altLang="en-US"/>
-          </a:p>
-        </p:txBody>
-      </p:sp>
-      <p:sp>
-        <p:nvSpPr>
-          <p:cNvPr id="3" name="Замещающее содержимое 2"/>
-          <p:cNvSpPr>
-            <a:spLocks noGrp="1"/>
-          </p:cNvSpPr>
-          <p:nvPr>
-            <p:ph idx="1"/>
-          </p:nvPr>
-        </p:nvSpPr>
-        <p:spPr/>
-        <p:txBody>
-          <a:bodyPr>
-            <a:normAutofit lnSpcReduction="10000"/>
-          </a:bodyPr>
-          <a:p>
-            <a:pPr>
-              <a:lnSpc>
-                <a:spcPct val="150000"/>
-              </a:lnSpc>
-            </a:pPr>
-            <a:r>
-              <a:rPr lang="" altLang="en-US" sz="2500"/>
-              <a:t>Изучить разновидности технологий при создании видео чата.</a:t>
-            </a:r>
-            <a:endParaRPr lang="en-US" sz="2500"/>
-          </a:p>
-          <a:p>
-            <a:pPr>
-              <a:lnSpc>
-                <a:spcPct val="150000"/>
-              </a:lnSpc>
-            </a:pPr>
-            <a:r>
-              <a:rPr lang="en-US" sz="2500"/>
-              <a:t>Изучить теоретические сведения по стандарту webRTC;</a:t>
-            </a:r>
-            <a:endParaRPr lang="en-US" sz="2500"/>
-          </a:p>
-          <a:p>
-            <a:pPr>
-              <a:lnSpc>
-                <a:spcPct val="150000"/>
-              </a:lnSpc>
-            </a:pPr>
-            <a:r>
-              <a:rPr lang="en-US" sz="2500"/>
-              <a:t>Разработать программный продукт - видео чат - для организации передачи потоковых данных между браузерами </a:t>
-            </a:r>
-            <a:r>
-              <a:rPr lang="" altLang="en-US" sz="2500"/>
-              <a:t>на основе стандарта webRTC</a:t>
-            </a:r>
-            <a:r>
-              <a:rPr lang="en-US" sz="2500"/>
-              <a:t>;</a:t>
-            </a:r>
-            <a:endParaRPr lang="en-US" sz="2500"/>
-          </a:p>
-          <a:p>
-            <a:pPr>
-              <a:lnSpc>
-                <a:spcPct val="150000"/>
-              </a:lnSpc>
-            </a:pPr>
-            <a:r>
-              <a:rPr lang="en-US" sz="2500"/>
-              <a:t>Сравнение разработанного проекта с другими платформами вещания в реальном времени.</a:t>
-            </a:r>
-            <a:endParaRPr lang="en-US" sz="2500"/>
-          </a:p>
-        </p:txBody>
-      </p:sp>
-    </p:spTree>
-  </p:cSld>
-  <p:clrMapOvr>
-    <a:masterClrMapping/>
-  </p:clrMapOvr>
-</p:sld>
-</file>
-
-<file path=ppt/slides/slide4.xml><?xml version="1.0" encoding="utf-8"?>
-<p:sld xmlns:a="http://schemas.openxmlformats.org/drawingml/2006/main" xmlns:r="http://schemas.openxmlformats.org/officeDocument/2006/relationships" xmlns:p="http://schemas.openxmlformats.org/presentationml/2006/main">
-  <p:cSld>
-    <p:spTree>
-      <p:nvGrpSpPr>
-        <p:cNvPr id="1" name=""/>
-        <p:cNvGrpSpPr/>
-        <p:nvPr/>
-      </p:nvGrpSpPr>
-      <p:grpSpPr/>
-      <p:sp>
-        <p:nvSpPr>
-          <p:cNvPr id="2" name="Заголовок 1"/>
-          <p:cNvSpPr>
-            <a:spLocks noGrp="1"/>
-          </p:cNvSpPr>
-          <p:nvPr>
-            <p:ph type="title"/>
-          </p:nvPr>
-        </p:nvSpPr>
-        <p:spPr/>
-        <p:txBody>
-          <a:bodyPr/>
-          <a:p>
-            <a:r>
-              <a:rPr lang="" altLang="en-US"/>
-              <a:t>Видео чат</a:t>
-            </a:r>
-            <a:endParaRPr lang="" altLang="en-US"/>
-          </a:p>
-        </p:txBody>
-      </p:sp>
-      <p:sp>
-        <p:nvSpPr>
-          <p:cNvPr id="3" name="Замещающее содержимое 2"/>
-          <p:cNvSpPr>
-            <a:spLocks noGrp="1"/>
-          </p:cNvSpPr>
-          <p:nvPr>
-            <p:ph idx="1"/>
-          </p:nvPr>
-        </p:nvSpPr>
-        <p:spPr/>
-        <p:txBody>
-          <a:bodyPr>
-            <a:normAutofit/>
-          </a:bodyPr>
-          <a:p>
-            <a:pPr marL="0" indent="0">
-              <a:lnSpc>
-                <a:spcPct val="150000"/>
-              </a:lnSpc>
-              <a:buNone/>
-            </a:pPr>
-            <a:r>
-              <a:rPr lang="" altLang="en-US" sz="2500"/>
-              <a:t>О</a:t>
-            </a:r>
-            <a:r>
-              <a:rPr lang="en-US" sz="2500"/>
-              <a:t>нлайн-сервис, позволяющий пользователям Интернета общаться, в дополнение к текстовой переписке, в аудио и видео (посредством веб-камеры) режиме.</a:t>
-            </a:r>
-            <a:endParaRPr lang="en-US" sz="2500"/>
-          </a:p>
-        </p:txBody>
-      </p:sp>
-    </p:spTree>
-  </p:cSld>
-  <p:clrMapOvr>
-    <a:masterClrMapping/>
-  </p:clrMapOvr>
-</p:sld>
-</file>
-
-<file path=ppt/slides/slide5.xml><?xml version="1.0" encoding="utf-8"?>
-<p:sld xmlns:a="http://schemas.openxmlformats.org/drawingml/2006/main" xmlns:r="http://schemas.openxmlformats.org/officeDocument/2006/relationships" xmlns:p="http://schemas.openxmlformats.org/presentationml/2006/main">
-  <p:cSld>
-    <p:spTree>
-      <p:nvGrpSpPr>
-        <p:cNvPr id="1" name=""/>
-        <p:cNvGrpSpPr/>
-        <p:nvPr/>
-      </p:nvGrpSpPr>
-      <p:grpSpPr/>
-      <p:sp>
-        <p:nvSpPr>
-          <p:cNvPr id="2" name="Заголовок 1"/>
-          <p:cNvSpPr>
-            <a:spLocks noGrp="1"/>
-          </p:cNvSpPr>
-          <p:nvPr>
-            <p:ph type="title"/>
-          </p:nvPr>
-        </p:nvSpPr>
-        <p:spPr/>
-        <p:txBody>
-          <a:bodyPr>
-            <a:normAutofit fontScale="90000"/>
-          </a:bodyPr>
-          <a:p>
-            <a:r>
-              <a:rPr lang="" altLang="en-US"/>
+              <a:rPr lang="en-US" altLang="en-US" sz="3600"/>
               <a:t>Технологии для реализации видео чатов</a:t>
             </a:r>
-            <a:endParaRPr lang="" altLang="en-US"/>
-          </a:p>
-        </p:txBody>
-      </p:sp>
-      <p:sp>
-        <p:nvSpPr>
-          <p:cNvPr id="3" name="Замещающее содержимое 2"/>
-          <p:cNvSpPr>
-            <a:spLocks noGrp="1"/>
-          </p:cNvSpPr>
-          <p:nvPr>
-            <p:ph idx="1"/>
-          </p:nvPr>
-        </p:nvSpPr>
-        <p:spPr/>
-        <p:txBody>
-          <a:bodyPr>
-            <a:normAutofit/>
-          </a:bodyPr>
-          <a:p>
-            <a:pPr marL="0" indent="0">
-              <a:lnSpc>
-                <a:spcPct val="150000"/>
-              </a:lnSpc>
-              <a:buNone/>
-            </a:pPr>
-            <a:r>
-              <a:rPr lang="" altLang="en-US" sz="2500"/>
-              <a:t>	</a:t>
-            </a:r>
-            <a:endParaRPr lang="" altLang="en-US" sz="2500"/>
+            <a:endParaRPr lang="en-US" altLang="en-US" sz="3600"/>
           </a:p>
         </p:txBody>
       </p:sp>
@@ -7328,8 +5769,8 @@
         </p:blipFill>
         <p:spPr>
           <a:xfrm>
-            <a:off x="1758950" y="2719070"/>
-            <a:ext cx="1914525" cy="1914525"/>
+            <a:off x="1142365" y="1691005"/>
+            <a:ext cx="1529715" cy="1529715"/>
           </a:xfrm>
           <a:prstGeom prst="rect">
             <a:avLst/>
@@ -7352,14 +5793,657 @@
         </p:blipFill>
         <p:spPr>
           <a:xfrm>
-            <a:off x="7629525" y="2223770"/>
-            <a:ext cx="2428875" cy="2905125"/>
+            <a:off x="768350" y="3862705"/>
+            <a:ext cx="2277110" cy="2723515"/>
           </a:xfrm>
           <a:prstGeom prst="rect">
             <a:avLst/>
           </a:prstGeom>
         </p:spPr>
       </p:pic>
+      <p:sp>
+        <p:nvSpPr>
+          <p:cNvPr id="5" name="Текстовое поле 4"/>
+          <p:cNvSpPr txBox="1"/>
+          <p:nvPr/>
+        </p:nvSpPr>
+        <p:spPr>
+          <a:xfrm>
+            <a:off x="3414395" y="1456055"/>
+            <a:ext cx="7719695" cy="1640205"/>
+          </a:xfrm>
+          <a:prstGeom prst="rect">
+            <a:avLst/>
+          </a:prstGeom>
+          <a:noFill/>
+        </p:spPr>
+        <p:txBody>
+          <a:bodyPr wrap="square" rtlCol="0" anchor="t">
+            <a:spAutoFit/>
+          </a:bodyPr>
+          <a:p>
+            <a:pPr>
+              <a:lnSpc>
+                <a:spcPct val="140000"/>
+              </a:lnSpc>
+            </a:pPr>
+            <a:r>
+              <a:rPr lang="" altLang="en-US">
+                <a:sym typeface="+mn-ea"/>
+              </a:rPr>
+              <a:t>Недостатки:</a:t>
+            </a:r>
+            <a:endParaRPr lang="" altLang="en-US">
+              <a:sym typeface="+mn-ea"/>
+            </a:endParaRPr>
+          </a:p>
+          <a:p>
+            <a:pPr marL="285750" indent="-285750">
+              <a:lnSpc>
+                <a:spcPct val="140000"/>
+              </a:lnSpc>
+              <a:buFont typeface="Arial" panose="020B0604020202020204" pitchFamily="34" charset="0"/>
+              <a:buChar char="•"/>
+            </a:pPr>
+            <a:r>
+              <a:rPr lang="" altLang="en-US">
+                <a:sym typeface="+mn-ea"/>
+              </a:rPr>
+              <a:t>р</a:t>
+            </a:r>
+            <a:r>
+              <a:rPr lang="en-US" altLang="en-US">
+                <a:sym typeface="+mn-ea"/>
+              </a:rPr>
+              <a:t>аскрытие персональных данных</a:t>
+            </a:r>
+            <a:r>
+              <a:rPr lang="" altLang="en-US">
+                <a:sym typeface="+mn-ea"/>
+              </a:rPr>
+              <a:t>;</a:t>
+            </a:r>
+            <a:endParaRPr lang="en-US" altLang="en-US"/>
+          </a:p>
+          <a:p>
+            <a:pPr marL="285750" indent="-285750">
+              <a:lnSpc>
+                <a:spcPct val="140000"/>
+              </a:lnSpc>
+              <a:buFont typeface="Arial" panose="020B0604020202020204" pitchFamily="34" charset="0"/>
+              <a:buChar char="•"/>
+            </a:pPr>
+            <a:r>
+              <a:rPr lang="" altLang="en-US">
+                <a:sym typeface="+mn-ea"/>
+              </a:rPr>
+              <a:t>п</a:t>
+            </a:r>
+            <a:r>
+              <a:rPr lang="en-US" altLang="en-US">
+                <a:sym typeface="+mn-ea"/>
+              </a:rPr>
+              <a:t>олучение контроля над управлением веб-камерой и микрофоном</a:t>
+            </a:r>
+            <a:r>
+              <a:rPr lang="" altLang="en-US">
+                <a:sym typeface="+mn-ea"/>
+              </a:rPr>
+              <a:t>;</a:t>
+            </a:r>
+            <a:endParaRPr lang="en-US" altLang="en-US"/>
+          </a:p>
+          <a:p>
+            <a:pPr marL="285750" indent="-285750">
+              <a:lnSpc>
+                <a:spcPct val="140000"/>
+              </a:lnSpc>
+              <a:buFont typeface="Arial" panose="020B0604020202020204" pitchFamily="34" charset="0"/>
+              <a:buChar char="•"/>
+            </a:pPr>
+            <a:r>
+              <a:rPr lang="" altLang="en-US">
+                <a:sym typeface="+mn-ea"/>
+              </a:rPr>
+              <a:t>в</a:t>
+            </a:r>
+            <a:r>
+              <a:rPr lang="en-US" altLang="en-US">
+                <a:sym typeface="+mn-ea"/>
+              </a:rPr>
+              <a:t>недрение рекламы в операционную систему пользователя</a:t>
+            </a:r>
+            <a:r>
+              <a:rPr lang="" altLang="en-US">
+                <a:sym typeface="+mn-ea"/>
+              </a:rPr>
+              <a:t>.</a:t>
+            </a:r>
+            <a:endParaRPr lang="" altLang="en-US">
+              <a:sym typeface="+mn-ea"/>
+            </a:endParaRPr>
+          </a:p>
+        </p:txBody>
+      </p:sp>
+      <p:sp>
+        <p:nvSpPr>
+          <p:cNvPr id="7" name="Текстовое поле 6"/>
+          <p:cNvSpPr txBox="1"/>
+          <p:nvPr/>
+        </p:nvSpPr>
+        <p:spPr>
+          <a:xfrm>
+            <a:off x="3414395" y="3639820"/>
+            <a:ext cx="8174990" cy="3189605"/>
+          </a:xfrm>
+          <a:prstGeom prst="rect">
+            <a:avLst/>
+          </a:prstGeom>
+          <a:noFill/>
+        </p:spPr>
+        <p:txBody>
+          <a:bodyPr wrap="square" rtlCol="0" anchor="t">
+            <a:spAutoFit/>
+          </a:bodyPr>
+          <a:p>
+            <a:pPr>
+              <a:lnSpc>
+                <a:spcPct val="140000"/>
+              </a:lnSpc>
+            </a:pPr>
+            <a:r>
+              <a:rPr lang="" altLang="en-US">
+                <a:sym typeface="+mn-ea"/>
+              </a:rPr>
+              <a:t>Преимущества:</a:t>
+            </a:r>
+            <a:endParaRPr lang="" altLang="en-US">
+              <a:sym typeface="+mn-ea"/>
+            </a:endParaRPr>
+          </a:p>
+          <a:p>
+            <a:pPr marL="285750" indent="-285750">
+              <a:lnSpc>
+                <a:spcPct val="140000"/>
+              </a:lnSpc>
+              <a:buFont typeface="Arial" panose="020B0604020202020204" pitchFamily="34" charset="0"/>
+              <a:buChar char="•"/>
+            </a:pPr>
+            <a:r>
+              <a:rPr lang="" altLang="en-US">
+                <a:sym typeface="+mn-ea"/>
+              </a:rPr>
+              <a:t>н</a:t>
+            </a:r>
+            <a:r>
+              <a:rPr lang="en-US" altLang="en-US">
+                <a:sym typeface="+mn-ea"/>
+              </a:rPr>
+              <a:t>е требуется установка ПО</a:t>
+            </a:r>
+            <a:r>
+              <a:rPr lang="" altLang="en-US">
+                <a:sym typeface="+mn-ea"/>
+              </a:rPr>
+              <a:t>;</a:t>
+            </a:r>
+            <a:endParaRPr lang="en-US" altLang="en-US"/>
+          </a:p>
+          <a:p>
+            <a:pPr marL="285750" indent="-285750">
+              <a:lnSpc>
+                <a:spcPct val="140000"/>
+              </a:lnSpc>
+              <a:buFont typeface="Arial" panose="020B0604020202020204" pitchFamily="34" charset="0"/>
+              <a:buChar char="•"/>
+            </a:pPr>
+            <a:r>
+              <a:rPr lang="" altLang="en-US">
+                <a:sym typeface="+mn-ea"/>
+              </a:rPr>
+              <a:t>в</a:t>
+            </a:r>
+            <a:r>
+              <a:rPr lang="en-US" altLang="en-US">
+                <a:sym typeface="+mn-ea"/>
+              </a:rPr>
+              <a:t>ысокое качество связи</a:t>
+            </a:r>
+            <a:r>
+              <a:rPr lang="" altLang="en-US">
+                <a:sym typeface="+mn-ea"/>
+              </a:rPr>
+              <a:t>;</a:t>
+            </a:r>
+            <a:endParaRPr lang="en-US" altLang="en-US"/>
+          </a:p>
+          <a:p>
+            <a:pPr marL="285750" indent="-285750">
+              <a:lnSpc>
+                <a:spcPct val="140000"/>
+              </a:lnSpc>
+              <a:buFont typeface="Arial" panose="020B0604020202020204" pitchFamily="34" charset="0"/>
+              <a:buChar char="•"/>
+            </a:pPr>
+            <a:r>
+              <a:rPr lang="" altLang="en-US">
+                <a:sym typeface="+mn-ea"/>
+              </a:rPr>
+              <a:t>в</a:t>
+            </a:r>
+            <a:r>
+              <a:rPr lang="en-US" altLang="en-US">
+                <a:sym typeface="+mn-ea"/>
+              </a:rPr>
+              <a:t>ысокий уровень безопасности - все соединения защищены и зашифрованы на протокольном уровне с помощью SSL/TLS и SRTP;</a:t>
+            </a:r>
+            <a:endParaRPr lang="en-US" altLang="en-US"/>
+          </a:p>
+          <a:p>
+            <a:pPr marL="285750" indent="-285750">
+              <a:lnSpc>
+                <a:spcPct val="140000"/>
+              </a:lnSpc>
+              <a:buFont typeface="Arial" panose="020B0604020202020204" pitchFamily="34" charset="0"/>
+              <a:buChar char="•"/>
+            </a:pPr>
+            <a:r>
+              <a:rPr lang="" altLang="en-US">
+                <a:sym typeface="+mn-ea"/>
+              </a:rPr>
+              <a:t>е</a:t>
+            </a:r>
+            <a:r>
+              <a:rPr lang="en-US" altLang="en-US">
+                <a:sym typeface="+mn-ea"/>
+              </a:rPr>
+              <a:t>сть встроенный механизм захвата контента</a:t>
+            </a:r>
+            <a:r>
+              <a:rPr lang="" altLang="en-US">
+                <a:sym typeface="+mn-ea"/>
+              </a:rPr>
+              <a:t>;</a:t>
+            </a:r>
+            <a:endParaRPr lang="en-US" altLang="en-US"/>
+          </a:p>
+          <a:p>
+            <a:pPr marL="285750" indent="-285750">
+              <a:lnSpc>
+                <a:spcPct val="140000"/>
+              </a:lnSpc>
+              <a:buFont typeface="Arial" panose="020B0604020202020204" pitchFamily="34" charset="0"/>
+              <a:buChar char="•"/>
+            </a:pPr>
+            <a:r>
+              <a:rPr lang="" altLang="en-US">
+                <a:sym typeface="+mn-ea"/>
+              </a:rPr>
+              <a:t>в</a:t>
+            </a:r>
+            <a:r>
+              <a:rPr lang="en-US" altLang="en-US">
+                <a:sym typeface="+mn-ea"/>
+              </a:rPr>
+              <a:t>озможность реализации любого интерфейса управления</a:t>
+            </a:r>
+            <a:r>
+              <a:rPr lang="" altLang="en-US">
+                <a:sym typeface="+mn-ea"/>
+              </a:rPr>
+              <a:t>;</a:t>
+            </a:r>
+            <a:endParaRPr lang="en-US" altLang="en-US"/>
+          </a:p>
+          <a:p>
+            <a:pPr marL="285750" indent="-285750">
+              <a:lnSpc>
+                <a:spcPct val="140000"/>
+              </a:lnSpc>
+              <a:buFont typeface="Arial" panose="020B0604020202020204" pitchFamily="34" charset="0"/>
+              <a:buChar char="•"/>
+            </a:pPr>
+            <a:r>
+              <a:rPr lang="" altLang="en-US">
+                <a:sym typeface="+mn-ea"/>
+              </a:rPr>
+              <a:t>к</a:t>
+            </a:r>
+            <a:r>
+              <a:rPr lang="en-US" altLang="en-US">
+                <a:sym typeface="+mn-ea"/>
+              </a:rPr>
+              <a:t>росс-платформенность</a:t>
+            </a:r>
+            <a:r>
+              <a:rPr lang="" altLang="en-US">
+                <a:sym typeface="+mn-ea"/>
+              </a:rPr>
+              <a:t>.</a:t>
+            </a:r>
+            <a:endParaRPr lang="" altLang="en-US">
+              <a:sym typeface="+mn-ea"/>
+            </a:endParaRPr>
+          </a:p>
+        </p:txBody>
+      </p:sp>
+    </p:spTree>
+  </p:cSld>
+  <p:clrMapOvr>
+    <a:masterClrMapping/>
+  </p:clrMapOvr>
+</p:sld>
+</file>
+
+<file path=ppt/slides/slide4.xml><?xml version="1.0" encoding="utf-8"?>
+<p:sld xmlns:a="http://schemas.openxmlformats.org/drawingml/2006/main" xmlns:r="http://schemas.openxmlformats.org/officeDocument/2006/relationships" xmlns:p="http://schemas.openxmlformats.org/presentationml/2006/main">
+  <p:cSld>
+    <p:spTree>
+      <p:nvGrpSpPr>
+        <p:cNvPr id="1" name=""/>
+        <p:cNvGrpSpPr/>
+        <p:nvPr/>
+      </p:nvGrpSpPr>
+      <p:grpSpPr/>
+      <p:sp>
+        <p:nvSpPr>
+          <p:cNvPr id="2" name="Заголовок 1"/>
+          <p:cNvSpPr>
+            <a:spLocks noGrp="1"/>
+          </p:cNvSpPr>
+          <p:nvPr>
+            <p:ph type="title"/>
+          </p:nvPr>
+        </p:nvSpPr>
+        <p:spPr>
+          <a:xfrm>
+            <a:off x="838200" y="365125"/>
+            <a:ext cx="11062970" cy="1325880"/>
+          </a:xfrm>
+        </p:spPr>
+        <p:txBody>
+          <a:bodyPr/>
+          <a:p>
+            <a:pPr>
+              <a:lnSpc>
+                <a:spcPct val="110000"/>
+              </a:lnSpc>
+            </a:pPr>
+            <a:r>
+              <a:rPr lang="" altLang="ru-RU" sz="3200">
+                <a:sym typeface="+mn-ea"/>
+              </a:rPr>
+              <a:t>С</a:t>
+            </a:r>
+            <a:r>
+              <a:rPr lang="ru-RU" altLang="en-US" sz="3200">
+                <a:sym typeface="+mn-ea"/>
+              </a:rPr>
+              <a:t>хематический процесс установления р2р соединения </a:t>
+            </a:r>
+            <a:br>
+              <a:rPr lang="ru-RU" altLang="en-US" sz="3200">
+                <a:sym typeface="+mn-ea"/>
+              </a:rPr>
+            </a:br>
+            <a:r>
+              <a:rPr lang="ru-RU" altLang="en-US" sz="3200">
+                <a:sym typeface="+mn-ea"/>
+              </a:rPr>
+              <a:t>с помощью WebRTC</a:t>
+            </a:r>
+            <a:endParaRPr lang="ru-RU" altLang="en-US" sz="3200">
+              <a:sym typeface="+mn-ea"/>
+            </a:endParaRPr>
+          </a:p>
+        </p:txBody>
+      </p:sp>
+      <p:pic>
+        <p:nvPicPr>
+          <p:cNvPr id="5" name="Замещающее содержимое 4"/>
+          <p:cNvPicPr>
+            <a:picLocks noChangeAspect="1"/>
+          </p:cNvPicPr>
+          <p:nvPr>
+            <p:ph idx="1"/>
+          </p:nvPr>
+        </p:nvPicPr>
+        <p:blipFill>
+          <a:blip r:embed="rId1"/>
+          <a:stretch>
+            <a:fillRect/>
+          </a:stretch>
+        </p:blipFill>
+        <p:spPr>
+          <a:xfrm>
+            <a:off x="1442085" y="2181225"/>
+            <a:ext cx="9491980" cy="3799205"/>
+          </a:xfrm>
+          <a:prstGeom prst="rect">
+            <a:avLst/>
+          </a:prstGeom>
+        </p:spPr>
+      </p:pic>
+    </p:spTree>
+  </p:cSld>
+  <p:clrMapOvr>
+    <a:masterClrMapping/>
+  </p:clrMapOvr>
+</p:sld>
+</file>
+
+<file path=ppt/slides/slide5.xml><?xml version="1.0" encoding="utf-8"?>
+<p:sld xmlns:a="http://schemas.openxmlformats.org/drawingml/2006/main" xmlns:r="http://schemas.openxmlformats.org/officeDocument/2006/relationships" xmlns:p="http://schemas.openxmlformats.org/presentationml/2006/main">
+  <p:cSld>
+    <p:spTree>
+      <p:nvGrpSpPr>
+        <p:cNvPr id="1" name=""/>
+        <p:cNvGrpSpPr/>
+        <p:nvPr/>
+      </p:nvGrpSpPr>
+      <p:grpSpPr/>
+      <p:sp>
+        <p:nvSpPr>
+          <p:cNvPr id="2" name="Заголовок 1"/>
+          <p:cNvSpPr>
+            <a:spLocks noGrp="1"/>
+          </p:cNvSpPr>
+          <p:nvPr>
+            <p:ph type="title"/>
+          </p:nvPr>
+        </p:nvSpPr>
+        <p:spPr>
+          <a:xfrm>
+            <a:off x="838200" y="365125"/>
+            <a:ext cx="10515600" cy="1325563"/>
+          </a:xfrm>
+        </p:spPr>
+        <p:txBody>
+          <a:bodyPr/>
+          <a:p>
+            <a:r>
+              <a:rPr lang="en-US" altLang="en-US" sz="3600">
+                <a:sym typeface="+mn-ea"/>
+              </a:rPr>
+              <a:t>Демонстрация работы программы</a:t>
+            </a:r>
+            <a:endParaRPr lang="en-US" altLang="en-US" sz="3600"/>
+          </a:p>
+        </p:txBody>
+      </p:sp>
+      <p:pic>
+        <p:nvPicPr>
+          <p:cNvPr id="6" name="Замещающее содержимое 5"/>
+          <p:cNvPicPr>
+            <a:picLocks noChangeAspect="1"/>
+          </p:cNvPicPr>
+          <p:nvPr>
+            <p:ph idx="1"/>
+          </p:nvPr>
+        </p:nvPicPr>
+        <p:blipFill>
+          <a:blip r:embed="rId1"/>
+          <a:stretch>
+            <a:fillRect/>
+          </a:stretch>
+        </p:blipFill>
+        <p:spPr>
+          <a:xfrm>
+            <a:off x="838200" y="1818005"/>
+            <a:ext cx="3157855" cy="1257300"/>
+          </a:xfrm>
+          <a:prstGeom prst="rect">
+            <a:avLst/>
+          </a:prstGeom>
+        </p:spPr>
+      </p:pic>
+      <p:pic>
+        <p:nvPicPr>
+          <p:cNvPr id="3" name="Изображение 2"/>
+          <p:cNvPicPr>
+            <a:picLocks noChangeAspect="1"/>
+          </p:cNvPicPr>
+          <p:nvPr/>
+        </p:nvPicPr>
+        <p:blipFill>
+          <a:blip r:embed="rId2"/>
+          <a:stretch>
+            <a:fillRect/>
+          </a:stretch>
+        </p:blipFill>
+        <p:spPr>
+          <a:xfrm>
+            <a:off x="2867025" y="2332990"/>
+            <a:ext cx="4477385" cy="2480310"/>
+          </a:xfrm>
+          <a:prstGeom prst="rect">
+            <a:avLst/>
+          </a:prstGeom>
+        </p:spPr>
+      </p:pic>
+      <p:pic>
+        <p:nvPicPr>
+          <p:cNvPr id="5" name="Замещающее содержимое 4"/>
+          <p:cNvPicPr>
+            <a:picLocks noChangeAspect="1"/>
+          </p:cNvPicPr>
+          <p:nvPr/>
+        </p:nvPicPr>
+        <p:blipFill>
+          <a:blip r:embed="rId3"/>
+          <a:stretch>
+            <a:fillRect/>
+          </a:stretch>
+        </p:blipFill>
+        <p:spPr>
+          <a:xfrm>
+            <a:off x="6598285" y="4013200"/>
+            <a:ext cx="4916170" cy="2727325"/>
+          </a:xfrm>
+          <a:prstGeom prst="rect">
+            <a:avLst/>
+          </a:prstGeom>
+        </p:spPr>
+      </p:pic>
+      <p:sp>
+        <p:nvSpPr>
+          <p:cNvPr id="4" name="Текстовое поле 3"/>
+          <p:cNvSpPr txBox="1"/>
+          <p:nvPr/>
+        </p:nvSpPr>
+        <p:spPr>
+          <a:xfrm>
+            <a:off x="934085" y="2573655"/>
+            <a:ext cx="362585" cy="368300"/>
+          </a:xfrm>
+          <a:prstGeom prst="rect">
+            <a:avLst/>
+          </a:prstGeom>
+          <a:noFill/>
+        </p:spPr>
+        <p:txBody>
+          <a:bodyPr wrap="square" rtlCol="0" anchor="t">
+            <a:spAutoFit/>
+          </a:bodyPr>
+          <a:p>
+            <a:r>
+              <a:rPr lang="" altLang="en-US" b="1">
+                <a:sym typeface="+mn-ea"/>
+              </a:rPr>
+              <a:t>1</a:t>
+            </a:r>
+            <a:endParaRPr lang="" altLang="en-US" b="1">
+              <a:sym typeface="+mn-ea"/>
+            </a:endParaRPr>
+          </a:p>
+        </p:txBody>
+      </p:sp>
+      <p:sp>
+        <p:nvSpPr>
+          <p:cNvPr id="7" name="Текстовое поле 6"/>
+          <p:cNvSpPr txBox="1"/>
+          <p:nvPr/>
+        </p:nvSpPr>
+        <p:spPr>
+          <a:xfrm>
+            <a:off x="2867025" y="4445000"/>
+            <a:ext cx="316865" cy="368300"/>
+          </a:xfrm>
+          <a:prstGeom prst="rect">
+            <a:avLst/>
+          </a:prstGeom>
+          <a:noFill/>
+        </p:spPr>
+        <p:txBody>
+          <a:bodyPr wrap="none" rtlCol="0" anchor="t">
+            <a:spAutoFit/>
+          </a:bodyPr>
+          <a:p>
+            <a:r>
+              <a:rPr lang="" altLang="en-US" b="1">
+                <a:sym typeface="+mn-ea"/>
+              </a:rPr>
+              <a:t>2</a:t>
+            </a:r>
+            <a:endParaRPr lang="" altLang="en-US" b="1">
+              <a:sym typeface="+mn-ea"/>
+            </a:endParaRPr>
+          </a:p>
+        </p:txBody>
+      </p:sp>
+      <p:sp>
+        <p:nvSpPr>
+          <p:cNvPr id="8" name="Текстовое поле 7"/>
+          <p:cNvSpPr txBox="1"/>
+          <p:nvPr/>
+        </p:nvSpPr>
+        <p:spPr>
+          <a:xfrm>
+            <a:off x="6598285" y="6372225"/>
+            <a:ext cx="316865" cy="368300"/>
+          </a:xfrm>
+          <a:prstGeom prst="rect">
+            <a:avLst/>
+          </a:prstGeom>
+          <a:noFill/>
+        </p:spPr>
+        <p:txBody>
+          <a:bodyPr wrap="none" rtlCol="0" anchor="t">
+            <a:spAutoFit/>
+          </a:bodyPr>
+          <a:p>
+            <a:r>
+              <a:rPr lang="" altLang="en-US" b="1">
+                <a:sym typeface="+mn-ea"/>
+              </a:rPr>
+              <a:t>3</a:t>
+            </a:r>
+            <a:endParaRPr lang="" altLang="en-US" b="1">
+              <a:sym typeface="+mn-ea"/>
+            </a:endParaRPr>
+          </a:p>
+        </p:txBody>
+      </p:sp>
     </p:spTree>
   </p:cSld>
   <p:clrMapOvr>
@@ -7390,98 +6474,100 @@
         </p:nvSpPr>
         <p:spPr/>
         <p:txBody>
-          <a:bodyPr>
-            <a:normAutofit fontScale="90000"/>
-          </a:bodyPr>
-          <a:p>
-            <a:r>
-              <a:rPr lang="" altLang="en-US"/>
-              <a:t>Угрозы безопасности при использовании </a:t>
-            </a:r>
-            <a:br>
-              <a:rPr lang="" altLang="en-US"/>
-            </a:br>
-            <a:r>
-              <a:rPr lang="" altLang="en-US"/>
-              <a:t>Flash player видеочата</a:t>
-            </a:r>
-            <a:endParaRPr lang="" altLang="en-US"/>
-          </a:p>
-        </p:txBody>
-      </p:sp>
-      <p:sp>
-        <p:nvSpPr>
-          <p:cNvPr id="3" name="Замещающее содержимое 2"/>
-          <p:cNvSpPr>
-            <a:spLocks noGrp="1"/>
-          </p:cNvSpPr>
+          <a:bodyPr/>
+          <a:p>
+            <a:r>
+              <a:rPr lang="en-US" altLang="en-US" sz="3600">
+                <a:sym typeface="+mn-ea"/>
+              </a:rPr>
+              <a:t>Демонстрация работы программы </a:t>
+            </a:r>
+            <a:r>
+              <a:rPr lang="" altLang="en-US" sz="3600">
+                <a:sym typeface="+mn-ea"/>
+              </a:rPr>
+              <a:t>- видео</a:t>
+            </a:r>
+            <a:endParaRPr lang="" altLang="en-US" sz="3600">
+              <a:sym typeface="+mn-ea"/>
+            </a:endParaRPr>
+          </a:p>
+        </p:txBody>
+      </p:sp>
+      <p:pic>
+        <p:nvPicPr>
+          <p:cNvPr id="7" name="simplescreenrecorder-2019-11-19_17.38.14">
+            <a:hlinkClick r:id="" action="ppaction://media"/>
+          </p:cNvPr>
+          <p:cNvPicPr/>
           <p:nvPr>
             <p:ph idx="1"/>
-          </p:nvPr>
-        </p:nvSpPr>
-        <p:spPr/>
-        <p:txBody>
-          <a:bodyPr>
-            <a:normAutofit/>
-          </a:bodyPr>
-          <a:p>
-            <a:pPr>
-              <a:lnSpc>
-                <a:spcPct val="150000"/>
-              </a:lnSpc>
-            </a:pPr>
-            <a:r>
-              <a:rPr lang="" altLang="en-US" sz="2500"/>
-              <a:t>Раскрытие персональных данных</a:t>
-            </a:r>
-            <a:endParaRPr lang="" altLang="en-US" sz="2500"/>
-          </a:p>
-          <a:p>
-            <a:pPr>
-              <a:lnSpc>
-                <a:spcPct val="150000"/>
-              </a:lnSpc>
-            </a:pPr>
-            <a:r>
-              <a:rPr lang="" altLang="en-US" sz="2500"/>
-              <a:t>Получение контроля над управлением веб-камерой и микрофоном.</a:t>
-            </a:r>
-            <a:endParaRPr lang="" altLang="en-US" sz="2500"/>
-          </a:p>
-          <a:p>
-            <a:pPr>
-              <a:lnSpc>
-                <a:spcPct val="150000"/>
-              </a:lnSpc>
-            </a:pPr>
-            <a:r>
-              <a:rPr lang="" altLang="en-US" sz="2500"/>
-              <a:t>Внедрение рекламы в операционную систему пользователя</a:t>
-            </a:r>
-            <a:endParaRPr lang="" altLang="en-US" sz="2500"/>
-          </a:p>
-          <a:p>
-            <a:pPr>
-              <a:lnSpc>
-                <a:spcPct val="150000"/>
-              </a:lnSpc>
-            </a:pPr>
-            <a:endParaRPr lang="" altLang="en-US" sz="2500"/>
-          </a:p>
-          <a:p>
-            <a:pPr marL="0" indent="0">
-              <a:lnSpc>
-                <a:spcPct val="150000"/>
-              </a:lnSpc>
-              <a:buNone/>
-            </a:pPr>
-            <a:r>
-              <a:rPr lang="en-US" altLang="en-US" sz="2500">
-                <a:sym typeface="+mn-ea"/>
-              </a:rPr>
-              <a:t>181 уязвимость Flash, из которых 152 оценены как критичные.</a:t>
-            </a:r>
-            <a:endParaRPr lang="" altLang="en-US" sz="2500"/>
+            <a:videoFile r:link="rId1"/>
+            <p:extLst>
+              <p:ext uri="{DAA4B4D4-6D71-4841-9C94-3DE7FCFB9230}">
+                <p14:media xmlns:p14="http://schemas.microsoft.com/office/powerpoint/2010/main" r:link="rId2"/>
+              </p:ext>
+            </p:extLst>
+          </p:nvPr>
+        </p:nvPicPr>
+        <p:blipFill>
+          <a:blip r:embed="rId3"/>
+          <a:stretch>
+            <a:fillRect/>
+          </a:stretch>
+        </p:blipFill>
+        <p:spPr>
+          <a:xfrm>
+            <a:off x="2325992" y="1844675"/>
+            <a:ext cx="7540017" cy="4351338"/>
+          </a:xfrm>
+          <a:prstGeom prst="rect">
+            <a:avLst/>
+          </a:prstGeom>
+        </p:spPr>
+      </p:pic>
+      <p:sp>
+        <p:nvSpPr>
+          <p:cNvPr id="8" name="Прямоугольник 7"/>
+          <p:cNvSpPr/>
+          <p:nvPr/>
+        </p:nvSpPr>
+        <p:spPr>
+          <a:xfrm>
+            <a:off x="9723120" y="1651635"/>
+            <a:ext cx="937895" cy="4738370"/>
+          </a:xfrm>
+          <a:prstGeom prst="rect">
+            <a:avLst/>
+          </a:prstGeom>
+          <a:solidFill>
+            <a:schemeClr val="bg1"/>
+          </a:solidFill>
+          <a:ln>
+            <a:noFill/>
+          </a:ln>
+        </p:spPr>
+        <p:style>
+          <a:lnRef idx="2">
+            <a:schemeClr val="accent1">
+              <a:shade val="50000"/>
+            </a:schemeClr>
+          </a:lnRef>
+          <a:fillRef idx="1">
+            <a:schemeClr val="accent1"/>
+          </a:fillRef>
+          <a:effectRef idx="0">
+            <a:schemeClr val="accent1"/>
+          </a:effectRef>
+          <a:fontRef idx="minor">
+            <a:schemeClr val="lt1"/>
+          </a:fontRef>
+        </p:style>
+        <p:txBody>
+          <a:bodyPr rtlCol="0" anchor="ctr"/>
+          <a:p>
+            <a:pPr algn="ctr"/>
+            <a:endParaRPr lang="ru-RU" altLang="en-US"/>
           </a:p>
         </p:txBody>
       </p:sp>
@@ -7490,6 +6576,98 @@
   <p:clrMapOvr>
     <a:masterClrMapping/>
   </p:clrMapOvr>
+  <p:timing>
+    <p:tnLst>
+      <p:par>
+        <p:cTn id="1" dur="indefinite" restart="never" nodeType="tmRoot">
+          <p:childTnLst>
+            <p:video fullScrn="0">
+              <p:cMediaNode>
+                <p:cTn id="2" fill="hold" display="1">
+                  <p:stCondLst>
+                    <p:cond delay="indefinite"/>
+                  </p:stCondLst>
+                  <p:endCondLst>
+                    <p:cond evt="onNext">
+                      <p:tgtEl>
+                        <p:sldTgt/>
+                      </p:tgtEl>
+                    </p:cond>
+                    <p:cond evt="onPrev">
+                      <p:tgtEl>
+                        <p:sldTgt/>
+                      </p:tgtEl>
+                    </p:cond>
+                  </p:endCondLst>
+                </p:cTn>
+                <p:tgtEl>
+                  <p:spTgt spid="7"/>
+                </p:tgtEl>
+              </p:cMediaNode>
+            </p:video>
+            <p:seq concurrent="1" nextAc="seek">
+              <p:cTn id="3" restart="whenNotActive" fill="hold" evtFilter="cancelBubble" nodeType="interactiveSeq">
+                <p:stCondLst>
+                  <p:cond evt="onClick" delay="0">
+                    <p:tgtEl>
+                      <p:spTgt spid="7"/>
+                    </p:tgtEl>
+                  </p:cond>
+                </p:stCondLst>
+                <p:endSync evt="end" delay="0">
+                  <p:rtn val="all"/>
+                </p:endSync>
+                <p:childTnLst>
+                  <p:par>
+                    <p:cTn id="4" fill="hold">
+                      <p:stCondLst>
+                        <p:cond delay="0"/>
+                      </p:stCondLst>
+                      <p:childTnLst>
+                        <p:par>
+                          <p:cTn id="5" fill="hold">
+                            <p:stCondLst>
+                              <p:cond delay="0"/>
+                            </p:stCondLst>
+                            <p:childTnLst>
+                              <p:par>
+                                <p:cTn id="6" presetID="2" presetClass="mediacall" presetSubtype="0" fill="hold" nodeType="clickEffect">
+                                  <p:stCondLst>
+                                    <p:cond delay="0"/>
+                                  </p:stCondLst>
+                                  <p:childTnLst>
+                                    <p:cmd type="call" cmd="togglePause">
+                                      <p:cBhvr additive="base">
+                                        <p:cTn id="7" dur="1" fill="hold"/>
+                                        <p:tgtEl>
+                                          <p:spTgt spid="7"/>
+                                        </p:tgtEl>
+                                      </p:cBhvr>
+                                    </p:cmd>
+                                  </p:childTnLst>
+                                </p:cTn>
+                              </p:par>
+                            </p:childTnLst>
+                          </p:cTn>
+                        </p:par>
+                      </p:childTnLst>
+                    </p:cTn>
+                  </p:par>
+                </p:childTnLst>
+              </p:cTn>
+              <p:nextCondLst>
+                <p:cond evt="onClick" delay="0">
+                  <p:tgtEl>
+                    <p:spTgt spid="7"/>
+                  </p:tgtEl>
+                </p:cond>
+              </p:nextCondLst>
+            </p:seq>
+          </p:childTnLst>
+        </p:cTn>
+      </p:par>
+    </p:tnLst>
+  </p:timing>
 </p:sld>
 </file>
 
@@ -7515,78 +6693,137 @@
         </p:nvSpPr>
         <p:spPr/>
         <p:txBody>
-          <a:bodyPr>
-            <a:normAutofit fontScale="90000"/>
+          <a:bodyPr/>
+          <a:p>
+            <a:r>
+              <a:rPr lang="en-US" altLang="en-US" sz="3600"/>
+              <a:t>Реализованные функции программы</a:t>
+            </a:r>
+            <a:endParaRPr lang="en-US" altLang="en-US" sz="3600"/>
+          </a:p>
+        </p:txBody>
+      </p:sp>
+      <p:pic>
+        <p:nvPicPr>
+          <p:cNvPr id="48" name="Изображение 16"/>
+          <p:cNvPicPr>
+            <a:picLocks noChangeAspect="1"/>
+          </p:cNvPicPr>
+          <p:nvPr>
+            <p:ph idx="1"/>
+          </p:nvPr>
+        </p:nvPicPr>
+        <p:blipFill>
+          <a:blip r:embed="rId1"/>
+          <a:stretch>
+            <a:fillRect/>
+          </a:stretch>
+        </p:blipFill>
+        <p:spPr>
+          <a:xfrm>
+            <a:off x="7291705" y="2415540"/>
+            <a:ext cx="4267200" cy="2849245"/>
+          </a:xfrm>
+          <a:prstGeom prst="rect">
+            <a:avLst/>
+          </a:prstGeom>
+          <a:noFill/>
+          <a:ln>
+            <a:noFill/>
+          </a:ln>
+        </p:spPr>
+      </p:pic>
+      <p:sp>
+        <p:nvSpPr>
+          <p:cNvPr id="6" name="Текстовое поле 5"/>
+          <p:cNvSpPr txBox="1"/>
+          <p:nvPr/>
+        </p:nvSpPr>
+        <p:spPr>
+          <a:xfrm>
+            <a:off x="7291705" y="1783080"/>
+            <a:ext cx="3865880" cy="460375"/>
+          </a:xfrm>
+          <a:prstGeom prst="rect">
+            <a:avLst/>
+          </a:prstGeom>
+          <a:noFill/>
+        </p:spPr>
+        <p:txBody>
+          <a:bodyPr wrap="none" rtlCol="0" anchor="t">
+            <a:spAutoFit/>
           </a:bodyPr>
           <a:p>
             <a:r>
-              <a:rPr lang="ru-RU" altLang="en-US">
-                <a:sym typeface="+mn-ea"/>
-              </a:rPr>
-              <a:t>WebRTC (Web Real-Time Communications) </a:t>
-            </a:r>
-            <a:endParaRPr lang="en-US" altLang="ru-RU">
+              <a:rPr lang="en-US" altLang="en-US" sz="2400">
+                <a:sym typeface="+mn-ea"/>
+              </a:rPr>
+              <a:t>Создание и установка SDP</a:t>
+            </a:r>
+            <a:endParaRPr lang="en-US" altLang="en-US" sz="2400">
               <a:sym typeface="+mn-ea"/>
             </a:endParaRPr>
           </a:p>
         </p:txBody>
       </p:sp>
-      <p:sp>
-        <p:nvSpPr>
-          <p:cNvPr id="3" name="Замещающее содержимое 2"/>
-          <p:cNvSpPr>
-            <a:spLocks noGrp="1"/>
-          </p:cNvSpPr>
-          <p:nvPr>
-            <p:ph idx="1"/>
-          </p:nvPr>
-        </p:nvSpPr>
+      <p:pic>
+        <p:nvPicPr>
+          <p:cNvPr id="12" name="Изображение 15"/>
+          <p:cNvPicPr>
+            <a:picLocks noChangeAspect="1"/>
+          </p:cNvPicPr>
+          <p:nvPr/>
+        </p:nvPicPr>
+        <p:blipFill>
+          <a:blip r:embed="rId2"/>
+          <a:stretch>
+            <a:fillRect/>
+          </a:stretch>
+        </p:blipFill>
         <p:spPr>
           <a:xfrm>
-            <a:off x="838200" y="1825625"/>
-            <a:ext cx="10653395" cy="4873625"/>
+            <a:off x="838200" y="2415540"/>
+            <a:ext cx="5503545" cy="3679190"/>
           </a:xfrm>
+          <a:prstGeom prst="rect">
+            <a:avLst/>
+          </a:prstGeom>
+          <a:noFill/>
+          <a:ln>
+            <a:noFill/>
+          </a:ln>
         </p:spPr>
-        <p:txBody>
-          <a:bodyPr>
-            <a:normAutofit/>
+      </p:pic>
+      <p:sp>
+        <p:nvSpPr>
+          <p:cNvPr id="13" name="Текстовое поле 12"/>
+          <p:cNvSpPr txBox="1"/>
+          <p:nvPr/>
+        </p:nvSpPr>
+        <p:spPr>
+          <a:xfrm>
+            <a:off x="838200" y="1691005"/>
+            <a:ext cx="4336415" cy="460375"/>
+          </a:xfrm>
+          <a:prstGeom prst="rect">
+            <a:avLst/>
+          </a:prstGeom>
+          <a:noFill/>
+        </p:spPr>
+        <p:txBody>
+          <a:bodyPr wrap="square" rtlCol="0" anchor="t">
+            <a:spAutoFit/>
           </a:bodyPr>
           <a:p>
-            <a:pPr marL="0" indent="0">
-              <a:lnSpc>
-                <a:spcPct val="150000"/>
-              </a:lnSpc>
-              <a:buNone/>
-            </a:pPr>
-            <a:r>
-              <a:rPr lang="ru-RU" altLang="en-US" sz="2500"/>
-              <a:t>WebRTC - </a:t>
-            </a:r>
-            <a:r>
-              <a:rPr lang="en-US" altLang="ru-RU" sz="2500"/>
-              <a:t>стандарт</a:t>
-            </a:r>
-            <a:r>
-              <a:rPr lang="ru-RU" altLang="en-US" sz="2500"/>
-              <a:t>, </a:t>
-            </a:r>
-            <a:r>
-              <a:rPr lang="en-US" altLang="ru-RU" sz="2500"/>
-              <a:t>позволяющий</a:t>
-            </a:r>
-            <a:r>
-              <a:rPr lang="ru-RU" altLang="en-US" sz="2500"/>
-              <a:t>  построить соединение в режиме узел-узел</a:t>
-            </a:r>
-            <a:r>
-              <a:rPr lang="en-US" altLang="ru-RU" sz="2500"/>
-              <a:t>, </a:t>
-            </a:r>
-            <a:r>
-              <a:rPr lang="ru-RU" altLang="en-US" sz="2500"/>
-              <a:t>захватывать и вещать аудио и видео медиа-потоки, а также передавать между браузерами произвольные данные, без обязательного использования посредников. </a:t>
-            </a:r>
-            <a:endParaRPr lang="ru-RU" altLang="en-US"/>
+            <a:r>
+              <a:rPr lang="en-US" altLang="en-US" sz="2400">
+                <a:sym typeface="+mn-ea"/>
+              </a:rPr>
+              <a:t>Создание p2p соединения</a:t>
+            </a:r>
+            <a:endParaRPr lang="en-US" altLang="en-US" sz="2400">
+              <a:sym typeface="+mn-ea"/>
+            </a:endParaRPr>
           </a:p>
         </p:txBody>
       </p:sp>
@@ -7621,16 +6858,16 @@
         <p:spPr/>
         <p:txBody>
           <a:bodyPr>
-            <a:normAutofit fontScale="90000"/>
+            <a:normAutofit/>
           </a:bodyPr>
           <a:p>
             <a:r>
-              <a:rPr lang="ru-RU" altLang="en-US">
-                <a:sym typeface="+mn-ea"/>
-              </a:rPr>
-              <a:t>WebRTC (Web Real-Time Communications) </a:t>
-            </a:r>
-            <a:endParaRPr lang="en-US" altLang="ru-RU">
+              <a:rPr lang="en-US" altLang="en-US" sz="3600">
+                <a:sym typeface="+mn-ea"/>
+              </a:rPr>
+              <a:t>Реализованные функции программы</a:t>
+            </a:r>
+            <a:endParaRPr lang="en-US" altLang="en-US" sz="3600">
               <a:sym typeface="+mn-ea"/>
             </a:endParaRPr>
           </a:p>
@@ -7638,13 +6875,11 @@
       </p:sp>
       <p:pic>
         <p:nvPicPr>
-          <p:cNvPr id="6" name="Изображение 8"/>
+          <p:cNvPr id="7" name="Изображение 18"/>
           <p:cNvPicPr>
             <a:picLocks noChangeAspect="1"/>
           </p:cNvPicPr>
-          <p:nvPr>
-            <p:ph idx="1"/>
-          </p:nvPr>
+          <p:nvPr/>
         </p:nvPicPr>
         <p:blipFill>
           <a:blip r:embed="rId1"/>
@@ -7654,8 +6889,8 @@
         </p:blipFill>
         <p:spPr>
           <a:xfrm>
-            <a:off x="1456690" y="2233930"/>
-            <a:ext cx="9277350" cy="3533775"/>
+            <a:off x="746125" y="2151380"/>
+            <a:ext cx="4846955" cy="1179195"/>
           </a:xfrm>
           <a:prstGeom prst="rect">
             <a:avLst/>
@@ -7666,6 +6901,100 @@
           </a:ln>
         </p:spPr>
       </p:pic>
+      <p:sp>
+        <p:nvSpPr>
+          <p:cNvPr id="8" name="Текстовое поле 7"/>
+          <p:cNvSpPr txBox="1"/>
+          <p:nvPr/>
+        </p:nvSpPr>
+        <p:spPr>
+          <a:xfrm>
+            <a:off x="838200" y="1691005"/>
+            <a:ext cx="5361305" cy="460375"/>
+          </a:xfrm>
+          <a:prstGeom prst="rect">
+            <a:avLst/>
+          </a:prstGeom>
+          <a:noFill/>
+        </p:spPr>
+        <p:txBody>
+          <a:bodyPr wrap="none" rtlCol="0" anchor="t">
+            <a:spAutoFit/>
+          </a:bodyPr>
+          <a:p>
+            <a:r>
+              <a:rPr lang="en-US" altLang="en-US" sz="2400">
+                <a:sym typeface="+mn-ea"/>
+              </a:rPr>
+              <a:t>Создание потока и подписка на него</a:t>
+            </a:r>
+            <a:endParaRPr lang="en-US" altLang="en-US" sz="2400">
+              <a:sym typeface="+mn-ea"/>
+            </a:endParaRPr>
+          </a:p>
+        </p:txBody>
+      </p:sp>
+      <p:pic>
+        <p:nvPicPr>
+          <p:cNvPr id="43" name="Изображение 13"/>
+          <p:cNvPicPr>
+            <a:picLocks noChangeAspect="1"/>
+          </p:cNvPicPr>
+          <p:nvPr/>
+        </p:nvPicPr>
+        <p:blipFill>
+          <a:blip r:embed="rId2"/>
+          <a:stretch>
+            <a:fillRect/>
+          </a:stretch>
+        </p:blipFill>
+        <p:spPr>
+          <a:xfrm>
+            <a:off x="931545" y="4952365"/>
+            <a:ext cx="8696325" cy="1561465"/>
+          </a:xfrm>
+          <a:prstGeom prst="rect">
+            <a:avLst/>
+          </a:prstGeom>
+          <a:noFill/>
+          <a:ln>
+            <a:noFill/>
+          </a:ln>
+        </p:spPr>
+      </p:pic>
+      <p:sp>
+        <p:nvSpPr>
+          <p:cNvPr id="11" name="Текстовое поле 10"/>
+          <p:cNvSpPr txBox="1"/>
+          <p:nvPr/>
+        </p:nvSpPr>
+        <p:spPr>
+          <a:xfrm>
+            <a:off x="931545" y="4507865"/>
+            <a:ext cx="8527415" cy="460375"/>
+          </a:xfrm>
+          <a:prstGeom prst="rect">
+            <a:avLst/>
+          </a:prstGeom>
+          <a:noFill/>
+        </p:spPr>
+        <p:txBody>
+          <a:bodyPr wrap="none" rtlCol="0" anchor="t">
+            <a:spAutoFit/>
+          </a:bodyPr>
+          <a:p>
+            <a:r>
+              <a:rPr lang="en-US" altLang="en-US" sz="2400">
+                <a:sym typeface="+mn-ea"/>
+              </a:rPr>
+              <a:t>Получение информации о медиаустройствах пользователя</a:t>
+            </a:r>
+            <a:endParaRPr lang="en-US" altLang="en-US" sz="2400">
+              <a:sym typeface="+mn-ea"/>
+            </a:endParaRPr>
+          </a:p>
+        </p:txBody>
+      </p:sp>
     </p:spTree>
   </p:cSld>
   <p:clrMapOvr>
@@ -7694,103 +7023,455 @@
             <p:ph type="title"/>
           </p:nvPr>
         </p:nvSpPr>
-        <p:spPr/>
-        <p:txBody>
-          <a:bodyPr/>
-          <a:p>
-            <a:r>
-              <a:rPr lang="en-US" altLang="ru-RU"/>
-              <a:t>STUN</a:t>
-            </a:r>
-            <a:endParaRPr lang="en-US" altLang="ru-RU"/>
-          </a:p>
-        </p:txBody>
-      </p:sp>
-      <p:sp>
-        <p:nvSpPr>
-          <p:cNvPr id="3" name="Замещающее содержимое 2"/>
-          <p:cNvSpPr>
-            <a:spLocks noGrp="1"/>
-          </p:cNvSpPr>
-          <p:nvPr>
-            <p:ph idx="1"/>
-          </p:nvPr>
-        </p:nvSpPr>
         <p:spPr>
           <a:xfrm>
-            <a:off x="838200" y="1825625"/>
-            <a:ext cx="11106150" cy="4351655"/>
+            <a:off x="838200" y="365125"/>
+            <a:ext cx="10515600" cy="673100"/>
           </a:xfrm>
         </p:spPr>
         <p:txBody>
-          <a:bodyPr>
-            <a:noAutofit/>
-          </a:bodyPr>
-          <a:p>
-            <a:pPr marL="0" indent="0">
+          <a:bodyPr/>
+          <a:p>
+            <a:r>
+              <a:rPr lang="" altLang="en-US" sz="3600"/>
+              <a:t>Преимущества</a:t>
+            </a:r>
+            <a:r>
+              <a:rPr lang="en-US" altLang="en-US" sz="3600"/>
+              <a:t> </a:t>
+            </a:r>
+            <a:r>
+              <a:rPr lang="" altLang="en-US" sz="3600"/>
+              <a:t>разработанного видеочата</a:t>
+            </a:r>
+            <a:endParaRPr lang="" altLang="en-US" sz="3600"/>
+          </a:p>
+        </p:txBody>
+      </p:sp>
+      <p:sp>
+        <p:nvSpPr>
+          <p:cNvPr id="3" name="Замещающее содержимое 2"/>
+          <p:cNvSpPr/>
+          <p:nvPr>
+            <p:ph idx="1"/>
+          </p:nvPr>
+        </p:nvSpPr>
+        <p:spPr>
+          <a:xfrm>
+            <a:off x="838200" y="1955165"/>
+            <a:ext cx="10515600" cy="4351338"/>
+          </a:xfrm>
+        </p:spPr>
+        <p:txBody>
+          <a:bodyPr/>
+          <a:p>
+            <a:pPr>
               <a:lnSpc>
                 <a:spcPct val="150000"/>
               </a:lnSpc>
-              <a:buNone/>
             </a:pPr>
             <a:r>
-              <a:rPr sz="2500">
-                <a:sym typeface="+mn-ea"/>
-              </a:rPr>
-              <a:t>STUN </a:t>
-            </a:r>
-            <a:r>
-              <a:rPr sz="2500"/>
-              <a:t>(</a:t>
-            </a:r>
-            <a:r>
-              <a:rPr sz="2500">
-                <a:sym typeface="+mn-ea"/>
-              </a:rPr>
-              <a:t>Session Traversal Utilities for NAT</a:t>
-            </a:r>
-            <a:r>
-              <a:rPr sz="2500"/>
-              <a:t>) </a:t>
-            </a:r>
-            <a:r>
-              <a:rPr lang="en-US" sz="2500"/>
-              <a:t>-</a:t>
-            </a:r>
-            <a:r>
-              <a:rPr sz="2500"/>
-              <a:t> это протокол для нахождения и определения публичного адреса </a:t>
-            </a:r>
-            <a:r>
-              <a:rPr lang="en-US" sz="2500"/>
-              <a:t>устройства </a:t>
-            </a:r>
-            <a:r>
-              <a:rPr sz="2500"/>
-              <a:t>и любых ограничений в маршрутизаторе, которые препятствуют прямому соединению с узлом.</a:t>
-            </a:r>
-            <a:endParaRPr sz="2500"/>
-          </a:p>
-          <a:p>
-            <a:pPr marL="0" indent="0">
+              <a:rPr lang="en-US" altLang="ru-RU" sz="2000">
+                <a:solidFill>
+                  <a:schemeClr val="tx1"/>
+                </a:solidFill>
+              </a:rPr>
+              <a:t>Работает только по HTTPS</a:t>
+            </a:r>
+            <a:endParaRPr lang="en-US" altLang="ru-RU" sz="2000">
+              <a:solidFill>
+                <a:schemeClr val="tx1"/>
+              </a:solidFill>
+            </a:endParaRPr>
+          </a:p>
+          <a:p>
+            <a:pPr>
               <a:lnSpc>
                 <a:spcPct val="150000"/>
               </a:lnSpc>
-              <a:buNone/>
             </a:pPr>
             <a:r>
-              <a:rPr sz="2500"/>
-              <a:t>Клиент </a:t>
-            </a:r>
-            <a:r>
-              <a:rPr lang="" sz="2500"/>
-              <a:t>отправляет </a:t>
-            </a:r>
-            <a:r>
-              <a:rPr sz="2500"/>
-              <a:t>запрос к STUN серверу в интернете, который ответит публичным адресом клиента и, доступен ли, или нет, клиент за NAT маршрутизатором.</a:t>
-            </a:r>
-            <a:endParaRPr sz="2500"/>
+              <a:rPr lang="en-US" altLang="ru-RU" sz="2000">
+                <a:solidFill>
+                  <a:schemeClr val="tx1"/>
+                </a:solidFill>
+              </a:rPr>
+              <a:t>Медиа потоки шифруются (DTLS и SRTP)</a:t>
+            </a:r>
+            <a:endParaRPr lang="en-US" altLang="ru-RU" sz="2000">
+              <a:solidFill>
+                <a:schemeClr val="tx1"/>
+              </a:solidFill>
+            </a:endParaRPr>
+          </a:p>
+          <a:p>
+            <a:pPr>
+              <a:lnSpc>
+                <a:spcPct val="150000"/>
+              </a:lnSpc>
+            </a:pPr>
+            <a:r>
+              <a:rPr lang="en-US" altLang="ru-RU" sz="2000">
+                <a:solidFill>
+                  <a:schemeClr val="tx1"/>
+                </a:solidFill>
+              </a:rPr>
+              <a:t>Технология не требует установки плагинов</a:t>
+            </a:r>
+            <a:endParaRPr lang="en-US" altLang="ru-RU" sz="2000">
+              <a:solidFill>
+                <a:schemeClr val="tx1"/>
+              </a:solidFill>
+            </a:endParaRPr>
+          </a:p>
+          <a:p>
+            <a:pPr>
+              <a:lnSpc>
+                <a:spcPct val="150000"/>
+              </a:lnSpc>
+            </a:pPr>
+            <a:r>
+              <a:rPr lang="en-US" altLang="ru-RU" sz="2000">
+                <a:solidFill>
+                  <a:schemeClr val="tx1"/>
+                </a:solidFill>
+              </a:rPr>
+              <a:t>Не получится сделать шпионское приложение</a:t>
+            </a:r>
+            <a:endParaRPr lang="en-US" altLang="ru-RU" sz="2000">
+              <a:solidFill>
+                <a:schemeClr val="tx1"/>
+              </a:solidFill>
+            </a:endParaRPr>
+          </a:p>
+        </p:txBody>
+      </p:sp>
+      <p:sp>
+        <p:nvSpPr>
+          <p:cNvPr id="4" name="Текстовое поле 3"/>
+          <p:cNvSpPr txBox="1"/>
+          <p:nvPr/>
+        </p:nvSpPr>
+        <p:spPr>
+          <a:xfrm>
+            <a:off x="838200" y="1494790"/>
+            <a:ext cx="2078355" cy="460375"/>
+          </a:xfrm>
+          <a:prstGeom prst="rect">
+            <a:avLst/>
+          </a:prstGeom>
+          <a:noFill/>
+        </p:spPr>
+        <p:txBody>
+          <a:bodyPr wrap="none" rtlCol="0" anchor="t">
+            <a:spAutoFit/>
+          </a:bodyPr>
+          <a:p>
+            <a:r>
+              <a:rPr lang="" sz="2400">
+                <a:sym typeface="+mn-ea"/>
+              </a:rPr>
+              <a:t>Б</a:t>
+            </a:r>
+            <a:r>
+              <a:rPr lang="en-US" altLang="en-US" sz="2400">
+                <a:sym typeface="+mn-ea"/>
+              </a:rPr>
+              <a:t>езопасност</a:t>
+            </a:r>
+            <a:r>
+              <a:rPr lang="" altLang="en-US" sz="2400">
+                <a:sym typeface="+mn-ea"/>
+              </a:rPr>
+              <a:t>ь</a:t>
+            </a:r>
+            <a:endParaRPr lang="" altLang="en-US" sz="2400">
+              <a:sym typeface="+mn-ea"/>
+            </a:endParaRPr>
+          </a:p>
+        </p:txBody>
+      </p:sp>
+      <p:graphicFrame>
+        <p:nvGraphicFramePr>
+          <p:cNvPr id="5" name="Таблица 4"/>
+          <p:cNvGraphicFramePr/>
+          <p:nvPr/>
+        </p:nvGraphicFramePr>
+        <p:xfrm>
+          <a:off x="977900" y="5690870"/>
+          <a:ext cx="9093200" cy="944880"/>
+        </p:xfrm>
+        <a:graphic>
+          <a:graphicData uri="http://schemas.openxmlformats.org/drawingml/2006/table">
+            <a:tbl>
+              <a:tblPr firstRow="1" bandRow="1">
+                <a:effectLst>
+                  <a:outerShdw blurRad="114300" dist="25400" dir="5340000" algn="tl" rotWithShape="0">
+                    <a:prstClr val="black">
+                      <a:alpha val="29000"/>
+                    </a:prstClr>
+                  </a:outerShdw>
+                </a:effectLst>
+                <a:tableStyleId>{5C22544A-7EE6-4342-B048-85BDC9FD1C3A}</a:tableStyleId>
+              </a:tblPr>
+              <a:tblGrid>
+                <a:gridCol w="2273300"/>
+                <a:gridCol w="2273300"/>
+                <a:gridCol w="2273300"/>
+                <a:gridCol w="2273300"/>
+              </a:tblGrid>
+              <a:tr h="472440">
+                <a:tc>
+                  <a:txBody>
+                    <a:bodyPr/>
+                    <a:p>
+                      <a:pPr>
+                        <a:buNone/>
+                      </a:pPr>
+                      <a:r>
+                        <a:rPr lang="en-US" altLang="ru-RU" sz="1800" b="0">
+                          <a:solidFill>
+                            <a:schemeClr val="tx1"/>
+                          </a:solidFill>
+                        </a:rPr>
+                        <a:t>Chrome</a:t>
+                      </a:r>
+                      <a:endParaRPr lang="en-US" altLang="ru-RU" sz="1800" b="0">
+                        <a:solidFill>
+                          <a:schemeClr val="tx1"/>
+                        </a:solidFill>
+                      </a:endParaRPr>
+                    </a:p>
+                  </a:txBody>
+                  <a:tcPr>
+                    <a:noFill/>
+                  </a:tcPr>
+                </a:tc>
+                <a:tc>
+                  <a:txBody>
+                    <a:bodyPr/>
+                    <a:p>
+                      <a:pPr>
+                        <a:buNone/>
+                      </a:pPr>
+                      <a:r>
+                        <a:rPr lang="en-US" altLang="ru-RU" sz="1800" b="0">
+                          <a:solidFill>
+                            <a:schemeClr val="tx1"/>
+                          </a:solidFill>
+                        </a:rPr>
+                        <a:t>Safari</a:t>
+                      </a:r>
+                      <a:endParaRPr lang="en-US" altLang="ru-RU" sz="1800" b="0">
+                        <a:solidFill>
+                          <a:schemeClr val="tx1"/>
+                        </a:solidFill>
+                      </a:endParaRPr>
+                    </a:p>
+                  </a:txBody>
+                  <a:tcPr>
+                    <a:noFill/>
+                  </a:tcPr>
+                </a:tc>
+                <a:tc>
+                  <a:txBody>
+                    <a:bodyPr/>
+                    <a:p>
+                      <a:pPr>
+                        <a:buNone/>
+                      </a:pPr>
+                      <a:r>
+                        <a:rPr lang="en-US" altLang="ru-RU" sz="1800" b="0">
+                          <a:solidFill>
+                            <a:schemeClr val="tx1"/>
+                          </a:solidFill>
+                        </a:rPr>
+                        <a:t>Firefox</a:t>
+                      </a:r>
+                      <a:endParaRPr lang="en-US" altLang="ru-RU" sz="1800" b="0">
+                        <a:solidFill>
+                          <a:schemeClr val="tx1"/>
+                        </a:solidFill>
+                      </a:endParaRPr>
+                    </a:p>
+                  </a:txBody>
+                  <a:tcPr>
+                    <a:noFill/>
+                  </a:tcPr>
+                </a:tc>
+                <a:tc>
+                  <a:txBody>
+                    <a:bodyPr/>
+                    <a:p>
+                      <a:pPr>
+                        <a:buNone/>
+                      </a:pPr>
+                      <a:r>
+                        <a:rPr lang="en-US" altLang="ru-RU" sz="1800" b="0">
+                          <a:solidFill>
+                            <a:schemeClr val="tx1"/>
+                          </a:solidFill>
+                        </a:rPr>
+                        <a:t>Opera</a:t>
+                      </a:r>
+                      <a:endParaRPr lang="en-US" altLang="ru-RU" sz="1800" b="0">
+                        <a:solidFill>
+                          <a:schemeClr val="tx1"/>
+                        </a:solidFill>
+                      </a:endParaRPr>
+                    </a:p>
+                  </a:txBody>
+                  <a:tcPr>
+                    <a:noFill/>
+                  </a:tcPr>
+                </a:tc>
+              </a:tr>
+              <a:tr h="472440">
+                <a:tc>
+                  <a:txBody>
+                    <a:bodyPr/>
+                    <a:p>
+                      <a:pPr>
+                        <a:buNone/>
+                      </a:pPr>
+                      <a:r>
+                        <a:rPr lang="en-US" altLang="ru-RU" sz="1800">
+                          <a:solidFill>
+                            <a:schemeClr val="tx1"/>
+                          </a:solidFill>
+                        </a:rPr>
+                        <a:t>23+</a:t>
+                      </a:r>
+                      <a:endParaRPr lang="en-US" altLang="ru-RU" sz="1800">
+                        <a:solidFill>
+                          <a:schemeClr val="tx1"/>
+                        </a:solidFill>
+                      </a:endParaRPr>
+                    </a:p>
+                  </a:txBody>
+                  <a:tcPr>
+                    <a:noFill/>
+                  </a:tcPr>
+                </a:tc>
+                <a:tc>
+                  <a:txBody>
+                    <a:bodyPr/>
+                    <a:p>
+                      <a:pPr>
+                        <a:buNone/>
+                      </a:pPr>
+                      <a:r>
+                        <a:rPr lang="en-US" altLang="ru-RU" sz="1800">
+                          <a:solidFill>
+                            <a:schemeClr val="tx1"/>
+                          </a:solidFill>
+                        </a:rPr>
+                        <a:t>11+</a:t>
+                      </a:r>
+                      <a:endParaRPr lang="en-US" altLang="ru-RU" sz="1800">
+                        <a:solidFill>
+                          <a:schemeClr val="tx1"/>
+                        </a:solidFill>
+                      </a:endParaRPr>
+                    </a:p>
+                  </a:txBody>
+                  <a:tcPr>
+                    <a:noFill/>
+                  </a:tcPr>
+                </a:tc>
+                <a:tc>
+                  <a:txBody>
+                    <a:bodyPr/>
+                    <a:p>
+                      <a:pPr>
+                        <a:buNone/>
+                      </a:pPr>
+                      <a:r>
+                        <a:rPr lang="en-US" altLang="ru-RU" sz="1800">
+                          <a:solidFill>
+                            <a:schemeClr val="tx1"/>
+                          </a:solidFill>
+                        </a:rPr>
+                        <a:t>38+</a:t>
+                      </a:r>
+                      <a:endParaRPr lang="en-US" altLang="ru-RU" sz="1800">
+                        <a:solidFill>
+                          <a:schemeClr val="tx1"/>
+                        </a:solidFill>
+                      </a:endParaRPr>
+                    </a:p>
+                  </a:txBody>
+                  <a:tcPr>
+                    <a:noFill/>
+                  </a:tcPr>
+                </a:tc>
+                <a:tc>
+                  <a:txBody>
+                    <a:bodyPr/>
+                    <a:p>
+                      <a:pPr>
+                        <a:buNone/>
+                      </a:pPr>
+                      <a:r>
+                        <a:rPr lang="en-US" altLang="ru-RU" sz="1800">
+                          <a:solidFill>
+                            <a:schemeClr val="tx1"/>
+                          </a:solidFill>
+                        </a:rPr>
+                        <a:t>12+</a:t>
+                      </a:r>
+                      <a:endParaRPr lang="en-US" altLang="ru-RU" sz="1800">
+                        <a:solidFill>
+                          <a:schemeClr val="tx1"/>
+                        </a:solidFill>
+                      </a:endParaRPr>
+                    </a:p>
+                  </a:txBody>
+                  <a:tcPr>
+                    <a:noFill/>
+                  </a:tcPr>
+                </a:tc>
+              </a:tr>
+            </a:tbl>
+          </a:graphicData>
+        </a:graphic>
+      </p:graphicFrame>
+      <p:sp>
+        <p:nvSpPr>
+          <p:cNvPr id="6" name="Текстовое поле 5"/>
+          <p:cNvSpPr txBox="1"/>
+          <p:nvPr/>
+        </p:nvSpPr>
+        <p:spPr>
+          <a:xfrm>
+            <a:off x="838200" y="4994910"/>
+            <a:ext cx="3532505" cy="460375"/>
+          </a:xfrm>
+          <a:prstGeom prst="rect">
+            <a:avLst/>
+          </a:prstGeom>
+          <a:noFill/>
+        </p:spPr>
+        <p:txBody>
+          <a:bodyPr wrap="none" rtlCol="0" anchor="t">
+            <a:spAutoFit/>
+          </a:bodyPr>
+          <a:p>
+            <a:r>
+              <a:rPr lang="" sz="2400">
+                <a:sym typeface="+mn-ea"/>
+              </a:rPr>
+              <a:t>К</a:t>
+            </a:r>
+            <a:r>
+              <a:rPr lang="" altLang="en-US" sz="2400">
+                <a:sym typeface="+mn-ea"/>
+              </a:rPr>
+              <a:t>россплатформенность</a:t>
+            </a:r>
+            <a:endParaRPr lang="" altLang="en-US" sz="2400">
+              <a:sym typeface="+mn-ea"/>
+            </a:endParaRPr>
           </a:p>
         </p:txBody>
       </p:sp>
